--- a/RoboSim/RoboSim.pptx
+++ b/RoboSim/RoboSim.pptx
@@ -5,10 +5,10 @@
     <p:sldMasterId id="2147483713" r:id="rId1"/>
   </p:sldMasterIdLst>
   <p:notesMasterIdLst>
-    <p:notesMasterId r:id="rId9"/>
+    <p:notesMasterId r:id="rId10"/>
   </p:notesMasterIdLst>
   <p:handoutMasterIdLst>
-    <p:handoutMasterId r:id="rId10"/>
+    <p:handoutMasterId r:id="rId11"/>
   </p:handoutMasterIdLst>
   <p:sldIdLst>
     <p:sldId id="256" r:id="rId2"/>
@@ -18,6 +18,7 @@
     <p:sldId id="259" r:id="rId6"/>
     <p:sldId id="261" r:id="rId7"/>
     <p:sldId id="262" r:id="rId8"/>
+    <p:sldId id="263" r:id="rId9"/>
   </p:sldIdLst>
   <p:sldSz cx="10693400" cy="7561263"/>
   <p:notesSz cx="6858000" cy="9144000"/>
@@ -4773,6 +4774,188 @@
       </p:par>
     </p:tnLst>
   </p:timing>
+</p:sld>
+</file>
+
+<file path=ppt/slides/slide8.xml><?xml version="1.0" encoding="utf-8"?>
+<p:sld xmlns:a="http://schemas.openxmlformats.org/drawingml/2006/main" xmlns:r="http://schemas.openxmlformats.org/officeDocument/2006/relationships" xmlns:p="http://schemas.openxmlformats.org/presentationml/2006/main">
+  <p:cSld>
+    <p:spTree>
+      <p:nvGrpSpPr>
+        <p:cNvPr id="1" name=""/>
+        <p:cNvGrpSpPr/>
+        <p:nvPr/>
+      </p:nvGrpSpPr>
+      <p:grpSpPr>
+        <a:xfrm>
+          <a:off x="0" y="0"/>
+          <a:ext cx="0" cy="0"/>
+          <a:chOff x="0" y="0"/>
+          <a:chExt cx="0" cy="0"/>
+        </a:xfrm>
+      </p:grpSpPr>
+      <p:sp>
+        <p:nvSpPr>
+          <p:cNvPr id="2" name="Datumsplatzhalter 1"/>
+          <p:cNvSpPr>
+            <a:spLocks noGrp="1"/>
+          </p:cNvSpPr>
+          <p:nvPr>
+            <p:ph type="dt" sz="half" idx="10"/>
+          </p:nvPr>
+        </p:nvSpPr>
+        <p:spPr/>
+        <p:txBody>
+          <a:bodyPr/>
+          <a:lstStyle/>
+          <a:p>
+            <a:fld id="{3F948DE9-8926-4906-9DE6-5AE508BE98CA}" type="datetime1">
+              <a:rPr lang="de-CH" smtClean="0">
+                <a:solidFill>
+                  <a:srgbClr val="000000"/>
+                </a:solidFill>
+              </a:rPr>
+              <a:t>13.01.2016</a:t>
+            </a:fld>
+            <a:endParaRPr lang="de-CH">
+              <a:solidFill>
+                <a:srgbClr val="000000"/>
+              </a:solidFill>
+            </a:endParaRPr>
+          </a:p>
+        </p:txBody>
+      </p:sp>
+      <p:sp>
+        <p:nvSpPr>
+          <p:cNvPr id="3" name="Fußzeilenplatzhalter 2"/>
+          <p:cNvSpPr>
+            <a:spLocks noGrp="1"/>
+          </p:cNvSpPr>
+          <p:nvPr>
+            <p:ph type="ftr" sz="quarter" idx="11"/>
+          </p:nvPr>
+        </p:nvSpPr>
+        <p:spPr/>
+        <p:txBody>
+          <a:bodyPr/>
+          <a:lstStyle/>
+          <a:p>
+            <a:r>
+              <a:rPr lang="de-CH" smtClean="0">
+                <a:solidFill>
+                  <a:srgbClr val="000000"/>
+                </a:solidFill>
+              </a:rPr>
+              <a:t>comgr</a:t>
+            </a:r>
+            <a:endParaRPr lang="de-CH" dirty="0">
+              <a:solidFill>
+                <a:srgbClr val="000000"/>
+              </a:solidFill>
+            </a:endParaRPr>
+          </a:p>
+        </p:txBody>
+      </p:sp>
+      <p:sp>
+        <p:nvSpPr>
+          <p:cNvPr id="4" name="Foliennummernplatzhalter 3"/>
+          <p:cNvSpPr>
+            <a:spLocks noGrp="1"/>
+          </p:cNvSpPr>
+          <p:nvPr>
+            <p:ph type="sldNum" sz="quarter" idx="12"/>
+          </p:nvPr>
+        </p:nvSpPr>
+        <p:spPr/>
+        <p:txBody>
+          <a:bodyPr/>
+          <a:lstStyle/>
+          <a:p>
+            <a:endParaRPr lang="de-CH" dirty="0">
+              <a:solidFill>
+                <a:srgbClr val="000000"/>
+              </a:solidFill>
+            </a:endParaRPr>
+          </a:p>
+        </p:txBody>
+      </p:sp>
+      <p:sp>
+        <p:nvSpPr>
+          <p:cNvPr id="5" name="Titel 4"/>
+          <p:cNvSpPr>
+            <a:spLocks noGrp="1"/>
+          </p:cNvSpPr>
+          <p:nvPr>
+            <p:ph type="title"/>
+          </p:nvPr>
+        </p:nvSpPr>
+        <p:spPr/>
+        <p:txBody>
+          <a:bodyPr/>
+          <a:lstStyle/>
+          <a:p>
+            <a:r>
+              <a:rPr lang="de-CH" dirty="0" smtClean="0"/>
+              <a:t>«Diverses»</a:t>
+            </a:r>
+            <a:endParaRPr lang="de-CH" dirty="0"/>
+          </a:p>
+        </p:txBody>
+      </p:sp>
+      <p:sp>
+        <p:nvSpPr>
+          <p:cNvPr id="6" name="Textplatzhalter 5"/>
+          <p:cNvSpPr>
+            <a:spLocks noGrp="1"/>
+          </p:cNvSpPr>
+          <p:nvPr>
+            <p:ph type="body" idx="1"/>
+          </p:nvPr>
+        </p:nvSpPr>
+        <p:spPr/>
+        <p:txBody>
+          <a:bodyPr/>
+          <a:lstStyle/>
+          <a:p>
+            <a:pPr marL="342900" indent="-342900">
+              <a:buFont typeface="Arial" panose="020B0604020202020204" pitchFamily="34" charset="0"/>
+              <a:buChar char="•"/>
+            </a:pPr>
+            <a:r>
+              <a:rPr lang="de-CH" dirty="0" smtClean="0"/>
+              <a:t>Raum</a:t>
+            </a:r>
+          </a:p>
+          <a:p>
+            <a:pPr marL="342900" indent="-342900">
+              <a:buFont typeface="Arial" panose="020B0604020202020204" pitchFamily="34" charset="0"/>
+              <a:buChar char="•"/>
+            </a:pPr>
+            <a:r>
+              <a:rPr lang="de-CH" dirty="0" smtClean="0"/>
+              <a:t>Objekte</a:t>
+            </a:r>
+            <a:r>
+              <a:rPr lang="de-CH" dirty="0"/>
+              <a:t> </a:t>
+            </a:r>
+            <a:r>
+              <a:rPr lang="de-CH" dirty="0" smtClean="0"/>
+              <a:t>&amp; Objektinteraktion</a:t>
+            </a:r>
+          </a:p>
+        </p:txBody>
+      </p:sp>
+    </p:spTree>
+    <p:extLst>
+      <p:ext uri="{BB962C8B-B14F-4D97-AF65-F5344CB8AC3E}">
+        <p14:creationId xmlns:p14="http://schemas.microsoft.com/office/powerpoint/2010/main" val="3077842626"/>
+      </p:ext>
+    </p:extLst>
+  </p:cSld>
+  <p:clrMapOvr>
+    <a:masterClrMapping/>
+  </p:clrMapOvr>
 </p:sld>
 </file>
 

--- a/RoboSim/RoboSim.pptx
+++ b/RoboSim/RoboSim.pptx
@@ -15,10 +15,10 @@
     <p:sldId id="260" r:id="rId3"/>
     <p:sldId id="257" r:id="rId4"/>
     <p:sldId id="258" r:id="rId5"/>
-    <p:sldId id="259" r:id="rId6"/>
-    <p:sldId id="261" r:id="rId7"/>
-    <p:sldId id="262" r:id="rId8"/>
-    <p:sldId id="263" r:id="rId9"/>
+    <p:sldId id="263" r:id="rId6"/>
+    <p:sldId id="259" r:id="rId7"/>
+    <p:sldId id="261" r:id="rId8"/>
+    <p:sldId id="262" r:id="rId9"/>
   </p:sldIdLst>
   <p:sldSz cx="10693400" cy="7561263"/>
   <p:notesSz cx="6858000" cy="9144000"/>
@@ -4021,7 +4021,11 @@
             </a:pPr>
             <a:r>
               <a:rPr lang="de-CH" dirty="0" smtClean="0"/>
-              <a:t>Simulation eines Fabrikationsroboters</a:t>
+              <a:t>Simulation eines </a:t>
+            </a:r>
+            <a:r>
+              <a:rPr lang="de-CH" dirty="0"/>
+              <a:t>Fabrikationsroboters</a:t>
             </a:r>
           </a:p>
           <a:p>
@@ -4031,12 +4035,13 @@
             </a:pPr>
             <a:r>
               <a:rPr lang="de-CH" dirty="0"/>
-              <a:t>d</a:t>
+              <a:t>Interaktion mit anderen </a:t>
             </a:r>
             <a:r>
               <a:rPr lang="de-CH" dirty="0" smtClean="0"/>
-              <a:t>irekte &amp; inverse Kinematik</a:t>
-            </a:r>
+              <a:t>Objekten</a:t>
+            </a:r>
+            <a:endParaRPr lang="de-CH" dirty="0" smtClean="0"/>
           </a:p>
           <a:p>
             <a:pPr marL="342900" indent="-342900">
@@ -4044,8 +4049,16 @@
               <a:buChar char="•"/>
             </a:pPr>
             <a:r>
+              <a:rPr lang="de-CH" dirty="0"/>
+              <a:t>d</a:t>
+            </a:r>
+            <a:r>
               <a:rPr lang="de-CH" dirty="0" smtClean="0"/>
-              <a:t>Interaktion mit anderen Objekten</a:t>
+              <a:t>irekte &amp; inverse </a:t>
+            </a:r>
+            <a:r>
+              <a:rPr lang="de-CH" dirty="0" smtClean="0"/>
+              <a:t>Kinematik</a:t>
             </a:r>
             <a:endParaRPr lang="de-CH" dirty="0"/>
           </a:p>
@@ -4190,6 +4203,188 @@
           <a:p>
             <a:r>
               <a:rPr lang="de-CH" dirty="0" smtClean="0"/>
+              <a:t>Interaktion</a:t>
+            </a:r>
+            <a:endParaRPr lang="de-CH" dirty="0"/>
+          </a:p>
+        </p:txBody>
+      </p:sp>
+      <p:sp>
+        <p:nvSpPr>
+          <p:cNvPr id="6" name="Textplatzhalter 5"/>
+          <p:cNvSpPr>
+            <a:spLocks noGrp="1"/>
+          </p:cNvSpPr>
+          <p:nvPr>
+            <p:ph type="body" idx="1"/>
+          </p:nvPr>
+        </p:nvSpPr>
+        <p:spPr/>
+        <p:txBody>
+          <a:bodyPr/>
+          <a:lstStyle/>
+          <a:p>
+            <a:pPr marL="342900" indent="-342900">
+              <a:buFont typeface="Arial" panose="020B0604020202020204" pitchFamily="34" charset="0"/>
+              <a:buChar char="•"/>
+            </a:pPr>
+            <a:r>
+              <a:rPr lang="de-CH" dirty="0" smtClean="0"/>
+              <a:t>Raum</a:t>
+            </a:r>
+          </a:p>
+          <a:p>
+            <a:pPr marL="342900" indent="-342900">
+              <a:buFont typeface="Arial" panose="020B0604020202020204" pitchFamily="34" charset="0"/>
+              <a:buChar char="•"/>
+            </a:pPr>
+            <a:r>
+              <a:rPr lang="de-CH" dirty="0" smtClean="0"/>
+              <a:t>Objekte</a:t>
+            </a:r>
+            <a:r>
+              <a:rPr lang="de-CH" dirty="0"/>
+              <a:t> </a:t>
+            </a:r>
+            <a:r>
+              <a:rPr lang="de-CH" dirty="0" smtClean="0"/>
+              <a:t>&amp; Objektinteraktion</a:t>
+            </a:r>
+          </a:p>
+        </p:txBody>
+      </p:sp>
+    </p:spTree>
+    <p:extLst>
+      <p:ext uri="{BB962C8B-B14F-4D97-AF65-F5344CB8AC3E}">
+        <p14:creationId xmlns:p14="http://schemas.microsoft.com/office/powerpoint/2010/main" val="3077842626"/>
+      </p:ext>
+    </p:extLst>
+  </p:cSld>
+  <p:clrMapOvr>
+    <a:masterClrMapping/>
+  </p:clrMapOvr>
+</p:sld>
+</file>
+
+<file path=ppt/slides/slide6.xml><?xml version="1.0" encoding="utf-8"?>
+<p:sld xmlns:a="http://schemas.openxmlformats.org/drawingml/2006/main" xmlns:r="http://schemas.openxmlformats.org/officeDocument/2006/relationships" xmlns:p="http://schemas.openxmlformats.org/presentationml/2006/main">
+  <p:cSld>
+    <p:spTree>
+      <p:nvGrpSpPr>
+        <p:cNvPr id="1" name=""/>
+        <p:cNvGrpSpPr/>
+        <p:nvPr/>
+      </p:nvGrpSpPr>
+      <p:grpSpPr>
+        <a:xfrm>
+          <a:off x="0" y="0"/>
+          <a:ext cx="0" cy="0"/>
+          <a:chOff x="0" y="0"/>
+          <a:chExt cx="0" cy="0"/>
+        </a:xfrm>
+      </p:grpSpPr>
+      <p:sp>
+        <p:nvSpPr>
+          <p:cNvPr id="2" name="Datumsplatzhalter 1"/>
+          <p:cNvSpPr>
+            <a:spLocks noGrp="1"/>
+          </p:cNvSpPr>
+          <p:nvPr>
+            <p:ph type="dt" sz="half" idx="10"/>
+          </p:nvPr>
+        </p:nvSpPr>
+        <p:spPr/>
+        <p:txBody>
+          <a:bodyPr/>
+          <a:lstStyle/>
+          <a:p>
+            <a:fld id="{3F948DE9-8926-4906-9DE6-5AE508BE98CA}" type="datetime1">
+              <a:rPr lang="de-CH" smtClean="0">
+                <a:solidFill>
+                  <a:srgbClr val="000000"/>
+                </a:solidFill>
+              </a:rPr>
+              <a:t>13.01.2016</a:t>
+            </a:fld>
+            <a:endParaRPr lang="de-CH">
+              <a:solidFill>
+                <a:srgbClr val="000000"/>
+              </a:solidFill>
+            </a:endParaRPr>
+          </a:p>
+        </p:txBody>
+      </p:sp>
+      <p:sp>
+        <p:nvSpPr>
+          <p:cNvPr id="3" name="Fußzeilenplatzhalter 2"/>
+          <p:cNvSpPr>
+            <a:spLocks noGrp="1"/>
+          </p:cNvSpPr>
+          <p:nvPr>
+            <p:ph type="ftr" sz="quarter" idx="11"/>
+          </p:nvPr>
+        </p:nvSpPr>
+        <p:spPr/>
+        <p:txBody>
+          <a:bodyPr/>
+          <a:lstStyle/>
+          <a:p>
+            <a:r>
+              <a:rPr lang="de-CH" smtClean="0">
+                <a:solidFill>
+                  <a:srgbClr val="000000"/>
+                </a:solidFill>
+              </a:rPr>
+              <a:t>comgr</a:t>
+            </a:r>
+            <a:endParaRPr lang="de-CH" dirty="0">
+              <a:solidFill>
+                <a:srgbClr val="000000"/>
+              </a:solidFill>
+            </a:endParaRPr>
+          </a:p>
+        </p:txBody>
+      </p:sp>
+      <p:sp>
+        <p:nvSpPr>
+          <p:cNvPr id="4" name="Foliennummernplatzhalter 3"/>
+          <p:cNvSpPr>
+            <a:spLocks noGrp="1"/>
+          </p:cNvSpPr>
+          <p:nvPr>
+            <p:ph type="sldNum" sz="quarter" idx="12"/>
+          </p:nvPr>
+        </p:nvSpPr>
+        <p:spPr/>
+        <p:txBody>
+          <a:bodyPr/>
+          <a:lstStyle/>
+          <a:p>
+            <a:endParaRPr lang="de-CH" dirty="0">
+              <a:solidFill>
+                <a:srgbClr val="000000"/>
+              </a:solidFill>
+            </a:endParaRPr>
+          </a:p>
+        </p:txBody>
+      </p:sp>
+      <p:sp>
+        <p:nvSpPr>
+          <p:cNvPr id="5" name="Titel 4"/>
+          <p:cNvSpPr>
+            <a:spLocks noGrp="1"/>
+          </p:cNvSpPr>
+          <p:nvPr>
+            <p:ph type="title"/>
+          </p:nvPr>
+        </p:nvSpPr>
+        <p:spPr/>
+        <p:txBody>
+          <a:bodyPr/>
+          <a:lstStyle/>
+          <a:p>
+            <a:r>
+              <a:rPr lang="de-CH" dirty="0" smtClean="0"/>
               <a:t>Roboter</a:t>
             </a:r>
             <a:endParaRPr lang="de-CH" dirty="0"/>
@@ -4308,311 +4503,6 @@
 </p:sld>
 </file>
 
-<file path=ppt/slides/slide6.xml><?xml version="1.0" encoding="utf-8"?>
-<p:sld xmlns:a="http://schemas.openxmlformats.org/drawingml/2006/main" xmlns:r="http://schemas.openxmlformats.org/officeDocument/2006/relationships" xmlns:p="http://schemas.openxmlformats.org/presentationml/2006/main">
-  <p:cSld>
-    <p:spTree>
-      <p:nvGrpSpPr>
-        <p:cNvPr id="1" name=""/>
-        <p:cNvGrpSpPr/>
-        <p:nvPr/>
-      </p:nvGrpSpPr>
-      <p:grpSpPr>
-        <a:xfrm>
-          <a:off x="0" y="0"/>
-          <a:ext cx="0" cy="0"/>
-          <a:chOff x="0" y="0"/>
-          <a:chExt cx="0" cy="0"/>
-        </a:xfrm>
-      </p:grpSpPr>
-      <p:sp>
-        <p:nvSpPr>
-          <p:cNvPr id="2" name="Datumsplatzhalter 1"/>
-          <p:cNvSpPr>
-            <a:spLocks noGrp="1"/>
-          </p:cNvSpPr>
-          <p:nvPr>
-            <p:ph type="dt" sz="half" idx="10"/>
-          </p:nvPr>
-        </p:nvSpPr>
-        <p:spPr/>
-        <p:txBody>
-          <a:bodyPr/>
-          <a:lstStyle/>
-          <a:p>
-            <a:fld id="{3F948DE9-8926-4906-9DE6-5AE508BE98CA}" type="datetime1">
-              <a:rPr lang="de-CH" smtClean="0">
-                <a:solidFill>
-                  <a:srgbClr val="000000"/>
-                </a:solidFill>
-              </a:rPr>
-              <a:t>13.01.2016</a:t>
-            </a:fld>
-            <a:endParaRPr lang="de-CH">
-              <a:solidFill>
-                <a:srgbClr val="000000"/>
-              </a:solidFill>
-            </a:endParaRPr>
-          </a:p>
-        </p:txBody>
-      </p:sp>
-      <p:sp>
-        <p:nvSpPr>
-          <p:cNvPr id="3" name="Fußzeilenplatzhalter 2"/>
-          <p:cNvSpPr>
-            <a:spLocks noGrp="1"/>
-          </p:cNvSpPr>
-          <p:nvPr>
-            <p:ph type="ftr" sz="quarter" idx="11"/>
-          </p:nvPr>
-        </p:nvSpPr>
-        <p:spPr/>
-        <p:txBody>
-          <a:bodyPr/>
-          <a:lstStyle/>
-          <a:p>
-            <a:r>
-              <a:rPr lang="de-CH" smtClean="0">
-                <a:solidFill>
-                  <a:srgbClr val="000000"/>
-                </a:solidFill>
-              </a:rPr>
-              <a:t>comgr</a:t>
-            </a:r>
-            <a:endParaRPr lang="de-CH" dirty="0">
-              <a:solidFill>
-                <a:srgbClr val="000000"/>
-              </a:solidFill>
-            </a:endParaRPr>
-          </a:p>
-        </p:txBody>
-      </p:sp>
-      <p:sp>
-        <p:nvSpPr>
-          <p:cNvPr id="4" name="Foliennummernplatzhalter 3"/>
-          <p:cNvSpPr>
-            <a:spLocks noGrp="1"/>
-          </p:cNvSpPr>
-          <p:nvPr>
-            <p:ph type="sldNum" sz="quarter" idx="12"/>
-          </p:nvPr>
-        </p:nvSpPr>
-        <p:spPr/>
-        <p:txBody>
-          <a:bodyPr/>
-          <a:lstStyle/>
-          <a:p>
-            <a:endParaRPr lang="de-CH" dirty="0">
-              <a:solidFill>
-                <a:srgbClr val="000000"/>
-              </a:solidFill>
-            </a:endParaRPr>
-          </a:p>
-        </p:txBody>
-      </p:sp>
-      <p:sp>
-        <p:nvSpPr>
-          <p:cNvPr id="5" name="Titel 4"/>
-          <p:cNvSpPr>
-            <a:spLocks noGrp="1"/>
-          </p:cNvSpPr>
-          <p:nvPr>
-            <p:ph type="title"/>
-          </p:nvPr>
-        </p:nvSpPr>
-        <p:spPr/>
-        <p:txBody>
-          <a:bodyPr/>
-          <a:lstStyle/>
-          <a:p>
-            <a:r>
-              <a:rPr lang="de-CH" dirty="0" smtClean="0"/>
-              <a:t>Direkte Kinematik</a:t>
-            </a:r>
-            <a:endParaRPr lang="de-CH" dirty="0"/>
-          </a:p>
-        </p:txBody>
-      </p:sp>
-      <p:sp>
-        <p:nvSpPr>
-          <p:cNvPr id="6" name="Textplatzhalter 5"/>
-          <p:cNvSpPr>
-            <a:spLocks noGrp="1"/>
-          </p:cNvSpPr>
-          <p:nvPr>
-            <p:ph type="body" idx="1"/>
-          </p:nvPr>
-        </p:nvSpPr>
-        <p:spPr/>
-        <p:txBody>
-          <a:bodyPr/>
-          <a:lstStyle/>
-          <a:p>
-            <a:r>
-              <a:rPr lang="de-CH" sz="2800" dirty="0" smtClean="0"/>
-              <a:t>R</a:t>
-            </a:r>
-            <a:r>
-              <a:rPr lang="de-CH" sz="2800" baseline="-25000" dirty="0" smtClean="0"/>
-              <a:t>0</a:t>
-            </a:r>
-            <a:r>
-              <a:rPr lang="de-CH" sz="2800" dirty="0" smtClean="0"/>
-              <a:t> = I x T</a:t>
-            </a:r>
-            <a:r>
-              <a:rPr lang="de-CH" sz="2800" baseline="-25000" dirty="0" smtClean="0"/>
-              <a:t>Axis0 </a:t>
-            </a:r>
-            <a:r>
-              <a:rPr lang="de-CH" sz="2800" dirty="0" smtClean="0"/>
-              <a:t>x </a:t>
-            </a:r>
-            <a:r>
-              <a:rPr lang="de-CH" sz="2800" dirty="0" err="1" smtClean="0"/>
-              <a:t>Rot</a:t>
-            </a:r>
-            <a:r>
-              <a:rPr lang="de-CH" sz="2800" baseline="-25000" dirty="0" err="1" smtClean="0"/>
-              <a:t>Z</a:t>
-            </a:r>
-            <a:r>
-              <a:rPr lang="de-CH" sz="2800" dirty="0" smtClean="0"/>
-              <a:t>(A</a:t>
-            </a:r>
-            <a:r>
-              <a:rPr lang="de-CH" sz="2800" baseline="-25000" dirty="0" smtClean="0"/>
-              <a:t>0</a:t>
-            </a:r>
-            <a:r>
-              <a:rPr lang="de-CH" sz="2800" dirty="0" smtClean="0"/>
-              <a:t>) x (-T</a:t>
-            </a:r>
-            <a:r>
-              <a:rPr lang="de-CH" sz="2800" baseline="-25000" dirty="0" smtClean="0"/>
-              <a:t>Axis0</a:t>
-            </a:r>
-            <a:r>
-              <a:rPr lang="de-CH" sz="2800" dirty="0" smtClean="0"/>
-              <a:t>)</a:t>
-            </a:r>
-          </a:p>
-          <a:p>
-            <a:endParaRPr lang="de-CH" sz="2800" baseline="-25000" dirty="0" smtClean="0"/>
-          </a:p>
-          <a:p>
-            <a:r>
-              <a:rPr lang="de-CH" sz="2800" dirty="0" smtClean="0"/>
-              <a:t>T</a:t>
-            </a:r>
-            <a:r>
-              <a:rPr lang="de-CH" sz="2800" baseline="-25000" dirty="0" smtClean="0"/>
-              <a:t>0</a:t>
-            </a:r>
-            <a:r>
-              <a:rPr lang="de-CH" sz="2800" dirty="0" smtClean="0"/>
-              <a:t> = I x R</a:t>
-            </a:r>
-            <a:r>
-              <a:rPr lang="de-CH" sz="2800" baseline="-25000" dirty="0" smtClean="0"/>
-              <a:t>0</a:t>
-            </a:r>
-            <a:endParaRPr lang="de-CH" sz="2800" dirty="0" smtClean="0"/>
-          </a:p>
-          <a:p>
-            <a:r>
-              <a:rPr lang="de-CH" sz="2800" dirty="0"/>
-              <a:t>T</a:t>
-            </a:r>
-            <a:r>
-              <a:rPr lang="de-CH" sz="2800" baseline="-25000" dirty="0"/>
-              <a:t>1</a:t>
-            </a:r>
-            <a:r>
-              <a:rPr lang="de-CH" sz="2800" dirty="0"/>
-              <a:t> = </a:t>
-            </a:r>
-            <a:r>
-              <a:rPr lang="de-CH" sz="2800" dirty="0" smtClean="0"/>
-              <a:t>T</a:t>
-            </a:r>
-            <a:r>
-              <a:rPr lang="de-CH" sz="2800" baseline="-25000" dirty="0" smtClean="0"/>
-              <a:t>0</a:t>
-            </a:r>
-            <a:r>
-              <a:rPr lang="de-CH" sz="2800" dirty="0" smtClean="0"/>
-              <a:t> </a:t>
-            </a:r>
-            <a:r>
-              <a:rPr lang="de-CH" sz="2800" dirty="0"/>
-              <a:t>x R</a:t>
-            </a:r>
-            <a:r>
-              <a:rPr lang="de-CH" sz="2800" baseline="-25000" dirty="0"/>
-              <a:t>1</a:t>
-            </a:r>
-            <a:endParaRPr lang="de-CH" sz="2800" dirty="0"/>
-          </a:p>
-          <a:p>
-            <a:r>
-              <a:rPr lang="de-CH" sz="2800" dirty="0" smtClean="0"/>
-              <a:t>T</a:t>
-            </a:r>
-            <a:r>
-              <a:rPr lang="de-CH" sz="2800" baseline="-25000" dirty="0" smtClean="0"/>
-              <a:t>2</a:t>
-            </a:r>
-            <a:r>
-              <a:rPr lang="de-CH" sz="2800" dirty="0" smtClean="0"/>
-              <a:t> = T</a:t>
-            </a:r>
-            <a:r>
-              <a:rPr lang="de-CH" sz="2800" baseline="-25000" dirty="0" smtClean="0"/>
-              <a:t>1</a:t>
-            </a:r>
-            <a:r>
-              <a:rPr lang="de-CH" sz="2800" dirty="0" smtClean="0"/>
-              <a:t> x R</a:t>
-            </a:r>
-            <a:r>
-              <a:rPr lang="de-CH" sz="2800" baseline="-25000" dirty="0" smtClean="0"/>
-              <a:t>2</a:t>
-            </a:r>
-            <a:endParaRPr lang="de-CH" sz="2800" dirty="0"/>
-          </a:p>
-          <a:p>
-            <a:r>
-              <a:rPr lang="de-CH" sz="2800" baseline="-25000" dirty="0" smtClean="0"/>
-              <a:t>…</a:t>
-            </a:r>
-            <a:endParaRPr lang="de-CH" sz="2800" baseline="-25000" dirty="0"/>
-          </a:p>
-          <a:p>
-            <a:endParaRPr lang="de-CH" dirty="0"/>
-          </a:p>
-        </p:txBody>
-      </p:sp>
-    </p:spTree>
-    <p:extLst>
-      <p:ext uri="{BB962C8B-B14F-4D97-AF65-F5344CB8AC3E}">
-        <p14:creationId xmlns:p14="http://schemas.microsoft.com/office/powerpoint/2010/main" val="1017982125"/>
-      </p:ext>
-    </p:extLst>
-  </p:cSld>
-  <p:clrMapOvr>
-    <a:masterClrMapping/>
-  </p:clrMapOvr>
-  <p:timing>
-    <p:tnLst>
-      <p:par>
-        <p:cTn id="1" dur="indefinite" restart="never" nodeType="tmRoot"/>
-      </p:par>
-    </p:tnLst>
-  </p:timing>
-</p:sld>
-</file>
-
 <file path=ppt/slides/slide7.xml><?xml version="1.0" encoding="utf-8"?>
 <p:sld xmlns:a="http://schemas.openxmlformats.org/drawingml/2006/main" xmlns:r="http://schemas.openxmlformats.org/officeDocument/2006/relationships" xmlns:p="http://schemas.openxmlformats.org/presentationml/2006/main">
   <p:cSld>
@@ -4732,7 +4622,7 @@
           <a:p>
             <a:r>
               <a:rPr lang="de-CH" dirty="0" smtClean="0"/>
-              <a:t>Inverse Kinematik</a:t>
+              <a:t>Direkte Kinematik</a:t>
             </a:r>
             <a:endParaRPr lang="de-CH" dirty="0"/>
           </a:p>
@@ -4753,14 +4643,155 @@
           <a:bodyPr/>
           <a:lstStyle/>
           <a:p>
-            <a:endParaRPr lang="de-CH"/>
+            <a:r>
+              <a:rPr lang="de-CH" sz="2800" dirty="0" smtClean="0"/>
+              <a:t>R</a:t>
+            </a:r>
+            <a:r>
+              <a:rPr lang="de-CH" sz="2800" baseline="-25000" dirty="0" smtClean="0"/>
+              <a:t>0</a:t>
+            </a:r>
+            <a:r>
+              <a:rPr lang="de-CH" sz="2800" dirty="0" smtClean="0"/>
+              <a:t> = I x T</a:t>
+            </a:r>
+            <a:r>
+              <a:rPr lang="de-CH" sz="2800" baseline="-25000" dirty="0" smtClean="0"/>
+              <a:t>Axis0 </a:t>
+            </a:r>
+            <a:r>
+              <a:rPr lang="de-CH" sz="2800" dirty="0" smtClean="0"/>
+              <a:t>x </a:t>
+            </a:r>
+            <a:r>
+              <a:rPr lang="de-CH" sz="2800" dirty="0" err="1" smtClean="0"/>
+              <a:t>Rot</a:t>
+            </a:r>
+            <a:r>
+              <a:rPr lang="de-CH" sz="2800" baseline="-25000" dirty="0" err="1" smtClean="0"/>
+              <a:t>Z</a:t>
+            </a:r>
+            <a:r>
+              <a:rPr lang="de-CH" sz="2800" dirty="0" smtClean="0"/>
+              <a:t>(A</a:t>
+            </a:r>
+            <a:r>
+              <a:rPr lang="de-CH" sz="2800" baseline="-25000" dirty="0" smtClean="0"/>
+              <a:t>0</a:t>
+            </a:r>
+            <a:r>
+              <a:rPr lang="de-CH" sz="2800" dirty="0" smtClean="0"/>
+              <a:t>) x (-T</a:t>
+            </a:r>
+            <a:r>
+              <a:rPr lang="de-CH" sz="2800" baseline="-25000" dirty="0" smtClean="0"/>
+              <a:t>Axis0</a:t>
+            </a:r>
+            <a:r>
+              <a:rPr lang="de-CH" sz="2800" dirty="0" smtClean="0"/>
+              <a:t>)</a:t>
+            </a:r>
+          </a:p>
+          <a:p>
+            <a:endParaRPr lang="de-CH" sz="2800" baseline="-25000" dirty="0" smtClean="0"/>
+          </a:p>
+          <a:p>
+            <a:r>
+              <a:rPr lang="de-CH" sz="2800" dirty="0" smtClean="0"/>
+              <a:t>T</a:t>
+            </a:r>
+            <a:r>
+              <a:rPr lang="de-CH" sz="2800" baseline="-25000" dirty="0" smtClean="0"/>
+              <a:t>0</a:t>
+            </a:r>
+            <a:r>
+              <a:rPr lang="de-CH" sz="2800" dirty="0" smtClean="0"/>
+              <a:t> = I x R</a:t>
+            </a:r>
+            <a:r>
+              <a:rPr lang="de-CH" sz="2800" baseline="-25000" dirty="0" smtClean="0"/>
+              <a:t>0</a:t>
+            </a:r>
+            <a:endParaRPr lang="de-CH" sz="2800" dirty="0" smtClean="0"/>
+          </a:p>
+          <a:p>
+            <a:r>
+              <a:rPr lang="de-CH" sz="2800" dirty="0"/>
+              <a:t>T</a:t>
+            </a:r>
+            <a:r>
+              <a:rPr lang="de-CH" sz="2800" baseline="-25000" dirty="0"/>
+              <a:t>1</a:t>
+            </a:r>
+            <a:r>
+              <a:rPr lang="de-CH" sz="2800" dirty="0"/>
+              <a:t> = </a:t>
+            </a:r>
+            <a:r>
+              <a:rPr lang="de-CH" sz="2800" dirty="0" smtClean="0"/>
+              <a:t>T</a:t>
+            </a:r>
+            <a:r>
+              <a:rPr lang="de-CH" sz="2800" baseline="-25000" dirty="0" smtClean="0"/>
+              <a:t>0</a:t>
+            </a:r>
+            <a:r>
+              <a:rPr lang="de-CH" sz="2800" dirty="0" smtClean="0"/>
+              <a:t> </a:t>
+            </a:r>
+            <a:r>
+              <a:rPr lang="de-CH" sz="2800" dirty="0"/>
+              <a:t>x R</a:t>
+            </a:r>
+            <a:r>
+              <a:rPr lang="de-CH" sz="2800" baseline="-25000" dirty="0"/>
+              <a:t>1</a:t>
+            </a:r>
+            <a:endParaRPr lang="de-CH" sz="2800" dirty="0"/>
+          </a:p>
+          <a:p>
+            <a:r>
+              <a:rPr lang="de-CH" sz="2800" dirty="0" smtClean="0"/>
+              <a:t>T</a:t>
+            </a:r>
+            <a:r>
+              <a:rPr lang="de-CH" sz="2800" baseline="-25000" dirty="0" smtClean="0"/>
+              <a:t>2</a:t>
+            </a:r>
+            <a:r>
+              <a:rPr lang="de-CH" sz="2800" dirty="0" smtClean="0"/>
+              <a:t> = T</a:t>
+            </a:r>
+            <a:r>
+              <a:rPr lang="de-CH" sz="2800" baseline="-25000" dirty="0" smtClean="0"/>
+              <a:t>1</a:t>
+            </a:r>
+            <a:r>
+              <a:rPr lang="de-CH" sz="2800" dirty="0" smtClean="0"/>
+              <a:t> x R</a:t>
+            </a:r>
+            <a:r>
+              <a:rPr lang="de-CH" sz="2800" baseline="-25000" dirty="0" smtClean="0"/>
+              <a:t>2</a:t>
+            </a:r>
+            <a:endParaRPr lang="de-CH" sz="2800" dirty="0"/>
+          </a:p>
+          <a:p>
+            <a:r>
+              <a:rPr lang="de-CH" sz="2800" baseline="-25000" dirty="0" smtClean="0"/>
+              <a:t>…</a:t>
+            </a:r>
+            <a:endParaRPr lang="de-CH" sz="2800" baseline="-25000" dirty="0"/>
+          </a:p>
+          <a:p>
+            <a:endParaRPr lang="de-CH" dirty="0"/>
           </a:p>
         </p:txBody>
       </p:sp>
     </p:spTree>
     <p:extLst>
       <p:ext uri="{BB962C8B-B14F-4D97-AF65-F5344CB8AC3E}">
-        <p14:creationId xmlns:p14="http://schemas.microsoft.com/office/powerpoint/2010/main" val="1128961603"/>
+        <p14:creationId xmlns:p14="http://schemas.microsoft.com/office/powerpoint/2010/main" val="1017982125"/>
       </p:ext>
     </p:extLst>
   </p:cSld>
@@ -4896,7 +4927,7 @@
           <a:p>
             <a:r>
               <a:rPr lang="de-CH" dirty="0" smtClean="0"/>
-              <a:t>«Diverses»</a:t>
+              <a:t>Inverse Kinematik</a:t>
             </a:r>
             <a:endParaRPr lang="de-CH" dirty="0"/>
           </a:p>
@@ -4917,45 +4948,27 @@
           <a:bodyPr/>
           <a:lstStyle/>
           <a:p>
-            <a:pPr marL="342900" indent="-342900">
-              <a:buFont typeface="Arial" panose="020B0604020202020204" pitchFamily="34" charset="0"/>
-              <a:buChar char="•"/>
-            </a:pPr>
-            <a:r>
-              <a:rPr lang="de-CH" dirty="0" smtClean="0"/>
-              <a:t>Raum</a:t>
-            </a:r>
-          </a:p>
-          <a:p>
-            <a:pPr marL="342900" indent="-342900">
-              <a:buFont typeface="Arial" panose="020B0604020202020204" pitchFamily="34" charset="0"/>
-              <a:buChar char="•"/>
-            </a:pPr>
-            <a:r>
-              <a:rPr lang="de-CH" dirty="0" smtClean="0"/>
-              <a:t>Objekte</a:t>
-            </a:r>
-            <a:r>
-              <a:rPr lang="de-CH" dirty="0"/>
-              <a:t> </a:t>
-            </a:r>
-            <a:r>
-              <a:rPr lang="de-CH" dirty="0" smtClean="0"/>
-              <a:t>&amp; Objektinteraktion</a:t>
-            </a:r>
+            <a:endParaRPr lang="de-CH"/>
           </a:p>
         </p:txBody>
       </p:sp>
     </p:spTree>
     <p:extLst>
       <p:ext uri="{BB962C8B-B14F-4D97-AF65-F5344CB8AC3E}">
-        <p14:creationId xmlns:p14="http://schemas.microsoft.com/office/powerpoint/2010/main" val="3077842626"/>
+        <p14:creationId xmlns:p14="http://schemas.microsoft.com/office/powerpoint/2010/main" val="1128961603"/>
       </p:ext>
     </p:extLst>
   </p:cSld>
   <p:clrMapOvr>
     <a:masterClrMapping/>
   </p:clrMapOvr>
+  <p:timing>
+    <p:tnLst>
+      <p:par>
+        <p:cTn id="1" dur="indefinite" restart="never" nodeType="tmRoot"/>
+      </p:par>
+    </p:tnLst>
+  </p:timing>
 </p:sld>
 </file>
 

--- a/RoboSim/RoboSim.pptx
+++ b/RoboSim/RoboSim.pptx
@@ -1,37 +1,424 @@
 
 <file path=ppt/presentation.xml><?xml version="1.0" encoding="utf-8"?>
-<p:presentation xmlns:a="http://schemas.openxmlformats.org/drawingml/2006/main" xmlns:p="http://schemas.openxmlformats.org/presentationml/2006/main" xmlns:r="http://schemas.openxmlformats.org/officeDocument/2006/relationships">
+<p:presentation xmlns:a="http://schemas.openxmlformats.org/drawingml/2006/main" xmlns:r="http://schemas.openxmlformats.org/officeDocument/2006/relationships" xmlns:p="http://schemas.openxmlformats.org/presentationml/2006/main" saveSubsetFonts="1">
   <p:sldMasterIdLst>
-    <p:sldMasterId id="2147483648" r:id="rId2"/>
-    <p:sldMasterId id="2147483661" r:id="rId3"/>
+    <p:sldMasterId id="2147483648" r:id="rId1"/>
+    <p:sldMasterId id="2147483661" r:id="rId2"/>
   </p:sldMasterIdLst>
   <p:notesMasterIdLst>
-    <p:notesMasterId r:id="rId4"/>
+    <p:notesMasterId r:id="rId18"/>
   </p:notesMasterIdLst>
   <p:sldIdLst>
-    <p:sldId id="256" r:id="rId5"/>
-    <p:sldId id="257" r:id="rId6"/>
-    <p:sldId id="258" r:id="rId7"/>
-    <p:sldId id="259" r:id="rId8"/>
-    <p:sldId id="260" r:id="rId9"/>
-    <p:sldId id="261" r:id="rId10"/>
-    <p:sldId id="262" r:id="rId11"/>
-    <p:sldId id="263" r:id="rId12"/>
-    <p:sldId id="264" r:id="rId13"/>
-    <p:sldId id="265" r:id="rId14"/>
-    <p:sldId id="266" r:id="rId15"/>
-    <p:sldId id="267" r:id="rId16"/>
-    <p:sldId id="268" r:id="rId17"/>
-    <p:sldId id="269" r:id="rId18"/>
-    <p:sldId id="270" r:id="rId19"/>
+    <p:sldId id="256" r:id="rId3"/>
+    <p:sldId id="257" r:id="rId4"/>
+    <p:sldId id="258" r:id="rId5"/>
+    <p:sldId id="259" r:id="rId6"/>
+    <p:sldId id="260" r:id="rId7"/>
+    <p:sldId id="261" r:id="rId8"/>
+    <p:sldId id="262" r:id="rId9"/>
+    <p:sldId id="264" r:id="rId10"/>
+    <p:sldId id="265" r:id="rId11"/>
+    <p:sldId id="266" r:id="rId12"/>
+    <p:sldId id="267" r:id="rId13"/>
+    <p:sldId id="268" r:id="rId14"/>
+    <p:sldId id="271" r:id="rId15"/>
+    <p:sldId id="269" r:id="rId16"/>
+    <p:sldId id="270" r:id="rId17"/>
   </p:sldIdLst>
-  <p:sldSz cx="10693400" cy="7561262"/>
+  <p:sldSz cx="10693400" cy="7561263"/>
   <p:notesSz cx="6858000" cy="9144000"/>
+  <p:defaultTextStyle>
+    <a:defPPr>
+      <a:defRPr lang="en-US"/>
+    </a:defPPr>
+    <a:lvl1pPr marL="0" algn="l" defTabSz="914400" rtl="0" eaLnBrk="1" latinLnBrk="0" hangingPunct="1">
+      <a:defRPr sz="1800" kern="1200">
+        <a:solidFill>
+          <a:schemeClr val="tx1"/>
+        </a:solidFill>
+        <a:latin typeface="+mn-lt"/>
+        <a:ea typeface="+mn-ea"/>
+        <a:cs typeface="+mn-cs"/>
+      </a:defRPr>
+    </a:lvl1pPr>
+    <a:lvl2pPr marL="457200" algn="l" defTabSz="914400" rtl="0" eaLnBrk="1" latinLnBrk="0" hangingPunct="1">
+      <a:defRPr sz="1800" kern="1200">
+        <a:solidFill>
+          <a:schemeClr val="tx1"/>
+        </a:solidFill>
+        <a:latin typeface="+mn-lt"/>
+        <a:ea typeface="+mn-ea"/>
+        <a:cs typeface="+mn-cs"/>
+      </a:defRPr>
+    </a:lvl2pPr>
+    <a:lvl3pPr marL="914400" algn="l" defTabSz="914400" rtl="0" eaLnBrk="1" latinLnBrk="0" hangingPunct="1">
+      <a:defRPr sz="1800" kern="1200">
+        <a:solidFill>
+          <a:schemeClr val="tx1"/>
+        </a:solidFill>
+        <a:latin typeface="+mn-lt"/>
+        <a:ea typeface="+mn-ea"/>
+        <a:cs typeface="+mn-cs"/>
+      </a:defRPr>
+    </a:lvl3pPr>
+    <a:lvl4pPr marL="1371600" algn="l" defTabSz="914400" rtl="0" eaLnBrk="1" latinLnBrk="0" hangingPunct="1">
+      <a:defRPr sz="1800" kern="1200">
+        <a:solidFill>
+          <a:schemeClr val="tx1"/>
+        </a:solidFill>
+        <a:latin typeface="+mn-lt"/>
+        <a:ea typeface="+mn-ea"/>
+        <a:cs typeface="+mn-cs"/>
+      </a:defRPr>
+    </a:lvl4pPr>
+    <a:lvl5pPr marL="1828800" algn="l" defTabSz="914400" rtl="0" eaLnBrk="1" latinLnBrk="0" hangingPunct="1">
+      <a:defRPr sz="1800" kern="1200">
+        <a:solidFill>
+          <a:schemeClr val="tx1"/>
+        </a:solidFill>
+        <a:latin typeface="+mn-lt"/>
+        <a:ea typeface="+mn-ea"/>
+        <a:cs typeface="+mn-cs"/>
+      </a:defRPr>
+    </a:lvl5pPr>
+    <a:lvl6pPr marL="2286000" algn="l" defTabSz="914400" rtl="0" eaLnBrk="1" latinLnBrk="0" hangingPunct="1">
+      <a:defRPr sz="1800" kern="1200">
+        <a:solidFill>
+          <a:schemeClr val="tx1"/>
+        </a:solidFill>
+        <a:latin typeface="+mn-lt"/>
+        <a:ea typeface="+mn-ea"/>
+        <a:cs typeface="+mn-cs"/>
+      </a:defRPr>
+    </a:lvl6pPr>
+    <a:lvl7pPr marL="2743200" algn="l" defTabSz="914400" rtl="0" eaLnBrk="1" latinLnBrk="0" hangingPunct="1">
+      <a:defRPr sz="1800" kern="1200">
+        <a:solidFill>
+          <a:schemeClr val="tx1"/>
+        </a:solidFill>
+        <a:latin typeface="+mn-lt"/>
+        <a:ea typeface="+mn-ea"/>
+        <a:cs typeface="+mn-cs"/>
+      </a:defRPr>
+    </a:lvl7pPr>
+    <a:lvl8pPr marL="3200400" algn="l" defTabSz="914400" rtl="0" eaLnBrk="1" latinLnBrk="0" hangingPunct="1">
+      <a:defRPr sz="1800" kern="1200">
+        <a:solidFill>
+          <a:schemeClr val="tx1"/>
+        </a:solidFill>
+        <a:latin typeface="+mn-lt"/>
+        <a:ea typeface="+mn-ea"/>
+        <a:cs typeface="+mn-cs"/>
+      </a:defRPr>
+    </a:lvl8pPr>
+    <a:lvl9pPr marL="3657600" algn="l" defTabSz="914400" rtl="0" eaLnBrk="1" latinLnBrk="0" hangingPunct="1">
+      <a:defRPr sz="1800" kern="1200">
+        <a:solidFill>
+          <a:schemeClr val="tx1"/>
+        </a:solidFill>
+        <a:latin typeface="+mn-lt"/>
+        <a:ea typeface="+mn-ea"/>
+        <a:cs typeface="+mn-cs"/>
+      </a:defRPr>
+    </a:lvl9pPr>
+  </p:defaultTextStyle>
 </p:presentation>
 </file>
 
 <file path=ppt/notesMasters/notesMaster1.xml><?xml version="1.0" encoding="utf-8"?>
-<p:notesMaster xmlns:a="http://schemas.openxmlformats.org/drawingml/2006/main" xmlns:p="http://schemas.openxmlformats.org/presentationml/2006/main" xmlns:r="http://schemas.openxmlformats.org/officeDocument/2006/relationships">
+<p:notesMaster xmlns:a="http://schemas.openxmlformats.org/drawingml/2006/main" xmlns:r="http://schemas.openxmlformats.org/officeDocument/2006/relationships" xmlns:p="http://schemas.openxmlformats.org/presentationml/2006/main">
+  <p:cSld>
+    <p:bg>
+      <p:bgRef idx="1001">
+        <a:schemeClr val="bg1"/>
+      </p:bgRef>
+    </p:bg>
+    <p:spTree>
+      <p:nvGrpSpPr>
+        <p:cNvPr id="1" name=""/>
+        <p:cNvGrpSpPr/>
+        <p:nvPr/>
+      </p:nvGrpSpPr>
+      <p:grpSpPr>
+        <a:xfrm>
+          <a:off x="0" y="0"/>
+          <a:ext cx="0" cy="0"/>
+          <a:chOff x="0" y="0"/>
+          <a:chExt cx="0" cy="0"/>
+        </a:xfrm>
+      </p:grpSpPr>
+      <p:sp>
+        <p:nvSpPr>
+          <p:cNvPr id="77" name="PlaceHolder 1"/>
+          <p:cNvSpPr>
+            <a:spLocks noGrp="1"/>
+          </p:cNvSpPr>
+          <p:nvPr>
+            <p:ph type="body"/>
+          </p:nvPr>
+        </p:nvSpPr>
+        <p:spPr>
+          <a:xfrm>
+            <a:off x="756000" y="5078520"/>
+            <a:ext cx="6047640" cy="4811040"/>
+          </a:xfrm>
+          <a:prstGeom prst="rect">
+            <a:avLst/>
+          </a:prstGeom>
+        </p:spPr>
+        <p:txBody>
+          <a:bodyPr lIns="0" tIns="0" rIns="0" bIns="0"/>
+          <a:lstStyle/>
+          <a:p>
+            <a:r>
+              <a:rPr lang="en-US" sz="2000" spc="-1">
+                <a:latin typeface="Arial"/>
+              </a:rPr>
+              <a:t>Click to edit the notes format</a:t>
+            </a:r>
+            <a:endParaRPr/>
+          </a:p>
+        </p:txBody>
+      </p:sp>
+      <p:sp>
+        <p:nvSpPr>
+          <p:cNvPr id="78" name="PlaceHolder 2"/>
+          <p:cNvSpPr>
+            <a:spLocks noGrp="1"/>
+          </p:cNvSpPr>
+          <p:nvPr>
+            <p:ph type="hdr"/>
+          </p:nvPr>
+        </p:nvSpPr>
+        <p:spPr>
+          <a:xfrm>
+            <a:off x="0" y="0"/>
+            <a:ext cx="3280680" cy="534240"/>
+          </a:xfrm>
+          <a:prstGeom prst="rect">
+            <a:avLst/>
+          </a:prstGeom>
+        </p:spPr>
+        <p:txBody>
+          <a:bodyPr lIns="0" tIns="0" rIns="0" bIns="0"/>
+          <a:lstStyle/>
+          <a:p>
+            <a:r>
+              <a:rPr lang="en-US" sz="1400" spc="-1">
+                <a:latin typeface="Times New Roman"/>
+              </a:rPr>
+              <a:t>&lt;header&gt;</a:t>
+            </a:r>
+            <a:endParaRPr/>
+          </a:p>
+        </p:txBody>
+      </p:sp>
+      <p:sp>
+        <p:nvSpPr>
+          <p:cNvPr id="79" name="PlaceHolder 3"/>
+          <p:cNvSpPr>
+            <a:spLocks noGrp="1"/>
+          </p:cNvSpPr>
+          <p:nvPr>
+            <p:ph type="dt"/>
+          </p:nvPr>
+        </p:nvSpPr>
+        <p:spPr>
+          <a:xfrm>
+            <a:off x="4278960" y="0"/>
+            <a:ext cx="3280680" cy="534240"/>
+          </a:xfrm>
+          <a:prstGeom prst="rect">
+            <a:avLst/>
+          </a:prstGeom>
+        </p:spPr>
+        <p:txBody>
+          <a:bodyPr lIns="0" tIns="0" rIns="0" bIns="0"/>
+          <a:lstStyle/>
+          <a:p>
+            <a:pPr algn="r"/>
+            <a:r>
+              <a:rPr lang="en-US" sz="1400" spc="-1">
+                <a:latin typeface="Times New Roman"/>
+              </a:rPr>
+              <a:t>&lt;date/time&gt;</a:t>
+            </a:r>
+            <a:endParaRPr/>
+          </a:p>
+        </p:txBody>
+      </p:sp>
+      <p:sp>
+        <p:nvSpPr>
+          <p:cNvPr id="80" name="PlaceHolder 4"/>
+          <p:cNvSpPr>
+            <a:spLocks noGrp="1"/>
+          </p:cNvSpPr>
+          <p:nvPr>
+            <p:ph type="ftr"/>
+          </p:nvPr>
+        </p:nvSpPr>
+        <p:spPr>
+          <a:xfrm>
+            <a:off x="0" y="10157400"/>
+            <a:ext cx="3280680" cy="534240"/>
+          </a:xfrm>
+          <a:prstGeom prst="rect">
+            <a:avLst/>
+          </a:prstGeom>
+        </p:spPr>
+        <p:txBody>
+          <a:bodyPr lIns="0" tIns="0" rIns="0" bIns="0" anchor="b"/>
+          <a:lstStyle/>
+          <a:p>
+            <a:r>
+              <a:rPr lang="en-US" sz="1400" spc="-1">
+                <a:latin typeface="Times New Roman"/>
+              </a:rPr>
+              <a:t>&lt;footer&gt;</a:t>
+            </a:r>
+            <a:endParaRPr/>
+          </a:p>
+        </p:txBody>
+      </p:sp>
+      <p:sp>
+        <p:nvSpPr>
+          <p:cNvPr id="81" name="PlaceHolder 5"/>
+          <p:cNvSpPr>
+            <a:spLocks noGrp="1"/>
+          </p:cNvSpPr>
+          <p:nvPr>
+            <p:ph type="sldNum"/>
+          </p:nvPr>
+        </p:nvSpPr>
+        <p:spPr>
+          <a:xfrm>
+            <a:off x="4278960" y="10157400"/>
+            <a:ext cx="3280680" cy="534240"/>
+          </a:xfrm>
+          <a:prstGeom prst="rect">
+            <a:avLst/>
+          </a:prstGeom>
+        </p:spPr>
+        <p:txBody>
+          <a:bodyPr lIns="0" tIns="0" rIns="0" bIns="0" anchor="b"/>
+          <a:lstStyle/>
+          <a:p>
+            <a:pPr algn="r"/>
+            <a:fld id="{950A2D6E-B08C-4C1A-9170-D33C142F9DB2}" type="slidenum">
+              <a:rPr lang="en-US" sz="1400" spc="-1">
+                <a:latin typeface="Times New Roman"/>
+              </a:rPr>
+              <a:t>‹#›</a:t>
+            </a:fld>
+            <a:endParaRPr/>
+          </a:p>
+        </p:txBody>
+      </p:sp>
+    </p:spTree>
+    <p:extLst>
+      <p:ext uri="{BB962C8B-B14F-4D97-AF65-F5344CB8AC3E}">
+        <p14:creationId xmlns:p14="http://schemas.microsoft.com/office/powerpoint/2010/main" val="1669211258"/>
+      </p:ext>
+    </p:extLst>
+  </p:cSld>
+  <p:clrMap bg1="lt1" tx1="dk1" bg2="lt2" tx2="dk2" accent1="accent1" accent2="accent2" accent3="accent3" accent4="accent4" accent5="accent5" accent6="accent6" hlink="hlink" folHlink="folHlink"/>
+  <p:notesStyle>
+    <a:lvl1pPr marL="0" algn="l" defTabSz="914400" rtl="0" eaLnBrk="1" latinLnBrk="0" hangingPunct="1">
+      <a:defRPr sz="1200" kern="1200">
+        <a:solidFill>
+          <a:schemeClr val="tx1"/>
+        </a:solidFill>
+        <a:latin typeface="+mn-lt"/>
+        <a:ea typeface="+mn-ea"/>
+        <a:cs typeface="+mn-cs"/>
+      </a:defRPr>
+    </a:lvl1pPr>
+    <a:lvl2pPr marL="457200" algn="l" defTabSz="914400" rtl="0" eaLnBrk="1" latinLnBrk="0" hangingPunct="1">
+      <a:defRPr sz="1200" kern="1200">
+        <a:solidFill>
+          <a:schemeClr val="tx1"/>
+        </a:solidFill>
+        <a:latin typeface="+mn-lt"/>
+        <a:ea typeface="+mn-ea"/>
+        <a:cs typeface="+mn-cs"/>
+      </a:defRPr>
+    </a:lvl2pPr>
+    <a:lvl3pPr marL="914400" algn="l" defTabSz="914400" rtl="0" eaLnBrk="1" latinLnBrk="0" hangingPunct="1">
+      <a:defRPr sz="1200" kern="1200">
+        <a:solidFill>
+          <a:schemeClr val="tx1"/>
+        </a:solidFill>
+        <a:latin typeface="+mn-lt"/>
+        <a:ea typeface="+mn-ea"/>
+        <a:cs typeface="+mn-cs"/>
+      </a:defRPr>
+    </a:lvl3pPr>
+    <a:lvl4pPr marL="1371600" algn="l" defTabSz="914400" rtl="0" eaLnBrk="1" latinLnBrk="0" hangingPunct="1">
+      <a:defRPr sz="1200" kern="1200">
+        <a:solidFill>
+          <a:schemeClr val="tx1"/>
+        </a:solidFill>
+        <a:latin typeface="+mn-lt"/>
+        <a:ea typeface="+mn-ea"/>
+        <a:cs typeface="+mn-cs"/>
+      </a:defRPr>
+    </a:lvl4pPr>
+    <a:lvl5pPr marL="1828800" algn="l" defTabSz="914400" rtl="0" eaLnBrk="1" latinLnBrk="0" hangingPunct="1">
+      <a:defRPr sz="1200" kern="1200">
+        <a:solidFill>
+          <a:schemeClr val="tx1"/>
+        </a:solidFill>
+        <a:latin typeface="+mn-lt"/>
+        <a:ea typeface="+mn-ea"/>
+        <a:cs typeface="+mn-cs"/>
+      </a:defRPr>
+    </a:lvl5pPr>
+    <a:lvl6pPr marL="2286000" algn="l" defTabSz="914400" rtl="0" eaLnBrk="1" latinLnBrk="0" hangingPunct="1">
+      <a:defRPr sz="1200" kern="1200">
+        <a:solidFill>
+          <a:schemeClr val="tx1"/>
+        </a:solidFill>
+        <a:latin typeface="+mn-lt"/>
+        <a:ea typeface="+mn-ea"/>
+        <a:cs typeface="+mn-cs"/>
+      </a:defRPr>
+    </a:lvl6pPr>
+    <a:lvl7pPr marL="2743200" algn="l" defTabSz="914400" rtl="0" eaLnBrk="1" latinLnBrk="0" hangingPunct="1">
+      <a:defRPr sz="1200" kern="1200">
+        <a:solidFill>
+          <a:schemeClr val="tx1"/>
+        </a:solidFill>
+        <a:latin typeface="+mn-lt"/>
+        <a:ea typeface="+mn-ea"/>
+        <a:cs typeface="+mn-cs"/>
+      </a:defRPr>
+    </a:lvl7pPr>
+    <a:lvl8pPr marL="3200400" algn="l" defTabSz="914400" rtl="0" eaLnBrk="1" latinLnBrk="0" hangingPunct="1">
+      <a:defRPr sz="1200" kern="1200">
+        <a:solidFill>
+          <a:schemeClr val="tx1"/>
+        </a:solidFill>
+        <a:latin typeface="+mn-lt"/>
+        <a:ea typeface="+mn-ea"/>
+        <a:cs typeface="+mn-cs"/>
+      </a:defRPr>
+    </a:lvl8pPr>
+    <a:lvl9pPr marL="3657600" algn="l" defTabSz="914400" rtl="0" eaLnBrk="1" latinLnBrk="0" hangingPunct="1">
+      <a:defRPr sz="1200" kern="1200">
+        <a:solidFill>
+          <a:schemeClr val="tx1"/>
+        </a:solidFill>
+        <a:latin typeface="+mn-lt"/>
+        <a:ea typeface="+mn-ea"/>
+        <a:cs typeface="+mn-cs"/>
+      </a:defRPr>
+    </a:lvl9pPr>
+  </p:notesStyle>
+</p:notesMaster>
+</file>
+
+<file path=ppt/notesSlides/notesSlide1.xml><?xml version="1.0" encoding="utf-8"?>
+<p:notes xmlns:a="http://schemas.openxmlformats.org/drawingml/2006/main" xmlns:r="http://schemas.openxmlformats.org/officeDocument/2006/relationships" xmlns:p="http://schemas.openxmlformats.org/presentationml/2006/main">
   <p:cSld>
     <p:spTree>
       <p:nvGrpSpPr>
@@ -49,191 +436,6 @@
       </p:grpSpPr>
       <p:sp>
         <p:nvSpPr>
-          <p:cNvPr id="77" name="PlaceHolder 1"/>
-          <p:cNvSpPr>
-            <a:spLocks noGrp="1"/>
-          </p:cNvSpPr>
-          <p:nvPr>
-            <p:ph type="body"/>
-          </p:nvPr>
-        </p:nvSpPr>
-        <p:spPr>
-          <a:xfrm>
-            <a:off x="756000" y="5078520"/>
-            <a:ext cx="6047640" cy="4811040"/>
-          </a:xfrm>
-          <a:prstGeom prst="rect">
-            <a:avLst/>
-          </a:prstGeom>
-        </p:spPr>
-        <p:txBody>
-          <a:bodyPr lIns="0" rIns="0" tIns="0" bIns="0"/>
-          <a:p>
-            <a:r>
-              <a:rPr lang="en-US" sz="2000" spc="-1">
-                <a:latin typeface="Arial"/>
-              </a:rPr>
-              <a:t>Click to edit the notes format</a:t>
-            </a:r>
-            <a:endParaRPr/>
-          </a:p>
-        </p:txBody>
-      </p:sp>
-      <p:sp>
-        <p:nvSpPr>
-          <p:cNvPr id="78" name="PlaceHolder 2"/>
-          <p:cNvSpPr>
-            <a:spLocks noGrp="1"/>
-          </p:cNvSpPr>
-          <p:nvPr>
-            <p:ph type="hdr"/>
-          </p:nvPr>
-        </p:nvSpPr>
-        <p:spPr>
-          <a:xfrm>
-            <a:off x="0" y="0"/>
-            <a:ext cx="3280680" cy="534240"/>
-          </a:xfrm>
-          <a:prstGeom prst="rect">
-            <a:avLst/>
-          </a:prstGeom>
-        </p:spPr>
-        <p:txBody>
-          <a:bodyPr lIns="0" rIns="0" tIns="0" bIns="0"/>
-          <a:p>
-            <a:r>
-              <a:rPr lang="en-US" sz="1400" spc="-1">
-                <a:latin typeface="Times New Roman"/>
-              </a:rPr>
-              <a:t>&lt;header&gt;</a:t>
-            </a:r>
-            <a:endParaRPr/>
-          </a:p>
-        </p:txBody>
-      </p:sp>
-      <p:sp>
-        <p:nvSpPr>
-          <p:cNvPr id="79" name="PlaceHolder 3"/>
-          <p:cNvSpPr>
-            <a:spLocks noGrp="1"/>
-          </p:cNvSpPr>
-          <p:nvPr>
-            <p:ph type="dt"/>
-          </p:nvPr>
-        </p:nvSpPr>
-        <p:spPr>
-          <a:xfrm>
-            <a:off x="4278960" y="0"/>
-            <a:ext cx="3280680" cy="534240"/>
-          </a:xfrm>
-          <a:prstGeom prst="rect">
-            <a:avLst/>
-          </a:prstGeom>
-        </p:spPr>
-        <p:txBody>
-          <a:bodyPr lIns="0" rIns="0" tIns="0" bIns="0"/>
-          <a:p>
-            <a:pPr algn="r"/>
-            <a:r>
-              <a:rPr lang="en-US" sz="1400" spc="-1">
-                <a:latin typeface="Times New Roman"/>
-              </a:rPr>
-              <a:t>&lt;date/time&gt;</a:t>
-            </a:r>
-            <a:endParaRPr/>
-          </a:p>
-        </p:txBody>
-      </p:sp>
-      <p:sp>
-        <p:nvSpPr>
-          <p:cNvPr id="80" name="PlaceHolder 4"/>
-          <p:cNvSpPr>
-            <a:spLocks noGrp="1"/>
-          </p:cNvSpPr>
-          <p:nvPr>
-            <p:ph type="ftr"/>
-          </p:nvPr>
-        </p:nvSpPr>
-        <p:spPr>
-          <a:xfrm>
-            <a:off x="0" y="10157400"/>
-            <a:ext cx="3280680" cy="534240"/>
-          </a:xfrm>
-          <a:prstGeom prst="rect">
-            <a:avLst/>
-          </a:prstGeom>
-        </p:spPr>
-        <p:txBody>
-          <a:bodyPr lIns="0" rIns="0" tIns="0" bIns="0" anchor="b"/>
-          <a:p>
-            <a:r>
-              <a:rPr lang="en-US" sz="1400" spc="-1">
-                <a:latin typeface="Times New Roman"/>
-              </a:rPr>
-              <a:t>&lt;footer&gt;</a:t>
-            </a:r>
-            <a:endParaRPr/>
-          </a:p>
-        </p:txBody>
-      </p:sp>
-      <p:sp>
-        <p:nvSpPr>
-          <p:cNvPr id="81" name="PlaceHolder 5"/>
-          <p:cNvSpPr>
-            <a:spLocks noGrp="1"/>
-          </p:cNvSpPr>
-          <p:nvPr>
-            <p:ph type="sldNum"/>
-          </p:nvPr>
-        </p:nvSpPr>
-        <p:spPr>
-          <a:xfrm>
-            <a:off x="4278960" y="10157400"/>
-            <a:ext cx="3280680" cy="534240"/>
-          </a:xfrm>
-          <a:prstGeom prst="rect">
-            <a:avLst/>
-          </a:prstGeom>
-        </p:spPr>
-        <p:txBody>
-          <a:bodyPr lIns="0" rIns="0" tIns="0" bIns="0" anchor="b"/>
-          <a:p>
-            <a:pPr algn="r"/>
-            <a:fld id="{950A2D6E-B08C-4C1A-9170-D33C142F9DB2}" type="slidenum">
-              <a:rPr lang="en-US" sz="1400" spc="-1">
-                <a:latin typeface="Times New Roman"/>
-              </a:rPr>
-              <a:t>&lt;number&gt;</a:t>
-            </a:fld>
-            <a:endParaRPr/>
-          </a:p>
-        </p:txBody>
-      </p:sp>
-    </p:spTree>
-  </p:cSld>
-  <p:clrMap bg1="lt1" bg2="lt2" tx1="dk1" tx2="dk2" accent1="accent1" accent2="accent2" accent3="accent3" accent4="accent4" accent5="accent5" accent6="accent6" hlink="hlink" folHlink="folHlink"/>
-</p:notesMaster>
-</file>
-
-<file path=ppt/notesSlides/notesSlide3.xml><?xml version="1.0" encoding="utf-8"?>
-<p:notes xmlns:a="http://schemas.openxmlformats.org/drawingml/2006/main" xmlns:p="http://schemas.openxmlformats.org/presentationml/2006/main" xmlns:r="http://schemas.openxmlformats.org/officeDocument/2006/relationships">
-  <p:cSld>
-    <p:spTree>
-      <p:nvGrpSpPr>
-        <p:cNvPr id="1" name=""/>
-        <p:cNvGrpSpPr/>
-        <p:nvPr/>
-      </p:nvGrpSpPr>
-      <p:grpSpPr>
-        <a:xfrm>
-          <a:off x="0" y="0"/>
-          <a:ext cx="0" cy="0"/>
-          <a:chOff x="0" y="0"/>
-          <a:chExt cx="0" cy="0"/>
-        </a:xfrm>
-      </p:grpSpPr>
-      <p:sp>
-        <p:nvSpPr>
           <p:cNvPr id="159" name="PlaceHolder 1"/>
           <p:cNvSpPr>
             <a:spLocks noGrp="1"/>
@@ -252,7 +454,8 @@
           </a:prstGeom>
         </p:spPr>
         <p:txBody>
-          <a:bodyPr lIns="0" rIns="0" tIns="0" bIns="0"/>
+          <a:bodyPr lIns="0" tIns="0" rIns="0" bIns="0"/>
+          <a:lstStyle/>
           <a:p>
             <a:pPr marL="216000" indent="-216000">
               <a:lnSpc>
@@ -260,13 +463,13 @@
               </a:lnSpc>
             </a:pPr>
             <a:r>
-              <a:rPr lang="en-US" sz="1200" spc="-1" strike="noStrike">
-                <a:solidFill>
-                  <a:srgbClr val="000000"/>
-                </a:solidFill>
-                <a:uFill>
-                  <a:solidFill>
-                    <a:srgbClr val="ffffff"/>
+              <a:rPr lang="en-US" sz="1200" strike="noStrike" spc="-1">
+                <a:solidFill>
+                  <a:srgbClr val="000000"/>
+                </a:solidFill>
+                <a:uFill>
+                  <a:solidFill>
+                    <a:srgbClr val="FFFFFF"/>
                   </a:solidFill>
                 </a:uFill>
                 <a:latin typeface="Arial"/>
@@ -303,13 +506,20 @@
           </a:ln>
         </p:spPr>
         <p:style>
-          <a:lnRef idx="0"/>
-          <a:fillRef idx="0"/>
-          <a:effectRef idx="0"/>
+          <a:lnRef idx="0">
+            <a:scrgbClr r="0" g="0" b="0"/>
+          </a:lnRef>
+          <a:fillRef idx="0">
+            <a:scrgbClr r="0" g="0" b="0"/>
+          </a:fillRef>
+          <a:effectRef idx="0">
+            <a:scrgbClr r="0" g="0" b="0"/>
+          </a:effectRef>
           <a:fontRef idx="minor"/>
         </p:style>
         <p:txBody>
-          <a:bodyPr lIns="90000" rIns="90000" tIns="45000" bIns="45000" anchor="b"/>
+          <a:bodyPr lIns="90000" tIns="45000" rIns="90000" bIns="45000" anchor="b"/>
+          <a:lstStyle/>
           <a:p>
             <a:pPr algn="r">
               <a:lnSpc>
@@ -317,31 +527,39 @@
               </a:lnSpc>
             </a:pPr>
             <a:fld id="{BA95F909-173F-48F2-BF5F-2BA115AEE0CA}" type="slidenum">
-              <a:rPr lang="en-US" sz="1200" spc="-1" strike="noStrike">
-                <a:solidFill>
-                  <a:srgbClr val="000000"/>
-                </a:solidFill>
-                <a:uFill>
-                  <a:solidFill>
-                    <a:srgbClr val="ffffff"/>
+              <a:rPr lang="en-US" sz="1200" strike="noStrike" spc="-1">
+                <a:solidFill>
+                  <a:srgbClr val="000000"/>
+                </a:solidFill>
+                <a:uFill>
+                  <a:solidFill>
+                    <a:srgbClr val="FFFFFF"/>
                   </a:solidFill>
                 </a:uFill>
                 <a:latin typeface="Arial"/>
                 <a:ea typeface="+mn-ea"/>
               </a:rPr>
-              <a:t>&lt;number&gt;</a:t>
+              <a:t>3</a:t>
             </a:fld>
             <a:endParaRPr/>
           </a:p>
         </p:txBody>
       </p:sp>
     </p:spTree>
+    <p:extLst>
+      <p:ext uri="{BB962C8B-B14F-4D97-AF65-F5344CB8AC3E}">
+        <p14:creationId xmlns:p14="http://schemas.microsoft.com/office/powerpoint/2010/main" val="1854732445"/>
+      </p:ext>
+    </p:extLst>
   </p:cSld>
+  <p:clrMapOvr>
+    <a:masterClrMapping/>
+  </p:clrMapOvr>
 </p:notes>
 </file>
 
 <file path=ppt/slideLayouts/slideLayout1.xml><?xml version="1.0" encoding="utf-8"?>
-<p:sldLayout xmlns:a="http://schemas.openxmlformats.org/drawingml/2006/main" xmlns:p="http://schemas.openxmlformats.org/presentationml/2006/main" xmlns:r="http://schemas.openxmlformats.org/officeDocument/2006/relationships" type="blank" preserve="1">
+<p:sldLayout xmlns:a="http://schemas.openxmlformats.org/drawingml/2006/main" xmlns:r="http://schemas.openxmlformats.org/officeDocument/2006/relationships" xmlns:p="http://schemas.openxmlformats.org/presentationml/2006/main" type="blank" preserve="1">
   <p:cSld name="Blank Slide">
     <p:spTree>
       <p:nvGrpSpPr>
@@ -359,11 +577,14 @@
       </p:grpSpPr>
     </p:spTree>
   </p:cSld>
+  <p:clrMapOvr>
+    <a:masterClrMapping/>
+  </p:clrMapOvr>
 </p:sldLayout>
 </file>
 
 <file path=ppt/slideLayouts/slideLayout10.xml><?xml version="1.0" encoding="utf-8"?>
-<p:sldLayout xmlns:a="http://schemas.openxmlformats.org/drawingml/2006/main" xmlns:p="http://schemas.openxmlformats.org/presentationml/2006/main" xmlns:r="http://schemas.openxmlformats.org/officeDocument/2006/relationships" type="objOverTx" preserve="1">
+<p:sldLayout xmlns:a="http://schemas.openxmlformats.org/drawingml/2006/main" xmlns:r="http://schemas.openxmlformats.org/officeDocument/2006/relationships" xmlns:p="http://schemas.openxmlformats.org/presentationml/2006/main" type="objOverTx" preserve="1">
   <p:cSld name="Title, Content over Content">
     <p:spTree>
       <p:nvGrpSpPr>
@@ -399,7 +620,8 @@
           </a:prstGeom>
         </p:spPr>
         <p:txBody>
-          <a:bodyPr lIns="0" rIns="0" tIns="0" bIns="0" anchor="ctr"/>
+          <a:bodyPr lIns="0" tIns="0" rIns="0" bIns="0" anchor="ctr"/>
+          <a:lstStyle/>
           <a:p>
             <a:pPr algn="ctr"/>
             <a:endParaRPr/>
@@ -426,7 +648,8 @@
           </a:prstGeom>
         </p:spPr>
         <p:txBody>
-          <a:bodyPr lIns="0" rIns="0" tIns="0" bIns="0"/>
+          <a:bodyPr lIns="0" tIns="0" rIns="0" bIns="0"/>
+          <a:lstStyle/>
           <a:p>
             <a:endParaRPr/>
           </a:p>
@@ -452,7 +675,8 @@
           </a:prstGeom>
         </p:spPr>
         <p:txBody>
-          <a:bodyPr lIns="0" rIns="0" tIns="0" bIns="0"/>
+          <a:bodyPr lIns="0" tIns="0" rIns="0" bIns="0"/>
+          <a:lstStyle/>
           <a:p>
             <a:endParaRPr/>
           </a:p>
@@ -460,11 +684,14 @@
       </p:sp>
     </p:spTree>
   </p:cSld>
+  <p:clrMapOvr>
+    <a:masterClrMapping/>
+  </p:clrMapOvr>
 </p:sldLayout>
 </file>
 
 <file path=ppt/slideLayouts/slideLayout11.xml><?xml version="1.0" encoding="utf-8"?>
-<p:sldLayout xmlns:a="http://schemas.openxmlformats.org/drawingml/2006/main" xmlns:p="http://schemas.openxmlformats.org/presentationml/2006/main" xmlns:r="http://schemas.openxmlformats.org/officeDocument/2006/relationships" type="fourObj" preserve="1">
+<p:sldLayout xmlns:a="http://schemas.openxmlformats.org/drawingml/2006/main" xmlns:r="http://schemas.openxmlformats.org/officeDocument/2006/relationships" xmlns:p="http://schemas.openxmlformats.org/presentationml/2006/main" type="fourObj" preserve="1">
   <p:cSld name="Title, 4 Content">
     <p:spTree>
       <p:nvGrpSpPr>
@@ -500,7 +727,8 @@
           </a:prstGeom>
         </p:spPr>
         <p:txBody>
-          <a:bodyPr lIns="0" rIns="0" tIns="0" bIns="0" anchor="ctr"/>
+          <a:bodyPr lIns="0" tIns="0" rIns="0" bIns="0" anchor="ctr"/>
+          <a:lstStyle/>
           <a:p>
             <a:pPr algn="ctr"/>
             <a:endParaRPr/>
@@ -527,7 +755,8 @@
           </a:prstGeom>
         </p:spPr>
         <p:txBody>
-          <a:bodyPr lIns="0" rIns="0" tIns="0" bIns="0"/>
+          <a:bodyPr lIns="0" tIns="0" rIns="0" bIns="0"/>
+          <a:lstStyle/>
           <a:p>
             <a:endParaRPr/>
           </a:p>
@@ -553,7 +782,8 @@
           </a:prstGeom>
         </p:spPr>
         <p:txBody>
-          <a:bodyPr lIns="0" rIns="0" tIns="0" bIns="0"/>
+          <a:bodyPr lIns="0" tIns="0" rIns="0" bIns="0"/>
+          <a:lstStyle/>
           <a:p>
             <a:endParaRPr/>
           </a:p>
@@ -579,7 +809,8 @@
           </a:prstGeom>
         </p:spPr>
         <p:txBody>
-          <a:bodyPr lIns="0" rIns="0" tIns="0" bIns="0"/>
+          <a:bodyPr lIns="0" tIns="0" rIns="0" bIns="0"/>
+          <a:lstStyle/>
           <a:p>
             <a:endParaRPr/>
           </a:p>
@@ -605,7 +836,8 @@
           </a:prstGeom>
         </p:spPr>
         <p:txBody>
-          <a:bodyPr lIns="0" rIns="0" tIns="0" bIns="0"/>
+          <a:bodyPr lIns="0" tIns="0" rIns="0" bIns="0"/>
+          <a:lstStyle/>
           <a:p>
             <a:endParaRPr/>
           </a:p>
@@ -613,11 +845,14 @@
       </p:sp>
     </p:spTree>
   </p:cSld>
+  <p:clrMapOvr>
+    <a:masterClrMapping/>
+  </p:clrMapOvr>
 </p:sldLayout>
 </file>
 
 <file path=ppt/slideLayouts/slideLayout12.xml><?xml version="1.0" encoding="utf-8"?>
-<p:sldLayout xmlns:a="http://schemas.openxmlformats.org/drawingml/2006/main" xmlns:p="http://schemas.openxmlformats.org/presentationml/2006/main" xmlns:r="http://schemas.openxmlformats.org/officeDocument/2006/relationships" type="blank" preserve="1">
+<p:sldLayout xmlns:a="http://schemas.openxmlformats.org/drawingml/2006/main" xmlns:r="http://schemas.openxmlformats.org/officeDocument/2006/relationships" xmlns:p="http://schemas.openxmlformats.org/presentationml/2006/main" type="blank" preserve="1">
   <p:cSld name="Title, 6 Content">
     <p:spTree>
       <p:nvGrpSpPr>
@@ -653,7 +888,8 @@
           </a:prstGeom>
         </p:spPr>
         <p:txBody>
-          <a:bodyPr lIns="0" rIns="0" tIns="0" bIns="0" anchor="ctr"/>
+          <a:bodyPr lIns="0" tIns="0" rIns="0" bIns="0" anchor="ctr"/>
+          <a:lstStyle/>
           <a:p>
             <a:pPr algn="ctr"/>
             <a:endParaRPr/>
@@ -680,7 +916,8 @@
           </a:prstGeom>
         </p:spPr>
         <p:txBody>
-          <a:bodyPr lIns="0" rIns="0" tIns="0" bIns="0"/>
+          <a:bodyPr lIns="0" tIns="0" rIns="0" bIns="0"/>
+          <a:lstStyle/>
           <a:p>
             <a:endParaRPr/>
           </a:p>
@@ -706,7 +943,8 @@
           </a:prstGeom>
         </p:spPr>
         <p:txBody>
-          <a:bodyPr lIns="0" rIns="0" tIns="0" bIns="0"/>
+          <a:bodyPr lIns="0" tIns="0" rIns="0" bIns="0"/>
+          <a:lstStyle/>
           <a:p>
             <a:endParaRPr/>
           </a:p>
@@ -714,7 +952,7 @@
       </p:sp>
       <p:pic>
         <p:nvPicPr>
-          <p:cNvPr id="37" name="" descr=""/>
+          <p:cNvPr id="37" name="Picture 36"/>
           <p:cNvPicPr/>
           <p:nvPr/>
         </p:nvPicPr>
@@ -737,12 +975,12 @@
       </p:pic>
       <p:pic>
         <p:nvPicPr>
-          <p:cNvPr id="38" name="" descr=""/>
+          <p:cNvPr id="38" name="Picture 37"/>
           <p:cNvPicPr/>
           <p:nvPr/>
         </p:nvPicPr>
         <p:blipFill>
-          <a:blip r:embed="rId3"/>
+          <a:blip r:embed="rId2"/>
           <a:stretch/>
         </p:blipFill>
         <p:spPr>
@@ -760,11 +998,14 @@
       </p:pic>
     </p:spTree>
   </p:cSld>
+  <p:clrMapOvr>
+    <a:masterClrMapping/>
+  </p:clrMapOvr>
 </p:sldLayout>
 </file>
 
 <file path=ppt/slideLayouts/slideLayout13.xml><?xml version="1.0" encoding="utf-8"?>
-<p:sldLayout xmlns:a="http://schemas.openxmlformats.org/drawingml/2006/main" xmlns:p="http://schemas.openxmlformats.org/presentationml/2006/main" xmlns:r="http://schemas.openxmlformats.org/officeDocument/2006/relationships" type="blank" preserve="1">
+<p:sldLayout xmlns:a="http://schemas.openxmlformats.org/drawingml/2006/main" xmlns:r="http://schemas.openxmlformats.org/officeDocument/2006/relationships" xmlns:p="http://schemas.openxmlformats.org/presentationml/2006/main" type="blank" preserve="1">
   <p:cSld name="Blank Slide">
     <p:spTree>
       <p:nvGrpSpPr>
@@ -782,11 +1023,14 @@
       </p:grpSpPr>
     </p:spTree>
   </p:cSld>
+  <p:clrMapOvr>
+    <a:masterClrMapping/>
+  </p:clrMapOvr>
 </p:sldLayout>
 </file>
 
 <file path=ppt/slideLayouts/slideLayout14.xml><?xml version="1.0" encoding="utf-8"?>
-<p:sldLayout xmlns:a="http://schemas.openxmlformats.org/drawingml/2006/main" xmlns:p="http://schemas.openxmlformats.org/presentationml/2006/main" xmlns:r="http://schemas.openxmlformats.org/officeDocument/2006/relationships" type="tx" preserve="1">
+<p:sldLayout xmlns:a="http://schemas.openxmlformats.org/drawingml/2006/main" xmlns:r="http://schemas.openxmlformats.org/officeDocument/2006/relationships" xmlns:p="http://schemas.openxmlformats.org/presentationml/2006/main" type="tx" preserve="1">
   <p:cSld name="Title Slide">
     <p:spTree>
       <p:nvGrpSpPr>
@@ -822,7 +1066,8 @@
           </a:prstGeom>
         </p:spPr>
         <p:txBody>
-          <a:bodyPr lIns="0" rIns="0" tIns="0" bIns="0" anchor="ctr"/>
+          <a:bodyPr lIns="0" tIns="0" rIns="0" bIns="0" anchor="ctr"/>
+          <a:lstStyle/>
           <a:p>
             <a:pPr algn="ctr"/>
             <a:endParaRPr/>
@@ -849,7 +1094,8 @@
           </a:prstGeom>
         </p:spPr>
         <p:txBody>
-          <a:bodyPr lIns="0" rIns="0" tIns="0" bIns="0" anchor="ctr"/>
+          <a:bodyPr lIns="0" tIns="0" rIns="0" bIns="0" anchor="ctr"/>
+          <a:lstStyle/>
           <a:p>
             <a:pPr algn="ctr"/>
             <a:endParaRPr/>
@@ -858,11 +1104,14 @@
       </p:sp>
     </p:spTree>
   </p:cSld>
+  <p:clrMapOvr>
+    <a:masterClrMapping/>
+  </p:clrMapOvr>
 </p:sldLayout>
 </file>
 
 <file path=ppt/slideLayouts/slideLayout15.xml><?xml version="1.0" encoding="utf-8"?>
-<p:sldLayout xmlns:a="http://schemas.openxmlformats.org/drawingml/2006/main" xmlns:p="http://schemas.openxmlformats.org/presentationml/2006/main" xmlns:r="http://schemas.openxmlformats.org/officeDocument/2006/relationships" type="obj" preserve="1">
+<p:sldLayout xmlns:a="http://schemas.openxmlformats.org/drawingml/2006/main" xmlns:r="http://schemas.openxmlformats.org/officeDocument/2006/relationships" xmlns:p="http://schemas.openxmlformats.org/presentationml/2006/main" type="obj" preserve="1">
   <p:cSld name="Title, Content">
     <p:spTree>
       <p:nvGrpSpPr>
@@ -898,7 +1147,8 @@
           </a:prstGeom>
         </p:spPr>
         <p:txBody>
-          <a:bodyPr lIns="0" rIns="0" tIns="0" bIns="0" anchor="ctr"/>
+          <a:bodyPr lIns="0" tIns="0" rIns="0" bIns="0" anchor="ctr"/>
+          <a:lstStyle/>
           <a:p>
             <a:pPr algn="ctr"/>
             <a:endParaRPr/>
@@ -925,7 +1175,8 @@
           </a:prstGeom>
         </p:spPr>
         <p:txBody>
-          <a:bodyPr lIns="0" rIns="0" tIns="0" bIns="0"/>
+          <a:bodyPr lIns="0" tIns="0" rIns="0" bIns="0"/>
+          <a:lstStyle/>
           <a:p>
             <a:endParaRPr/>
           </a:p>
@@ -933,11 +1184,14 @@
       </p:sp>
     </p:spTree>
   </p:cSld>
+  <p:clrMapOvr>
+    <a:masterClrMapping/>
+  </p:clrMapOvr>
 </p:sldLayout>
 </file>
 
 <file path=ppt/slideLayouts/slideLayout16.xml><?xml version="1.0" encoding="utf-8"?>
-<p:sldLayout xmlns:a="http://schemas.openxmlformats.org/drawingml/2006/main" xmlns:p="http://schemas.openxmlformats.org/presentationml/2006/main" xmlns:r="http://schemas.openxmlformats.org/officeDocument/2006/relationships" type="twoObj" preserve="1">
+<p:sldLayout xmlns:a="http://schemas.openxmlformats.org/drawingml/2006/main" xmlns:r="http://schemas.openxmlformats.org/officeDocument/2006/relationships" xmlns:p="http://schemas.openxmlformats.org/presentationml/2006/main" type="twoObj" preserve="1">
   <p:cSld name="Title, 2 Content">
     <p:spTree>
       <p:nvGrpSpPr>
@@ -973,7 +1227,8 @@
           </a:prstGeom>
         </p:spPr>
         <p:txBody>
-          <a:bodyPr lIns="0" rIns="0" tIns="0" bIns="0" anchor="ctr"/>
+          <a:bodyPr lIns="0" tIns="0" rIns="0" bIns="0" anchor="ctr"/>
+          <a:lstStyle/>
           <a:p>
             <a:pPr algn="ctr"/>
             <a:endParaRPr/>
@@ -1000,7 +1255,8 @@
           </a:prstGeom>
         </p:spPr>
         <p:txBody>
-          <a:bodyPr lIns="0" rIns="0" tIns="0" bIns="0"/>
+          <a:bodyPr lIns="0" tIns="0" rIns="0" bIns="0"/>
+          <a:lstStyle/>
           <a:p>
             <a:endParaRPr/>
           </a:p>
@@ -1026,7 +1282,8 @@
           </a:prstGeom>
         </p:spPr>
         <p:txBody>
-          <a:bodyPr lIns="0" rIns="0" tIns="0" bIns="0"/>
+          <a:bodyPr lIns="0" tIns="0" rIns="0" bIns="0"/>
+          <a:lstStyle/>
           <a:p>
             <a:endParaRPr/>
           </a:p>
@@ -1034,11 +1291,14 @@
       </p:sp>
     </p:spTree>
   </p:cSld>
+  <p:clrMapOvr>
+    <a:masterClrMapping/>
+  </p:clrMapOvr>
 </p:sldLayout>
 </file>
 
 <file path=ppt/slideLayouts/slideLayout17.xml><?xml version="1.0" encoding="utf-8"?>
-<p:sldLayout xmlns:a="http://schemas.openxmlformats.org/drawingml/2006/main" xmlns:p="http://schemas.openxmlformats.org/presentationml/2006/main" xmlns:r="http://schemas.openxmlformats.org/officeDocument/2006/relationships" type="titleOnly" preserve="1">
+<p:sldLayout xmlns:a="http://schemas.openxmlformats.org/drawingml/2006/main" xmlns:r="http://schemas.openxmlformats.org/officeDocument/2006/relationships" xmlns:p="http://schemas.openxmlformats.org/presentationml/2006/main" type="titleOnly" preserve="1">
   <p:cSld name="Title Only">
     <p:spTree>
       <p:nvGrpSpPr>
@@ -1074,7 +1334,8 @@
           </a:prstGeom>
         </p:spPr>
         <p:txBody>
-          <a:bodyPr lIns="0" rIns="0" tIns="0" bIns="0" anchor="ctr"/>
+          <a:bodyPr lIns="0" tIns="0" rIns="0" bIns="0" anchor="ctr"/>
+          <a:lstStyle/>
           <a:p>
             <a:pPr algn="ctr"/>
             <a:endParaRPr/>
@@ -1083,11 +1344,14 @@
       </p:sp>
     </p:spTree>
   </p:cSld>
+  <p:clrMapOvr>
+    <a:masterClrMapping/>
+  </p:clrMapOvr>
 </p:sldLayout>
 </file>
 
 <file path=ppt/slideLayouts/slideLayout18.xml><?xml version="1.0" encoding="utf-8"?>
-<p:sldLayout xmlns:a="http://schemas.openxmlformats.org/drawingml/2006/main" xmlns:p="http://schemas.openxmlformats.org/presentationml/2006/main" xmlns:r="http://schemas.openxmlformats.org/officeDocument/2006/relationships" type="objOnly" preserve="1">
+<p:sldLayout xmlns:a="http://schemas.openxmlformats.org/drawingml/2006/main" xmlns:r="http://schemas.openxmlformats.org/officeDocument/2006/relationships" xmlns:p="http://schemas.openxmlformats.org/presentationml/2006/main" type="objOnly" preserve="1">
   <p:cSld name="Centered Text">
     <p:spTree>
       <p:nvGrpSpPr>
@@ -1123,7 +1387,8 @@
           </a:prstGeom>
         </p:spPr>
         <p:txBody>
-          <a:bodyPr lIns="0" rIns="0" tIns="0" bIns="0" anchor="ctr"/>
+          <a:bodyPr lIns="0" tIns="0" rIns="0" bIns="0" anchor="ctr"/>
+          <a:lstStyle/>
           <a:p>
             <a:pPr algn="ctr"/>
             <a:endParaRPr/>
@@ -1132,11 +1397,14 @@
       </p:sp>
     </p:spTree>
   </p:cSld>
+  <p:clrMapOvr>
+    <a:masterClrMapping/>
+  </p:clrMapOvr>
 </p:sldLayout>
 </file>
 
 <file path=ppt/slideLayouts/slideLayout19.xml><?xml version="1.0" encoding="utf-8"?>
-<p:sldLayout xmlns:a="http://schemas.openxmlformats.org/drawingml/2006/main" xmlns:p="http://schemas.openxmlformats.org/presentationml/2006/main" xmlns:r="http://schemas.openxmlformats.org/officeDocument/2006/relationships" type="twoObjAndObj" preserve="1">
+<p:sldLayout xmlns:a="http://schemas.openxmlformats.org/drawingml/2006/main" xmlns:r="http://schemas.openxmlformats.org/officeDocument/2006/relationships" xmlns:p="http://schemas.openxmlformats.org/presentationml/2006/main" type="twoObjAndObj" preserve="1">
   <p:cSld name="Title, 2 Content and Content">
     <p:spTree>
       <p:nvGrpSpPr>
@@ -1172,7 +1440,8 @@
           </a:prstGeom>
         </p:spPr>
         <p:txBody>
-          <a:bodyPr lIns="0" rIns="0" tIns="0" bIns="0" anchor="ctr"/>
+          <a:bodyPr lIns="0" tIns="0" rIns="0" bIns="0" anchor="ctr"/>
+          <a:lstStyle/>
           <a:p>
             <a:pPr algn="ctr"/>
             <a:endParaRPr/>
@@ -1199,7 +1468,8 @@
           </a:prstGeom>
         </p:spPr>
         <p:txBody>
-          <a:bodyPr lIns="0" rIns="0" tIns="0" bIns="0"/>
+          <a:bodyPr lIns="0" tIns="0" rIns="0" bIns="0"/>
+          <a:lstStyle/>
           <a:p>
             <a:endParaRPr/>
           </a:p>
@@ -1225,7 +1495,8 @@
           </a:prstGeom>
         </p:spPr>
         <p:txBody>
-          <a:bodyPr lIns="0" rIns="0" tIns="0" bIns="0"/>
+          <a:bodyPr lIns="0" tIns="0" rIns="0" bIns="0"/>
+          <a:lstStyle/>
           <a:p>
             <a:endParaRPr/>
           </a:p>
@@ -1251,7 +1522,8 @@
           </a:prstGeom>
         </p:spPr>
         <p:txBody>
-          <a:bodyPr lIns="0" rIns="0" tIns="0" bIns="0"/>
+          <a:bodyPr lIns="0" tIns="0" rIns="0" bIns="0"/>
+          <a:lstStyle/>
           <a:p>
             <a:endParaRPr/>
           </a:p>
@@ -1259,11 +1531,14 @@
       </p:sp>
     </p:spTree>
   </p:cSld>
+  <p:clrMapOvr>
+    <a:masterClrMapping/>
+  </p:clrMapOvr>
 </p:sldLayout>
 </file>
 
 <file path=ppt/slideLayouts/slideLayout2.xml><?xml version="1.0" encoding="utf-8"?>
-<p:sldLayout xmlns:a="http://schemas.openxmlformats.org/drawingml/2006/main" xmlns:p="http://schemas.openxmlformats.org/presentationml/2006/main" xmlns:r="http://schemas.openxmlformats.org/officeDocument/2006/relationships" type="tx" preserve="1">
+<p:sldLayout xmlns:a="http://schemas.openxmlformats.org/drawingml/2006/main" xmlns:r="http://schemas.openxmlformats.org/officeDocument/2006/relationships" xmlns:p="http://schemas.openxmlformats.org/presentationml/2006/main" type="tx" preserve="1">
   <p:cSld name="Title Slide">
     <p:spTree>
       <p:nvGrpSpPr>
@@ -1299,7 +1574,8 @@
           </a:prstGeom>
         </p:spPr>
         <p:txBody>
-          <a:bodyPr lIns="0" rIns="0" tIns="0" bIns="0" anchor="ctr"/>
+          <a:bodyPr lIns="0" tIns="0" rIns="0" bIns="0" anchor="ctr"/>
+          <a:lstStyle/>
           <a:p>
             <a:pPr algn="ctr"/>
             <a:endParaRPr/>
@@ -1326,7 +1602,8 @@
           </a:prstGeom>
         </p:spPr>
         <p:txBody>
-          <a:bodyPr lIns="0" rIns="0" tIns="0" bIns="0" anchor="ctr"/>
+          <a:bodyPr lIns="0" tIns="0" rIns="0" bIns="0" anchor="ctr"/>
+          <a:lstStyle/>
           <a:p>
             <a:pPr algn="ctr"/>
             <a:endParaRPr/>
@@ -1335,11 +1612,14 @@
       </p:sp>
     </p:spTree>
   </p:cSld>
+  <p:clrMapOvr>
+    <a:masterClrMapping/>
+  </p:clrMapOvr>
 </p:sldLayout>
 </file>
 
 <file path=ppt/slideLayouts/slideLayout20.xml><?xml version="1.0" encoding="utf-8"?>
-<p:sldLayout xmlns:a="http://schemas.openxmlformats.org/drawingml/2006/main" xmlns:p="http://schemas.openxmlformats.org/presentationml/2006/main" xmlns:r="http://schemas.openxmlformats.org/officeDocument/2006/relationships" type="objAndTwoObj" preserve="1">
+<p:sldLayout xmlns:a="http://schemas.openxmlformats.org/drawingml/2006/main" xmlns:r="http://schemas.openxmlformats.org/officeDocument/2006/relationships" xmlns:p="http://schemas.openxmlformats.org/presentationml/2006/main" type="objAndTwoObj" preserve="1">
   <p:cSld name="Title Content and 2 Content">
     <p:spTree>
       <p:nvGrpSpPr>
@@ -1375,7 +1655,8 @@
           </a:prstGeom>
         </p:spPr>
         <p:txBody>
-          <a:bodyPr lIns="0" rIns="0" tIns="0" bIns="0" anchor="ctr"/>
+          <a:bodyPr lIns="0" tIns="0" rIns="0" bIns="0" anchor="ctr"/>
+          <a:lstStyle/>
           <a:p>
             <a:pPr algn="ctr"/>
             <a:endParaRPr/>
@@ -1402,7 +1683,8 @@
           </a:prstGeom>
         </p:spPr>
         <p:txBody>
-          <a:bodyPr lIns="0" rIns="0" tIns="0" bIns="0"/>
+          <a:bodyPr lIns="0" tIns="0" rIns="0" bIns="0"/>
+          <a:lstStyle/>
           <a:p>
             <a:endParaRPr/>
           </a:p>
@@ -1428,7 +1710,8 @@
           </a:prstGeom>
         </p:spPr>
         <p:txBody>
-          <a:bodyPr lIns="0" rIns="0" tIns="0" bIns="0"/>
+          <a:bodyPr lIns="0" tIns="0" rIns="0" bIns="0"/>
+          <a:lstStyle/>
           <a:p>
             <a:endParaRPr/>
           </a:p>
@@ -1454,7 +1737,8 @@
           </a:prstGeom>
         </p:spPr>
         <p:txBody>
-          <a:bodyPr lIns="0" rIns="0" tIns="0" bIns="0"/>
+          <a:bodyPr lIns="0" tIns="0" rIns="0" bIns="0"/>
+          <a:lstStyle/>
           <a:p>
             <a:endParaRPr/>
           </a:p>
@@ -1462,11 +1746,14 @@
       </p:sp>
     </p:spTree>
   </p:cSld>
+  <p:clrMapOvr>
+    <a:masterClrMapping/>
+  </p:clrMapOvr>
 </p:sldLayout>
 </file>
 
 <file path=ppt/slideLayouts/slideLayout21.xml><?xml version="1.0" encoding="utf-8"?>
-<p:sldLayout xmlns:a="http://schemas.openxmlformats.org/drawingml/2006/main" xmlns:p="http://schemas.openxmlformats.org/presentationml/2006/main" xmlns:r="http://schemas.openxmlformats.org/officeDocument/2006/relationships" type="twoObjOverTx" preserve="1">
+<p:sldLayout xmlns:a="http://schemas.openxmlformats.org/drawingml/2006/main" xmlns:r="http://schemas.openxmlformats.org/officeDocument/2006/relationships" xmlns:p="http://schemas.openxmlformats.org/presentationml/2006/main" type="twoObjOverTx" preserve="1">
   <p:cSld name="Title, 2 Content over Content">
     <p:spTree>
       <p:nvGrpSpPr>
@@ -1502,7 +1789,8 @@
           </a:prstGeom>
         </p:spPr>
         <p:txBody>
-          <a:bodyPr lIns="0" rIns="0" tIns="0" bIns="0" anchor="ctr"/>
+          <a:bodyPr lIns="0" tIns="0" rIns="0" bIns="0" anchor="ctr"/>
+          <a:lstStyle/>
           <a:p>
             <a:pPr algn="ctr"/>
             <a:endParaRPr/>
@@ -1529,7 +1817,8 @@
           </a:prstGeom>
         </p:spPr>
         <p:txBody>
-          <a:bodyPr lIns="0" rIns="0" tIns="0" bIns="0"/>
+          <a:bodyPr lIns="0" tIns="0" rIns="0" bIns="0"/>
+          <a:lstStyle/>
           <a:p>
             <a:endParaRPr/>
           </a:p>
@@ -1555,7 +1844,8 @@
           </a:prstGeom>
         </p:spPr>
         <p:txBody>
-          <a:bodyPr lIns="0" rIns="0" tIns="0" bIns="0"/>
+          <a:bodyPr lIns="0" tIns="0" rIns="0" bIns="0"/>
+          <a:lstStyle/>
           <a:p>
             <a:endParaRPr/>
           </a:p>
@@ -1581,7 +1871,8 @@
           </a:prstGeom>
         </p:spPr>
         <p:txBody>
-          <a:bodyPr lIns="0" rIns="0" tIns="0" bIns="0"/>
+          <a:bodyPr lIns="0" tIns="0" rIns="0" bIns="0"/>
+          <a:lstStyle/>
           <a:p>
             <a:endParaRPr/>
           </a:p>
@@ -1589,11 +1880,14 @@
       </p:sp>
     </p:spTree>
   </p:cSld>
+  <p:clrMapOvr>
+    <a:masterClrMapping/>
+  </p:clrMapOvr>
 </p:sldLayout>
 </file>
 
 <file path=ppt/slideLayouts/slideLayout22.xml><?xml version="1.0" encoding="utf-8"?>
-<p:sldLayout xmlns:a="http://schemas.openxmlformats.org/drawingml/2006/main" xmlns:p="http://schemas.openxmlformats.org/presentationml/2006/main" xmlns:r="http://schemas.openxmlformats.org/officeDocument/2006/relationships" type="objOverTx" preserve="1">
+<p:sldLayout xmlns:a="http://schemas.openxmlformats.org/drawingml/2006/main" xmlns:r="http://schemas.openxmlformats.org/officeDocument/2006/relationships" xmlns:p="http://schemas.openxmlformats.org/presentationml/2006/main" type="objOverTx" preserve="1">
   <p:cSld name="Title, Content over Content">
     <p:spTree>
       <p:nvGrpSpPr>
@@ -1629,7 +1923,8 @@
           </a:prstGeom>
         </p:spPr>
         <p:txBody>
-          <a:bodyPr lIns="0" rIns="0" tIns="0" bIns="0" anchor="ctr"/>
+          <a:bodyPr lIns="0" tIns="0" rIns="0" bIns="0" anchor="ctr"/>
+          <a:lstStyle/>
           <a:p>
             <a:pPr algn="ctr"/>
             <a:endParaRPr/>
@@ -1656,7 +1951,8 @@
           </a:prstGeom>
         </p:spPr>
         <p:txBody>
-          <a:bodyPr lIns="0" rIns="0" tIns="0" bIns="0"/>
+          <a:bodyPr lIns="0" tIns="0" rIns="0" bIns="0"/>
+          <a:lstStyle/>
           <a:p>
             <a:endParaRPr/>
           </a:p>
@@ -1682,7 +1978,8 @@
           </a:prstGeom>
         </p:spPr>
         <p:txBody>
-          <a:bodyPr lIns="0" rIns="0" tIns="0" bIns="0"/>
+          <a:bodyPr lIns="0" tIns="0" rIns="0" bIns="0"/>
+          <a:lstStyle/>
           <a:p>
             <a:endParaRPr/>
           </a:p>
@@ -1690,11 +1987,14 @@
       </p:sp>
     </p:spTree>
   </p:cSld>
+  <p:clrMapOvr>
+    <a:masterClrMapping/>
+  </p:clrMapOvr>
 </p:sldLayout>
 </file>
 
 <file path=ppt/slideLayouts/slideLayout23.xml><?xml version="1.0" encoding="utf-8"?>
-<p:sldLayout xmlns:a="http://schemas.openxmlformats.org/drawingml/2006/main" xmlns:p="http://schemas.openxmlformats.org/presentationml/2006/main" xmlns:r="http://schemas.openxmlformats.org/officeDocument/2006/relationships" type="fourObj" preserve="1">
+<p:sldLayout xmlns:a="http://schemas.openxmlformats.org/drawingml/2006/main" xmlns:r="http://schemas.openxmlformats.org/officeDocument/2006/relationships" xmlns:p="http://schemas.openxmlformats.org/presentationml/2006/main" type="fourObj" preserve="1">
   <p:cSld name="Title, 4 Content">
     <p:spTree>
       <p:nvGrpSpPr>
@@ -1730,7 +2030,8 @@
           </a:prstGeom>
         </p:spPr>
         <p:txBody>
-          <a:bodyPr lIns="0" rIns="0" tIns="0" bIns="0" anchor="ctr"/>
+          <a:bodyPr lIns="0" tIns="0" rIns="0" bIns="0" anchor="ctr"/>
+          <a:lstStyle/>
           <a:p>
             <a:pPr algn="ctr"/>
             <a:endParaRPr/>
@@ -1757,7 +2058,8 @@
           </a:prstGeom>
         </p:spPr>
         <p:txBody>
-          <a:bodyPr lIns="0" rIns="0" tIns="0" bIns="0"/>
+          <a:bodyPr lIns="0" tIns="0" rIns="0" bIns="0"/>
+          <a:lstStyle/>
           <a:p>
             <a:endParaRPr/>
           </a:p>
@@ -1783,7 +2085,8 @@
           </a:prstGeom>
         </p:spPr>
         <p:txBody>
-          <a:bodyPr lIns="0" rIns="0" tIns="0" bIns="0"/>
+          <a:bodyPr lIns="0" tIns="0" rIns="0" bIns="0"/>
+          <a:lstStyle/>
           <a:p>
             <a:endParaRPr/>
           </a:p>
@@ -1809,7 +2112,8 @@
           </a:prstGeom>
         </p:spPr>
         <p:txBody>
-          <a:bodyPr lIns="0" rIns="0" tIns="0" bIns="0"/>
+          <a:bodyPr lIns="0" tIns="0" rIns="0" bIns="0"/>
+          <a:lstStyle/>
           <a:p>
             <a:endParaRPr/>
           </a:p>
@@ -1835,7 +2139,8 @@
           </a:prstGeom>
         </p:spPr>
         <p:txBody>
-          <a:bodyPr lIns="0" rIns="0" tIns="0" bIns="0"/>
+          <a:bodyPr lIns="0" tIns="0" rIns="0" bIns="0"/>
+          <a:lstStyle/>
           <a:p>
             <a:endParaRPr/>
           </a:p>
@@ -1843,11 +2148,14 @@
       </p:sp>
     </p:spTree>
   </p:cSld>
+  <p:clrMapOvr>
+    <a:masterClrMapping/>
+  </p:clrMapOvr>
 </p:sldLayout>
 </file>
 
 <file path=ppt/slideLayouts/slideLayout24.xml><?xml version="1.0" encoding="utf-8"?>
-<p:sldLayout xmlns:a="http://schemas.openxmlformats.org/drawingml/2006/main" xmlns:p="http://schemas.openxmlformats.org/presentationml/2006/main" xmlns:r="http://schemas.openxmlformats.org/officeDocument/2006/relationships" type="blank" preserve="1">
+<p:sldLayout xmlns:a="http://schemas.openxmlformats.org/drawingml/2006/main" xmlns:r="http://schemas.openxmlformats.org/officeDocument/2006/relationships" xmlns:p="http://schemas.openxmlformats.org/presentationml/2006/main" type="blank" preserve="1">
   <p:cSld name="Title, 6 Content">
     <p:spTree>
       <p:nvGrpSpPr>
@@ -1883,7 +2191,8 @@
           </a:prstGeom>
         </p:spPr>
         <p:txBody>
-          <a:bodyPr lIns="0" rIns="0" tIns="0" bIns="0" anchor="ctr"/>
+          <a:bodyPr lIns="0" tIns="0" rIns="0" bIns="0" anchor="ctr"/>
+          <a:lstStyle/>
           <a:p>
             <a:pPr algn="ctr"/>
             <a:endParaRPr/>
@@ -1910,7 +2219,8 @@
           </a:prstGeom>
         </p:spPr>
         <p:txBody>
-          <a:bodyPr lIns="0" rIns="0" tIns="0" bIns="0"/>
+          <a:bodyPr lIns="0" tIns="0" rIns="0" bIns="0"/>
+          <a:lstStyle/>
           <a:p>
             <a:endParaRPr/>
           </a:p>
@@ -1936,7 +2246,8 @@
           </a:prstGeom>
         </p:spPr>
         <p:txBody>
-          <a:bodyPr lIns="0" rIns="0" tIns="0" bIns="0"/>
+          <a:bodyPr lIns="0" tIns="0" rIns="0" bIns="0"/>
+          <a:lstStyle/>
           <a:p>
             <a:endParaRPr/>
           </a:p>
@@ -1944,7 +2255,7 @@
       </p:sp>
       <p:pic>
         <p:nvPicPr>
-          <p:cNvPr id="75" name="" descr=""/>
+          <p:cNvPr id="75" name="Picture 74"/>
           <p:cNvPicPr/>
           <p:nvPr/>
         </p:nvPicPr>
@@ -1967,12 +2278,12 @@
       </p:pic>
       <p:pic>
         <p:nvPicPr>
-          <p:cNvPr id="76" name="" descr=""/>
+          <p:cNvPr id="76" name="Picture 75"/>
           <p:cNvPicPr/>
           <p:nvPr/>
         </p:nvPicPr>
         <p:blipFill>
-          <a:blip r:embed="rId3"/>
+          <a:blip r:embed="rId2"/>
           <a:stretch/>
         </p:blipFill>
         <p:spPr>
@@ -1990,11 +2301,14 @@
       </p:pic>
     </p:spTree>
   </p:cSld>
+  <p:clrMapOvr>
+    <a:masterClrMapping/>
+  </p:clrMapOvr>
 </p:sldLayout>
 </file>
 
 <file path=ppt/slideLayouts/slideLayout3.xml><?xml version="1.0" encoding="utf-8"?>
-<p:sldLayout xmlns:a="http://schemas.openxmlformats.org/drawingml/2006/main" xmlns:p="http://schemas.openxmlformats.org/presentationml/2006/main" xmlns:r="http://schemas.openxmlformats.org/officeDocument/2006/relationships" type="obj" preserve="1">
+<p:sldLayout xmlns:a="http://schemas.openxmlformats.org/drawingml/2006/main" xmlns:r="http://schemas.openxmlformats.org/officeDocument/2006/relationships" xmlns:p="http://schemas.openxmlformats.org/presentationml/2006/main" type="obj" preserve="1">
   <p:cSld name="Title, Content">
     <p:spTree>
       <p:nvGrpSpPr>
@@ -2030,7 +2344,8 @@
           </a:prstGeom>
         </p:spPr>
         <p:txBody>
-          <a:bodyPr lIns="0" rIns="0" tIns="0" bIns="0" anchor="ctr"/>
+          <a:bodyPr lIns="0" tIns="0" rIns="0" bIns="0" anchor="ctr"/>
+          <a:lstStyle/>
           <a:p>
             <a:pPr algn="ctr"/>
             <a:endParaRPr/>
@@ -2057,7 +2372,8 @@
           </a:prstGeom>
         </p:spPr>
         <p:txBody>
-          <a:bodyPr lIns="0" rIns="0" tIns="0" bIns="0"/>
+          <a:bodyPr lIns="0" tIns="0" rIns="0" bIns="0"/>
+          <a:lstStyle/>
           <a:p>
             <a:endParaRPr/>
           </a:p>
@@ -2065,11 +2381,14 @@
       </p:sp>
     </p:spTree>
   </p:cSld>
+  <p:clrMapOvr>
+    <a:masterClrMapping/>
+  </p:clrMapOvr>
 </p:sldLayout>
 </file>
 
 <file path=ppt/slideLayouts/slideLayout4.xml><?xml version="1.0" encoding="utf-8"?>
-<p:sldLayout xmlns:a="http://schemas.openxmlformats.org/drawingml/2006/main" xmlns:p="http://schemas.openxmlformats.org/presentationml/2006/main" xmlns:r="http://schemas.openxmlformats.org/officeDocument/2006/relationships" type="twoObj" preserve="1">
+<p:sldLayout xmlns:a="http://schemas.openxmlformats.org/drawingml/2006/main" xmlns:r="http://schemas.openxmlformats.org/officeDocument/2006/relationships" xmlns:p="http://schemas.openxmlformats.org/presentationml/2006/main" type="twoObj" preserve="1">
   <p:cSld name="Title, 2 Content">
     <p:spTree>
       <p:nvGrpSpPr>
@@ -2105,7 +2424,8 @@
           </a:prstGeom>
         </p:spPr>
         <p:txBody>
-          <a:bodyPr lIns="0" rIns="0" tIns="0" bIns="0" anchor="ctr"/>
+          <a:bodyPr lIns="0" tIns="0" rIns="0" bIns="0" anchor="ctr"/>
+          <a:lstStyle/>
           <a:p>
             <a:pPr algn="ctr"/>
             <a:endParaRPr/>
@@ -2132,7 +2452,8 @@
           </a:prstGeom>
         </p:spPr>
         <p:txBody>
-          <a:bodyPr lIns="0" rIns="0" tIns="0" bIns="0"/>
+          <a:bodyPr lIns="0" tIns="0" rIns="0" bIns="0"/>
+          <a:lstStyle/>
           <a:p>
             <a:endParaRPr/>
           </a:p>
@@ -2158,7 +2479,8 @@
           </a:prstGeom>
         </p:spPr>
         <p:txBody>
-          <a:bodyPr lIns="0" rIns="0" tIns="0" bIns="0"/>
+          <a:bodyPr lIns="0" tIns="0" rIns="0" bIns="0"/>
+          <a:lstStyle/>
           <a:p>
             <a:endParaRPr/>
           </a:p>
@@ -2166,11 +2488,14 @@
       </p:sp>
     </p:spTree>
   </p:cSld>
+  <p:clrMapOvr>
+    <a:masterClrMapping/>
+  </p:clrMapOvr>
 </p:sldLayout>
 </file>
 
 <file path=ppt/slideLayouts/slideLayout5.xml><?xml version="1.0" encoding="utf-8"?>
-<p:sldLayout xmlns:a="http://schemas.openxmlformats.org/drawingml/2006/main" xmlns:p="http://schemas.openxmlformats.org/presentationml/2006/main" xmlns:r="http://schemas.openxmlformats.org/officeDocument/2006/relationships" type="titleOnly" preserve="1">
+<p:sldLayout xmlns:a="http://schemas.openxmlformats.org/drawingml/2006/main" xmlns:r="http://schemas.openxmlformats.org/officeDocument/2006/relationships" xmlns:p="http://schemas.openxmlformats.org/presentationml/2006/main" type="titleOnly" preserve="1">
   <p:cSld name="Title Only">
     <p:spTree>
       <p:nvGrpSpPr>
@@ -2206,7 +2531,8 @@
           </a:prstGeom>
         </p:spPr>
         <p:txBody>
-          <a:bodyPr lIns="0" rIns="0" tIns="0" bIns="0" anchor="ctr"/>
+          <a:bodyPr lIns="0" tIns="0" rIns="0" bIns="0" anchor="ctr"/>
+          <a:lstStyle/>
           <a:p>
             <a:pPr algn="ctr"/>
             <a:endParaRPr/>
@@ -2215,11 +2541,14 @@
       </p:sp>
     </p:spTree>
   </p:cSld>
+  <p:clrMapOvr>
+    <a:masterClrMapping/>
+  </p:clrMapOvr>
 </p:sldLayout>
 </file>
 
 <file path=ppt/slideLayouts/slideLayout6.xml><?xml version="1.0" encoding="utf-8"?>
-<p:sldLayout xmlns:a="http://schemas.openxmlformats.org/drawingml/2006/main" xmlns:p="http://schemas.openxmlformats.org/presentationml/2006/main" xmlns:r="http://schemas.openxmlformats.org/officeDocument/2006/relationships" type="objOnly" preserve="1">
+<p:sldLayout xmlns:a="http://schemas.openxmlformats.org/drawingml/2006/main" xmlns:r="http://schemas.openxmlformats.org/officeDocument/2006/relationships" xmlns:p="http://schemas.openxmlformats.org/presentationml/2006/main" type="objOnly" preserve="1">
   <p:cSld name="Centered Text">
     <p:spTree>
       <p:nvGrpSpPr>
@@ -2255,7 +2584,8 @@
           </a:prstGeom>
         </p:spPr>
         <p:txBody>
-          <a:bodyPr lIns="0" rIns="0" tIns="0" bIns="0" anchor="ctr"/>
+          <a:bodyPr lIns="0" tIns="0" rIns="0" bIns="0" anchor="ctr"/>
+          <a:lstStyle/>
           <a:p>
             <a:pPr algn="ctr"/>
             <a:endParaRPr/>
@@ -2264,11 +2594,14 @@
       </p:sp>
     </p:spTree>
   </p:cSld>
+  <p:clrMapOvr>
+    <a:masterClrMapping/>
+  </p:clrMapOvr>
 </p:sldLayout>
 </file>
 
 <file path=ppt/slideLayouts/slideLayout7.xml><?xml version="1.0" encoding="utf-8"?>
-<p:sldLayout xmlns:a="http://schemas.openxmlformats.org/drawingml/2006/main" xmlns:p="http://schemas.openxmlformats.org/presentationml/2006/main" xmlns:r="http://schemas.openxmlformats.org/officeDocument/2006/relationships" type="twoObjAndObj" preserve="1">
+<p:sldLayout xmlns:a="http://schemas.openxmlformats.org/drawingml/2006/main" xmlns:r="http://schemas.openxmlformats.org/officeDocument/2006/relationships" xmlns:p="http://schemas.openxmlformats.org/presentationml/2006/main" type="twoObjAndObj" preserve="1">
   <p:cSld name="Title, 2 Content and Content">
     <p:spTree>
       <p:nvGrpSpPr>
@@ -2304,7 +2637,8 @@
           </a:prstGeom>
         </p:spPr>
         <p:txBody>
-          <a:bodyPr lIns="0" rIns="0" tIns="0" bIns="0" anchor="ctr"/>
+          <a:bodyPr lIns="0" tIns="0" rIns="0" bIns="0" anchor="ctr"/>
+          <a:lstStyle/>
           <a:p>
             <a:pPr algn="ctr"/>
             <a:endParaRPr/>
@@ -2331,7 +2665,8 @@
           </a:prstGeom>
         </p:spPr>
         <p:txBody>
-          <a:bodyPr lIns="0" rIns="0" tIns="0" bIns="0"/>
+          <a:bodyPr lIns="0" tIns="0" rIns="0" bIns="0"/>
+          <a:lstStyle/>
           <a:p>
             <a:endParaRPr/>
           </a:p>
@@ -2357,7 +2692,8 @@
           </a:prstGeom>
         </p:spPr>
         <p:txBody>
-          <a:bodyPr lIns="0" rIns="0" tIns="0" bIns="0"/>
+          <a:bodyPr lIns="0" tIns="0" rIns="0" bIns="0"/>
+          <a:lstStyle/>
           <a:p>
             <a:endParaRPr/>
           </a:p>
@@ -2383,7 +2719,8 @@
           </a:prstGeom>
         </p:spPr>
         <p:txBody>
-          <a:bodyPr lIns="0" rIns="0" tIns="0" bIns="0"/>
+          <a:bodyPr lIns="0" tIns="0" rIns="0" bIns="0"/>
+          <a:lstStyle/>
           <a:p>
             <a:endParaRPr/>
           </a:p>
@@ -2391,11 +2728,14 @@
       </p:sp>
     </p:spTree>
   </p:cSld>
+  <p:clrMapOvr>
+    <a:masterClrMapping/>
+  </p:clrMapOvr>
 </p:sldLayout>
 </file>
 
 <file path=ppt/slideLayouts/slideLayout8.xml><?xml version="1.0" encoding="utf-8"?>
-<p:sldLayout xmlns:a="http://schemas.openxmlformats.org/drawingml/2006/main" xmlns:p="http://schemas.openxmlformats.org/presentationml/2006/main" xmlns:r="http://schemas.openxmlformats.org/officeDocument/2006/relationships" type="objAndTwoObj" preserve="1">
+<p:sldLayout xmlns:a="http://schemas.openxmlformats.org/drawingml/2006/main" xmlns:r="http://schemas.openxmlformats.org/officeDocument/2006/relationships" xmlns:p="http://schemas.openxmlformats.org/presentationml/2006/main" type="objAndTwoObj" preserve="1">
   <p:cSld name="Title Content and 2 Content">
     <p:spTree>
       <p:nvGrpSpPr>
@@ -2431,7 +2771,8 @@
           </a:prstGeom>
         </p:spPr>
         <p:txBody>
-          <a:bodyPr lIns="0" rIns="0" tIns="0" bIns="0" anchor="ctr"/>
+          <a:bodyPr lIns="0" tIns="0" rIns="0" bIns="0" anchor="ctr"/>
+          <a:lstStyle/>
           <a:p>
             <a:pPr algn="ctr"/>
             <a:endParaRPr/>
@@ -2458,7 +2799,8 @@
           </a:prstGeom>
         </p:spPr>
         <p:txBody>
-          <a:bodyPr lIns="0" rIns="0" tIns="0" bIns="0"/>
+          <a:bodyPr lIns="0" tIns="0" rIns="0" bIns="0"/>
+          <a:lstStyle/>
           <a:p>
             <a:endParaRPr/>
           </a:p>
@@ -2484,7 +2826,8 @@
           </a:prstGeom>
         </p:spPr>
         <p:txBody>
-          <a:bodyPr lIns="0" rIns="0" tIns="0" bIns="0"/>
+          <a:bodyPr lIns="0" tIns="0" rIns="0" bIns="0"/>
+          <a:lstStyle/>
           <a:p>
             <a:endParaRPr/>
           </a:p>
@@ -2510,7 +2853,8 @@
           </a:prstGeom>
         </p:spPr>
         <p:txBody>
-          <a:bodyPr lIns="0" rIns="0" tIns="0" bIns="0"/>
+          <a:bodyPr lIns="0" tIns="0" rIns="0" bIns="0"/>
+          <a:lstStyle/>
           <a:p>
             <a:endParaRPr/>
           </a:p>
@@ -2518,11 +2862,14 @@
       </p:sp>
     </p:spTree>
   </p:cSld>
+  <p:clrMapOvr>
+    <a:masterClrMapping/>
+  </p:clrMapOvr>
 </p:sldLayout>
 </file>
 
 <file path=ppt/slideLayouts/slideLayout9.xml><?xml version="1.0" encoding="utf-8"?>
-<p:sldLayout xmlns:a="http://schemas.openxmlformats.org/drawingml/2006/main" xmlns:p="http://schemas.openxmlformats.org/presentationml/2006/main" xmlns:r="http://schemas.openxmlformats.org/officeDocument/2006/relationships" type="twoObjOverTx" preserve="1">
+<p:sldLayout xmlns:a="http://schemas.openxmlformats.org/drawingml/2006/main" xmlns:r="http://schemas.openxmlformats.org/officeDocument/2006/relationships" xmlns:p="http://schemas.openxmlformats.org/presentationml/2006/main" type="twoObjOverTx" preserve="1">
   <p:cSld name="Title, 2 Content over Content">
     <p:spTree>
       <p:nvGrpSpPr>
@@ -2558,7 +2905,8 @@
           </a:prstGeom>
         </p:spPr>
         <p:txBody>
-          <a:bodyPr lIns="0" rIns="0" tIns="0" bIns="0" anchor="ctr"/>
+          <a:bodyPr lIns="0" tIns="0" rIns="0" bIns="0" anchor="ctr"/>
+          <a:lstStyle/>
           <a:p>
             <a:pPr algn="ctr"/>
             <a:endParaRPr/>
@@ -2585,7 +2933,8 @@
           </a:prstGeom>
         </p:spPr>
         <p:txBody>
-          <a:bodyPr lIns="0" rIns="0" tIns="0" bIns="0"/>
+          <a:bodyPr lIns="0" tIns="0" rIns="0" bIns="0"/>
+          <a:lstStyle/>
           <a:p>
             <a:endParaRPr/>
           </a:p>
@@ -2611,7 +2960,8 @@
           </a:prstGeom>
         </p:spPr>
         <p:txBody>
-          <a:bodyPr lIns="0" rIns="0" tIns="0" bIns="0"/>
+          <a:bodyPr lIns="0" tIns="0" rIns="0" bIns="0"/>
+          <a:lstStyle/>
           <a:p>
             <a:endParaRPr/>
           </a:p>
@@ -2637,7 +2987,8 @@
           </a:prstGeom>
         </p:spPr>
         <p:txBody>
-          <a:bodyPr lIns="0" rIns="0" tIns="0" bIns="0"/>
+          <a:bodyPr lIns="0" tIns="0" rIns="0" bIns="0"/>
+          <a:lstStyle/>
           <a:p>
             <a:endParaRPr/>
           </a:p>
@@ -2645,17 +2996,21 @@
       </p:sp>
     </p:spTree>
   </p:cSld>
+  <p:clrMapOvr>
+    <a:masterClrMapping/>
+  </p:clrMapOvr>
 </p:sldLayout>
 </file>
 
 <file path=ppt/slideMasters/slideMaster1.xml><?xml version="1.0" encoding="utf-8"?>
-<p:sldMaster xmlns:a="http://schemas.openxmlformats.org/drawingml/2006/main" xmlns:p="http://schemas.openxmlformats.org/presentationml/2006/main" xmlns:r="http://schemas.openxmlformats.org/officeDocument/2006/relationships">
+<p:sldMaster xmlns:a="http://schemas.openxmlformats.org/drawingml/2006/main" xmlns:r="http://schemas.openxmlformats.org/officeDocument/2006/relationships" xmlns:p="http://schemas.openxmlformats.org/presentationml/2006/main">
   <p:cSld>
     <p:bg>
       <p:bgPr>
         <a:solidFill>
-          <a:srgbClr val="ffffff"/>
+          <a:srgbClr val="FFFFFF"/>
         </a:solidFill>
+        <a:effectLst/>
       </p:bgPr>
     </p:bg>
     <p:spTree>
@@ -2674,12 +3029,12 @@
       </p:grpSpPr>
       <p:pic>
         <p:nvPicPr>
-          <p:cNvPr id="0" name="Picture 7" descr=""/>
+          <p:cNvPr id="5" name="Picture 7"/>
           <p:cNvPicPr/>
           <p:nvPr/>
         </p:nvPicPr>
         <p:blipFill>
-          <a:blip r:embed="rId2"/>
+          <a:blip r:embed="rId14"/>
           <a:stretch/>
         </p:blipFill>
         <p:spPr>
@@ -2697,7 +3052,7 @@
       </p:pic>
       <p:sp>
         <p:nvSpPr>
-          <p:cNvPr id="1" name="Line 1"/>
+          <p:cNvPr id="6" name="Line 1"/>
           <p:cNvSpPr/>
           <p:nvPr/>
         </p:nvSpPr>
@@ -2717,20 +3072,26 @@
           </a:ln>
         </p:spPr>
         <p:style>
-          <a:lnRef idx="0"/>
-          <a:fillRef idx="0"/>
-          <a:effectRef idx="0"/>
+          <a:lnRef idx="0">
+            <a:scrgbClr r="0" g="0" b="0"/>
+          </a:lnRef>
+          <a:fillRef idx="0">
+            <a:scrgbClr r="0" g="0" b="0"/>
+          </a:fillRef>
+          <a:effectRef idx="0">
+            <a:scrgbClr r="0" g="0" b="0"/>
+          </a:effectRef>
           <a:fontRef idx="minor"/>
         </p:style>
       </p:sp>
       <p:pic>
         <p:nvPicPr>
-          <p:cNvPr id="2" name="Picture 7" descr=""/>
+          <p:cNvPr id="2" name="Picture 7"/>
           <p:cNvPicPr/>
           <p:nvPr/>
         </p:nvPicPr>
         <p:blipFill>
-          <a:blip r:embed="rId3"/>
+          <a:blip r:embed="rId14"/>
           <a:stretch/>
         </p:blipFill>
         <p:spPr>
@@ -2766,7 +3127,8 @@
           </a:prstGeom>
         </p:spPr>
         <p:txBody>
-          <a:bodyPr lIns="0" rIns="0" tIns="0" bIns="0" anchor="ctr"/>
+          <a:bodyPr lIns="0" tIns="0" rIns="0" bIns="0" anchor="ctr"/>
+          <a:lstStyle/>
           <a:p>
             <a:pPr algn="ctr"/>
             <a:r>
@@ -2799,11 +3161,12 @@
           </a:prstGeom>
         </p:spPr>
         <p:txBody>
-          <a:bodyPr lIns="0" rIns="0" tIns="0" bIns="0"/>
+          <a:bodyPr lIns="0" tIns="0" rIns="0" bIns="0"/>
+          <a:lstStyle/>
           <a:p>
             <a:pPr marL="432000" indent="-324000">
               <a:buClr>
-                <a:srgbClr val="ffffff"/>
+                <a:srgbClr val="FFFFFF"/>
               </a:buClr>
               <a:buSzPct val="45000"/>
               <a:buFont typeface="StarSymbol"/>
@@ -2818,9 +3181,9 @@
             <a:endParaRPr/>
           </a:p>
           <a:p>
-            <a:pPr lvl="1" marL="864000" indent="-324000">
+            <a:pPr marL="864000" lvl="1" indent="-324000">
               <a:buClr>
-                <a:srgbClr val="ffffff"/>
+                <a:srgbClr val="FFFFFF"/>
               </a:buClr>
               <a:buSzPct val="75000"/>
               <a:buFont typeface="StarSymbol"/>
@@ -2835,9 +3198,9 @@
             <a:endParaRPr/>
           </a:p>
           <a:p>
-            <a:pPr lvl="2" marL="1296000" indent="-288000">
+            <a:pPr marL="1296000" lvl="2" indent="-288000">
               <a:buClr>
-                <a:srgbClr val="ffffff"/>
+                <a:srgbClr val="FFFFFF"/>
               </a:buClr>
               <a:buSzPct val="45000"/>
               <a:buFont typeface="StarSymbol"/>
@@ -2852,9 +3215,9 @@
             <a:endParaRPr/>
           </a:p>
           <a:p>
-            <a:pPr lvl="3" marL="1728000" indent="-216000">
+            <a:pPr marL="1728000" lvl="3" indent="-216000">
               <a:buClr>
-                <a:srgbClr val="ffffff"/>
+                <a:srgbClr val="FFFFFF"/>
               </a:buClr>
               <a:buSzPct val="75000"/>
               <a:buFont typeface="StarSymbol"/>
@@ -2869,9 +3232,9 @@
             <a:endParaRPr/>
           </a:p>
           <a:p>
-            <a:pPr lvl="4" marL="2160000" indent="-216000">
+            <a:pPr marL="2160000" lvl="4" indent="-216000">
               <a:buClr>
-                <a:srgbClr val="ffffff"/>
+                <a:srgbClr val="FFFFFF"/>
               </a:buClr>
               <a:buSzPct val="45000"/>
               <a:buFont typeface="StarSymbol"/>
@@ -2886,9 +3249,9 @@
             <a:endParaRPr/>
           </a:p>
           <a:p>
-            <a:pPr lvl="5" marL="2592000" indent="-216000">
+            <a:pPr marL="2592000" lvl="5" indent="-216000">
               <a:buClr>
-                <a:srgbClr val="ffffff"/>
+                <a:srgbClr val="FFFFFF"/>
               </a:buClr>
               <a:buSzPct val="45000"/>
               <a:buFont typeface="StarSymbol"/>
@@ -2903,9 +3266,9 @@
             <a:endParaRPr/>
           </a:p>
           <a:p>
-            <a:pPr lvl="6" marL="3024000" indent="-216000">
+            <a:pPr marL="3024000" lvl="6" indent="-216000">
               <a:buClr>
-                <a:srgbClr val="ffffff"/>
+                <a:srgbClr val="FFFFFF"/>
               </a:buClr>
               <a:buSzPct val="45000"/>
               <a:buFont typeface="StarSymbol"/>
@@ -2923,32 +3286,313 @@
       </p:sp>
     </p:spTree>
   </p:cSld>
-  <p:clrMap bg1="lt1" bg2="lt2" tx1="dk1" tx2="dk2" accent1="accent1" accent2="accent2" accent3="accent3" accent4="accent4" accent5="accent5" accent6="accent6" hlink="hlink" folHlink="folHlink"/>
+  <p:clrMap bg1="lt1" tx1="dk1" bg2="lt2" tx2="dk2" accent1="accent1" accent2="accent2" accent3="accent3" accent4="accent4" accent5="accent5" accent6="accent6" hlink="hlink" folHlink="folHlink"/>
   <p:sldLayoutIdLst>
-    <p:sldLayoutId id="2147483649" r:id="rId4"/>
-    <p:sldLayoutId id="2147483650" r:id="rId5"/>
-    <p:sldLayoutId id="2147483651" r:id="rId6"/>
-    <p:sldLayoutId id="2147483652" r:id="rId7"/>
-    <p:sldLayoutId id="2147483653" r:id="rId8"/>
-    <p:sldLayoutId id="2147483654" r:id="rId9"/>
-    <p:sldLayoutId id="2147483655" r:id="rId10"/>
-    <p:sldLayoutId id="2147483656" r:id="rId11"/>
-    <p:sldLayoutId id="2147483657" r:id="rId12"/>
-    <p:sldLayoutId id="2147483658" r:id="rId13"/>
-    <p:sldLayoutId id="2147483659" r:id="rId14"/>
-    <p:sldLayoutId id="2147483660" r:id="rId15"/>
+    <p:sldLayoutId id="2147483649" r:id="rId1"/>
+    <p:sldLayoutId id="2147483650" r:id="rId2"/>
+    <p:sldLayoutId id="2147483651" r:id="rId3"/>
+    <p:sldLayoutId id="2147483652" r:id="rId4"/>
+    <p:sldLayoutId id="2147483653" r:id="rId5"/>
+    <p:sldLayoutId id="2147483654" r:id="rId6"/>
+    <p:sldLayoutId id="2147483655" r:id="rId7"/>
+    <p:sldLayoutId id="2147483656" r:id="rId8"/>
+    <p:sldLayoutId id="2147483657" r:id="rId9"/>
+    <p:sldLayoutId id="2147483658" r:id="rId10"/>
+    <p:sldLayoutId id="2147483659" r:id="rId11"/>
+    <p:sldLayoutId id="2147483660" r:id="rId12"/>
   </p:sldLayoutIdLst>
+  <p:txStyles>
+    <p:titleStyle>
+      <a:lvl1pPr algn="l" defTabSz="914400" rtl="0" eaLnBrk="1" latinLnBrk="0" hangingPunct="1">
+        <a:lnSpc>
+          <a:spcPct val="90000"/>
+        </a:lnSpc>
+        <a:spcBef>
+          <a:spcPct val="0"/>
+        </a:spcBef>
+        <a:buNone/>
+        <a:defRPr sz="4400" kern="1200">
+          <a:solidFill>
+            <a:schemeClr val="tx1"/>
+          </a:solidFill>
+          <a:latin typeface="+mj-lt"/>
+          <a:ea typeface="+mj-ea"/>
+          <a:cs typeface="+mj-cs"/>
+        </a:defRPr>
+      </a:lvl1pPr>
+    </p:titleStyle>
+    <p:bodyStyle>
+      <a:lvl1pPr marL="228600" indent="-228600" algn="l" defTabSz="914400" rtl="0" eaLnBrk="1" latinLnBrk="0" hangingPunct="1">
+        <a:lnSpc>
+          <a:spcPct val="90000"/>
+        </a:lnSpc>
+        <a:spcBef>
+          <a:spcPts val="1000"/>
+        </a:spcBef>
+        <a:buFont typeface="Arial"/>
+        <a:buChar char="•"/>
+        <a:defRPr sz="2800" kern="1200">
+          <a:solidFill>
+            <a:schemeClr val="tx1"/>
+          </a:solidFill>
+          <a:latin typeface="+mn-lt"/>
+          <a:ea typeface="+mn-ea"/>
+          <a:cs typeface="+mn-cs"/>
+        </a:defRPr>
+      </a:lvl1pPr>
+      <a:lvl2pPr marL="685800" indent="-228600" algn="l" defTabSz="914400" rtl="0" eaLnBrk="1" latinLnBrk="0" hangingPunct="1">
+        <a:lnSpc>
+          <a:spcPct val="90000"/>
+        </a:lnSpc>
+        <a:spcBef>
+          <a:spcPts val="500"/>
+        </a:spcBef>
+        <a:buFont typeface="Arial"/>
+        <a:buChar char="•"/>
+        <a:defRPr sz="2400" kern="1200">
+          <a:solidFill>
+            <a:schemeClr val="tx1"/>
+          </a:solidFill>
+          <a:latin typeface="+mn-lt"/>
+          <a:ea typeface="+mn-ea"/>
+          <a:cs typeface="+mn-cs"/>
+        </a:defRPr>
+      </a:lvl2pPr>
+      <a:lvl3pPr marL="1143000" indent="-228600" algn="l" defTabSz="914400" rtl="0" eaLnBrk="1" latinLnBrk="0" hangingPunct="1">
+        <a:lnSpc>
+          <a:spcPct val="90000"/>
+        </a:lnSpc>
+        <a:spcBef>
+          <a:spcPts val="500"/>
+        </a:spcBef>
+        <a:buFont typeface="Arial"/>
+        <a:buChar char="•"/>
+        <a:defRPr sz="2000" kern="1200">
+          <a:solidFill>
+            <a:schemeClr val="tx1"/>
+          </a:solidFill>
+          <a:latin typeface="+mn-lt"/>
+          <a:ea typeface="+mn-ea"/>
+          <a:cs typeface="+mn-cs"/>
+        </a:defRPr>
+      </a:lvl3pPr>
+      <a:lvl4pPr marL="1600200" indent="-228600" algn="l" defTabSz="914400" rtl="0" eaLnBrk="1" latinLnBrk="0" hangingPunct="1">
+        <a:lnSpc>
+          <a:spcPct val="90000"/>
+        </a:lnSpc>
+        <a:spcBef>
+          <a:spcPts val="500"/>
+        </a:spcBef>
+        <a:buFont typeface="Arial"/>
+        <a:buChar char="•"/>
+        <a:defRPr sz="1800" kern="1200">
+          <a:solidFill>
+            <a:schemeClr val="tx1"/>
+          </a:solidFill>
+          <a:latin typeface="+mn-lt"/>
+          <a:ea typeface="+mn-ea"/>
+          <a:cs typeface="+mn-cs"/>
+        </a:defRPr>
+      </a:lvl4pPr>
+      <a:lvl5pPr marL="2057400" indent="-228600" algn="l" defTabSz="914400" rtl="0" eaLnBrk="1" latinLnBrk="0" hangingPunct="1">
+        <a:lnSpc>
+          <a:spcPct val="90000"/>
+        </a:lnSpc>
+        <a:spcBef>
+          <a:spcPts val="500"/>
+        </a:spcBef>
+        <a:buFont typeface="Arial"/>
+        <a:buChar char="•"/>
+        <a:defRPr sz="1800" kern="1200">
+          <a:solidFill>
+            <a:schemeClr val="tx1"/>
+          </a:solidFill>
+          <a:latin typeface="+mn-lt"/>
+          <a:ea typeface="+mn-ea"/>
+          <a:cs typeface="+mn-cs"/>
+        </a:defRPr>
+      </a:lvl5pPr>
+      <a:lvl6pPr marL="2514600" indent="-228600" algn="l" defTabSz="914400" rtl="0" eaLnBrk="1" latinLnBrk="0" hangingPunct="1">
+        <a:lnSpc>
+          <a:spcPct val="90000"/>
+        </a:lnSpc>
+        <a:spcBef>
+          <a:spcPts val="500"/>
+        </a:spcBef>
+        <a:buFont typeface="Arial"/>
+        <a:buChar char="•"/>
+        <a:defRPr sz="1800" kern="1200">
+          <a:solidFill>
+            <a:schemeClr val="tx1"/>
+          </a:solidFill>
+          <a:latin typeface="+mn-lt"/>
+          <a:ea typeface="+mn-ea"/>
+          <a:cs typeface="+mn-cs"/>
+        </a:defRPr>
+      </a:lvl6pPr>
+      <a:lvl7pPr marL="2971800" indent="-228600" algn="l" defTabSz="914400" rtl="0" eaLnBrk="1" latinLnBrk="0" hangingPunct="1">
+        <a:lnSpc>
+          <a:spcPct val="90000"/>
+        </a:lnSpc>
+        <a:spcBef>
+          <a:spcPts val="500"/>
+        </a:spcBef>
+        <a:buFont typeface="Arial"/>
+        <a:buChar char="•"/>
+        <a:defRPr sz="1800" kern="1200">
+          <a:solidFill>
+            <a:schemeClr val="tx1"/>
+          </a:solidFill>
+          <a:latin typeface="+mn-lt"/>
+          <a:ea typeface="+mn-ea"/>
+          <a:cs typeface="+mn-cs"/>
+        </a:defRPr>
+      </a:lvl7pPr>
+      <a:lvl8pPr marL="3429000" indent="-228600" algn="l" defTabSz="914400" rtl="0" eaLnBrk="1" latinLnBrk="0" hangingPunct="1">
+        <a:lnSpc>
+          <a:spcPct val="90000"/>
+        </a:lnSpc>
+        <a:spcBef>
+          <a:spcPts val="500"/>
+        </a:spcBef>
+        <a:buFont typeface="Arial"/>
+        <a:buChar char="•"/>
+        <a:defRPr sz="1800" kern="1200">
+          <a:solidFill>
+            <a:schemeClr val="tx1"/>
+          </a:solidFill>
+          <a:latin typeface="+mn-lt"/>
+          <a:ea typeface="+mn-ea"/>
+          <a:cs typeface="+mn-cs"/>
+        </a:defRPr>
+      </a:lvl8pPr>
+      <a:lvl9pPr marL="3886200" indent="-228600" algn="l" defTabSz="914400" rtl="0" eaLnBrk="1" latinLnBrk="0" hangingPunct="1">
+        <a:lnSpc>
+          <a:spcPct val="90000"/>
+        </a:lnSpc>
+        <a:spcBef>
+          <a:spcPts val="500"/>
+        </a:spcBef>
+        <a:buFont typeface="Arial"/>
+        <a:buChar char="•"/>
+        <a:defRPr sz="1800" kern="1200">
+          <a:solidFill>
+            <a:schemeClr val="tx1"/>
+          </a:solidFill>
+          <a:latin typeface="+mn-lt"/>
+          <a:ea typeface="+mn-ea"/>
+          <a:cs typeface="+mn-cs"/>
+        </a:defRPr>
+      </a:lvl9pPr>
+    </p:bodyStyle>
+    <p:otherStyle>
+      <a:defPPr>
+        <a:defRPr lang="en-US"/>
+      </a:defPPr>
+      <a:lvl1pPr marL="0" algn="l" defTabSz="914400" rtl="0" eaLnBrk="1" latinLnBrk="0" hangingPunct="1">
+        <a:defRPr sz="1800" kern="1200">
+          <a:solidFill>
+            <a:schemeClr val="tx1"/>
+          </a:solidFill>
+          <a:latin typeface="+mn-lt"/>
+          <a:ea typeface="+mn-ea"/>
+          <a:cs typeface="+mn-cs"/>
+        </a:defRPr>
+      </a:lvl1pPr>
+      <a:lvl2pPr marL="457200" algn="l" defTabSz="914400" rtl="0" eaLnBrk="1" latinLnBrk="0" hangingPunct="1">
+        <a:defRPr sz="1800" kern="1200">
+          <a:solidFill>
+            <a:schemeClr val="tx1"/>
+          </a:solidFill>
+          <a:latin typeface="+mn-lt"/>
+          <a:ea typeface="+mn-ea"/>
+          <a:cs typeface="+mn-cs"/>
+        </a:defRPr>
+      </a:lvl2pPr>
+      <a:lvl3pPr marL="914400" algn="l" defTabSz="914400" rtl="0" eaLnBrk="1" latinLnBrk="0" hangingPunct="1">
+        <a:defRPr sz="1800" kern="1200">
+          <a:solidFill>
+            <a:schemeClr val="tx1"/>
+          </a:solidFill>
+          <a:latin typeface="+mn-lt"/>
+          <a:ea typeface="+mn-ea"/>
+          <a:cs typeface="+mn-cs"/>
+        </a:defRPr>
+      </a:lvl3pPr>
+      <a:lvl4pPr marL="1371600" algn="l" defTabSz="914400" rtl="0" eaLnBrk="1" latinLnBrk="0" hangingPunct="1">
+        <a:defRPr sz="1800" kern="1200">
+          <a:solidFill>
+            <a:schemeClr val="tx1"/>
+          </a:solidFill>
+          <a:latin typeface="+mn-lt"/>
+          <a:ea typeface="+mn-ea"/>
+          <a:cs typeface="+mn-cs"/>
+        </a:defRPr>
+      </a:lvl4pPr>
+      <a:lvl5pPr marL="1828800" algn="l" defTabSz="914400" rtl="0" eaLnBrk="1" latinLnBrk="0" hangingPunct="1">
+        <a:defRPr sz="1800" kern="1200">
+          <a:solidFill>
+            <a:schemeClr val="tx1"/>
+          </a:solidFill>
+          <a:latin typeface="+mn-lt"/>
+          <a:ea typeface="+mn-ea"/>
+          <a:cs typeface="+mn-cs"/>
+        </a:defRPr>
+      </a:lvl5pPr>
+      <a:lvl6pPr marL="2286000" algn="l" defTabSz="914400" rtl="0" eaLnBrk="1" latinLnBrk="0" hangingPunct="1">
+        <a:defRPr sz="1800" kern="1200">
+          <a:solidFill>
+            <a:schemeClr val="tx1"/>
+          </a:solidFill>
+          <a:latin typeface="+mn-lt"/>
+          <a:ea typeface="+mn-ea"/>
+          <a:cs typeface="+mn-cs"/>
+        </a:defRPr>
+      </a:lvl6pPr>
+      <a:lvl7pPr marL="2743200" algn="l" defTabSz="914400" rtl="0" eaLnBrk="1" latinLnBrk="0" hangingPunct="1">
+        <a:defRPr sz="1800" kern="1200">
+          <a:solidFill>
+            <a:schemeClr val="tx1"/>
+          </a:solidFill>
+          <a:latin typeface="+mn-lt"/>
+          <a:ea typeface="+mn-ea"/>
+          <a:cs typeface="+mn-cs"/>
+        </a:defRPr>
+      </a:lvl7pPr>
+      <a:lvl8pPr marL="3200400" algn="l" defTabSz="914400" rtl="0" eaLnBrk="1" latinLnBrk="0" hangingPunct="1">
+        <a:defRPr sz="1800" kern="1200">
+          <a:solidFill>
+            <a:schemeClr val="tx1"/>
+          </a:solidFill>
+          <a:latin typeface="+mn-lt"/>
+          <a:ea typeface="+mn-ea"/>
+          <a:cs typeface="+mn-cs"/>
+        </a:defRPr>
+      </a:lvl8pPr>
+      <a:lvl9pPr marL="3657600" algn="l" defTabSz="914400" rtl="0" eaLnBrk="1" latinLnBrk="0" hangingPunct="1">
+        <a:defRPr sz="1800" kern="1200">
+          <a:solidFill>
+            <a:schemeClr val="tx1"/>
+          </a:solidFill>
+          <a:latin typeface="+mn-lt"/>
+          <a:ea typeface="+mn-ea"/>
+          <a:cs typeface="+mn-cs"/>
+        </a:defRPr>
+      </a:lvl9pPr>
+    </p:otherStyle>
+  </p:txStyles>
 </p:sldMaster>
 </file>
 
 <file path=ppt/slideMasters/slideMaster2.xml><?xml version="1.0" encoding="utf-8"?>
-<p:sldMaster xmlns:a="http://schemas.openxmlformats.org/drawingml/2006/main" xmlns:p="http://schemas.openxmlformats.org/presentationml/2006/main" xmlns:r="http://schemas.openxmlformats.org/officeDocument/2006/relationships">
+<p:sldMaster xmlns:a="http://schemas.openxmlformats.org/drawingml/2006/main" xmlns:r="http://schemas.openxmlformats.org/officeDocument/2006/relationships" xmlns:p="http://schemas.openxmlformats.org/presentationml/2006/main">
   <p:cSld>
     <p:bg>
       <p:bgPr>
         <a:solidFill>
-          <a:srgbClr val="ffffff"/>
+          <a:srgbClr val="FFFFFF"/>
         </a:solidFill>
+        <a:effectLst/>
       </p:bgPr>
     </p:bg>
     <p:spTree>
@@ -2967,12 +3611,12 @@
       </p:grpSpPr>
       <p:pic>
         <p:nvPicPr>
-          <p:cNvPr id="39" name="Picture 7" descr=""/>
+          <p:cNvPr id="39" name="Picture 7"/>
           <p:cNvPicPr/>
           <p:nvPr/>
         </p:nvPicPr>
         <p:blipFill>
-          <a:blip r:embed="rId2"/>
+          <a:blip r:embed="rId14"/>
           <a:stretch/>
         </p:blipFill>
         <p:spPr>
@@ -3010,9 +3654,15 @@
           </a:ln>
         </p:spPr>
         <p:style>
-          <a:lnRef idx="0"/>
-          <a:fillRef idx="0"/>
-          <a:effectRef idx="0"/>
+          <a:lnRef idx="0">
+            <a:scrgbClr r="0" g="0" b="0"/>
+          </a:lnRef>
+          <a:fillRef idx="0">
+            <a:scrgbClr r="0" g="0" b="0"/>
+          </a:fillRef>
+          <a:effectRef idx="0">
+            <a:scrgbClr r="0" g="0" b="0"/>
+          </a:effectRef>
           <a:fontRef idx="minor"/>
         </p:style>
       </p:sp>
@@ -3036,7 +3686,8 @@
           </a:prstGeom>
         </p:spPr>
         <p:txBody>
-          <a:bodyPr lIns="0" rIns="0" tIns="0" bIns="0" anchor="ctr"/>
+          <a:bodyPr lIns="0" tIns="0" rIns="0" bIns="0" anchor="ctr"/>
+          <a:lstStyle/>
           <a:p>
             <a:pPr algn="ctr"/>
             <a:r>
@@ -3069,11 +3720,12 @@
           </a:prstGeom>
         </p:spPr>
         <p:txBody>
-          <a:bodyPr lIns="0" rIns="0" tIns="0" bIns="0"/>
+          <a:bodyPr lIns="0" tIns="0" rIns="0" bIns="0"/>
+          <a:lstStyle/>
           <a:p>
             <a:pPr marL="432000" indent="-324000">
               <a:buClr>
-                <a:srgbClr val="ffffff"/>
+                <a:srgbClr val="FFFFFF"/>
               </a:buClr>
               <a:buSzPct val="45000"/>
               <a:buFont typeface="StarSymbol"/>
@@ -3088,9 +3740,9 @@
             <a:endParaRPr/>
           </a:p>
           <a:p>
-            <a:pPr lvl="1" marL="864000" indent="-324000">
+            <a:pPr marL="864000" lvl="1" indent="-324000">
               <a:buClr>
-                <a:srgbClr val="ffffff"/>
+                <a:srgbClr val="FFFFFF"/>
               </a:buClr>
               <a:buSzPct val="75000"/>
               <a:buFont typeface="StarSymbol"/>
@@ -3105,9 +3757,9 @@
             <a:endParaRPr/>
           </a:p>
           <a:p>
-            <a:pPr lvl="2" marL="1296000" indent="-288000">
+            <a:pPr marL="1296000" lvl="2" indent="-288000">
               <a:buClr>
-                <a:srgbClr val="ffffff"/>
+                <a:srgbClr val="FFFFFF"/>
               </a:buClr>
               <a:buSzPct val="45000"/>
               <a:buFont typeface="StarSymbol"/>
@@ -3122,9 +3774,9 @@
             <a:endParaRPr/>
           </a:p>
           <a:p>
-            <a:pPr lvl="3" marL="1728000" indent="-216000">
+            <a:pPr marL="1728000" lvl="3" indent="-216000">
               <a:buClr>
-                <a:srgbClr val="ffffff"/>
+                <a:srgbClr val="FFFFFF"/>
               </a:buClr>
               <a:buSzPct val="75000"/>
               <a:buFont typeface="StarSymbol"/>
@@ -3139,9 +3791,9 @@
             <a:endParaRPr/>
           </a:p>
           <a:p>
-            <a:pPr lvl="4" marL="2160000" indent="-216000">
+            <a:pPr marL="2160000" lvl="4" indent="-216000">
               <a:buClr>
-                <a:srgbClr val="ffffff"/>
+                <a:srgbClr val="FFFFFF"/>
               </a:buClr>
               <a:buSzPct val="45000"/>
               <a:buFont typeface="StarSymbol"/>
@@ -3156,9 +3808,9 @@
             <a:endParaRPr/>
           </a:p>
           <a:p>
-            <a:pPr lvl="5" marL="2592000" indent="-216000">
+            <a:pPr marL="2592000" lvl="5" indent="-216000">
               <a:buClr>
-                <a:srgbClr val="ffffff"/>
+                <a:srgbClr val="FFFFFF"/>
               </a:buClr>
               <a:buSzPct val="45000"/>
               <a:buFont typeface="StarSymbol"/>
@@ -3173,9 +3825,9 @@
             <a:endParaRPr/>
           </a:p>
           <a:p>
-            <a:pPr lvl="6" marL="3024000" indent="-216000">
+            <a:pPr marL="3024000" lvl="6" indent="-216000">
               <a:buClr>
-                <a:srgbClr val="ffffff"/>
+                <a:srgbClr val="FFFFFF"/>
               </a:buClr>
               <a:buSzPct val="45000"/>
               <a:buFont typeface="StarSymbol"/>
@@ -3193,26 +3845,306 @@
       </p:sp>
     </p:spTree>
   </p:cSld>
-  <p:clrMap bg1="lt1" bg2="lt2" tx1="dk1" tx2="dk2" accent1="accent1" accent2="accent2" accent3="accent3" accent4="accent4" accent5="accent5" accent6="accent6" hlink="hlink" folHlink="folHlink"/>
+  <p:clrMap bg1="lt1" tx1="dk1" bg2="lt2" tx2="dk2" accent1="accent1" accent2="accent2" accent3="accent3" accent4="accent4" accent5="accent5" accent6="accent6" hlink="hlink" folHlink="folHlink"/>
   <p:sldLayoutIdLst>
-    <p:sldLayoutId id="2147483662" r:id="rId3"/>
-    <p:sldLayoutId id="2147483663" r:id="rId4"/>
-    <p:sldLayoutId id="2147483664" r:id="rId5"/>
-    <p:sldLayoutId id="2147483665" r:id="rId6"/>
-    <p:sldLayoutId id="2147483666" r:id="rId7"/>
-    <p:sldLayoutId id="2147483667" r:id="rId8"/>
-    <p:sldLayoutId id="2147483668" r:id="rId9"/>
-    <p:sldLayoutId id="2147483669" r:id="rId10"/>
-    <p:sldLayoutId id="2147483670" r:id="rId11"/>
-    <p:sldLayoutId id="2147483671" r:id="rId12"/>
-    <p:sldLayoutId id="2147483672" r:id="rId13"/>
-    <p:sldLayoutId id="2147483673" r:id="rId14"/>
+    <p:sldLayoutId id="2147483662" r:id="rId1"/>
+    <p:sldLayoutId id="2147483663" r:id="rId2"/>
+    <p:sldLayoutId id="2147483664" r:id="rId3"/>
+    <p:sldLayoutId id="2147483665" r:id="rId4"/>
+    <p:sldLayoutId id="2147483666" r:id="rId5"/>
+    <p:sldLayoutId id="2147483667" r:id="rId6"/>
+    <p:sldLayoutId id="2147483668" r:id="rId7"/>
+    <p:sldLayoutId id="2147483669" r:id="rId8"/>
+    <p:sldLayoutId id="2147483670" r:id="rId9"/>
+    <p:sldLayoutId id="2147483671" r:id="rId10"/>
+    <p:sldLayoutId id="2147483672" r:id="rId11"/>
+    <p:sldLayoutId id="2147483673" r:id="rId12"/>
   </p:sldLayoutIdLst>
+  <p:txStyles>
+    <p:titleStyle>
+      <a:lvl1pPr algn="l" defTabSz="914400" rtl="0" eaLnBrk="1" latinLnBrk="0" hangingPunct="1">
+        <a:lnSpc>
+          <a:spcPct val="90000"/>
+        </a:lnSpc>
+        <a:spcBef>
+          <a:spcPct val="0"/>
+        </a:spcBef>
+        <a:buNone/>
+        <a:defRPr sz="4400" kern="1200">
+          <a:solidFill>
+            <a:schemeClr val="tx1"/>
+          </a:solidFill>
+          <a:latin typeface="+mj-lt"/>
+          <a:ea typeface="+mj-ea"/>
+          <a:cs typeface="+mj-cs"/>
+        </a:defRPr>
+      </a:lvl1pPr>
+    </p:titleStyle>
+    <p:bodyStyle>
+      <a:lvl1pPr marL="228600" indent="-228600" algn="l" defTabSz="914400" rtl="0" eaLnBrk="1" latinLnBrk="0" hangingPunct="1">
+        <a:lnSpc>
+          <a:spcPct val="90000"/>
+        </a:lnSpc>
+        <a:spcBef>
+          <a:spcPts val="1000"/>
+        </a:spcBef>
+        <a:buFont typeface="Arial"/>
+        <a:buChar char="•"/>
+        <a:defRPr sz="2800" kern="1200">
+          <a:solidFill>
+            <a:schemeClr val="tx1"/>
+          </a:solidFill>
+          <a:latin typeface="+mn-lt"/>
+          <a:ea typeface="+mn-ea"/>
+          <a:cs typeface="+mn-cs"/>
+        </a:defRPr>
+      </a:lvl1pPr>
+      <a:lvl2pPr marL="685800" indent="-228600" algn="l" defTabSz="914400" rtl="0" eaLnBrk="1" latinLnBrk="0" hangingPunct="1">
+        <a:lnSpc>
+          <a:spcPct val="90000"/>
+        </a:lnSpc>
+        <a:spcBef>
+          <a:spcPts val="500"/>
+        </a:spcBef>
+        <a:buFont typeface="Arial"/>
+        <a:buChar char="•"/>
+        <a:defRPr sz="2400" kern="1200">
+          <a:solidFill>
+            <a:schemeClr val="tx1"/>
+          </a:solidFill>
+          <a:latin typeface="+mn-lt"/>
+          <a:ea typeface="+mn-ea"/>
+          <a:cs typeface="+mn-cs"/>
+        </a:defRPr>
+      </a:lvl2pPr>
+      <a:lvl3pPr marL="1143000" indent="-228600" algn="l" defTabSz="914400" rtl="0" eaLnBrk="1" latinLnBrk="0" hangingPunct="1">
+        <a:lnSpc>
+          <a:spcPct val="90000"/>
+        </a:lnSpc>
+        <a:spcBef>
+          <a:spcPts val="500"/>
+        </a:spcBef>
+        <a:buFont typeface="Arial"/>
+        <a:buChar char="•"/>
+        <a:defRPr sz="2000" kern="1200">
+          <a:solidFill>
+            <a:schemeClr val="tx1"/>
+          </a:solidFill>
+          <a:latin typeface="+mn-lt"/>
+          <a:ea typeface="+mn-ea"/>
+          <a:cs typeface="+mn-cs"/>
+        </a:defRPr>
+      </a:lvl3pPr>
+      <a:lvl4pPr marL="1600200" indent="-228600" algn="l" defTabSz="914400" rtl="0" eaLnBrk="1" latinLnBrk="0" hangingPunct="1">
+        <a:lnSpc>
+          <a:spcPct val="90000"/>
+        </a:lnSpc>
+        <a:spcBef>
+          <a:spcPts val="500"/>
+        </a:spcBef>
+        <a:buFont typeface="Arial"/>
+        <a:buChar char="•"/>
+        <a:defRPr sz="1800" kern="1200">
+          <a:solidFill>
+            <a:schemeClr val="tx1"/>
+          </a:solidFill>
+          <a:latin typeface="+mn-lt"/>
+          <a:ea typeface="+mn-ea"/>
+          <a:cs typeface="+mn-cs"/>
+        </a:defRPr>
+      </a:lvl4pPr>
+      <a:lvl5pPr marL="2057400" indent="-228600" algn="l" defTabSz="914400" rtl="0" eaLnBrk="1" latinLnBrk="0" hangingPunct="1">
+        <a:lnSpc>
+          <a:spcPct val="90000"/>
+        </a:lnSpc>
+        <a:spcBef>
+          <a:spcPts val="500"/>
+        </a:spcBef>
+        <a:buFont typeface="Arial"/>
+        <a:buChar char="•"/>
+        <a:defRPr sz="1800" kern="1200">
+          <a:solidFill>
+            <a:schemeClr val="tx1"/>
+          </a:solidFill>
+          <a:latin typeface="+mn-lt"/>
+          <a:ea typeface="+mn-ea"/>
+          <a:cs typeface="+mn-cs"/>
+        </a:defRPr>
+      </a:lvl5pPr>
+      <a:lvl6pPr marL="2514600" indent="-228600" algn="l" defTabSz="914400" rtl="0" eaLnBrk="1" latinLnBrk="0" hangingPunct="1">
+        <a:lnSpc>
+          <a:spcPct val="90000"/>
+        </a:lnSpc>
+        <a:spcBef>
+          <a:spcPts val="500"/>
+        </a:spcBef>
+        <a:buFont typeface="Arial"/>
+        <a:buChar char="•"/>
+        <a:defRPr sz="1800" kern="1200">
+          <a:solidFill>
+            <a:schemeClr val="tx1"/>
+          </a:solidFill>
+          <a:latin typeface="+mn-lt"/>
+          <a:ea typeface="+mn-ea"/>
+          <a:cs typeface="+mn-cs"/>
+        </a:defRPr>
+      </a:lvl6pPr>
+      <a:lvl7pPr marL="2971800" indent="-228600" algn="l" defTabSz="914400" rtl="0" eaLnBrk="1" latinLnBrk="0" hangingPunct="1">
+        <a:lnSpc>
+          <a:spcPct val="90000"/>
+        </a:lnSpc>
+        <a:spcBef>
+          <a:spcPts val="500"/>
+        </a:spcBef>
+        <a:buFont typeface="Arial"/>
+        <a:buChar char="•"/>
+        <a:defRPr sz="1800" kern="1200">
+          <a:solidFill>
+            <a:schemeClr val="tx1"/>
+          </a:solidFill>
+          <a:latin typeface="+mn-lt"/>
+          <a:ea typeface="+mn-ea"/>
+          <a:cs typeface="+mn-cs"/>
+        </a:defRPr>
+      </a:lvl7pPr>
+      <a:lvl8pPr marL="3429000" indent="-228600" algn="l" defTabSz="914400" rtl="0" eaLnBrk="1" latinLnBrk="0" hangingPunct="1">
+        <a:lnSpc>
+          <a:spcPct val="90000"/>
+        </a:lnSpc>
+        <a:spcBef>
+          <a:spcPts val="500"/>
+        </a:spcBef>
+        <a:buFont typeface="Arial"/>
+        <a:buChar char="•"/>
+        <a:defRPr sz="1800" kern="1200">
+          <a:solidFill>
+            <a:schemeClr val="tx1"/>
+          </a:solidFill>
+          <a:latin typeface="+mn-lt"/>
+          <a:ea typeface="+mn-ea"/>
+          <a:cs typeface="+mn-cs"/>
+        </a:defRPr>
+      </a:lvl8pPr>
+      <a:lvl9pPr marL="3886200" indent="-228600" algn="l" defTabSz="914400" rtl="0" eaLnBrk="1" latinLnBrk="0" hangingPunct="1">
+        <a:lnSpc>
+          <a:spcPct val="90000"/>
+        </a:lnSpc>
+        <a:spcBef>
+          <a:spcPts val="500"/>
+        </a:spcBef>
+        <a:buFont typeface="Arial"/>
+        <a:buChar char="•"/>
+        <a:defRPr sz="1800" kern="1200">
+          <a:solidFill>
+            <a:schemeClr val="tx1"/>
+          </a:solidFill>
+          <a:latin typeface="+mn-lt"/>
+          <a:ea typeface="+mn-ea"/>
+          <a:cs typeface="+mn-cs"/>
+        </a:defRPr>
+      </a:lvl9pPr>
+    </p:bodyStyle>
+    <p:otherStyle>
+      <a:defPPr>
+        <a:defRPr lang="en-US"/>
+      </a:defPPr>
+      <a:lvl1pPr marL="0" algn="l" defTabSz="914400" rtl="0" eaLnBrk="1" latinLnBrk="0" hangingPunct="1">
+        <a:defRPr sz="1800" kern="1200">
+          <a:solidFill>
+            <a:schemeClr val="tx1"/>
+          </a:solidFill>
+          <a:latin typeface="+mn-lt"/>
+          <a:ea typeface="+mn-ea"/>
+          <a:cs typeface="+mn-cs"/>
+        </a:defRPr>
+      </a:lvl1pPr>
+      <a:lvl2pPr marL="457200" algn="l" defTabSz="914400" rtl="0" eaLnBrk="1" latinLnBrk="0" hangingPunct="1">
+        <a:defRPr sz="1800" kern="1200">
+          <a:solidFill>
+            <a:schemeClr val="tx1"/>
+          </a:solidFill>
+          <a:latin typeface="+mn-lt"/>
+          <a:ea typeface="+mn-ea"/>
+          <a:cs typeface="+mn-cs"/>
+        </a:defRPr>
+      </a:lvl2pPr>
+      <a:lvl3pPr marL="914400" algn="l" defTabSz="914400" rtl="0" eaLnBrk="1" latinLnBrk="0" hangingPunct="1">
+        <a:defRPr sz="1800" kern="1200">
+          <a:solidFill>
+            <a:schemeClr val="tx1"/>
+          </a:solidFill>
+          <a:latin typeface="+mn-lt"/>
+          <a:ea typeface="+mn-ea"/>
+          <a:cs typeface="+mn-cs"/>
+        </a:defRPr>
+      </a:lvl3pPr>
+      <a:lvl4pPr marL="1371600" algn="l" defTabSz="914400" rtl="0" eaLnBrk="1" latinLnBrk="0" hangingPunct="1">
+        <a:defRPr sz="1800" kern="1200">
+          <a:solidFill>
+            <a:schemeClr val="tx1"/>
+          </a:solidFill>
+          <a:latin typeface="+mn-lt"/>
+          <a:ea typeface="+mn-ea"/>
+          <a:cs typeface="+mn-cs"/>
+        </a:defRPr>
+      </a:lvl4pPr>
+      <a:lvl5pPr marL="1828800" algn="l" defTabSz="914400" rtl="0" eaLnBrk="1" latinLnBrk="0" hangingPunct="1">
+        <a:defRPr sz="1800" kern="1200">
+          <a:solidFill>
+            <a:schemeClr val="tx1"/>
+          </a:solidFill>
+          <a:latin typeface="+mn-lt"/>
+          <a:ea typeface="+mn-ea"/>
+          <a:cs typeface="+mn-cs"/>
+        </a:defRPr>
+      </a:lvl5pPr>
+      <a:lvl6pPr marL="2286000" algn="l" defTabSz="914400" rtl="0" eaLnBrk="1" latinLnBrk="0" hangingPunct="1">
+        <a:defRPr sz="1800" kern="1200">
+          <a:solidFill>
+            <a:schemeClr val="tx1"/>
+          </a:solidFill>
+          <a:latin typeface="+mn-lt"/>
+          <a:ea typeface="+mn-ea"/>
+          <a:cs typeface="+mn-cs"/>
+        </a:defRPr>
+      </a:lvl6pPr>
+      <a:lvl7pPr marL="2743200" algn="l" defTabSz="914400" rtl="0" eaLnBrk="1" latinLnBrk="0" hangingPunct="1">
+        <a:defRPr sz="1800" kern="1200">
+          <a:solidFill>
+            <a:schemeClr val="tx1"/>
+          </a:solidFill>
+          <a:latin typeface="+mn-lt"/>
+          <a:ea typeface="+mn-ea"/>
+          <a:cs typeface="+mn-cs"/>
+        </a:defRPr>
+      </a:lvl7pPr>
+      <a:lvl8pPr marL="3200400" algn="l" defTabSz="914400" rtl="0" eaLnBrk="1" latinLnBrk="0" hangingPunct="1">
+        <a:defRPr sz="1800" kern="1200">
+          <a:solidFill>
+            <a:schemeClr val="tx1"/>
+          </a:solidFill>
+          <a:latin typeface="+mn-lt"/>
+          <a:ea typeface="+mn-ea"/>
+          <a:cs typeface="+mn-cs"/>
+        </a:defRPr>
+      </a:lvl8pPr>
+      <a:lvl9pPr marL="3657600" algn="l" defTabSz="914400" rtl="0" eaLnBrk="1" latinLnBrk="0" hangingPunct="1">
+        <a:defRPr sz="1800" kern="1200">
+          <a:solidFill>
+            <a:schemeClr val="tx1"/>
+          </a:solidFill>
+          <a:latin typeface="+mn-lt"/>
+          <a:ea typeface="+mn-ea"/>
+          <a:cs typeface="+mn-cs"/>
+        </a:defRPr>
+      </a:lvl9pPr>
+    </p:otherStyle>
+  </p:txStyles>
 </p:sldMaster>
 </file>
 
 <file path=ppt/slides/slide1.xml><?xml version="1.0" encoding="utf-8"?>
-<p:sld xmlns:a="http://schemas.openxmlformats.org/drawingml/2006/main" xmlns:p="http://schemas.openxmlformats.org/presentationml/2006/main" xmlns:r="http://schemas.openxmlformats.org/officeDocument/2006/relationships">
+<p:sld xmlns:a="http://schemas.openxmlformats.org/drawingml/2006/main" xmlns:r="http://schemas.openxmlformats.org/officeDocument/2006/relationships" xmlns:p="http://schemas.openxmlformats.org/presentationml/2006/main">
   <p:cSld>
     <p:spTree>
       <p:nvGrpSpPr>
@@ -3230,12 +4162,12 @@
       </p:grpSpPr>
       <p:pic>
         <p:nvPicPr>
-          <p:cNvPr id="82" name="Grafik 6" descr=""/>
+          <p:cNvPr id="82" name="Grafik 6"/>
           <p:cNvPicPr/>
           <p:nvPr/>
         </p:nvPicPr>
         <p:blipFill>
-          <a:blip r:embed="rId1"/>
+          <a:blip r:embed="rId2"/>
           <a:stretch/>
         </p:blipFill>
         <p:spPr>
@@ -3268,13 +4200,20 @@
           </a:ln>
         </p:spPr>
         <p:style>
-          <a:lnRef idx="0"/>
-          <a:fillRef idx="0"/>
-          <a:effectRef idx="0"/>
+          <a:lnRef idx="0">
+            <a:scrgbClr r="0" g="0" b="0"/>
+          </a:lnRef>
+          <a:fillRef idx="0">
+            <a:scrgbClr r="0" g="0" b="0"/>
+          </a:fillRef>
+          <a:effectRef idx="0">
+            <a:scrgbClr r="0" g="0" b="0"/>
+          </a:effectRef>
           <a:fontRef idx="minor"/>
         </p:style>
         <p:txBody>
-          <a:bodyPr lIns="0" rIns="0" tIns="0" bIns="0"/>
+          <a:bodyPr lIns="0" tIns="0" rIns="0" bIns="0"/>
+          <a:lstStyle/>
           <a:p>
             <a:pPr>
               <a:lnSpc>
@@ -3282,13 +4221,13 @@
               </a:lnSpc>
             </a:pPr>
             <a:r>
-              <a:rPr lang="en-US" sz="2600" spc="-1" strike="noStrike">
-                <a:solidFill>
-                  <a:srgbClr val="000000"/>
-                </a:solidFill>
-                <a:uFill>
-                  <a:solidFill>
-                    <a:srgbClr val="ffffff"/>
+              <a:rPr lang="en-US" sz="2600" strike="noStrike" spc="-1">
+                <a:solidFill>
+                  <a:srgbClr val="000000"/>
+                </a:solidFill>
+                <a:uFill>
+                  <a:solidFill>
+                    <a:srgbClr val="FFFFFF"/>
                   </a:solidFill>
                 </a:uFill>
                 <a:latin typeface="Arial"/>
@@ -3316,13 +4255,20 @@
           </a:ln>
         </p:spPr>
         <p:style>
-          <a:lnRef idx="0"/>
-          <a:fillRef idx="0"/>
-          <a:effectRef idx="0"/>
+          <a:lnRef idx="0">
+            <a:scrgbClr r="0" g="0" b="0"/>
+          </a:lnRef>
+          <a:fillRef idx="0">
+            <a:scrgbClr r="0" g="0" b="0"/>
+          </a:fillRef>
+          <a:effectRef idx="0">
+            <a:scrgbClr r="0" g="0" b="0"/>
+          </a:effectRef>
           <a:fontRef idx="minor"/>
         </p:style>
         <p:txBody>
-          <a:bodyPr lIns="0" rIns="0" tIns="0" bIns="0"/>
+          <a:bodyPr lIns="0" tIns="0" rIns="0" bIns="0"/>
+          <a:lstStyle/>
           <a:p>
             <a:pPr>
               <a:lnSpc>
@@ -3330,13 +4276,13 @@
               </a:lnSpc>
             </a:pPr>
             <a:r>
-              <a:rPr b="1" lang="en-US" sz="3600" spc="-1" strike="noStrike">
-                <a:solidFill>
-                  <a:srgbClr val="000000"/>
-                </a:solidFill>
-                <a:uFill>
-                  <a:solidFill>
-                    <a:srgbClr val="ffffff"/>
+              <a:rPr lang="en-US" sz="3600" b="1" strike="noStrike" spc="-1">
+                <a:solidFill>
+                  <a:srgbClr val="000000"/>
+                </a:solidFill>
+                <a:uFill>
+                  <a:solidFill>
+                    <a:srgbClr val="FFFFFF"/>
                   </a:solidFill>
                 </a:uFill>
                 <a:latin typeface="Arial"/>
@@ -3359,21 +4305,30 @@
             <a:ext cx="737280" cy="3080880"/>
           </a:xfrm>
           <a:solidFill>
-            <a:srgbClr val="ffff00"/>
+            <a:srgbClr val="FFFF00"/>
           </a:solidFill>
           <a:ln>
             <a:noFill/>
           </a:ln>
         </p:spPr>
         <p:style>
-          <a:lnRef idx="0"/>
-          <a:fillRef idx="0"/>
-          <a:effectRef idx="0"/>
+          <a:lnRef idx="0">
+            <a:scrgbClr r="0" g="0" b="0"/>
+          </a:lnRef>
+          <a:fillRef idx="0">
+            <a:scrgbClr r="0" g="0" b="0"/>
+          </a:fillRef>
+          <a:effectRef idx="0">
+            <a:scrgbClr r="0" g="0" b="0"/>
+          </a:effectRef>
           <a:fontRef idx="minor"/>
         </p:style>
       </p:sp>
     </p:spTree>
   </p:cSld>
+  <p:clrMapOvr>
+    <a:masterClrMapping/>
+  </p:clrMapOvr>
   <p:timing>
     <p:tnLst>
       <p:par>
@@ -3382,14 +4337,14 @@
             <p:seq>
               <p:cTn id="2" nodeType="mainSeq"/>
               <p:prevCondLst>
-                <p:cond delay="0" evt="onPrev">
+                <p:cond evt="onPrev" delay="0">
                   <p:tgtEl>
                     <p:sldTgt/>
                   </p:tgtEl>
                 </p:cond>
               </p:prevCondLst>
               <p:nextCondLst>
-                <p:cond delay="0" evt="onNext">
+                <p:cond evt="onNext" delay="0">
                   <p:tgtEl>
                     <p:sldTgt/>
                   </p:tgtEl>
@@ -3405,7 +4360,7 @@
 </file>
 
 <file path=ppt/slides/slide10.xml><?xml version="1.0" encoding="utf-8"?>
-<p:sld xmlns:a="http://schemas.openxmlformats.org/drawingml/2006/main" xmlns:p="http://schemas.openxmlformats.org/presentationml/2006/main" xmlns:r="http://schemas.openxmlformats.org/officeDocument/2006/relationships">
+<p:sld xmlns:a="http://schemas.openxmlformats.org/drawingml/2006/main" xmlns:r="http://schemas.openxmlformats.org/officeDocument/2006/relationships" xmlns:p="http://schemas.openxmlformats.org/presentationml/2006/main">
   <p:cSld>
     <p:spTree>
       <p:nvGrpSpPr>
@@ -3423,7 +4378,7 @@
       </p:grpSpPr>
       <p:sp>
         <p:nvSpPr>
-          <p:cNvPr id="128" name="CustomShape 1"/>
+          <p:cNvPr id="133" name="CustomShape 1"/>
           <p:cNvSpPr/>
           <p:nvPr/>
         </p:nvSpPr>
@@ -3438,13 +4393,20 @@
           </a:ln>
         </p:spPr>
         <p:style>
-          <a:lnRef idx="0"/>
-          <a:fillRef idx="0"/>
-          <a:effectRef idx="0"/>
+          <a:lnRef idx="0">
+            <a:scrgbClr r="0" g="0" b="0"/>
+          </a:lnRef>
+          <a:fillRef idx="0">
+            <a:scrgbClr r="0" g="0" b="0"/>
+          </a:fillRef>
+          <a:effectRef idx="0">
+            <a:scrgbClr r="0" g="0" b="0"/>
+          </a:effectRef>
           <a:fontRef idx="minor"/>
         </p:style>
         <p:txBody>
-          <a:bodyPr lIns="0" rIns="0" tIns="0" bIns="0" anchor="b"/>
+          <a:bodyPr lIns="0" tIns="0" rIns="0" bIns="0" anchor="b"/>
+          <a:lstStyle/>
           <a:p>
             <a:pPr>
               <a:lnSpc>
@@ -3452,13 +4414,13 @@
               </a:lnSpc>
             </a:pPr>
             <a:r>
-              <a:rPr lang="en-US" sz="1200" spc="-1" strike="noStrike">
-                <a:solidFill>
-                  <a:srgbClr val="000000"/>
-                </a:solidFill>
-                <a:uFill>
-                  <a:solidFill>
-                    <a:srgbClr val="ffffff"/>
+              <a:rPr lang="en-US" sz="1200" strike="noStrike" spc="-1">
+                <a:solidFill>
+                  <a:srgbClr val="000000"/>
+                </a:solidFill>
+                <a:uFill>
+                  <a:solidFill>
+                    <a:srgbClr val="FFFFFF"/>
                   </a:solidFill>
                 </a:uFill>
                 <a:latin typeface="Arial"/>
@@ -3471,7 +4433,7 @@
       </p:sp>
       <p:sp>
         <p:nvSpPr>
-          <p:cNvPr id="129" name="CustomShape 2"/>
+          <p:cNvPr id="134" name="CustomShape 2"/>
           <p:cNvSpPr/>
           <p:nvPr/>
         </p:nvSpPr>
@@ -3486,13 +4448,20 @@
           </a:ln>
         </p:spPr>
         <p:style>
-          <a:lnRef idx="0"/>
-          <a:fillRef idx="0"/>
-          <a:effectRef idx="0"/>
+          <a:lnRef idx="0">
+            <a:scrgbClr r="0" g="0" b="0"/>
+          </a:lnRef>
+          <a:fillRef idx="0">
+            <a:scrgbClr r="0" g="0" b="0"/>
+          </a:fillRef>
+          <a:effectRef idx="0">
+            <a:scrgbClr r="0" g="0" b="0"/>
+          </a:effectRef>
           <a:fontRef idx="minor"/>
         </p:style>
         <p:txBody>
-          <a:bodyPr lIns="0" rIns="0" tIns="0" bIns="0" anchor="b"/>
+          <a:bodyPr lIns="0" tIns="0" rIns="0" bIns="0" anchor="b"/>
+          <a:lstStyle/>
           <a:p>
             <a:pPr>
               <a:lnSpc>
@@ -3500,13 +4469,13 @@
               </a:lnSpc>
             </a:pPr>
             <a:r>
-              <a:rPr lang="en-US" sz="1200" spc="-1" strike="noStrike">
-                <a:solidFill>
-                  <a:srgbClr val="000000"/>
-                </a:solidFill>
-                <a:uFill>
-                  <a:solidFill>
-                    <a:srgbClr val="ffffff"/>
+              <a:rPr lang="en-US" sz="1200" strike="noStrike" spc="-1">
+                <a:solidFill>
+                  <a:srgbClr val="000000"/>
+                </a:solidFill>
+                <a:uFill>
+                  <a:solidFill>
+                    <a:srgbClr val="FFFFFF"/>
                   </a:solidFill>
                 </a:uFill>
                 <a:latin typeface="Arial"/>
@@ -3519,7 +4488,7 @@
       </p:sp>
       <p:sp>
         <p:nvSpPr>
-          <p:cNvPr id="130" name="CustomShape 3"/>
+          <p:cNvPr id="135" name="CustomShape 3"/>
           <p:cNvSpPr/>
           <p:nvPr/>
         </p:nvSpPr>
@@ -3534,15 +4503,21 @@
           </a:ln>
         </p:spPr>
         <p:style>
-          <a:lnRef idx="0"/>
-          <a:fillRef idx="0"/>
-          <a:effectRef idx="0"/>
+          <a:lnRef idx="0">
+            <a:scrgbClr r="0" g="0" b="0"/>
+          </a:lnRef>
+          <a:fillRef idx="0">
+            <a:scrgbClr r="0" g="0" b="0"/>
+          </a:fillRef>
+          <a:effectRef idx="0">
+            <a:scrgbClr r="0" g="0" b="0"/>
+          </a:effectRef>
           <a:fontRef idx="minor"/>
         </p:style>
       </p:sp>
       <p:sp>
         <p:nvSpPr>
-          <p:cNvPr id="131" name="CustomShape 4"/>
+          <p:cNvPr id="136" name="CustomShape 4"/>
           <p:cNvSpPr/>
           <p:nvPr/>
         </p:nvSpPr>
@@ -3557,26 +4532,58 @@
           </a:ln>
         </p:spPr>
         <p:style>
-          <a:lnRef idx="0"/>
-          <a:fillRef idx="0"/>
-          <a:effectRef idx="0"/>
+          <a:lnRef idx="0">
+            <a:scrgbClr r="0" g="0" b="0"/>
+          </a:lnRef>
+          <a:fillRef idx="0">
+            <a:scrgbClr r="0" g="0" b="0"/>
+          </a:fillRef>
+          <a:effectRef idx="0">
+            <a:scrgbClr r="0" g="0" b="0"/>
+          </a:effectRef>
           <a:fontRef idx="minor"/>
         </p:style>
+        <p:txBody>
+          <a:bodyPr lIns="0" tIns="0" rIns="0" bIns="0"/>
+          <a:lstStyle/>
+          <a:p>
+            <a:pPr>
+              <a:lnSpc>
+                <a:spcPct val="100000"/>
+              </a:lnSpc>
+            </a:pPr>
+            <a:r>
+              <a:rPr lang="en-US" sz="2000" b="1" strike="noStrike" spc="-1">
+                <a:solidFill>
+                  <a:srgbClr val="000000"/>
+                </a:solidFill>
+                <a:uFill>
+                  <a:solidFill>
+                    <a:srgbClr val="FFFFFF"/>
+                  </a:solidFill>
+                </a:uFill>
+                <a:latin typeface="Arial"/>
+              </a:rPr>
+              <a:t>Inverse Kinematik</a:t>
+            </a:r>
+            <a:endParaRPr/>
+          </a:p>
+        </p:txBody>
       </p:sp>
       <p:pic>
         <p:nvPicPr>
-          <p:cNvPr id="132" name="" descr=""/>
+          <p:cNvPr id="137" name="Picture 136"/>
           <p:cNvPicPr/>
           <p:nvPr/>
         </p:nvPicPr>
         <p:blipFill>
-          <a:blip r:embed="rId1"/>
+          <a:blip r:embed="rId2"/>
           <a:stretch/>
         </p:blipFill>
         <p:spPr>
-          <a:xfrm rot="21592800">
-            <a:off x="646200" y="718200"/>
-            <a:ext cx="8958240" cy="6385320"/>
+          <a:xfrm>
+            <a:off x="0" y="1985400"/>
+            <a:ext cx="10591200" cy="2037600"/>
           </a:xfrm>
           <a:prstGeom prst="rect">
             <a:avLst/>
@@ -3586,24 +4593,50 @@
           </a:ln>
         </p:spPr>
       </p:pic>
+      <p:pic>
+        <p:nvPicPr>
+          <p:cNvPr id="138" name="Picture 137"/>
+          <p:cNvPicPr/>
+          <p:nvPr/>
+        </p:nvPicPr>
+        <p:blipFill>
+          <a:blip r:embed="rId3"/>
+          <a:stretch/>
+        </p:blipFill>
+        <p:spPr>
+          <a:xfrm>
+            <a:off x="27360" y="4317120"/>
+            <a:ext cx="10692720" cy="1168920"/>
+          </a:xfrm>
+          <a:prstGeom prst="rect">
+            <a:avLst/>
+          </a:prstGeom>
+          <a:ln>
+            <a:noFill/>
+          </a:ln>
+        </p:spPr>
+      </p:pic>
     </p:spTree>
   </p:cSld>
+  <p:clrMapOvr>
+    <a:masterClrMapping/>
+  </p:clrMapOvr>
   <p:timing>
     <p:tnLst>
       <p:par>
-        <p:cTn id="19" dur="indefinite" restart="never" nodeType="tmRoot">
+        <p:cTn id="1" dur="indefinite" restart="never" nodeType="tmRoot">
           <p:childTnLst>
             <p:seq>
-              <p:cTn id="20" nodeType="mainSeq"/>
+              <p:cTn id="2" nodeType="mainSeq"/>
               <p:prevCondLst>
-                <p:cond delay="0" evt="onPrev">
+                <p:cond evt="onPrev" delay="0">
                   <p:tgtEl>
                     <p:sldTgt/>
                   </p:tgtEl>
                 </p:cond>
               </p:prevCondLst>
               <p:nextCondLst>
-                <p:cond delay="0" evt="onNext">
+                <p:cond evt="onNext" delay="0">
                   <p:tgtEl>
                     <p:sldTgt/>
                   </p:tgtEl>
@@ -3619,7 +4652,7 @@
 </file>
 
 <file path=ppt/slides/slide11.xml><?xml version="1.0" encoding="utf-8"?>
-<p:sld xmlns:a="http://schemas.openxmlformats.org/drawingml/2006/main" xmlns:p="http://schemas.openxmlformats.org/presentationml/2006/main" xmlns:r="http://schemas.openxmlformats.org/officeDocument/2006/relationships">
+<p:sld xmlns:a="http://schemas.openxmlformats.org/drawingml/2006/main" xmlns:r="http://schemas.openxmlformats.org/officeDocument/2006/relationships" xmlns:p="http://schemas.openxmlformats.org/presentationml/2006/main">
   <p:cSld>
     <p:spTree>
       <p:nvGrpSpPr>
@@ -3637,7 +4670,7 @@
       </p:grpSpPr>
       <p:sp>
         <p:nvSpPr>
-          <p:cNvPr id="133" name="CustomShape 1"/>
+          <p:cNvPr id="139" name="CustomShape 1"/>
           <p:cNvSpPr/>
           <p:nvPr/>
         </p:nvSpPr>
@@ -3652,13 +4685,20 @@
           </a:ln>
         </p:spPr>
         <p:style>
-          <a:lnRef idx="0"/>
-          <a:fillRef idx="0"/>
-          <a:effectRef idx="0"/>
+          <a:lnRef idx="0">
+            <a:scrgbClr r="0" g="0" b="0"/>
+          </a:lnRef>
+          <a:fillRef idx="0">
+            <a:scrgbClr r="0" g="0" b="0"/>
+          </a:fillRef>
+          <a:effectRef idx="0">
+            <a:scrgbClr r="0" g="0" b="0"/>
+          </a:effectRef>
           <a:fontRef idx="minor"/>
         </p:style>
         <p:txBody>
-          <a:bodyPr lIns="0" rIns="0" tIns="0" bIns="0" anchor="b"/>
+          <a:bodyPr lIns="0" tIns="0" rIns="0" bIns="0" anchor="b"/>
+          <a:lstStyle/>
           <a:p>
             <a:pPr>
               <a:lnSpc>
@@ -3666,13 +4706,13 @@
               </a:lnSpc>
             </a:pPr>
             <a:r>
-              <a:rPr lang="en-US" sz="1200" spc="-1" strike="noStrike">
-                <a:solidFill>
-                  <a:srgbClr val="000000"/>
-                </a:solidFill>
-                <a:uFill>
-                  <a:solidFill>
-                    <a:srgbClr val="ffffff"/>
+              <a:rPr lang="en-US" sz="1200" strike="noStrike" spc="-1">
+                <a:solidFill>
+                  <a:srgbClr val="000000"/>
+                </a:solidFill>
+                <a:uFill>
+                  <a:solidFill>
+                    <a:srgbClr val="FFFFFF"/>
                   </a:solidFill>
                 </a:uFill>
                 <a:latin typeface="Arial"/>
@@ -3685,7 +4725,7 @@
       </p:sp>
       <p:sp>
         <p:nvSpPr>
-          <p:cNvPr id="134" name="CustomShape 2"/>
+          <p:cNvPr id="140" name="CustomShape 2"/>
           <p:cNvSpPr/>
           <p:nvPr/>
         </p:nvSpPr>
@@ -3700,13 +4740,20 @@
           </a:ln>
         </p:spPr>
         <p:style>
-          <a:lnRef idx="0"/>
-          <a:fillRef idx="0"/>
-          <a:effectRef idx="0"/>
+          <a:lnRef idx="0">
+            <a:scrgbClr r="0" g="0" b="0"/>
+          </a:lnRef>
+          <a:fillRef idx="0">
+            <a:scrgbClr r="0" g="0" b="0"/>
+          </a:fillRef>
+          <a:effectRef idx="0">
+            <a:scrgbClr r="0" g="0" b="0"/>
+          </a:effectRef>
           <a:fontRef idx="minor"/>
         </p:style>
         <p:txBody>
-          <a:bodyPr lIns="0" rIns="0" tIns="0" bIns="0" anchor="b"/>
+          <a:bodyPr lIns="0" tIns="0" rIns="0" bIns="0" anchor="b"/>
+          <a:lstStyle/>
           <a:p>
             <a:pPr>
               <a:lnSpc>
@@ -3714,13 +4761,13 @@
               </a:lnSpc>
             </a:pPr>
             <a:r>
-              <a:rPr lang="en-US" sz="1200" spc="-1" strike="noStrike">
-                <a:solidFill>
-                  <a:srgbClr val="000000"/>
-                </a:solidFill>
-                <a:uFill>
-                  <a:solidFill>
-                    <a:srgbClr val="ffffff"/>
+              <a:rPr lang="en-US" sz="1200" strike="noStrike" spc="-1">
+                <a:solidFill>
+                  <a:srgbClr val="000000"/>
+                </a:solidFill>
+                <a:uFill>
+                  <a:solidFill>
+                    <a:srgbClr val="FFFFFF"/>
                   </a:solidFill>
                 </a:uFill>
                 <a:latin typeface="Arial"/>
@@ -3733,7 +4780,7 @@
       </p:sp>
       <p:sp>
         <p:nvSpPr>
-          <p:cNvPr id="135" name="CustomShape 3"/>
+          <p:cNvPr id="141" name="CustomShape 3"/>
           <p:cNvSpPr/>
           <p:nvPr/>
         </p:nvSpPr>
@@ -3748,15 +4795,21 @@
           </a:ln>
         </p:spPr>
         <p:style>
-          <a:lnRef idx="0"/>
-          <a:fillRef idx="0"/>
-          <a:effectRef idx="0"/>
+          <a:lnRef idx="0">
+            <a:scrgbClr r="0" g="0" b="0"/>
+          </a:lnRef>
+          <a:fillRef idx="0">
+            <a:scrgbClr r="0" g="0" b="0"/>
+          </a:fillRef>
+          <a:effectRef idx="0">
+            <a:scrgbClr r="0" g="0" b="0"/>
+          </a:effectRef>
           <a:fontRef idx="minor"/>
         </p:style>
       </p:sp>
       <p:sp>
         <p:nvSpPr>
-          <p:cNvPr id="136" name="CustomShape 4"/>
+          <p:cNvPr id="142" name="CustomShape 4"/>
           <p:cNvSpPr/>
           <p:nvPr/>
         </p:nvSpPr>
@@ -3771,13 +4824,20 @@
           </a:ln>
         </p:spPr>
         <p:style>
-          <a:lnRef idx="0"/>
-          <a:fillRef idx="0"/>
-          <a:effectRef idx="0"/>
+          <a:lnRef idx="0">
+            <a:scrgbClr r="0" g="0" b="0"/>
+          </a:lnRef>
+          <a:fillRef idx="0">
+            <a:scrgbClr r="0" g="0" b="0"/>
+          </a:fillRef>
+          <a:effectRef idx="0">
+            <a:scrgbClr r="0" g="0" b="0"/>
+          </a:effectRef>
           <a:fontRef idx="minor"/>
         </p:style>
         <p:txBody>
-          <a:bodyPr lIns="0" rIns="0" tIns="0" bIns="0"/>
+          <a:bodyPr lIns="0" tIns="0" rIns="0" bIns="0"/>
+          <a:lstStyle/>
           <a:p>
             <a:pPr>
               <a:lnSpc>
@@ -3785,87 +4845,229 @@
               </a:lnSpc>
             </a:pPr>
             <a:r>
-              <a:rPr b="1" lang="en-US" sz="2000" spc="-1" strike="noStrike">
-                <a:solidFill>
-                  <a:srgbClr val="000000"/>
-                </a:solidFill>
-                <a:uFill>
-                  <a:solidFill>
-                    <a:srgbClr val="ffffff"/>
-                  </a:solidFill>
-                </a:uFill>
-                <a:latin typeface="Arial"/>
-              </a:rPr>
-              <a:t>Inverse Kinematik</a:t>
-            </a:r>
-            <a:endParaRPr/>
-          </a:p>
-        </p:txBody>
-      </p:sp>
-      <p:pic>
-        <p:nvPicPr>
-          <p:cNvPr id="137" name="" descr=""/>
-          <p:cNvPicPr/>
+              <a:rPr lang="en-US" sz="2000" b="1" strike="noStrike" spc="-1" dirty="0" err="1" smtClean="0">
+                <a:solidFill>
+                  <a:srgbClr val="000000"/>
+                </a:solidFill>
+                <a:uFill>
+                  <a:solidFill>
+                    <a:srgbClr val="FFFFFF"/>
+                  </a:solidFill>
+                </a:uFill>
+                <a:latin typeface="Arial"/>
+              </a:rPr>
+              <a:t>Bahnplanung</a:t>
+            </a:r>
+            <a:endParaRPr dirty="0"/>
+          </a:p>
+        </p:txBody>
+      </p:sp>
+      <p:sp>
+        <p:nvSpPr>
+          <p:cNvPr id="143" name="CustomShape 5"/>
+          <p:cNvSpPr/>
           <p:nvPr/>
-        </p:nvPicPr>
-        <p:blipFill>
-          <a:blip r:embed="rId1"/>
-          <a:stretch/>
-        </p:blipFill>
-        <p:spPr>
-          <a:xfrm>
-            <a:off x="0" y="1985400"/>
-            <a:ext cx="10591200" cy="2037600"/>
-          </a:xfrm>
-          <a:prstGeom prst="rect">
-            <a:avLst/>
-          </a:prstGeom>
+        </p:nvSpPr>
+        <p:spPr>
+          <a:xfrm>
+            <a:off x="738360" y="2197080"/>
+            <a:ext cx="9213120" cy="4463280"/>
+          </a:xfrm>
+          <a:noFill/>
           <a:ln>
             <a:noFill/>
           </a:ln>
         </p:spPr>
-      </p:pic>
-      <p:pic>
-        <p:nvPicPr>
-          <p:cNvPr id="138" name="" descr=""/>
-          <p:cNvPicPr/>
-          <p:nvPr/>
-        </p:nvPicPr>
-        <p:blipFill>
-          <a:blip r:embed="rId2"/>
-          <a:stretch/>
-        </p:blipFill>
-        <p:spPr>
-          <a:xfrm>
-            <a:off x="27360" y="4317120"/>
-            <a:ext cx="10692720" cy="1168920"/>
-          </a:xfrm>
-          <a:prstGeom prst="rect">
-            <a:avLst/>
-          </a:prstGeom>
-          <a:ln>
-            <a:noFill/>
-          </a:ln>
-        </p:spPr>
-      </p:pic>
+        <p:style>
+          <a:lnRef idx="0">
+            <a:scrgbClr r="0" g="0" b="0"/>
+          </a:lnRef>
+          <a:fillRef idx="0">
+            <a:scrgbClr r="0" g="0" b="0"/>
+          </a:fillRef>
+          <a:effectRef idx="0">
+            <a:scrgbClr r="0" g="0" b="0"/>
+          </a:effectRef>
+          <a:fontRef idx="minor"/>
+        </p:style>
+        <p:txBody>
+          <a:bodyPr lIns="0" tIns="0" rIns="0" bIns="0"/>
+          <a:lstStyle/>
+          <a:p>
+            <a:pPr marL="432000" indent="-323640">
+              <a:lnSpc>
+                <a:spcPct val="100000"/>
+              </a:lnSpc>
+              <a:buClr>
+                <a:srgbClr val="FFFFFF"/>
+              </a:buClr>
+              <a:buSzPct val="45000"/>
+              <a:buFont typeface="StarSymbol"/>
+              <a:buChar char="l"/>
+            </a:pPr>
+            <a:r>
+              <a:rPr lang="en-US" sz="2800" strike="noStrike" spc="-1" dirty="0">
+                <a:uFill>
+                  <a:solidFill>
+                    <a:srgbClr val="FFFFFF"/>
+                  </a:solidFill>
+                </a:uFill>
+                <a:latin typeface="Arial"/>
+              </a:rPr>
+              <a:t>Point to Point</a:t>
+            </a:r>
+            <a:endParaRPr dirty="0"/>
+          </a:p>
+          <a:p>
+            <a:pPr marL="432000" indent="-323640">
+              <a:lnSpc>
+                <a:spcPct val="100000"/>
+              </a:lnSpc>
+              <a:buClr>
+                <a:srgbClr val="FFFFFF"/>
+              </a:buClr>
+              <a:buSzPct val="45000"/>
+              <a:buFont typeface="StarSymbol"/>
+              <a:buChar char="l"/>
+            </a:pPr>
+            <a:r>
+              <a:rPr lang="en-US" sz="2800" strike="noStrike" spc="-1" dirty="0" err="1">
+                <a:uFill>
+                  <a:solidFill>
+                    <a:srgbClr val="FFFFFF"/>
+                  </a:solidFill>
+                </a:uFill>
+                <a:latin typeface="Arial"/>
+              </a:rPr>
+              <a:t>Bisher</a:t>
+            </a:r>
+            <a:r>
+              <a:rPr lang="en-US" sz="2800" strike="noStrike" spc="-1" dirty="0">
+                <a:uFill>
+                  <a:solidFill>
+                    <a:srgbClr val="FFFFFF"/>
+                  </a:solidFill>
+                </a:uFill>
+                <a:latin typeface="Arial"/>
+              </a:rPr>
+              <a:t> </a:t>
+            </a:r>
+            <a:r>
+              <a:rPr lang="en-US" sz="2800" strike="noStrike" spc="-1" dirty="0" err="1">
+                <a:uFill>
+                  <a:solidFill>
+                    <a:srgbClr val="FFFFFF"/>
+                  </a:solidFill>
+                </a:uFill>
+                <a:latin typeface="Arial"/>
+              </a:rPr>
+              <a:t>nur</a:t>
+            </a:r>
+            <a:r>
+              <a:rPr lang="en-US" sz="2800" strike="noStrike" spc="-1" dirty="0">
+                <a:uFill>
+                  <a:solidFill>
+                    <a:srgbClr val="FFFFFF"/>
+                  </a:solidFill>
+                </a:uFill>
+                <a:latin typeface="Arial"/>
+              </a:rPr>
+              <a:t> linear</a:t>
+            </a:r>
+            <a:endParaRPr dirty="0"/>
+          </a:p>
+          <a:p>
+            <a:pPr marL="2592000" lvl="5" indent="-215640">
+              <a:lnSpc>
+                <a:spcPct val="100000"/>
+              </a:lnSpc>
+              <a:buClr>
+                <a:srgbClr val="FFFFFF"/>
+              </a:buClr>
+              <a:buSzPct val="45000"/>
+              <a:buFont typeface="StarSymbol"/>
+              <a:buChar char="l"/>
+            </a:pPr>
+            <a:r>
+              <a:rPr lang="en-US" sz="2800" strike="noStrike" spc="-1" dirty="0">
+                <a:uFill>
+                  <a:solidFill>
+                    <a:srgbClr val="FFFFFF"/>
+                  </a:solidFill>
+                </a:uFill>
+                <a:latin typeface="Arial"/>
+              </a:rPr>
+              <a:t>P1(</a:t>
+            </a:r>
+            <a:r>
+              <a:rPr lang="en-US" sz="2800" strike="noStrike" spc="-1" dirty="0" err="1">
+                <a:uFill>
+                  <a:solidFill>
+                    <a:srgbClr val="FFFFFF"/>
+                  </a:solidFill>
+                </a:uFill>
+                <a:latin typeface="Arial"/>
+              </a:rPr>
+              <a:t>x,y,z</a:t>
+            </a:r>
+            <a:r>
+              <a:rPr lang="en-US" sz="2800" strike="noStrike" spc="-1" dirty="0">
+                <a:uFill>
+                  <a:solidFill>
+                    <a:srgbClr val="FFFFFF"/>
+                  </a:solidFill>
+                </a:uFill>
+                <a:latin typeface="Arial"/>
+              </a:rPr>
+              <a:t>) → P2(</a:t>
+            </a:r>
+            <a:r>
+              <a:rPr lang="en-US" sz="2800" strike="noStrike" spc="-1" dirty="0" err="1">
+                <a:uFill>
+                  <a:solidFill>
+                    <a:srgbClr val="FFFFFF"/>
+                  </a:solidFill>
+                </a:uFill>
+                <a:latin typeface="Arial"/>
+              </a:rPr>
+              <a:t>x,y,z</a:t>
+            </a:r>
+            <a:r>
+              <a:rPr lang="en-US" sz="2800" strike="noStrike" spc="-1" dirty="0">
+                <a:uFill>
+                  <a:solidFill>
+                    <a:srgbClr val="FFFFFF"/>
+                  </a:solidFill>
+                </a:uFill>
+                <a:latin typeface="Arial"/>
+              </a:rPr>
+              <a:t>)</a:t>
+            </a:r>
+            <a:endParaRPr dirty="0"/>
+          </a:p>
+        </p:txBody>
+      </p:sp>
     </p:spTree>
   </p:cSld>
+  <p:clrMapOvr>
+    <a:masterClrMapping/>
+  </p:clrMapOvr>
   <p:timing>
     <p:tnLst>
       <p:par>
-        <p:cTn id="21" dur="indefinite" restart="never" nodeType="tmRoot">
+        <p:cTn id="1" dur="indefinite" restart="never" nodeType="tmRoot">
           <p:childTnLst>
             <p:seq>
-              <p:cTn id="22" nodeType="mainSeq"/>
+              <p:cTn id="2" nodeType="mainSeq"/>
               <p:prevCondLst>
-                <p:cond delay="0" evt="onPrev">
+                <p:cond evt="onPrev" delay="0">
                   <p:tgtEl>
                     <p:sldTgt/>
                   </p:tgtEl>
                 </p:cond>
               </p:prevCondLst>
               <p:nextCondLst>
-                <p:cond delay="0" evt="onNext">
+                <p:cond evt="onNext" delay="0">
                   <p:tgtEl>
                     <p:sldTgt/>
                   </p:tgtEl>
@@ -3881,7 +5083,7 @@
 </file>
 
 <file path=ppt/slides/slide12.xml><?xml version="1.0" encoding="utf-8"?>
-<p:sld xmlns:a="http://schemas.openxmlformats.org/drawingml/2006/main" xmlns:p="http://schemas.openxmlformats.org/presentationml/2006/main" xmlns:r="http://schemas.openxmlformats.org/officeDocument/2006/relationships">
+<p:sld xmlns:a="http://schemas.openxmlformats.org/drawingml/2006/main" xmlns:r="http://schemas.openxmlformats.org/officeDocument/2006/relationships" xmlns:p="http://schemas.openxmlformats.org/presentationml/2006/main">
   <p:cSld>
     <p:spTree>
       <p:nvGrpSpPr>
@@ -3899,7 +5101,7 @@
       </p:grpSpPr>
       <p:sp>
         <p:nvSpPr>
-          <p:cNvPr id="139" name="CustomShape 1"/>
+          <p:cNvPr id="144" name="CustomShape 1"/>
           <p:cNvSpPr/>
           <p:nvPr/>
         </p:nvSpPr>
@@ -3914,13 +5116,20 @@
           </a:ln>
         </p:spPr>
         <p:style>
-          <a:lnRef idx="0"/>
-          <a:fillRef idx="0"/>
-          <a:effectRef idx="0"/>
+          <a:lnRef idx="0">
+            <a:scrgbClr r="0" g="0" b="0"/>
+          </a:lnRef>
+          <a:fillRef idx="0">
+            <a:scrgbClr r="0" g="0" b="0"/>
+          </a:fillRef>
+          <a:effectRef idx="0">
+            <a:scrgbClr r="0" g="0" b="0"/>
+          </a:effectRef>
           <a:fontRef idx="minor"/>
         </p:style>
         <p:txBody>
-          <a:bodyPr lIns="0" rIns="0" tIns="0" bIns="0" anchor="b"/>
+          <a:bodyPr lIns="0" tIns="0" rIns="0" bIns="0" anchor="b"/>
+          <a:lstStyle/>
           <a:p>
             <a:pPr>
               <a:lnSpc>
@@ -3928,13 +5137,13 @@
               </a:lnSpc>
             </a:pPr>
             <a:r>
-              <a:rPr lang="en-US" sz="1200" spc="-1" strike="noStrike">
-                <a:solidFill>
-                  <a:srgbClr val="000000"/>
-                </a:solidFill>
-                <a:uFill>
-                  <a:solidFill>
-                    <a:srgbClr val="ffffff"/>
+              <a:rPr lang="en-US" sz="1200" strike="noStrike" spc="-1">
+                <a:solidFill>
+                  <a:srgbClr val="000000"/>
+                </a:solidFill>
+                <a:uFill>
+                  <a:solidFill>
+                    <a:srgbClr val="FFFFFF"/>
                   </a:solidFill>
                 </a:uFill>
                 <a:latin typeface="Arial"/>
@@ -3947,7 +5156,7 @@
       </p:sp>
       <p:sp>
         <p:nvSpPr>
-          <p:cNvPr id="140" name="CustomShape 2"/>
+          <p:cNvPr id="145" name="CustomShape 2"/>
           <p:cNvSpPr/>
           <p:nvPr/>
         </p:nvSpPr>
@@ -3962,13 +5171,20 @@
           </a:ln>
         </p:spPr>
         <p:style>
-          <a:lnRef idx="0"/>
-          <a:fillRef idx="0"/>
-          <a:effectRef idx="0"/>
+          <a:lnRef idx="0">
+            <a:scrgbClr r="0" g="0" b="0"/>
+          </a:lnRef>
+          <a:fillRef idx="0">
+            <a:scrgbClr r="0" g="0" b="0"/>
+          </a:fillRef>
+          <a:effectRef idx="0">
+            <a:scrgbClr r="0" g="0" b="0"/>
+          </a:effectRef>
           <a:fontRef idx="minor"/>
         </p:style>
         <p:txBody>
-          <a:bodyPr lIns="0" rIns="0" tIns="0" bIns="0" anchor="b"/>
+          <a:bodyPr lIns="0" tIns="0" rIns="0" bIns="0" anchor="b"/>
+          <a:lstStyle/>
           <a:p>
             <a:pPr>
               <a:lnSpc>
@@ -3976,13 +5192,13 @@
               </a:lnSpc>
             </a:pPr>
             <a:r>
-              <a:rPr lang="en-US" sz="1200" spc="-1" strike="noStrike">
-                <a:solidFill>
-                  <a:srgbClr val="000000"/>
-                </a:solidFill>
-                <a:uFill>
-                  <a:solidFill>
-                    <a:srgbClr val="ffffff"/>
+              <a:rPr lang="en-US" sz="1200" strike="noStrike" spc="-1">
+                <a:solidFill>
+                  <a:srgbClr val="000000"/>
+                </a:solidFill>
+                <a:uFill>
+                  <a:solidFill>
+                    <a:srgbClr val="FFFFFF"/>
                   </a:solidFill>
                 </a:uFill>
                 <a:latin typeface="Arial"/>
@@ -3995,7 +5211,7 @@
       </p:sp>
       <p:sp>
         <p:nvSpPr>
-          <p:cNvPr id="141" name="CustomShape 3"/>
+          <p:cNvPr id="146" name="CustomShape 3"/>
           <p:cNvSpPr/>
           <p:nvPr/>
         </p:nvSpPr>
@@ -4010,15 +5226,21 @@
           </a:ln>
         </p:spPr>
         <p:style>
-          <a:lnRef idx="0"/>
-          <a:fillRef idx="0"/>
-          <a:effectRef idx="0"/>
+          <a:lnRef idx="0">
+            <a:scrgbClr r="0" g="0" b="0"/>
+          </a:lnRef>
+          <a:fillRef idx="0">
+            <a:scrgbClr r="0" g="0" b="0"/>
+          </a:fillRef>
+          <a:effectRef idx="0">
+            <a:scrgbClr r="0" g="0" b="0"/>
+          </a:effectRef>
           <a:fontRef idx="minor"/>
         </p:style>
       </p:sp>
       <p:sp>
         <p:nvSpPr>
-          <p:cNvPr id="142" name="CustomShape 4"/>
+          <p:cNvPr id="147" name="CustomShape 4"/>
           <p:cNvSpPr/>
           <p:nvPr/>
         </p:nvSpPr>
@@ -4033,13 +5255,20 @@
           </a:ln>
         </p:spPr>
         <p:style>
-          <a:lnRef idx="0"/>
-          <a:fillRef idx="0"/>
-          <a:effectRef idx="0"/>
+          <a:lnRef idx="0">
+            <a:scrgbClr r="0" g="0" b="0"/>
+          </a:lnRef>
+          <a:fillRef idx="0">
+            <a:scrgbClr r="0" g="0" b="0"/>
+          </a:fillRef>
+          <a:effectRef idx="0">
+            <a:scrgbClr r="0" g="0" b="0"/>
+          </a:effectRef>
           <a:fontRef idx="minor"/>
         </p:style>
         <p:txBody>
-          <a:bodyPr lIns="0" rIns="0" tIns="0" bIns="0"/>
+          <a:bodyPr lIns="0" tIns="0" rIns="0" bIns="0"/>
+          <a:lstStyle/>
           <a:p>
             <a:pPr>
               <a:lnSpc>
@@ -4047,142 +5276,67 @@
               </a:lnSpc>
             </a:pPr>
             <a:r>
-              <a:rPr b="1" lang="en-US" sz="2000" spc="-1" strike="noStrike">
-                <a:solidFill>
-                  <a:srgbClr val="000000"/>
-                </a:solidFill>
-                <a:uFill>
-                  <a:solidFill>
-                    <a:srgbClr val="ffffff"/>
-                  </a:solidFill>
-                </a:uFill>
-                <a:latin typeface="Arial"/>
-              </a:rPr>
-              <a:t>Bahnplannung</a:t>
-            </a:r>
-            <a:endParaRPr/>
-          </a:p>
-        </p:txBody>
-      </p:sp>
-      <p:sp>
-        <p:nvSpPr>
-          <p:cNvPr id="143" name="CustomShape 5"/>
-          <p:cNvSpPr/>
+              <a:rPr lang="en-US" sz="2000" b="1" strike="noStrike" spc="-1" dirty="0" err="1" smtClean="0">
+                <a:solidFill>
+                  <a:srgbClr val="000000"/>
+                </a:solidFill>
+                <a:uFill>
+                  <a:solidFill>
+                    <a:srgbClr val="FFFFFF"/>
+                  </a:solidFill>
+                </a:uFill>
+                <a:latin typeface="Arial"/>
+              </a:rPr>
+              <a:t>Bahnplanung</a:t>
+            </a:r>
+            <a:endParaRPr dirty="0"/>
+          </a:p>
+        </p:txBody>
+      </p:sp>
+      <p:pic>
+        <p:nvPicPr>
+          <p:cNvPr id="148" name="Picture 147"/>
+          <p:cNvPicPr/>
           <p:nvPr/>
-        </p:nvSpPr>
-        <p:spPr>
-          <a:xfrm>
-            <a:off x="738360" y="2197080"/>
-            <a:ext cx="9213120" cy="4463280"/>
-          </a:xfrm>
-          <a:noFill/>
+        </p:nvPicPr>
+        <p:blipFill>
+          <a:blip r:embed="rId2"/>
+          <a:stretch/>
+        </p:blipFill>
+        <p:spPr>
+          <a:xfrm>
+            <a:off x="738000" y="2432160"/>
+            <a:ext cx="9213120" cy="3511080"/>
+          </a:xfrm>
+          <a:prstGeom prst="rect">
+            <a:avLst/>
+          </a:prstGeom>
           <a:ln>
             <a:noFill/>
           </a:ln>
         </p:spPr>
-        <p:style>
-          <a:lnRef idx="0"/>
-          <a:fillRef idx="0"/>
-          <a:effectRef idx="0"/>
-          <a:fontRef idx="minor"/>
-        </p:style>
-        <p:txBody>
-          <a:bodyPr lIns="0" rIns="0" tIns="0" bIns="0"/>
-          <a:p>
-            <a:pPr marL="432000" indent="-323640">
-              <a:lnSpc>
-                <a:spcPct val="100000"/>
-              </a:lnSpc>
-              <a:buClr>
-                <a:srgbClr val="ffffff"/>
-              </a:buClr>
-              <a:buSzPct val="45000"/>
-              <a:buFont typeface="StarSymbol"/>
-              <a:buChar char="l"/>
-            </a:pPr>
-            <a:r>
-              <a:rPr lang="en-US" sz="2800" spc="-1" strike="noStrike">
-                <a:uFill>
-                  <a:solidFill>
-                    <a:srgbClr val="ffffff"/>
-                  </a:solidFill>
-                </a:uFill>
-                <a:latin typeface="Arial"/>
-              </a:rPr>
-              <a:t>Point to Point</a:t>
-            </a:r>
-            <a:endParaRPr/>
-          </a:p>
-          <a:p>
-            <a:pPr marL="432000" indent="-323640">
-              <a:lnSpc>
-                <a:spcPct val="100000"/>
-              </a:lnSpc>
-              <a:buClr>
-                <a:srgbClr val="ffffff"/>
-              </a:buClr>
-              <a:buSzPct val="45000"/>
-              <a:buFont typeface="StarSymbol"/>
-              <a:buChar char="l"/>
-            </a:pPr>
-            <a:r>
-              <a:rPr lang="en-US" sz="2800" spc="-1" strike="noStrike">
-                <a:uFill>
-                  <a:solidFill>
-                    <a:srgbClr val="ffffff"/>
-                  </a:solidFill>
-                </a:uFill>
-                <a:latin typeface="Arial"/>
-              </a:rPr>
-              <a:t>Bisher nur linear</a:t>
-            </a:r>
-            <a:endParaRPr/>
-          </a:p>
-          <a:p>
-            <a:pPr lvl="5" marL="2592000" indent="-215640">
-              <a:lnSpc>
-                <a:spcPct val="100000"/>
-              </a:lnSpc>
-              <a:buClr>
-                <a:srgbClr val="ffffff"/>
-              </a:buClr>
-              <a:buSzPct val="45000"/>
-              <a:buFont typeface="StarSymbol"/>
-              <a:buChar char="l"/>
-            </a:pPr>
-            <a:r>
-              <a:rPr lang="en-US" sz="2800" spc="-1" strike="noStrike">
-                <a:uFill>
-                  <a:solidFill>
-                    <a:srgbClr val="ffffff"/>
-                  </a:solidFill>
-                </a:uFill>
-                <a:latin typeface="Arial"/>
-              </a:rPr>
-              <a:t>P1(x,y,z) → P2(x,y,z)</a:t>
-            </a:r>
-            <a:endParaRPr/>
-          </a:p>
-        </p:txBody>
-      </p:sp>
+      </p:pic>
     </p:spTree>
   </p:cSld>
+  <p:clrMapOvr>
+    <a:masterClrMapping/>
+  </p:clrMapOvr>
   <p:timing>
     <p:tnLst>
       <p:par>
-        <p:cTn id="23" dur="indefinite" restart="never" nodeType="tmRoot">
+        <p:cTn id="1" dur="indefinite" restart="never" nodeType="tmRoot">
           <p:childTnLst>
             <p:seq>
-              <p:cTn id="24" nodeType="mainSeq"/>
+              <p:cTn id="2" nodeType="mainSeq"/>
               <p:prevCondLst>
-                <p:cond delay="0" evt="onPrev">
+                <p:cond evt="onPrev" delay="0">
                   <p:tgtEl>
                     <p:sldTgt/>
                   </p:tgtEl>
                 </p:cond>
               </p:prevCondLst>
               <p:nextCondLst>
-                <p:cond delay="0" evt="onNext">
+                <p:cond evt="onNext" delay="0">
                   <p:tgtEl>
                     <p:sldTgt/>
                   </p:tgtEl>
@@ -4198,7 +5352,7 @@
 </file>
 
 <file path=ppt/slides/slide13.xml><?xml version="1.0" encoding="utf-8"?>
-<p:sld xmlns:a="http://schemas.openxmlformats.org/drawingml/2006/main" xmlns:p="http://schemas.openxmlformats.org/presentationml/2006/main" xmlns:r="http://schemas.openxmlformats.org/officeDocument/2006/relationships">
+<p:sld xmlns:a="http://schemas.openxmlformats.org/drawingml/2006/main" xmlns:r="http://schemas.openxmlformats.org/officeDocument/2006/relationships" xmlns:p="http://schemas.openxmlformats.org/presentationml/2006/main">
   <p:cSld>
     <p:spTree>
       <p:nvGrpSpPr>
@@ -4216,7 +5370,7 @@
       </p:grpSpPr>
       <p:sp>
         <p:nvSpPr>
-          <p:cNvPr id="144" name="CustomShape 1"/>
+          <p:cNvPr id="139" name="CustomShape 1"/>
           <p:cNvSpPr/>
           <p:nvPr/>
         </p:nvSpPr>
@@ -4231,13 +5385,20 @@
           </a:ln>
         </p:spPr>
         <p:style>
-          <a:lnRef idx="0"/>
-          <a:fillRef idx="0"/>
-          <a:effectRef idx="0"/>
+          <a:lnRef idx="0">
+            <a:scrgbClr r="0" g="0" b="0"/>
+          </a:lnRef>
+          <a:fillRef idx="0">
+            <a:scrgbClr r="0" g="0" b="0"/>
+          </a:fillRef>
+          <a:effectRef idx="0">
+            <a:scrgbClr r="0" g="0" b="0"/>
+          </a:effectRef>
           <a:fontRef idx="minor"/>
         </p:style>
         <p:txBody>
-          <a:bodyPr lIns="0" rIns="0" tIns="0" bIns="0" anchor="b"/>
+          <a:bodyPr lIns="0" tIns="0" rIns="0" bIns="0" anchor="b"/>
+          <a:lstStyle/>
           <a:p>
             <a:pPr>
               <a:lnSpc>
@@ -4245,13 +5406,13 @@
               </a:lnSpc>
             </a:pPr>
             <a:r>
-              <a:rPr lang="en-US" sz="1200" spc="-1" strike="noStrike">
-                <a:solidFill>
-                  <a:srgbClr val="000000"/>
-                </a:solidFill>
-                <a:uFill>
-                  <a:solidFill>
-                    <a:srgbClr val="ffffff"/>
+              <a:rPr lang="en-US" sz="1200" strike="noStrike" spc="-1">
+                <a:solidFill>
+                  <a:srgbClr val="000000"/>
+                </a:solidFill>
+                <a:uFill>
+                  <a:solidFill>
+                    <a:srgbClr val="FFFFFF"/>
                   </a:solidFill>
                 </a:uFill>
                 <a:latin typeface="Arial"/>
@@ -4264,7 +5425,7 @@
       </p:sp>
       <p:sp>
         <p:nvSpPr>
-          <p:cNvPr id="145" name="CustomShape 2"/>
+          <p:cNvPr id="140" name="CustomShape 2"/>
           <p:cNvSpPr/>
           <p:nvPr/>
         </p:nvSpPr>
@@ -4279,13 +5440,20 @@
           </a:ln>
         </p:spPr>
         <p:style>
-          <a:lnRef idx="0"/>
-          <a:fillRef idx="0"/>
-          <a:effectRef idx="0"/>
+          <a:lnRef idx="0">
+            <a:scrgbClr r="0" g="0" b="0"/>
+          </a:lnRef>
+          <a:fillRef idx="0">
+            <a:scrgbClr r="0" g="0" b="0"/>
+          </a:fillRef>
+          <a:effectRef idx="0">
+            <a:scrgbClr r="0" g="0" b="0"/>
+          </a:effectRef>
           <a:fontRef idx="minor"/>
         </p:style>
         <p:txBody>
-          <a:bodyPr lIns="0" rIns="0" tIns="0" bIns="0" anchor="b"/>
+          <a:bodyPr lIns="0" tIns="0" rIns="0" bIns="0" anchor="b"/>
+          <a:lstStyle/>
           <a:p>
             <a:pPr>
               <a:lnSpc>
@@ -4293,13 +5461,13 @@
               </a:lnSpc>
             </a:pPr>
             <a:r>
-              <a:rPr lang="en-US" sz="1200" spc="-1" strike="noStrike">
-                <a:solidFill>
-                  <a:srgbClr val="000000"/>
-                </a:solidFill>
-                <a:uFill>
-                  <a:solidFill>
-                    <a:srgbClr val="ffffff"/>
+              <a:rPr lang="en-US" sz="1200" strike="noStrike" spc="-1">
+                <a:solidFill>
+                  <a:srgbClr val="000000"/>
+                </a:solidFill>
+                <a:uFill>
+                  <a:solidFill>
+                    <a:srgbClr val="FFFFFF"/>
                   </a:solidFill>
                 </a:uFill>
                 <a:latin typeface="Arial"/>
@@ -4312,7 +5480,7 @@
       </p:sp>
       <p:sp>
         <p:nvSpPr>
-          <p:cNvPr id="146" name="CustomShape 3"/>
+          <p:cNvPr id="141" name="CustomShape 3"/>
           <p:cNvSpPr/>
           <p:nvPr/>
         </p:nvSpPr>
@@ -4327,15 +5495,21 @@
           </a:ln>
         </p:spPr>
         <p:style>
-          <a:lnRef idx="0"/>
-          <a:fillRef idx="0"/>
-          <a:effectRef idx="0"/>
+          <a:lnRef idx="0">
+            <a:scrgbClr r="0" g="0" b="0"/>
+          </a:lnRef>
+          <a:fillRef idx="0">
+            <a:scrgbClr r="0" g="0" b="0"/>
+          </a:fillRef>
+          <a:effectRef idx="0">
+            <a:scrgbClr r="0" g="0" b="0"/>
+          </a:effectRef>
           <a:fontRef idx="minor"/>
         </p:style>
       </p:sp>
       <p:sp>
         <p:nvSpPr>
-          <p:cNvPr id="147" name="CustomShape 4"/>
+          <p:cNvPr id="142" name="CustomShape 4"/>
           <p:cNvSpPr/>
           <p:nvPr/>
         </p:nvSpPr>
@@ -4350,13 +5524,20 @@
           </a:ln>
         </p:spPr>
         <p:style>
-          <a:lnRef idx="0"/>
-          <a:fillRef idx="0"/>
-          <a:effectRef idx="0"/>
+          <a:lnRef idx="0">
+            <a:scrgbClr r="0" g="0" b="0"/>
+          </a:lnRef>
+          <a:fillRef idx="0">
+            <a:scrgbClr r="0" g="0" b="0"/>
+          </a:fillRef>
+          <a:effectRef idx="0">
+            <a:scrgbClr r="0" g="0" b="0"/>
+          </a:effectRef>
           <a:fontRef idx="minor"/>
         </p:style>
         <p:txBody>
-          <a:bodyPr lIns="0" rIns="0" tIns="0" bIns="0"/>
+          <a:bodyPr lIns="0" tIns="0" rIns="0" bIns="0"/>
+          <a:lstStyle/>
           <a:p>
             <a:pPr>
               <a:lnSpc>
@@ -4364,64 +5545,166 @@
               </a:lnSpc>
             </a:pPr>
             <a:r>
-              <a:rPr b="1" lang="en-US" sz="2000" spc="-1" strike="noStrike">
-                <a:solidFill>
-                  <a:srgbClr val="000000"/>
-                </a:solidFill>
-                <a:uFill>
-                  <a:solidFill>
-                    <a:srgbClr val="ffffff"/>
-                  </a:solidFill>
-                </a:uFill>
-                <a:latin typeface="Arial"/>
-              </a:rPr>
-              <a:t>Bahnplannung</a:t>
-            </a:r>
-            <a:endParaRPr/>
+              <a:rPr lang="en-US" sz="2000" b="1" strike="noStrike" spc="-1" dirty="0" smtClean="0">
+                <a:solidFill>
+                  <a:srgbClr val="000000"/>
+                </a:solidFill>
+                <a:uFill>
+                  <a:solidFill>
+                    <a:srgbClr val="FFFFFF"/>
+                  </a:solidFill>
+                </a:uFill>
+                <a:latin typeface="Arial"/>
+              </a:rPr>
+              <a:t>Libraries</a:t>
+            </a:r>
+            <a:endParaRPr dirty="0"/>
+          </a:p>
+        </p:txBody>
+      </p:sp>
+      <p:sp>
+        <p:nvSpPr>
+          <p:cNvPr id="143" name="CustomShape 5"/>
+          <p:cNvSpPr/>
+          <p:nvPr/>
+        </p:nvSpPr>
+        <p:spPr>
+          <a:xfrm>
+            <a:off x="738360" y="2197080"/>
+            <a:ext cx="9213120" cy="4463280"/>
+          </a:xfrm>
+          <a:noFill/>
+          <a:ln>
+            <a:noFill/>
+          </a:ln>
+        </p:spPr>
+        <p:style>
+          <a:lnRef idx="0">
+            <a:scrgbClr r="0" g="0" b="0"/>
+          </a:lnRef>
+          <a:fillRef idx="0">
+            <a:scrgbClr r="0" g="0" b="0"/>
+          </a:fillRef>
+          <a:effectRef idx="0">
+            <a:scrgbClr r="0" g="0" b="0"/>
+          </a:effectRef>
+          <a:fontRef idx="minor"/>
+        </p:style>
+        <p:txBody>
+          <a:bodyPr lIns="0" tIns="0" rIns="0" bIns="0"/>
+          <a:lstStyle/>
+          <a:p>
+            <a:pPr>
+              <a:lnSpc>
+                <a:spcPct val="100000"/>
+              </a:lnSpc>
+            </a:pPr>
+            <a:r>
+              <a:rPr lang="en-US" sz="2800" spc="-1" dirty="0">
+                <a:solidFill>
+                  <a:srgbClr val="000000"/>
+                </a:solidFill>
+                <a:uFill>
+                  <a:solidFill>
+                    <a:srgbClr val="FFFFFF"/>
+                  </a:solidFill>
+                </a:uFill>
+              </a:rPr>
+              <a:t>Inverse </a:t>
+            </a:r>
+            <a:r>
+              <a:rPr lang="en-US" sz="2800" spc="-1" dirty="0" err="1">
+                <a:solidFill>
+                  <a:srgbClr val="000000"/>
+                </a:solidFill>
+                <a:uFill>
+                  <a:solidFill>
+                    <a:srgbClr val="FFFFFF"/>
+                  </a:solidFill>
+                </a:uFill>
+              </a:rPr>
+              <a:t>Kinematik</a:t>
+            </a:r>
+            <a:r>
+              <a:rPr lang="en-US" sz="2800" spc="-1" dirty="0">
+                <a:solidFill>
+                  <a:srgbClr val="000000"/>
+                </a:solidFill>
+                <a:uFill>
+                  <a:solidFill>
+                    <a:srgbClr val="FFFFFF"/>
+                  </a:solidFill>
+                </a:uFill>
+              </a:rPr>
+              <a:t> in </a:t>
+            </a:r>
+            <a:r>
+              <a:rPr lang="en-US" sz="2800" spc="-1" dirty="0" smtClean="0">
+                <a:solidFill>
+                  <a:srgbClr val="000000"/>
+                </a:solidFill>
+                <a:uFill>
+                  <a:solidFill>
+                    <a:srgbClr val="FFFFFF"/>
+                  </a:solidFill>
+                </a:uFill>
+              </a:rPr>
+              <a:t>Java?</a:t>
+            </a:r>
+            <a:endParaRPr lang="en-US" sz="2800" dirty="0"/>
           </a:p>
         </p:txBody>
       </p:sp>
       <p:pic>
         <p:nvPicPr>
-          <p:cNvPr id="148" name="" descr=""/>
-          <p:cNvPicPr/>
+          <p:cNvPr id="2" name="Picture 1"/>
+          <p:cNvPicPr>
+            <a:picLocks noChangeAspect="1"/>
+          </p:cNvPicPr>
           <p:nvPr/>
         </p:nvPicPr>
         <p:blipFill>
-          <a:blip r:embed="rId1"/>
-          <a:stretch/>
+          <a:blip r:embed="rId2"/>
+          <a:stretch>
+            <a:fillRect/>
+          </a:stretch>
         </p:blipFill>
         <p:spPr>
           <a:xfrm>
-            <a:off x="738000" y="2432160"/>
-            <a:ext cx="9213120" cy="3511080"/>
+            <a:off x="4395766" y="2829697"/>
+            <a:ext cx="3148034" cy="3148034"/>
           </a:xfrm>
           <a:prstGeom prst="rect">
             <a:avLst/>
           </a:prstGeom>
-          <a:ln>
-            <a:noFill/>
-          </a:ln>
         </p:spPr>
       </p:pic>
     </p:spTree>
+    <p:extLst>
+      <p:ext uri="{BB962C8B-B14F-4D97-AF65-F5344CB8AC3E}">
+        <p14:creationId xmlns:p14="http://schemas.microsoft.com/office/powerpoint/2010/main" val="274107929"/>
+      </p:ext>
+    </p:extLst>
   </p:cSld>
+  <p:clrMapOvr>
+    <a:masterClrMapping/>
+  </p:clrMapOvr>
   <p:timing>
     <p:tnLst>
       <p:par>
-        <p:cTn id="25" dur="indefinite" restart="never" nodeType="tmRoot">
+        <p:cTn id="1" dur="indefinite" restart="never" nodeType="tmRoot">
           <p:childTnLst>
             <p:seq>
-              <p:cTn id="26" nodeType="mainSeq"/>
+              <p:cTn id="2" nodeType="mainSeq"/>
               <p:prevCondLst>
-                <p:cond delay="0" evt="onPrev">
+                <p:cond evt="onPrev" delay="0">
                   <p:tgtEl>
                     <p:sldTgt/>
                   </p:tgtEl>
                 </p:cond>
               </p:prevCondLst>
               <p:nextCondLst>
-                <p:cond delay="0" evt="onNext">
+                <p:cond evt="onNext" delay="0">
                   <p:tgtEl>
                     <p:sldTgt/>
                   </p:tgtEl>
@@ -4437,7 +5720,7 @@
 </file>
 
 <file path=ppt/slides/slide14.xml><?xml version="1.0" encoding="utf-8"?>
-<p:sld xmlns:a="http://schemas.openxmlformats.org/drawingml/2006/main" xmlns:p="http://schemas.openxmlformats.org/presentationml/2006/main" xmlns:r="http://schemas.openxmlformats.org/officeDocument/2006/relationships">
+<p:sld xmlns:a="http://schemas.openxmlformats.org/drawingml/2006/main" xmlns:r="http://schemas.openxmlformats.org/officeDocument/2006/relationships" xmlns:p="http://schemas.openxmlformats.org/presentationml/2006/main">
   <p:cSld>
     <p:spTree>
       <p:nvGrpSpPr>
@@ -4470,13 +5753,20 @@
           </a:ln>
         </p:spPr>
         <p:style>
-          <a:lnRef idx="0"/>
-          <a:fillRef idx="0"/>
-          <a:effectRef idx="0"/>
+          <a:lnRef idx="0">
+            <a:scrgbClr r="0" g="0" b="0"/>
+          </a:lnRef>
+          <a:fillRef idx="0">
+            <a:scrgbClr r="0" g="0" b="0"/>
+          </a:fillRef>
+          <a:effectRef idx="0">
+            <a:scrgbClr r="0" g="0" b="0"/>
+          </a:effectRef>
           <a:fontRef idx="minor"/>
         </p:style>
         <p:txBody>
-          <a:bodyPr lIns="0" rIns="0" tIns="0" bIns="0" anchor="b"/>
+          <a:bodyPr lIns="0" tIns="0" rIns="0" bIns="0" anchor="b"/>
+          <a:lstStyle/>
           <a:p>
             <a:pPr>
               <a:lnSpc>
@@ -4484,13 +5774,13 @@
               </a:lnSpc>
             </a:pPr>
             <a:r>
-              <a:rPr lang="en-US" sz="1200" spc="-1" strike="noStrike">
-                <a:solidFill>
-                  <a:srgbClr val="000000"/>
-                </a:solidFill>
-                <a:uFill>
-                  <a:solidFill>
-                    <a:srgbClr val="ffffff"/>
+              <a:rPr lang="en-US" sz="1200" strike="noStrike" spc="-1">
+                <a:solidFill>
+                  <a:srgbClr val="000000"/>
+                </a:solidFill>
+                <a:uFill>
+                  <a:solidFill>
+                    <a:srgbClr val="FFFFFF"/>
                   </a:solidFill>
                 </a:uFill>
                 <a:latin typeface="Arial"/>
@@ -4518,13 +5808,20 @@
           </a:ln>
         </p:spPr>
         <p:style>
-          <a:lnRef idx="0"/>
-          <a:fillRef idx="0"/>
-          <a:effectRef idx="0"/>
+          <a:lnRef idx="0">
+            <a:scrgbClr r="0" g="0" b="0"/>
+          </a:lnRef>
+          <a:fillRef idx="0">
+            <a:scrgbClr r="0" g="0" b="0"/>
+          </a:fillRef>
+          <a:effectRef idx="0">
+            <a:scrgbClr r="0" g="0" b="0"/>
+          </a:effectRef>
           <a:fontRef idx="minor"/>
         </p:style>
         <p:txBody>
-          <a:bodyPr lIns="0" rIns="0" tIns="0" bIns="0" anchor="b"/>
+          <a:bodyPr lIns="0" tIns="0" rIns="0" bIns="0" anchor="b"/>
+          <a:lstStyle/>
           <a:p>
             <a:pPr>
               <a:lnSpc>
@@ -4532,13 +5829,13 @@
               </a:lnSpc>
             </a:pPr>
             <a:r>
-              <a:rPr lang="en-US" sz="1200" spc="-1" strike="noStrike">
-                <a:solidFill>
-                  <a:srgbClr val="000000"/>
-                </a:solidFill>
-                <a:uFill>
-                  <a:solidFill>
-                    <a:srgbClr val="ffffff"/>
+              <a:rPr lang="en-US" sz="1200" strike="noStrike" spc="-1">
+                <a:solidFill>
+                  <a:srgbClr val="000000"/>
+                </a:solidFill>
+                <a:uFill>
+                  <a:solidFill>
+                    <a:srgbClr val="FFFFFF"/>
                   </a:solidFill>
                 </a:uFill>
                 <a:latin typeface="Arial"/>
@@ -4566,9 +5863,15 @@
           </a:ln>
         </p:spPr>
         <p:style>
-          <a:lnRef idx="0"/>
-          <a:fillRef idx="0"/>
-          <a:effectRef idx="0"/>
+          <a:lnRef idx="0">
+            <a:scrgbClr r="0" g="0" b="0"/>
+          </a:lnRef>
+          <a:fillRef idx="0">
+            <a:scrgbClr r="0" g="0" b="0"/>
+          </a:fillRef>
+          <a:effectRef idx="0">
+            <a:scrgbClr r="0" g="0" b="0"/>
+          </a:effectRef>
           <a:fontRef idx="minor"/>
         </p:style>
       </p:sp>
@@ -4589,13 +5892,20 @@
           </a:ln>
         </p:spPr>
         <p:style>
-          <a:lnRef idx="0"/>
-          <a:fillRef idx="0"/>
-          <a:effectRef idx="0"/>
+          <a:lnRef idx="0">
+            <a:scrgbClr r="0" g="0" b="0"/>
+          </a:lnRef>
+          <a:fillRef idx="0">
+            <a:scrgbClr r="0" g="0" b="0"/>
+          </a:fillRef>
+          <a:effectRef idx="0">
+            <a:scrgbClr r="0" g="0" b="0"/>
+          </a:effectRef>
           <a:fontRef idx="minor"/>
         </p:style>
         <p:txBody>
-          <a:bodyPr lIns="0" rIns="0" tIns="0" bIns="0"/>
+          <a:bodyPr lIns="0" tIns="0" rIns="0" bIns="0"/>
+          <a:lstStyle/>
           <a:p>
             <a:pPr>
               <a:lnSpc>
@@ -4603,20 +5913,20 @@
               </a:lnSpc>
             </a:pPr>
             <a:r>
-              <a:rPr b="1" lang="en-US" sz="2000" spc="-1" strike="noStrike">
-                <a:solidFill>
-                  <a:srgbClr val="000000"/>
-                </a:solidFill>
-                <a:uFill>
-                  <a:solidFill>
-                    <a:srgbClr val="ffffff"/>
+              <a:rPr lang="en-US" sz="2000" b="1" strike="noStrike" spc="-1" dirty="0" err="1">
+                <a:solidFill>
+                  <a:srgbClr val="000000"/>
+                </a:solidFill>
+                <a:uFill>
+                  <a:solidFill>
+                    <a:srgbClr val="FFFFFF"/>
                   </a:solidFill>
                 </a:uFill>
                 <a:latin typeface="Arial"/>
               </a:rPr>
               <a:t>Erweiterungsmöglichkeiten</a:t>
             </a:r>
-            <a:endParaRPr/>
+            <a:endParaRPr dirty="0"/>
           </a:p>
         </p:txBody>
       </p:sp>
@@ -4637,158 +5947,179 @@
           </a:ln>
         </p:spPr>
         <p:style>
-          <a:lnRef idx="0"/>
-          <a:fillRef idx="0"/>
-          <a:effectRef idx="0"/>
+          <a:lnRef idx="0">
+            <a:scrgbClr r="0" g="0" b="0"/>
+          </a:lnRef>
+          <a:fillRef idx="0">
+            <a:scrgbClr r="0" g="0" b="0"/>
+          </a:fillRef>
+          <a:effectRef idx="0">
+            <a:scrgbClr r="0" g="0" b="0"/>
+          </a:effectRef>
           <a:fontRef idx="minor"/>
         </p:style>
         <p:txBody>
-          <a:bodyPr lIns="0" rIns="0" tIns="0" bIns="0"/>
-          <a:p>
-            <a:pPr marL="432000" indent="-323640">
+          <a:bodyPr lIns="0" tIns="0" rIns="0" bIns="0"/>
+          <a:lstStyle/>
+          <a:p>
+            <a:pPr marL="565560" indent="-457200">
               <a:lnSpc>
                 <a:spcPct val="100000"/>
               </a:lnSpc>
               <a:buClr>
-                <a:srgbClr val="ffffff"/>
+                <a:srgbClr val="FFFFFF"/>
               </a:buClr>
               <a:buSzPct val="45000"/>
-              <a:buFont typeface="StarSymbol"/>
-              <a:buChar char="l"/>
+              <a:buFont typeface="Arial" charset="0"/>
+              <a:buChar char="•"/>
             </a:pPr>
             <a:r>
-              <a:rPr lang="en-US" sz="2800" spc="-1" strike="noStrike">
-                <a:uFill>
-                  <a:solidFill>
-                    <a:srgbClr val="ffffff"/>
+              <a:rPr lang="en-US" sz="2800" strike="noStrike" spc="-1" dirty="0" err="1">
+                <a:uFill>
+                  <a:solidFill>
+                    <a:srgbClr val="FFFFFF"/>
                   </a:solidFill>
                 </a:uFill>
                 <a:latin typeface="Arial"/>
               </a:rPr>
               <a:t>Geschwindigkeitssteuerung</a:t>
             </a:r>
-            <a:endParaRPr/>
-          </a:p>
-          <a:p>
-            <a:pPr marL="432000" indent="-323640">
+            <a:endParaRPr dirty="0"/>
+          </a:p>
+          <a:p>
+            <a:pPr marL="565560" indent="-457200">
               <a:lnSpc>
                 <a:spcPct val="100000"/>
               </a:lnSpc>
               <a:buClr>
-                <a:srgbClr val="ffffff"/>
+                <a:srgbClr val="FFFFFF"/>
               </a:buClr>
               <a:buSzPct val="45000"/>
-              <a:buFont typeface="StarSymbol"/>
-              <a:buChar char="l"/>
+              <a:buFont typeface="Arial" charset="0"/>
+              <a:buChar char="•"/>
             </a:pPr>
             <a:r>
-              <a:rPr lang="en-US" sz="2800" spc="-1" strike="noStrike">
-                <a:uFill>
-                  <a:solidFill>
-                    <a:srgbClr val="ffffff"/>
+              <a:rPr lang="en-US" sz="2800" strike="noStrike" spc="-1" dirty="0" err="1">
+                <a:uFill>
+                  <a:solidFill>
+                    <a:srgbClr val="FFFFFF"/>
                   </a:solidFill>
                 </a:uFill>
                 <a:latin typeface="Arial"/>
               </a:rPr>
               <a:t>Kollisionsdetektion</a:t>
             </a:r>
-            <a:endParaRPr/>
-          </a:p>
-          <a:p>
-            <a:pPr marL="432000" indent="-323640">
+            <a:endParaRPr dirty="0"/>
+          </a:p>
+          <a:p>
+            <a:pPr marL="565560" indent="-457200">
               <a:lnSpc>
                 <a:spcPct val="100000"/>
               </a:lnSpc>
               <a:buClr>
-                <a:srgbClr val="ffffff"/>
+                <a:srgbClr val="FFFFFF"/>
               </a:buClr>
               <a:buSzPct val="45000"/>
-              <a:buFont typeface="StarSymbol"/>
-              <a:buChar char="l"/>
+              <a:buFont typeface="Arial" charset="0"/>
+              <a:buChar char="•"/>
             </a:pPr>
             <a:r>
-              <a:rPr lang="en-US" sz="2800" spc="-1" strike="noStrike">
-                <a:uFill>
-                  <a:solidFill>
-                    <a:srgbClr val="ffffff"/>
+              <a:rPr lang="en-US" sz="2800" strike="noStrike" spc="-1" dirty="0" err="1">
+                <a:uFill>
+                  <a:solidFill>
+                    <a:srgbClr val="FFFFFF"/>
                   </a:solidFill>
                 </a:uFill>
                 <a:latin typeface="Arial"/>
               </a:rPr>
               <a:t>Greifer</a:t>
             </a:r>
-            <a:endParaRPr/>
-          </a:p>
-          <a:p>
-            <a:pPr marL="432000" indent="-323640">
+            <a:endParaRPr dirty="0"/>
+          </a:p>
+          <a:p>
+            <a:pPr marL="565560" indent="-457200">
               <a:lnSpc>
                 <a:spcPct val="100000"/>
               </a:lnSpc>
               <a:buClr>
-                <a:srgbClr val="ffffff"/>
+                <a:srgbClr val="FFFFFF"/>
               </a:buClr>
               <a:buSzPct val="45000"/>
-              <a:buFont typeface="StarSymbol"/>
-              <a:buChar char="l"/>
+              <a:buFont typeface="Arial" charset="0"/>
+              <a:buChar char="•"/>
             </a:pPr>
             <a:r>
-              <a:rPr lang="en-US" sz="2800" spc="-1" strike="noStrike">
-                <a:uFill>
-                  <a:solidFill>
-                    <a:srgbClr val="ffffff"/>
+              <a:rPr lang="en-US" sz="2800" strike="noStrike" spc="-1" dirty="0">
+                <a:uFill>
+                  <a:solidFill>
+                    <a:srgbClr val="FFFFFF"/>
                   </a:solidFill>
                 </a:uFill>
                 <a:latin typeface="Arial"/>
               </a:rPr>
               <a:t>IK-Solver</a:t>
             </a:r>
-            <a:endParaRPr/>
-          </a:p>
-          <a:p>
-            <a:pPr marL="432000" indent="-323640">
+            <a:endParaRPr dirty="0"/>
+          </a:p>
+          <a:p>
+            <a:pPr marL="565560" indent="-457200">
               <a:lnSpc>
                 <a:spcPct val="100000"/>
               </a:lnSpc>
               <a:buClr>
-                <a:srgbClr val="ffffff"/>
+                <a:srgbClr val="FFFFFF"/>
               </a:buClr>
               <a:buSzPct val="45000"/>
-              <a:buFont typeface="StarSymbol"/>
-              <a:buChar char="l"/>
+              <a:buFont typeface="Arial" charset="0"/>
+              <a:buChar char="•"/>
             </a:pPr>
             <a:r>
-              <a:rPr lang="en-US" sz="2800" spc="-1" strike="noStrike">
-                <a:uFill>
-                  <a:solidFill>
-                    <a:srgbClr val="ffffff"/>
-                  </a:solidFill>
-                </a:uFill>
-                <a:latin typeface="Arial"/>
-              </a:rPr>
-              <a:t>Eingabe per Script</a:t>
-            </a:r>
-            <a:endParaRPr/>
+              <a:rPr lang="en-US" sz="2800" strike="noStrike" spc="-1" dirty="0" err="1">
+                <a:uFill>
+                  <a:solidFill>
+                    <a:srgbClr val="FFFFFF"/>
+                  </a:solidFill>
+                </a:uFill>
+                <a:latin typeface="Arial"/>
+              </a:rPr>
+              <a:t>Eingabe</a:t>
+            </a:r>
+            <a:r>
+              <a:rPr lang="en-US" sz="2800" strike="noStrike" spc="-1" dirty="0">
+                <a:uFill>
+                  <a:solidFill>
+                    <a:srgbClr val="FFFFFF"/>
+                  </a:solidFill>
+                </a:uFill>
+                <a:latin typeface="Arial"/>
+              </a:rPr>
+              <a:t> per Script</a:t>
+            </a:r>
+            <a:endParaRPr dirty="0"/>
           </a:p>
         </p:txBody>
       </p:sp>
     </p:spTree>
   </p:cSld>
+  <p:clrMapOvr>
+    <a:masterClrMapping/>
+  </p:clrMapOvr>
   <p:timing>
     <p:tnLst>
       <p:par>
-        <p:cTn id="27" dur="indefinite" restart="never" nodeType="tmRoot">
+        <p:cTn id="1" dur="indefinite" restart="never" nodeType="tmRoot">
           <p:childTnLst>
             <p:seq>
-              <p:cTn id="28" nodeType="mainSeq"/>
+              <p:cTn id="2" nodeType="mainSeq"/>
               <p:prevCondLst>
-                <p:cond delay="0" evt="onPrev">
+                <p:cond evt="onPrev" delay="0">
                   <p:tgtEl>
                     <p:sldTgt/>
                   </p:tgtEl>
                 </p:cond>
               </p:prevCondLst>
               <p:nextCondLst>
-                <p:cond delay="0" evt="onNext">
+                <p:cond evt="onNext" delay="0">
                   <p:tgtEl>
                     <p:sldTgt/>
                   </p:tgtEl>
@@ -4804,7 +6135,7 @@
 </file>
 
 <file path=ppt/slides/slide15.xml><?xml version="1.0" encoding="utf-8"?>
-<p:sld xmlns:a="http://schemas.openxmlformats.org/drawingml/2006/main" xmlns:p="http://schemas.openxmlformats.org/presentationml/2006/main" xmlns:r="http://schemas.openxmlformats.org/officeDocument/2006/relationships">
+<p:sld xmlns:a="http://schemas.openxmlformats.org/drawingml/2006/main" xmlns:r="http://schemas.openxmlformats.org/officeDocument/2006/relationships" xmlns:p="http://schemas.openxmlformats.org/presentationml/2006/main">
   <p:cSld>
     <p:spTree>
       <p:nvGrpSpPr>
@@ -4837,13 +6168,20 @@
           </a:ln>
         </p:spPr>
         <p:style>
-          <a:lnRef idx="0"/>
-          <a:fillRef idx="0"/>
-          <a:effectRef idx="0"/>
+          <a:lnRef idx="0">
+            <a:scrgbClr r="0" g="0" b="0"/>
+          </a:lnRef>
+          <a:fillRef idx="0">
+            <a:scrgbClr r="0" g="0" b="0"/>
+          </a:fillRef>
+          <a:effectRef idx="0">
+            <a:scrgbClr r="0" g="0" b="0"/>
+          </a:effectRef>
           <a:fontRef idx="minor"/>
         </p:style>
         <p:txBody>
-          <a:bodyPr lIns="0" rIns="0" tIns="0" bIns="0" anchor="b"/>
+          <a:bodyPr lIns="0" tIns="0" rIns="0" bIns="0" anchor="b"/>
+          <a:lstStyle/>
           <a:p>
             <a:pPr>
               <a:lnSpc>
@@ -4851,13 +6189,13 @@
               </a:lnSpc>
             </a:pPr>
             <a:r>
-              <a:rPr lang="en-US" sz="1200" spc="-1" strike="noStrike">
-                <a:solidFill>
-                  <a:srgbClr val="000000"/>
-                </a:solidFill>
-                <a:uFill>
-                  <a:solidFill>
-                    <a:srgbClr val="ffffff"/>
+              <a:rPr lang="en-US" sz="1200" strike="noStrike" spc="-1">
+                <a:solidFill>
+                  <a:srgbClr val="000000"/>
+                </a:solidFill>
+                <a:uFill>
+                  <a:solidFill>
+                    <a:srgbClr val="FFFFFF"/>
                   </a:solidFill>
                 </a:uFill>
                 <a:latin typeface="Arial"/>
@@ -4885,13 +6223,20 @@
           </a:ln>
         </p:spPr>
         <p:style>
-          <a:lnRef idx="0"/>
-          <a:fillRef idx="0"/>
-          <a:effectRef idx="0"/>
+          <a:lnRef idx="0">
+            <a:scrgbClr r="0" g="0" b="0"/>
+          </a:lnRef>
+          <a:fillRef idx="0">
+            <a:scrgbClr r="0" g="0" b="0"/>
+          </a:fillRef>
+          <a:effectRef idx="0">
+            <a:scrgbClr r="0" g="0" b="0"/>
+          </a:effectRef>
           <a:fontRef idx="minor"/>
         </p:style>
         <p:txBody>
-          <a:bodyPr lIns="0" rIns="0" tIns="0" bIns="0" anchor="b"/>
+          <a:bodyPr lIns="0" tIns="0" rIns="0" bIns="0" anchor="b"/>
+          <a:lstStyle/>
           <a:p>
             <a:pPr>
               <a:lnSpc>
@@ -4899,13 +6244,13 @@
               </a:lnSpc>
             </a:pPr>
             <a:r>
-              <a:rPr lang="en-US" sz="1200" spc="-1" strike="noStrike">
-                <a:solidFill>
-                  <a:srgbClr val="000000"/>
-                </a:solidFill>
-                <a:uFill>
-                  <a:solidFill>
-                    <a:srgbClr val="ffffff"/>
+              <a:rPr lang="en-US" sz="1200" strike="noStrike" spc="-1">
+                <a:solidFill>
+                  <a:srgbClr val="000000"/>
+                </a:solidFill>
+                <a:uFill>
+                  <a:solidFill>
+                    <a:srgbClr val="FFFFFF"/>
                   </a:solidFill>
                 </a:uFill>
                 <a:latin typeface="Arial"/>
@@ -4933,9 +6278,15 @@
           </a:ln>
         </p:spPr>
         <p:style>
-          <a:lnRef idx="0"/>
-          <a:fillRef idx="0"/>
-          <a:effectRef idx="0"/>
+          <a:lnRef idx="0">
+            <a:scrgbClr r="0" g="0" b="0"/>
+          </a:lnRef>
+          <a:fillRef idx="0">
+            <a:scrgbClr r="0" g="0" b="0"/>
+          </a:fillRef>
+          <a:effectRef idx="0">
+            <a:scrgbClr r="0" g="0" b="0"/>
+          </a:effectRef>
           <a:fontRef idx="minor"/>
         </p:style>
       </p:sp>
@@ -4956,13 +6307,20 @@
           </a:ln>
         </p:spPr>
         <p:style>
-          <a:lnRef idx="0"/>
-          <a:fillRef idx="0"/>
-          <a:effectRef idx="0"/>
+          <a:lnRef idx="0">
+            <a:scrgbClr r="0" g="0" b="0"/>
+          </a:lnRef>
+          <a:fillRef idx="0">
+            <a:scrgbClr r="0" g="0" b="0"/>
+          </a:fillRef>
+          <a:effectRef idx="0">
+            <a:scrgbClr r="0" g="0" b="0"/>
+          </a:effectRef>
           <a:fontRef idx="minor"/>
         </p:style>
         <p:txBody>
-          <a:bodyPr lIns="0" rIns="0" tIns="0" bIns="0"/>
+          <a:bodyPr lIns="0" tIns="0" rIns="0" bIns="0"/>
+          <a:lstStyle/>
           <a:p>
             <a:pPr>
               <a:lnSpc>
@@ -4970,13 +6328,13 @@
               </a:lnSpc>
             </a:pPr>
             <a:r>
-              <a:rPr b="1" lang="en-US" sz="2800" spc="-1" strike="noStrike">
-                <a:solidFill>
-                  <a:srgbClr val="000000"/>
-                </a:solidFill>
-                <a:uFill>
-                  <a:solidFill>
-                    <a:srgbClr val="ffffff"/>
+              <a:rPr lang="en-US" sz="2800" b="1" strike="noStrike" spc="-1">
+                <a:solidFill>
+                  <a:srgbClr val="000000"/>
+                </a:solidFill>
+                <a:uFill>
+                  <a:solidFill>
+                    <a:srgbClr val="FFFFFF"/>
                   </a:solidFill>
                 </a:uFill>
                 <a:latin typeface="Arial"/>
@@ -4989,12 +6347,12 @@
       </p:sp>
       <p:pic>
         <p:nvPicPr>
-          <p:cNvPr id="158" name="" descr=""/>
+          <p:cNvPr id="158" name="Picture 157"/>
           <p:cNvPicPr/>
           <p:nvPr/>
         </p:nvPicPr>
         <p:blipFill>
-          <a:blip r:embed="rId1"/>
+          <a:blip r:embed="rId2"/>
           <a:stretch/>
         </p:blipFill>
         <p:spPr>
@@ -5012,22 +6370,25 @@
       </p:pic>
     </p:spTree>
   </p:cSld>
+  <p:clrMapOvr>
+    <a:masterClrMapping/>
+  </p:clrMapOvr>
   <p:timing>
     <p:tnLst>
       <p:par>
-        <p:cTn id="29" dur="indefinite" restart="never" nodeType="tmRoot">
+        <p:cTn id="1" dur="indefinite" restart="never" nodeType="tmRoot">
           <p:childTnLst>
             <p:seq>
-              <p:cTn id="30" nodeType="mainSeq"/>
+              <p:cTn id="2" nodeType="mainSeq"/>
               <p:prevCondLst>
-                <p:cond delay="0" evt="onPrev">
+                <p:cond evt="onPrev" delay="0">
                   <p:tgtEl>
                     <p:sldTgt/>
                   </p:tgtEl>
                 </p:cond>
               </p:prevCondLst>
               <p:nextCondLst>
-                <p:cond delay="0" evt="onNext">
+                <p:cond evt="onNext" delay="0">
                   <p:tgtEl>
                     <p:sldTgt/>
                   </p:tgtEl>
@@ -5043,7 +6404,7 @@
 </file>
 
 <file path=ppt/slides/slide2.xml><?xml version="1.0" encoding="utf-8"?>
-<p:sld xmlns:a="http://schemas.openxmlformats.org/drawingml/2006/main" xmlns:p="http://schemas.openxmlformats.org/presentationml/2006/main" xmlns:r="http://schemas.openxmlformats.org/officeDocument/2006/relationships">
+<p:sld xmlns:a="http://schemas.openxmlformats.org/drawingml/2006/main" xmlns:r="http://schemas.openxmlformats.org/officeDocument/2006/relationships" xmlns:p="http://schemas.openxmlformats.org/presentationml/2006/main">
   <p:cSld>
     <p:spTree>
       <p:nvGrpSpPr>
@@ -5076,13 +6437,20 @@
           </a:ln>
         </p:spPr>
         <p:style>
-          <a:lnRef idx="0"/>
-          <a:fillRef idx="0"/>
-          <a:effectRef idx="0"/>
+          <a:lnRef idx="0">
+            <a:scrgbClr r="0" g="0" b="0"/>
+          </a:lnRef>
+          <a:fillRef idx="0">
+            <a:scrgbClr r="0" g="0" b="0"/>
+          </a:fillRef>
+          <a:effectRef idx="0">
+            <a:scrgbClr r="0" g="0" b="0"/>
+          </a:effectRef>
           <a:fontRef idx="minor"/>
         </p:style>
         <p:txBody>
-          <a:bodyPr lIns="0" rIns="0" tIns="0" bIns="0" anchor="b"/>
+          <a:bodyPr lIns="0" tIns="0" rIns="0" bIns="0" anchor="b"/>
+          <a:lstStyle/>
           <a:p>
             <a:pPr>
               <a:lnSpc>
@@ -5090,13 +6458,13 @@
               </a:lnSpc>
             </a:pPr>
             <a:r>
-              <a:rPr lang="en-US" sz="1200" spc="-1" strike="noStrike">
-                <a:solidFill>
-                  <a:srgbClr val="000000"/>
-                </a:solidFill>
-                <a:uFill>
-                  <a:solidFill>
-                    <a:srgbClr val="ffffff"/>
+              <a:rPr lang="en-US" sz="1200" strike="noStrike" spc="-1">
+                <a:solidFill>
+                  <a:srgbClr val="000000"/>
+                </a:solidFill>
+                <a:uFill>
+                  <a:solidFill>
+                    <a:srgbClr val="FFFFFF"/>
                   </a:solidFill>
                 </a:uFill>
                 <a:latin typeface="Arial"/>
@@ -5124,13 +6492,20 @@
           </a:ln>
         </p:spPr>
         <p:style>
-          <a:lnRef idx="0"/>
-          <a:fillRef idx="0"/>
-          <a:effectRef idx="0"/>
+          <a:lnRef idx="0">
+            <a:scrgbClr r="0" g="0" b="0"/>
+          </a:lnRef>
+          <a:fillRef idx="0">
+            <a:scrgbClr r="0" g="0" b="0"/>
+          </a:fillRef>
+          <a:effectRef idx="0">
+            <a:scrgbClr r="0" g="0" b="0"/>
+          </a:effectRef>
           <a:fontRef idx="minor"/>
         </p:style>
         <p:txBody>
-          <a:bodyPr lIns="0" rIns="0" tIns="0" bIns="0" anchor="b"/>
+          <a:bodyPr lIns="0" tIns="0" rIns="0" bIns="0" anchor="b"/>
+          <a:lstStyle/>
           <a:p>
             <a:pPr>
               <a:lnSpc>
@@ -5138,13 +6513,13 @@
               </a:lnSpc>
             </a:pPr>
             <a:r>
-              <a:rPr lang="en-US" sz="1200" spc="-1" strike="noStrike">
-                <a:solidFill>
-                  <a:srgbClr val="000000"/>
-                </a:solidFill>
-                <a:uFill>
-                  <a:solidFill>
-                    <a:srgbClr val="ffffff"/>
+              <a:rPr lang="en-US" sz="1200" strike="noStrike" spc="-1">
+                <a:solidFill>
+                  <a:srgbClr val="000000"/>
+                </a:solidFill>
+                <a:uFill>
+                  <a:solidFill>
+                    <a:srgbClr val="FFFFFF"/>
                   </a:solidFill>
                 </a:uFill>
                 <a:latin typeface="Arial"/>
@@ -5172,9 +6547,15 @@
           </a:ln>
         </p:spPr>
         <p:style>
-          <a:lnRef idx="0"/>
-          <a:fillRef idx="0"/>
-          <a:effectRef idx="0"/>
+          <a:lnRef idx="0">
+            <a:scrgbClr r="0" g="0" b="0"/>
+          </a:lnRef>
+          <a:fillRef idx="0">
+            <a:scrgbClr r="0" g="0" b="0"/>
+          </a:fillRef>
+          <a:effectRef idx="0">
+            <a:scrgbClr r="0" g="0" b="0"/>
+          </a:effectRef>
           <a:fontRef idx="minor"/>
         </p:style>
       </p:sp>
@@ -5195,13 +6576,20 @@
           </a:ln>
         </p:spPr>
         <p:style>
-          <a:lnRef idx="0"/>
-          <a:fillRef idx="0"/>
-          <a:effectRef idx="0"/>
+          <a:lnRef idx="0">
+            <a:scrgbClr r="0" g="0" b="0"/>
+          </a:lnRef>
+          <a:fillRef idx="0">
+            <a:scrgbClr r="0" g="0" b="0"/>
+          </a:fillRef>
+          <a:effectRef idx="0">
+            <a:scrgbClr r="0" g="0" b="0"/>
+          </a:effectRef>
           <a:fontRef idx="minor"/>
         </p:style>
         <p:txBody>
-          <a:bodyPr lIns="0" rIns="0" tIns="0" bIns="0"/>
+          <a:bodyPr lIns="0" tIns="0" rIns="0" bIns="0"/>
+          <a:lstStyle/>
           <a:p>
             <a:pPr>
               <a:lnSpc>
@@ -5209,13 +6597,13 @@
               </a:lnSpc>
             </a:pPr>
             <a:r>
-              <a:rPr b="1" lang="en-US" sz="2000" spc="-1" strike="noStrike">
-                <a:solidFill>
-                  <a:srgbClr val="000000"/>
-                </a:solidFill>
-                <a:uFill>
-                  <a:solidFill>
-                    <a:srgbClr val="ffffff"/>
+              <a:rPr lang="en-US" sz="2000" b="1" strike="noStrike" spc="-1">
+                <a:solidFill>
+                  <a:srgbClr val="000000"/>
+                </a:solidFill>
+                <a:uFill>
+                  <a:solidFill>
+                    <a:srgbClr val="FFFFFF"/>
                   </a:solidFill>
                 </a:uFill>
                 <a:latin typeface="Arial"/>
@@ -5243,13 +6631,20 @@
           </a:ln>
         </p:spPr>
         <p:style>
-          <a:lnRef idx="0"/>
-          <a:fillRef idx="0"/>
-          <a:effectRef idx="0"/>
+          <a:lnRef idx="0">
+            <a:scrgbClr r="0" g="0" b="0"/>
+          </a:lnRef>
+          <a:fillRef idx="0">
+            <a:scrgbClr r="0" g="0" b="0"/>
+          </a:fillRef>
+          <a:effectRef idx="0">
+            <a:scrgbClr r="0" g="0" b="0"/>
+          </a:effectRef>
           <a:fontRef idx="minor"/>
         </p:style>
         <p:txBody>
-          <a:bodyPr lIns="0" rIns="0" tIns="0" bIns="0"/>
+          <a:bodyPr lIns="0" tIns="0" rIns="0" bIns="0"/>
+          <a:lstStyle/>
           <a:p>
             <a:pPr marL="343080" indent="-342360">
               <a:lnSpc>
@@ -5259,20 +6654,34 @@
               <a:buChar char="•"/>
             </a:pPr>
             <a:r>
-              <a:rPr lang="en-US" sz="2000" spc="-1" strike="noStrike">
-                <a:solidFill>
-                  <a:srgbClr val="000000"/>
-                </a:solidFill>
-                <a:uFill>
-                  <a:solidFill>
-                    <a:srgbClr val="ffffff"/>
-                  </a:solidFill>
-                </a:uFill>
-                <a:latin typeface="Arial"/>
-              </a:rPr>
-              <a:t>Inspiration und Idee</a:t>
-            </a:r>
-            <a:endParaRPr/>
+              <a:rPr lang="en-US" sz="2800" strike="noStrike" spc="-1" dirty="0">
+                <a:solidFill>
+                  <a:srgbClr val="000000"/>
+                </a:solidFill>
+                <a:uFill>
+                  <a:solidFill>
+                    <a:srgbClr val="FFFFFF"/>
+                  </a:solidFill>
+                </a:uFill>
+                <a:latin typeface="Arial"/>
+              </a:rPr>
+              <a:t>Inspiration und </a:t>
+            </a:r>
+            <a:r>
+              <a:rPr lang="en-US" sz="2800" strike="noStrike" spc="-1" dirty="0" err="1" smtClean="0">
+                <a:solidFill>
+                  <a:srgbClr val="000000"/>
+                </a:solidFill>
+                <a:uFill>
+                  <a:solidFill>
+                    <a:srgbClr val="FFFFFF"/>
+                  </a:solidFill>
+                </a:uFill>
+                <a:latin typeface="Arial"/>
+              </a:rPr>
+              <a:t>Idee</a:t>
+            </a:r>
+            <a:endParaRPr sz="2800" dirty="0"/>
           </a:p>
           <a:p>
             <a:pPr marL="343080" indent="-342360">
@@ -5283,20 +6692,48 @@
               <a:buChar char="•"/>
             </a:pPr>
             <a:r>
-              <a:rPr lang="en-US" sz="2000" spc="-1" strike="noStrike">
-                <a:solidFill>
-                  <a:srgbClr val="000000"/>
-                </a:solidFill>
-                <a:uFill>
-                  <a:solidFill>
-                    <a:srgbClr val="ffffff"/>
-                  </a:solidFill>
-                </a:uFill>
-                <a:latin typeface="Arial"/>
-              </a:rPr>
-              <a:t>Umsetzung der Idee</a:t>
-            </a:r>
-            <a:endParaRPr/>
+              <a:rPr lang="en-US" sz="2800" strike="noStrike" spc="-1" dirty="0" err="1">
+                <a:solidFill>
+                  <a:srgbClr val="000000"/>
+                </a:solidFill>
+                <a:uFill>
+                  <a:solidFill>
+                    <a:srgbClr val="FFFFFF"/>
+                  </a:solidFill>
+                </a:uFill>
+                <a:latin typeface="Arial"/>
+              </a:rPr>
+              <a:t>Umsetzung</a:t>
+            </a:r>
+            <a:r>
+              <a:rPr lang="en-US" sz="2800" strike="noStrike" spc="-1" dirty="0">
+                <a:solidFill>
+                  <a:srgbClr val="000000"/>
+                </a:solidFill>
+                <a:uFill>
+                  <a:solidFill>
+                    <a:srgbClr val="FFFFFF"/>
+                  </a:solidFill>
+                </a:uFill>
+                <a:latin typeface="Arial"/>
+              </a:rPr>
+              <a:t> der </a:t>
+            </a:r>
+            <a:r>
+              <a:rPr lang="en-US" sz="2800" strike="noStrike" spc="-1" dirty="0" err="1" smtClean="0">
+                <a:solidFill>
+                  <a:srgbClr val="000000"/>
+                </a:solidFill>
+                <a:uFill>
+                  <a:solidFill>
+                    <a:srgbClr val="FFFFFF"/>
+                  </a:solidFill>
+                </a:uFill>
+                <a:latin typeface="Arial"/>
+              </a:rPr>
+              <a:t>Idee</a:t>
+            </a:r>
+            <a:endParaRPr sz="2800" dirty="0"/>
           </a:p>
           <a:p>
             <a:pPr marL="343080" indent="-342360">
@@ -5307,20 +6744,19 @@
               <a:buChar char="•"/>
             </a:pPr>
             <a:r>
-              <a:rPr lang="en-US" sz="2000" spc="-1" strike="noStrike">
-                <a:solidFill>
-                  <a:srgbClr val="000000"/>
-                </a:solidFill>
-                <a:uFill>
-                  <a:solidFill>
-                    <a:srgbClr val="ffffff"/>
-                  </a:solidFill>
-                </a:uFill>
-                <a:latin typeface="Arial"/>
-              </a:rPr>
-              <a:t>«Spezifisches Problem»</a:t>
-            </a:r>
-            <a:endParaRPr/>
+              <a:rPr lang="en-US" sz="2800" spc="-1" dirty="0" smtClean="0">
+                <a:solidFill>
+                  <a:srgbClr val="000000"/>
+                </a:solidFill>
+                <a:uFill>
+                  <a:solidFill>
+                    <a:srgbClr val="FFFFFF"/>
+                  </a:solidFill>
+                </a:uFill>
+                <a:latin typeface="Arial"/>
+              </a:rPr>
+              <a:t>Transformation</a:t>
+            </a:r>
           </a:p>
           <a:p>
             <a:pPr marL="343080" indent="-342360">
@@ -5331,41 +6767,67 @@
               <a:buChar char="•"/>
             </a:pPr>
             <a:r>
-              <a:rPr lang="en-US" sz="2000" spc="-1" strike="noStrike">
-                <a:solidFill>
-                  <a:srgbClr val="000000"/>
-                </a:solidFill>
-                <a:uFill>
-                  <a:solidFill>
-                    <a:srgbClr val="ffffff"/>
+              <a:rPr lang="en-US" sz="2800" spc="-1" dirty="0" err="1">
+                <a:solidFill>
+                  <a:srgbClr val="000000"/>
+                </a:solidFill>
+                <a:uFill>
+                  <a:solidFill>
+                    <a:srgbClr val="FFFFFF"/>
+                  </a:solidFill>
+                </a:uFill>
+              </a:rPr>
+              <a:t>Erweiterungsmöglichkeiten</a:t>
+            </a:r>
+            <a:endParaRPr sz="2800" dirty="0" smtClean="0"/>
+          </a:p>
+          <a:p>
+            <a:pPr marL="343080" indent="-342360">
+              <a:lnSpc>
+                <a:spcPct val="100000"/>
+              </a:lnSpc>
+              <a:buFont typeface="Arial"/>
+              <a:buChar char="•"/>
+            </a:pPr>
+            <a:r>
+              <a:rPr lang="en-US" sz="2800" strike="noStrike" spc="-1" dirty="0" err="1" smtClean="0">
+                <a:solidFill>
+                  <a:srgbClr val="000000"/>
+                </a:solidFill>
+                <a:uFill>
+                  <a:solidFill>
+                    <a:srgbClr val="FFFFFF"/>
                   </a:solidFill>
                 </a:uFill>
                 <a:latin typeface="Arial"/>
               </a:rPr>
               <a:t>Fragen</a:t>
             </a:r>
-            <a:endParaRPr/>
+            <a:endParaRPr sz="2800" dirty="0"/>
           </a:p>
         </p:txBody>
       </p:sp>
     </p:spTree>
   </p:cSld>
+  <p:clrMapOvr>
+    <a:masterClrMapping/>
+  </p:clrMapOvr>
   <p:timing>
     <p:tnLst>
       <p:par>
-        <p:cTn id="3" dur="indefinite" restart="never" nodeType="tmRoot">
+        <p:cTn id="1" dur="indefinite" restart="never" nodeType="tmRoot">
           <p:childTnLst>
             <p:seq>
-              <p:cTn id="4" nodeType="mainSeq"/>
+              <p:cTn id="2" nodeType="mainSeq"/>
               <p:prevCondLst>
-                <p:cond delay="0" evt="onPrev">
+                <p:cond evt="onPrev" delay="0">
                   <p:tgtEl>
                     <p:sldTgt/>
                   </p:tgtEl>
                 </p:cond>
               </p:prevCondLst>
               <p:nextCondLst>
-                <p:cond delay="0" evt="onNext">
+                <p:cond evt="onNext" delay="0">
                   <p:tgtEl>
                     <p:sldTgt/>
                   </p:tgtEl>
@@ -5381,7 +6843,7 @@
 </file>
 
 <file path=ppt/slides/slide3.xml><?xml version="1.0" encoding="utf-8"?>
-<p:sld xmlns:a="http://schemas.openxmlformats.org/drawingml/2006/main" xmlns:p="http://schemas.openxmlformats.org/presentationml/2006/main" xmlns:r="http://schemas.openxmlformats.org/officeDocument/2006/relationships">
+<p:sld xmlns:a="http://schemas.openxmlformats.org/drawingml/2006/main" xmlns:r="http://schemas.openxmlformats.org/officeDocument/2006/relationships" xmlns:p="http://schemas.openxmlformats.org/presentationml/2006/main">
   <p:cSld>
     <p:spTree>
       <p:nvGrpSpPr>
@@ -5414,13 +6876,20 @@
           </a:ln>
         </p:spPr>
         <p:style>
-          <a:lnRef idx="0"/>
-          <a:fillRef idx="0"/>
-          <a:effectRef idx="0"/>
+          <a:lnRef idx="0">
+            <a:scrgbClr r="0" g="0" b="0"/>
+          </a:lnRef>
+          <a:fillRef idx="0">
+            <a:scrgbClr r="0" g="0" b="0"/>
+          </a:fillRef>
+          <a:effectRef idx="0">
+            <a:scrgbClr r="0" g="0" b="0"/>
+          </a:effectRef>
           <a:fontRef idx="minor"/>
         </p:style>
         <p:txBody>
-          <a:bodyPr lIns="0" rIns="0" tIns="0" bIns="0" anchor="b"/>
+          <a:bodyPr lIns="0" tIns="0" rIns="0" bIns="0" anchor="b"/>
+          <a:lstStyle/>
           <a:p>
             <a:pPr>
               <a:lnSpc>
@@ -5428,13 +6897,13 @@
               </a:lnSpc>
             </a:pPr>
             <a:r>
-              <a:rPr lang="en-US" sz="1200" spc="-1" strike="noStrike">
-                <a:solidFill>
-                  <a:srgbClr val="000000"/>
-                </a:solidFill>
-                <a:uFill>
-                  <a:solidFill>
-                    <a:srgbClr val="ffffff"/>
+              <a:rPr lang="en-US" sz="1200" strike="noStrike" spc="-1">
+                <a:solidFill>
+                  <a:srgbClr val="000000"/>
+                </a:solidFill>
+                <a:uFill>
+                  <a:solidFill>
+                    <a:srgbClr val="FFFFFF"/>
                   </a:solidFill>
                 </a:uFill>
                 <a:latin typeface="Arial"/>
@@ -5462,13 +6931,20 @@
           </a:ln>
         </p:spPr>
         <p:style>
-          <a:lnRef idx="0"/>
-          <a:fillRef idx="0"/>
-          <a:effectRef idx="0"/>
+          <a:lnRef idx="0">
+            <a:scrgbClr r="0" g="0" b="0"/>
+          </a:lnRef>
+          <a:fillRef idx="0">
+            <a:scrgbClr r="0" g="0" b="0"/>
+          </a:fillRef>
+          <a:effectRef idx="0">
+            <a:scrgbClr r="0" g="0" b="0"/>
+          </a:effectRef>
           <a:fontRef idx="minor"/>
         </p:style>
         <p:txBody>
-          <a:bodyPr lIns="0" rIns="0" tIns="0" bIns="0" anchor="b"/>
+          <a:bodyPr lIns="0" tIns="0" rIns="0" bIns="0" anchor="b"/>
+          <a:lstStyle/>
           <a:p>
             <a:pPr>
               <a:lnSpc>
@@ -5476,13 +6952,13 @@
               </a:lnSpc>
             </a:pPr>
             <a:r>
-              <a:rPr lang="en-US" sz="1200" spc="-1" strike="noStrike">
-                <a:solidFill>
-                  <a:srgbClr val="000000"/>
-                </a:solidFill>
-                <a:uFill>
-                  <a:solidFill>
-                    <a:srgbClr val="ffffff"/>
+              <a:rPr lang="en-US" sz="1200" strike="noStrike" spc="-1">
+                <a:solidFill>
+                  <a:srgbClr val="000000"/>
+                </a:solidFill>
+                <a:uFill>
+                  <a:solidFill>
+                    <a:srgbClr val="FFFFFF"/>
                   </a:solidFill>
                 </a:uFill>
                 <a:latin typeface="Arial"/>
@@ -5510,13 +6986,20 @@
           </a:ln>
         </p:spPr>
         <p:style>
-          <a:lnRef idx="0"/>
-          <a:fillRef idx="0"/>
-          <a:effectRef idx="0"/>
+          <a:lnRef idx="0">
+            <a:scrgbClr r="0" g="0" b="0"/>
+          </a:lnRef>
+          <a:fillRef idx="0">
+            <a:scrgbClr r="0" g="0" b="0"/>
+          </a:fillRef>
+          <a:effectRef idx="0">
+            <a:scrgbClr r="0" g="0" b="0"/>
+          </a:effectRef>
           <a:fontRef idx="minor"/>
         </p:style>
         <p:txBody>
-          <a:bodyPr lIns="0" rIns="0" tIns="0" bIns="0" anchor="b"/>
+          <a:bodyPr lIns="0" tIns="0" rIns="0" bIns="0" anchor="b"/>
+          <a:lstStyle/>
           <a:p>
             <a:pPr algn="r">
               <a:lnSpc>
@@ -5524,18 +7007,18 @@
               </a:lnSpc>
             </a:pPr>
             <a:fld id="{FD1993EF-CC11-4737-9232-140F32414711}" type="slidenum">
-              <a:rPr lang="en-US" sz="1200" spc="-1" strike="noStrike">
-                <a:solidFill>
-                  <a:srgbClr val="000000"/>
-                </a:solidFill>
-                <a:uFill>
-                  <a:solidFill>
-                    <a:srgbClr val="ffffff"/>
-                  </a:solidFill>
-                </a:uFill>
-                <a:latin typeface="Arial"/>
-              </a:rPr>
-              <a:t>&lt;number&gt;</a:t>
+              <a:rPr lang="en-US" sz="1200" strike="noStrike" spc="-1">
+                <a:solidFill>
+                  <a:srgbClr val="000000"/>
+                </a:solidFill>
+                <a:uFill>
+                  <a:solidFill>
+                    <a:srgbClr val="FFFFFF"/>
+                  </a:solidFill>
+                </a:uFill>
+                <a:latin typeface="Arial"/>
+              </a:rPr>
+              <a:t>3</a:t>
             </a:fld>
             <a:endParaRPr/>
           </a:p>
@@ -5558,13 +7041,20 @@
           </a:ln>
         </p:spPr>
         <p:style>
-          <a:lnRef idx="0"/>
-          <a:fillRef idx="0"/>
-          <a:effectRef idx="0"/>
+          <a:lnRef idx="0">
+            <a:scrgbClr r="0" g="0" b="0"/>
+          </a:lnRef>
+          <a:fillRef idx="0">
+            <a:scrgbClr r="0" g="0" b="0"/>
+          </a:fillRef>
+          <a:effectRef idx="0">
+            <a:scrgbClr r="0" g="0" b="0"/>
+          </a:effectRef>
           <a:fontRef idx="minor"/>
         </p:style>
         <p:txBody>
-          <a:bodyPr lIns="0" rIns="0" tIns="0" bIns="0"/>
+          <a:bodyPr lIns="0" tIns="0" rIns="0" bIns="0"/>
+          <a:lstStyle/>
           <a:p>
             <a:pPr>
               <a:lnSpc>
@@ -5572,13 +7062,13 @@
               </a:lnSpc>
             </a:pPr>
             <a:r>
-              <a:rPr b="1" lang="en-US" sz="2000" spc="-1" strike="noStrike">
-                <a:solidFill>
-                  <a:srgbClr val="000000"/>
-                </a:solidFill>
-                <a:uFill>
-                  <a:solidFill>
-                    <a:srgbClr val="ffffff"/>
+              <a:rPr lang="en-US" sz="2000" b="1" strike="noStrike" spc="-1">
+                <a:solidFill>
+                  <a:srgbClr val="000000"/>
+                </a:solidFill>
+                <a:uFill>
+                  <a:solidFill>
+                    <a:srgbClr val="FFFFFF"/>
                   </a:solidFill>
                 </a:uFill>
                 <a:latin typeface="Arial"/>
@@ -5591,12 +7081,12 @@
       </p:sp>
       <p:pic>
         <p:nvPicPr>
-          <p:cNvPr id="95" name="Grafik 6" descr=""/>
+          <p:cNvPr id="95" name="Grafik 6"/>
           <p:cNvPicPr/>
           <p:nvPr/>
         </p:nvPicPr>
         <p:blipFill>
-          <a:blip r:embed="rId1"/>
+          <a:blip r:embed="rId3"/>
           <a:stretch/>
         </p:blipFill>
         <p:spPr>
@@ -5629,30 +7119,39 @@
           </a:ln>
         </p:spPr>
         <p:style>
-          <a:lnRef idx="0"/>
-          <a:fillRef idx="0"/>
-          <a:effectRef idx="0"/>
+          <a:lnRef idx="0">
+            <a:scrgbClr r="0" g="0" b="0"/>
+          </a:lnRef>
+          <a:fillRef idx="0">
+            <a:scrgbClr r="0" g="0" b="0"/>
+          </a:fillRef>
+          <a:effectRef idx="0">
+            <a:scrgbClr r="0" g="0" b="0"/>
+          </a:effectRef>
           <a:fontRef idx="minor"/>
         </p:style>
       </p:sp>
     </p:spTree>
   </p:cSld>
+  <p:clrMapOvr>
+    <a:masterClrMapping/>
+  </p:clrMapOvr>
   <p:timing>
     <p:tnLst>
       <p:par>
-        <p:cTn id="5" dur="indefinite" restart="never" nodeType="tmRoot">
+        <p:cTn id="1" dur="indefinite" restart="never" nodeType="tmRoot">
           <p:childTnLst>
             <p:seq>
-              <p:cTn id="6" nodeType="mainSeq"/>
+              <p:cTn id="2" nodeType="mainSeq"/>
               <p:prevCondLst>
-                <p:cond delay="0" evt="onPrev">
+                <p:cond evt="onPrev" delay="0">
                   <p:tgtEl>
                     <p:sldTgt/>
                   </p:tgtEl>
                 </p:cond>
               </p:prevCondLst>
               <p:nextCondLst>
-                <p:cond delay="0" evt="onNext">
+                <p:cond evt="onNext" delay="0">
                   <p:tgtEl>
                     <p:sldTgt/>
                   </p:tgtEl>
@@ -5668,7 +7167,7 @@
 </file>
 
 <file path=ppt/slides/slide4.xml><?xml version="1.0" encoding="utf-8"?>
-<p:sld xmlns:a="http://schemas.openxmlformats.org/drawingml/2006/main" xmlns:p="http://schemas.openxmlformats.org/presentationml/2006/main" xmlns:r="http://schemas.openxmlformats.org/officeDocument/2006/relationships">
+<p:sld xmlns:a="http://schemas.openxmlformats.org/drawingml/2006/main" xmlns:r="http://schemas.openxmlformats.org/officeDocument/2006/relationships" xmlns:p="http://schemas.openxmlformats.org/presentationml/2006/main">
   <p:cSld>
     <p:spTree>
       <p:nvGrpSpPr>
@@ -5701,13 +7200,20 @@
           </a:ln>
         </p:spPr>
         <p:style>
-          <a:lnRef idx="0"/>
-          <a:fillRef idx="0"/>
-          <a:effectRef idx="0"/>
+          <a:lnRef idx="0">
+            <a:scrgbClr r="0" g="0" b="0"/>
+          </a:lnRef>
+          <a:fillRef idx="0">
+            <a:scrgbClr r="0" g="0" b="0"/>
+          </a:fillRef>
+          <a:effectRef idx="0">
+            <a:scrgbClr r="0" g="0" b="0"/>
+          </a:effectRef>
           <a:fontRef idx="minor"/>
         </p:style>
         <p:txBody>
-          <a:bodyPr lIns="0" rIns="0" tIns="0" bIns="0" anchor="b"/>
+          <a:bodyPr lIns="0" tIns="0" rIns="0" bIns="0" anchor="b"/>
+          <a:lstStyle/>
           <a:p>
             <a:pPr>
               <a:lnSpc>
@@ -5715,13 +7221,13 @@
               </a:lnSpc>
             </a:pPr>
             <a:r>
-              <a:rPr lang="en-US" sz="1200" spc="-1" strike="noStrike">
-                <a:solidFill>
-                  <a:srgbClr val="000000"/>
-                </a:solidFill>
-                <a:uFill>
-                  <a:solidFill>
-                    <a:srgbClr val="ffffff"/>
+              <a:rPr lang="en-US" sz="1200" strike="noStrike" spc="-1">
+                <a:solidFill>
+                  <a:srgbClr val="000000"/>
+                </a:solidFill>
+                <a:uFill>
+                  <a:solidFill>
+                    <a:srgbClr val="FFFFFF"/>
                   </a:solidFill>
                 </a:uFill>
                 <a:latin typeface="Arial"/>
@@ -5749,13 +7255,20 @@
           </a:ln>
         </p:spPr>
         <p:style>
-          <a:lnRef idx="0"/>
-          <a:fillRef idx="0"/>
-          <a:effectRef idx="0"/>
+          <a:lnRef idx="0">
+            <a:scrgbClr r="0" g="0" b="0"/>
+          </a:lnRef>
+          <a:fillRef idx="0">
+            <a:scrgbClr r="0" g="0" b="0"/>
+          </a:fillRef>
+          <a:effectRef idx="0">
+            <a:scrgbClr r="0" g="0" b="0"/>
+          </a:effectRef>
           <a:fontRef idx="minor"/>
         </p:style>
         <p:txBody>
-          <a:bodyPr lIns="0" rIns="0" tIns="0" bIns="0" anchor="b"/>
+          <a:bodyPr lIns="0" tIns="0" rIns="0" bIns="0" anchor="b"/>
+          <a:lstStyle/>
           <a:p>
             <a:pPr>
               <a:lnSpc>
@@ -5763,13 +7276,13 @@
               </a:lnSpc>
             </a:pPr>
             <a:r>
-              <a:rPr lang="en-US" sz="1200" spc="-1" strike="noStrike">
-                <a:solidFill>
-                  <a:srgbClr val="000000"/>
-                </a:solidFill>
-                <a:uFill>
-                  <a:solidFill>
-                    <a:srgbClr val="ffffff"/>
+              <a:rPr lang="en-US" sz="1200" strike="noStrike" spc="-1">
+                <a:solidFill>
+                  <a:srgbClr val="000000"/>
+                </a:solidFill>
+                <a:uFill>
+                  <a:solidFill>
+                    <a:srgbClr val="FFFFFF"/>
                   </a:solidFill>
                 </a:uFill>
                 <a:latin typeface="Arial"/>
@@ -5797,9 +7310,15 @@
           </a:ln>
         </p:spPr>
         <p:style>
-          <a:lnRef idx="0"/>
-          <a:fillRef idx="0"/>
-          <a:effectRef idx="0"/>
+          <a:lnRef idx="0">
+            <a:scrgbClr r="0" g="0" b="0"/>
+          </a:lnRef>
+          <a:fillRef idx="0">
+            <a:scrgbClr r="0" g="0" b="0"/>
+          </a:fillRef>
+          <a:effectRef idx="0">
+            <a:scrgbClr r="0" g="0" b="0"/>
+          </a:effectRef>
           <a:fontRef idx="minor"/>
         </p:style>
       </p:sp>
@@ -5820,13 +7339,20 @@
           </a:ln>
         </p:spPr>
         <p:style>
-          <a:lnRef idx="0"/>
-          <a:fillRef idx="0"/>
-          <a:effectRef idx="0"/>
+          <a:lnRef idx="0">
+            <a:scrgbClr r="0" g="0" b="0"/>
+          </a:lnRef>
+          <a:fillRef idx="0">
+            <a:scrgbClr r="0" g="0" b="0"/>
+          </a:fillRef>
+          <a:effectRef idx="0">
+            <a:scrgbClr r="0" g="0" b="0"/>
+          </a:effectRef>
           <a:fontRef idx="minor"/>
         </p:style>
         <p:txBody>
-          <a:bodyPr lIns="0" rIns="0" tIns="0" bIns="0"/>
+          <a:bodyPr lIns="0" tIns="0" rIns="0" bIns="0"/>
+          <a:lstStyle/>
           <a:p>
             <a:pPr>
               <a:lnSpc>
@@ -5834,13 +7360,13 @@
               </a:lnSpc>
             </a:pPr>
             <a:r>
-              <a:rPr b="1" lang="en-US" sz="2000" spc="-1" strike="noStrike">
-                <a:solidFill>
-                  <a:srgbClr val="000000"/>
-                </a:solidFill>
-                <a:uFill>
-                  <a:solidFill>
-                    <a:srgbClr val="ffffff"/>
+              <a:rPr lang="en-US" sz="2000" b="1" strike="noStrike" spc="-1">
+                <a:solidFill>
+                  <a:srgbClr val="000000"/>
+                </a:solidFill>
+                <a:uFill>
+                  <a:solidFill>
+                    <a:srgbClr val="FFFFFF"/>
                   </a:solidFill>
                 </a:uFill>
                 <a:latin typeface="Arial"/>
@@ -5868,13 +7394,20 @@
           </a:ln>
         </p:spPr>
         <p:style>
-          <a:lnRef idx="0"/>
-          <a:fillRef idx="0"/>
-          <a:effectRef idx="0"/>
+          <a:lnRef idx="0">
+            <a:scrgbClr r="0" g="0" b="0"/>
+          </a:lnRef>
+          <a:fillRef idx="0">
+            <a:scrgbClr r="0" g="0" b="0"/>
+          </a:fillRef>
+          <a:effectRef idx="0">
+            <a:scrgbClr r="0" g="0" b="0"/>
+          </a:effectRef>
           <a:fontRef idx="minor"/>
         </p:style>
         <p:txBody>
-          <a:bodyPr lIns="0" rIns="0" tIns="0" bIns="0"/>
+          <a:bodyPr lIns="0" tIns="0" rIns="0" bIns="0"/>
+          <a:lstStyle/>
           <a:p>
             <a:pPr marL="343080" indent="-342360">
               <a:lnSpc>
@@ -5884,20 +7417,62 @@
               <a:buChar char="•"/>
             </a:pPr>
             <a:r>
-              <a:rPr lang="en-US" sz="2000" spc="-1" strike="noStrike">
-                <a:solidFill>
-                  <a:srgbClr val="000000"/>
-                </a:solidFill>
-                <a:uFill>
-                  <a:solidFill>
-                    <a:srgbClr val="ffffff"/>
-                  </a:solidFill>
-                </a:uFill>
-                <a:latin typeface="Arial"/>
-              </a:rPr>
-              <a:t>Simulation eines Fabrikationsroboters</a:t>
-            </a:r>
-            <a:endParaRPr/>
+              <a:rPr lang="en-US" sz="2800" strike="noStrike" spc="-1" dirty="0">
+                <a:solidFill>
+                  <a:srgbClr val="000000"/>
+                </a:solidFill>
+                <a:uFill>
+                  <a:solidFill>
+                    <a:srgbClr val="FFFFFF"/>
+                  </a:solidFill>
+                </a:uFill>
+                <a:latin typeface="Arial"/>
+              </a:rPr>
+              <a:t>Simulation </a:t>
+            </a:r>
+            <a:r>
+              <a:rPr lang="en-US" sz="2800" strike="noStrike" spc="-1" dirty="0" err="1">
+                <a:solidFill>
+                  <a:srgbClr val="000000"/>
+                </a:solidFill>
+                <a:uFill>
+                  <a:solidFill>
+                    <a:srgbClr val="FFFFFF"/>
+                  </a:solidFill>
+                </a:uFill>
+                <a:latin typeface="Arial"/>
+              </a:rPr>
+              <a:t>eines</a:t>
+            </a:r>
+            <a:r>
+              <a:rPr lang="en-US" sz="2800" strike="noStrike" spc="-1" dirty="0">
+                <a:solidFill>
+                  <a:srgbClr val="000000"/>
+                </a:solidFill>
+                <a:uFill>
+                  <a:solidFill>
+                    <a:srgbClr val="FFFFFF"/>
+                  </a:solidFill>
+                </a:uFill>
+                <a:latin typeface="Arial"/>
+              </a:rPr>
+              <a:t> </a:t>
+            </a:r>
+            <a:r>
+              <a:rPr lang="en-US" sz="2800" strike="noStrike" spc="-1" dirty="0" err="1">
+                <a:solidFill>
+                  <a:srgbClr val="000000"/>
+                </a:solidFill>
+                <a:uFill>
+                  <a:solidFill>
+                    <a:srgbClr val="FFFFFF"/>
+                  </a:solidFill>
+                </a:uFill>
+                <a:latin typeface="Arial"/>
+              </a:rPr>
+              <a:t>Fabrikationsroboters</a:t>
+            </a:r>
+            <a:endParaRPr sz="2800" dirty="0"/>
           </a:p>
           <a:p>
             <a:pPr marL="343080" indent="-342360">
@@ -5908,20 +7483,104 @@
               <a:buChar char="•"/>
             </a:pPr>
             <a:r>
-              <a:rPr lang="en-US" sz="2000" spc="-1" strike="noStrike">
-                <a:solidFill>
-                  <a:srgbClr val="000000"/>
-                </a:solidFill>
-                <a:uFill>
-                  <a:solidFill>
-                    <a:srgbClr val="ffffff"/>
-                  </a:solidFill>
-                </a:uFill>
-                <a:latin typeface="Arial"/>
-              </a:rPr>
-              <a:t>Interaktion mit anderen Objekten</a:t>
-            </a:r>
-            <a:endParaRPr/>
+              <a:rPr lang="en-US" sz="2800" strike="noStrike" spc="-1" dirty="0" err="1">
+                <a:solidFill>
+                  <a:srgbClr val="000000"/>
+                </a:solidFill>
+                <a:uFill>
+                  <a:solidFill>
+                    <a:srgbClr val="FFFFFF"/>
+                  </a:solidFill>
+                </a:uFill>
+                <a:latin typeface="Arial"/>
+              </a:rPr>
+              <a:t>Interaktion</a:t>
+            </a:r>
+            <a:r>
+              <a:rPr lang="en-US" sz="2800" strike="noStrike" spc="-1" dirty="0">
+                <a:solidFill>
+                  <a:srgbClr val="000000"/>
+                </a:solidFill>
+                <a:uFill>
+                  <a:solidFill>
+                    <a:srgbClr val="FFFFFF"/>
+                  </a:solidFill>
+                </a:uFill>
+                <a:latin typeface="Arial"/>
+              </a:rPr>
+              <a:t> </a:t>
+            </a:r>
+            <a:r>
+              <a:rPr lang="en-US" sz="2800" strike="noStrike" spc="-1" dirty="0" err="1">
+                <a:solidFill>
+                  <a:srgbClr val="000000"/>
+                </a:solidFill>
+                <a:uFill>
+                  <a:solidFill>
+                    <a:srgbClr val="FFFFFF"/>
+                  </a:solidFill>
+                </a:uFill>
+                <a:latin typeface="Arial"/>
+              </a:rPr>
+              <a:t>mit</a:t>
+            </a:r>
+            <a:r>
+              <a:rPr lang="en-US" sz="2800" strike="noStrike" spc="-1" dirty="0">
+                <a:solidFill>
+                  <a:srgbClr val="000000"/>
+                </a:solidFill>
+                <a:uFill>
+                  <a:solidFill>
+                    <a:srgbClr val="FFFFFF"/>
+                  </a:solidFill>
+                </a:uFill>
+                <a:latin typeface="Arial"/>
+              </a:rPr>
+              <a:t> </a:t>
+            </a:r>
+            <a:r>
+              <a:rPr lang="en-US" sz="2800" strike="noStrike" spc="-1" dirty="0" err="1">
+                <a:solidFill>
+                  <a:srgbClr val="000000"/>
+                </a:solidFill>
+                <a:uFill>
+                  <a:solidFill>
+                    <a:srgbClr val="FFFFFF"/>
+                  </a:solidFill>
+                </a:uFill>
+                <a:latin typeface="Arial"/>
+              </a:rPr>
+              <a:t>anderen</a:t>
+            </a:r>
+            <a:r>
+              <a:rPr lang="en-US" sz="2800" strike="noStrike" spc="-1" dirty="0">
+                <a:solidFill>
+                  <a:srgbClr val="000000"/>
+                </a:solidFill>
+                <a:uFill>
+                  <a:solidFill>
+                    <a:srgbClr val="FFFFFF"/>
+                  </a:solidFill>
+                </a:uFill>
+                <a:latin typeface="Arial"/>
+              </a:rPr>
+              <a:t> </a:t>
+            </a:r>
+            <a:r>
+              <a:rPr lang="en-US" sz="2800" strike="noStrike" spc="-1" dirty="0" err="1">
+                <a:solidFill>
+                  <a:srgbClr val="000000"/>
+                </a:solidFill>
+                <a:uFill>
+                  <a:solidFill>
+                    <a:srgbClr val="FFFFFF"/>
+                  </a:solidFill>
+                </a:uFill>
+                <a:latin typeface="Arial"/>
+              </a:rPr>
+              <a:t>Objekten</a:t>
+            </a:r>
+            <a:endParaRPr sz="2800" dirty="0"/>
           </a:p>
           <a:p>
             <a:pPr marL="343080" indent="-342360">
@@ -5932,41 +7591,72 @@
               <a:buChar char="•"/>
             </a:pPr>
             <a:r>
-              <a:rPr lang="en-US" sz="2000" spc="-1" strike="noStrike">
-                <a:solidFill>
-                  <a:srgbClr val="000000"/>
-                </a:solidFill>
-                <a:uFill>
-                  <a:solidFill>
-                    <a:srgbClr val="ffffff"/>
-                  </a:solidFill>
-                </a:uFill>
-                <a:latin typeface="Arial"/>
-              </a:rPr>
-              <a:t>direkte &amp; inverse Kinematik</a:t>
-            </a:r>
-            <a:endParaRPr/>
+              <a:rPr lang="en-US" sz="2800" strike="noStrike" spc="-1" dirty="0" err="1">
+                <a:solidFill>
+                  <a:srgbClr val="000000"/>
+                </a:solidFill>
+                <a:uFill>
+                  <a:solidFill>
+                    <a:srgbClr val="FFFFFF"/>
+                  </a:solidFill>
+                </a:uFill>
+                <a:latin typeface="Arial"/>
+              </a:rPr>
+              <a:t>direkte</a:t>
+            </a:r>
+            <a:r>
+              <a:rPr lang="en-US" sz="2800" strike="noStrike" spc="-1" dirty="0">
+                <a:solidFill>
+                  <a:srgbClr val="000000"/>
+                </a:solidFill>
+                <a:uFill>
+                  <a:solidFill>
+                    <a:srgbClr val="FFFFFF"/>
+                  </a:solidFill>
+                </a:uFill>
+                <a:latin typeface="Arial"/>
+              </a:rPr>
+              <a:t> &amp; inverse </a:t>
+            </a:r>
+            <a:r>
+              <a:rPr lang="en-US" sz="2800" strike="noStrike" spc="-1" dirty="0" err="1">
+                <a:solidFill>
+                  <a:srgbClr val="000000"/>
+                </a:solidFill>
+                <a:uFill>
+                  <a:solidFill>
+                    <a:srgbClr val="FFFFFF"/>
+                  </a:solidFill>
+                </a:uFill>
+                <a:latin typeface="Arial"/>
+              </a:rPr>
+              <a:t>Kinematik</a:t>
+            </a:r>
+            <a:endParaRPr sz="2800" dirty="0"/>
           </a:p>
         </p:txBody>
       </p:sp>
     </p:spTree>
   </p:cSld>
+  <p:clrMapOvr>
+    <a:masterClrMapping/>
+  </p:clrMapOvr>
   <p:timing>
     <p:tnLst>
       <p:par>
-        <p:cTn id="7" dur="indefinite" restart="never" nodeType="tmRoot">
+        <p:cTn id="1" dur="indefinite" restart="never" nodeType="tmRoot">
           <p:childTnLst>
             <p:seq>
-              <p:cTn id="8" nodeType="mainSeq"/>
+              <p:cTn id="2" nodeType="mainSeq"/>
               <p:prevCondLst>
-                <p:cond delay="0" evt="onPrev">
+                <p:cond evt="onPrev" delay="0">
                   <p:tgtEl>
                     <p:sldTgt/>
                   </p:tgtEl>
                 </p:cond>
               </p:prevCondLst>
               <p:nextCondLst>
-                <p:cond delay="0" evt="onNext">
+                <p:cond evt="onNext" delay="0">
                   <p:tgtEl>
                     <p:sldTgt/>
                   </p:tgtEl>
@@ -5982,7 +7672,7 @@
 </file>
 
 <file path=ppt/slides/slide5.xml><?xml version="1.0" encoding="utf-8"?>
-<p:sld xmlns:a="http://schemas.openxmlformats.org/drawingml/2006/main" xmlns:p="http://schemas.openxmlformats.org/presentationml/2006/main" xmlns:r="http://schemas.openxmlformats.org/officeDocument/2006/relationships">
+<p:sld xmlns:a="http://schemas.openxmlformats.org/drawingml/2006/main" xmlns:r="http://schemas.openxmlformats.org/officeDocument/2006/relationships" xmlns:p="http://schemas.openxmlformats.org/presentationml/2006/main">
   <p:cSld>
     <p:spTree>
       <p:nvGrpSpPr>
@@ -6015,13 +7705,20 @@
           </a:ln>
         </p:spPr>
         <p:style>
-          <a:lnRef idx="0"/>
-          <a:fillRef idx="0"/>
-          <a:effectRef idx="0"/>
+          <a:lnRef idx="0">
+            <a:scrgbClr r="0" g="0" b="0"/>
+          </a:lnRef>
+          <a:fillRef idx="0">
+            <a:scrgbClr r="0" g="0" b="0"/>
+          </a:fillRef>
+          <a:effectRef idx="0">
+            <a:scrgbClr r="0" g="0" b="0"/>
+          </a:effectRef>
           <a:fontRef idx="minor"/>
         </p:style>
         <p:txBody>
-          <a:bodyPr lIns="0" rIns="0" tIns="0" bIns="0" anchor="b"/>
+          <a:bodyPr lIns="0" tIns="0" rIns="0" bIns="0" anchor="b"/>
+          <a:lstStyle/>
           <a:p>
             <a:pPr>
               <a:lnSpc>
@@ -6029,13 +7726,13 @@
               </a:lnSpc>
             </a:pPr>
             <a:r>
-              <a:rPr lang="en-US" sz="1200" spc="-1" strike="noStrike">
-                <a:solidFill>
-                  <a:srgbClr val="000000"/>
-                </a:solidFill>
-                <a:uFill>
-                  <a:solidFill>
-                    <a:srgbClr val="ffffff"/>
+              <a:rPr lang="en-US" sz="1200" strike="noStrike" spc="-1">
+                <a:solidFill>
+                  <a:srgbClr val="000000"/>
+                </a:solidFill>
+                <a:uFill>
+                  <a:solidFill>
+                    <a:srgbClr val="FFFFFF"/>
                   </a:solidFill>
                 </a:uFill>
                 <a:latin typeface="Arial"/>
@@ -6063,13 +7760,20 @@
           </a:ln>
         </p:spPr>
         <p:style>
-          <a:lnRef idx="0"/>
-          <a:fillRef idx="0"/>
-          <a:effectRef idx="0"/>
+          <a:lnRef idx="0">
+            <a:scrgbClr r="0" g="0" b="0"/>
+          </a:lnRef>
+          <a:fillRef idx="0">
+            <a:scrgbClr r="0" g="0" b="0"/>
+          </a:fillRef>
+          <a:effectRef idx="0">
+            <a:scrgbClr r="0" g="0" b="0"/>
+          </a:effectRef>
           <a:fontRef idx="minor"/>
         </p:style>
         <p:txBody>
-          <a:bodyPr lIns="0" rIns="0" tIns="0" bIns="0" anchor="b"/>
+          <a:bodyPr lIns="0" tIns="0" rIns="0" bIns="0" anchor="b"/>
+          <a:lstStyle/>
           <a:p>
             <a:pPr>
               <a:lnSpc>
@@ -6077,13 +7781,13 @@
               </a:lnSpc>
             </a:pPr>
             <a:r>
-              <a:rPr lang="en-US" sz="1200" spc="-1" strike="noStrike">
-                <a:solidFill>
-                  <a:srgbClr val="000000"/>
-                </a:solidFill>
-                <a:uFill>
-                  <a:solidFill>
-                    <a:srgbClr val="ffffff"/>
+              <a:rPr lang="en-US" sz="1200" strike="noStrike" spc="-1">
+                <a:solidFill>
+                  <a:srgbClr val="000000"/>
+                </a:solidFill>
+                <a:uFill>
+                  <a:solidFill>
+                    <a:srgbClr val="FFFFFF"/>
                   </a:solidFill>
                 </a:uFill>
                 <a:latin typeface="Arial"/>
@@ -6111,9 +7815,15 @@
           </a:ln>
         </p:spPr>
         <p:style>
-          <a:lnRef idx="0"/>
-          <a:fillRef idx="0"/>
-          <a:effectRef idx="0"/>
+          <a:lnRef idx="0">
+            <a:scrgbClr r="0" g="0" b="0"/>
+          </a:lnRef>
+          <a:fillRef idx="0">
+            <a:scrgbClr r="0" g="0" b="0"/>
+          </a:fillRef>
+          <a:effectRef idx="0">
+            <a:scrgbClr r="0" g="0" b="0"/>
+          </a:effectRef>
           <a:fontRef idx="minor"/>
         </p:style>
       </p:sp>
@@ -6134,13 +7844,20 @@
           </a:ln>
         </p:spPr>
         <p:style>
-          <a:lnRef idx="0"/>
-          <a:fillRef idx="0"/>
-          <a:effectRef idx="0"/>
+          <a:lnRef idx="0">
+            <a:scrgbClr r="0" g="0" b="0"/>
+          </a:lnRef>
+          <a:fillRef idx="0">
+            <a:scrgbClr r="0" g="0" b="0"/>
+          </a:fillRef>
+          <a:effectRef idx="0">
+            <a:scrgbClr r="0" g="0" b="0"/>
+          </a:effectRef>
           <a:fontRef idx="minor"/>
         </p:style>
         <p:txBody>
-          <a:bodyPr lIns="0" rIns="0" tIns="0" bIns="0"/>
+          <a:bodyPr lIns="0" tIns="0" rIns="0" bIns="0"/>
+          <a:lstStyle/>
           <a:p>
             <a:pPr>
               <a:lnSpc>
@@ -6148,13 +7865,13 @@
               </a:lnSpc>
             </a:pPr>
             <a:r>
-              <a:rPr b="1" lang="en-US" sz="2000" spc="-1" strike="noStrike">
-                <a:solidFill>
-                  <a:srgbClr val="000000"/>
-                </a:solidFill>
-                <a:uFill>
-                  <a:solidFill>
-                    <a:srgbClr val="ffffff"/>
+              <a:rPr lang="en-US" sz="2000" b="1" strike="noStrike" spc="-1">
+                <a:solidFill>
+                  <a:srgbClr val="000000"/>
+                </a:solidFill>
+                <a:uFill>
+                  <a:solidFill>
+                    <a:srgbClr val="FFFFFF"/>
                   </a:solidFill>
                 </a:uFill>
                 <a:latin typeface="Arial"/>
@@ -6182,13 +7899,20 @@
           </a:ln>
         </p:spPr>
         <p:style>
-          <a:lnRef idx="0"/>
-          <a:fillRef idx="0"/>
-          <a:effectRef idx="0"/>
+          <a:lnRef idx="0">
+            <a:scrgbClr r="0" g="0" b="0"/>
+          </a:lnRef>
+          <a:fillRef idx="0">
+            <a:scrgbClr r="0" g="0" b="0"/>
+          </a:fillRef>
+          <a:effectRef idx="0">
+            <a:scrgbClr r="0" g="0" b="0"/>
+          </a:effectRef>
           <a:fontRef idx="minor"/>
         </p:style>
         <p:txBody>
-          <a:bodyPr lIns="0" rIns="0" tIns="0" bIns="0"/>
+          <a:bodyPr lIns="0" tIns="0" rIns="0" bIns="0"/>
+          <a:lstStyle/>
           <a:p>
             <a:pPr marL="343080" indent="-342360">
               <a:lnSpc>
@@ -6198,20 +7922,20 @@
               <a:buChar char="•"/>
             </a:pPr>
             <a:r>
-              <a:rPr lang="en-US" sz="2000" spc="-1" strike="noStrike">
-                <a:solidFill>
-                  <a:srgbClr val="000000"/>
-                </a:solidFill>
-                <a:uFill>
-                  <a:solidFill>
-                    <a:srgbClr val="ffffff"/>
+              <a:rPr lang="en-US" sz="2800" strike="noStrike" spc="-1" dirty="0" err="1">
+                <a:solidFill>
+                  <a:srgbClr val="000000"/>
+                </a:solidFill>
+                <a:uFill>
+                  <a:solidFill>
+                    <a:srgbClr val="FFFFFF"/>
                   </a:solidFill>
                 </a:uFill>
                 <a:latin typeface="Arial"/>
               </a:rPr>
               <a:t>Raum</a:t>
             </a:r>
-            <a:endParaRPr/>
+            <a:endParaRPr sz="2800" dirty="0"/>
           </a:p>
           <a:p>
             <a:pPr marL="343080" indent="-342360">
@@ -6222,41 +7946,249 @@
               <a:buChar char="•"/>
             </a:pPr>
             <a:r>
-              <a:rPr lang="en-US" sz="2000" spc="-1" strike="noStrike">
-                <a:solidFill>
-                  <a:srgbClr val="000000"/>
-                </a:solidFill>
-                <a:uFill>
-                  <a:solidFill>
-                    <a:srgbClr val="ffffff"/>
-                  </a:solidFill>
-                </a:uFill>
-                <a:latin typeface="Arial"/>
-              </a:rPr>
-              <a:t>Objekte &amp; Objektinteraktion</a:t>
-            </a:r>
-            <a:endParaRPr/>
+              <a:rPr lang="en-US" sz="2800" strike="noStrike" spc="-1" dirty="0" err="1" smtClean="0">
+                <a:solidFill>
+                  <a:srgbClr val="000000"/>
+                </a:solidFill>
+                <a:uFill>
+                  <a:solidFill>
+                    <a:srgbClr val="FFFFFF"/>
+                  </a:solidFill>
+                </a:uFill>
+                <a:latin typeface="Arial"/>
+              </a:rPr>
+              <a:t>Würfel</a:t>
+            </a:r>
+            <a:endParaRPr lang="en-US" sz="2800" strike="noStrike" spc="-1" dirty="0" smtClean="0">
+              <a:solidFill>
+                <a:srgbClr val="000000"/>
+              </a:solidFill>
+              <a:uFill>
+                <a:solidFill>
+                  <a:srgbClr val="FFFFFF"/>
+                </a:solidFill>
+              </a:uFill>
+              <a:latin typeface="Arial"/>
+            </a:endParaRPr>
+          </a:p>
+          <a:p>
+            <a:pPr marL="800280" lvl="1" indent="-342360">
+              <a:buFont typeface="Arial"/>
+              <a:buChar char="•"/>
+            </a:pPr>
+            <a:r>
+              <a:rPr lang="en-US" sz="2800" spc="-1" dirty="0" err="1" smtClean="0">
+                <a:solidFill>
+                  <a:srgbClr val="000000"/>
+                </a:solidFill>
+                <a:uFill>
+                  <a:solidFill>
+                    <a:srgbClr val="FFFFFF"/>
+                  </a:solidFill>
+                </a:uFill>
+                <a:latin typeface="Arial"/>
+              </a:rPr>
+              <a:t>hinzufügen</a:t>
+            </a:r>
+            <a:endParaRPr lang="en-US" sz="2800" spc="-1" dirty="0" smtClean="0">
+              <a:solidFill>
+                <a:srgbClr val="000000"/>
+              </a:solidFill>
+              <a:uFill>
+                <a:solidFill>
+                  <a:srgbClr val="FFFFFF"/>
+                </a:solidFill>
+              </a:uFill>
+              <a:latin typeface="Arial"/>
+            </a:endParaRPr>
+          </a:p>
+          <a:p>
+            <a:pPr marL="800280" lvl="1" indent="-342360">
+              <a:buFont typeface="Arial"/>
+              <a:buChar char="•"/>
+            </a:pPr>
+            <a:r>
+              <a:rPr lang="en-US" sz="2800" spc="-1" dirty="0" err="1" smtClean="0">
+                <a:solidFill>
+                  <a:srgbClr val="000000"/>
+                </a:solidFill>
+                <a:uFill>
+                  <a:solidFill>
+                    <a:srgbClr val="FFFFFF"/>
+                  </a:solidFill>
+                </a:uFill>
+                <a:latin typeface="Arial"/>
+              </a:rPr>
+              <a:t>mit</a:t>
+            </a:r>
+            <a:r>
+              <a:rPr lang="en-US" sz="2800" spc="-1" dirty="0" smtClean="0">
+                <a:solidFill>
+                  <a:srgbClr val="000000"/>
+                </a:solidFill>
+                <a:uFill>
+                  <a:solidFill>
+                    <a:srgbClr val="FFFFFF"/>
+                  </a:solidFill>
+                </a:uFill>
+                <a:latin typeface="Arial"/>
+              </a:rPr>
+              <a:t> </a:t>
+            </a:r>
+            <a:r>
+              <a:rPr lang="en-US" sz="2800" spc="-1" dirty="0" err="1" smtClean="0">
+                <a:solidFill>
+                  <a:srgbClr val="000000"/>
+                </a:solidFill>
+                <a:uFill>
+                  <a:solidFill>
+                    <a:srgbClr val="FFFFFF"/>
+                  </a:solidFill>
+                </a:uFill>
+                <a:latin typeface="Arial"/>
+              </a:rPr>
+              <a:t>Maus</a:t>
+            </a:r>
+            <a:r>
+              <a:rPr lang="en-US" sz="2800" spc="-1" dirty="0" smtClean="0">
+                <a:solidFill>
+                  <a:srgbClr val="000000"/>
+                </a:solidFill>
+                <a:uFill>
+                  <a:solidFill>
+                    <a:srgbClr val="FFFFFF"/>
+                  </a:solidFill>
+                </a:uFill>
+                <a:latin typeface="Arial"/>
+              </a:rPr>
+              <a:t> </a:t>
+            </a:r>
+            <a:r>
+              <a:rPr lang="en-US" sz="2800" spc="-1" dirty="0" err="1" smtClean="0">
+                <a:solidFill>
+                  <a:srgbClr val="000000"/>
+                </a:solidFill>
+                <a:uFill>
+                  <a:solidFill>
+                    <a:srgbClr val="FFFFFF"/>
+                  </a:solidFill>
+                </a:uFill>
+                <a:latin typeface="Arial"/>
+              </a:rPr>
+              <a:t>verschieben</a:t>
+            </a:r>
+            <a:endParaRPr lang="en-US" sz="2800" spc="-1" dirty="0" smtClean="0">
+              <a:solidFill>
+                <a:srgbClr val="000000"/>
+              </a:solidFill>
+              <a:uFill>
+                <a:solidFill>
+                  <a:srgbClr val="FFFFFF"/>
+                </a:solidFill>
+              </a:uFill>
+              <a:latin typeface="Arial"/>
+            </a:endParaRPr>
+          </a:p>
+          <a:p>
+            <a:pPr marL="800280" lvl="1" indent="-342360">
+              <a:buFont typeface="Arial"/>
+              <a:buChar char="•"/>
+            </a:pPr>
+            <a:r>
+              <a:rPr lang="en-US" sz="2800" spc="-1" dirty="0" err="1" smtClean="0">
+                <a:solidFill>
+                  <a:srgbClr val="000000"/>
+                </a:solidFill>
+                <a:uFill>
+                  <a:solidFill>
+                    <a:srgbClr val="FFFFFF"/>
+                  </a:solidFill>
+                </a:uFill>
+                <a:latin typeface="Arial"/>
+              </a:rPr>
+              <a:t>aufnehmen</a:t>
+            </a:r>
+            <a:r>
+              <a:rPr lang="en-US" sz="2800" spc="-1" dirty="0" smtClean="0">
+                <a:solidFill>
+                  <a:srgbClr val="000000"/>
+                </a:solidFill>
+                <a:uFill>
+                  <a:solidFill>
+                    <a:srgbClr val="FFFFFF"/>
+                  </a:solidFill>
+                </a:uFill>
+                <a:latin typeface="Arial"/>
+              </a:rPr>
+              <a:t> </a:t>
+            </a:r>
+            <a:r>
+              <a:rPr lang="en-US" sz="2800" spc="-1" dirty="0" err="1" smtClean="0">
+                <a:solidFill>
+                  <a:srgbClr val="000000"/>
+                </a:solidFill>
+                <a:uFill>
+                  <a:solidFill>
+                    <a:srgbClr val="FFFFFF"/>
+                  </a:solidFill>
+                </a:uFill>
+                <a:latin typeface="Arial"/>
+              </a:rPr>
+              <a:t>mit</a:t>
+            </a:r>
+            <a:r>
+              <a:rPr lang="en-US" sz="2800" spc="-1" dirty="0" smtClean="0">
+                <a:solidFill>
+                  <a:srgbClr val="000000"/>
+                </a:solidFill>
+                <a:uFill>
+                  <a:solidFill>
+                    <a:srgbClr val="FFFFFF"/>
+                  </a:solidFill>
+                </a:uFill>
+                <a:latin typeface="Arial"/>
+              </a:rPr>
+              <a:t> </a:t>
+            </a:r>
+            <a:r>
+              <a:rPr lang="en-US" sz="2800" spc="-1" dirty="0" err="1" smtClean="0">
+                <a:solidFill>
+                  <a:srgbClr val="000000"/>
+                </a:solidFill>
+                <a:uFill>
+                  <a:solidFill>
+                    <a:srgbClr val="FFFFFF"/>
+                  </a:solidFill>
+                </a:uFill>
+                <a:latin typeface="Arial"/>
+              </a:rPr>
+              <a:t>Roboter</a:t>
+            </a:r>
+            <a:endParaRPr sz="2800" dirty="0"/>
           </a:p>
         </p:txBody>
       </p:sp>
     </p:spTree>
   </p:cSld>
+  <p:clrMapOvr>
+    <a:masterClrMapping/>
+  </p:clrMapOvr>
   <p:timing>
     <p:tnLst>
       <p:par>
-        <p:cTn id="9" dur="indefinite" restart="never" nodeType="tmRoot">
+        <p:cTn id="1" dur="indefinite" restart="never" nodeType="tmRoot">
           <p:childTnLst>
             <p:seq>
-              <p:cTn id="10" nodeType="mainSeq"/>
+              <p:cTn id="2" nodeType="mainSeq"/>
               <p:prevCondLst>
-                <p:cond delay="0" evt="onPrev">
+                <p:cond evt="onPrev" delay="0">
                   <p:tgtEl>
                     <p:sldTgt/>
                   </p:tgtEl>
                 </p:cond>
               </p:prevCondLst>
               <p:nextCondLst>
-                <p:cond delay="0" evt="onNext">
+                <p:cond evt="onNext" delay="0">
                   <p:tgtEl>
                     <p:sldTgt/>
                   </p:tgtEl>
@@ -6272,7 +8204,7 @@
 </file>
 
 <file path=ppt/slides/slide6.xml><?xml version="1.0" encoding="utf-8"?>
-<p:sld xmlns:a="http://schemas.openxmlformats.org/drawingml/2006/main" xmlns:p="http://schemas.openxmlformats.org/presentationml/2006/main" xmlns:r="http://schemas.openxmlformats.org/officeDocument/2006/relationships">
+<p:sld xmlns:a="http://schemas.openxmlformats.org/drawingml/2006/main" xmlns:r="http://schemas.openxmlformats.org/officeDocument/2006/relationships" xmlns:p="http://schemas.openxmlformats.org/presentationml/2006/main">
   <p:cSld>
     <p:spTree>
       <p:nvGrpSpPr>
@@ -6305,13 +8237,20 @@
           </a:ln>
         </p:spPr>
         <p:style>
-          <a:lnRef idx="0"/>
-          <a:fillRef idx="0"/>
-          <a:effectRef idx="0"/>
+          <a:lnRef idx="0">
+            <a:scrgbClr r="0" g="0" b="0"/>
+          </a:lnRef>
+          <a:fillRef idx="0">
+            <a:scrgbClr r="0" g="0" b="0"/>
+          </a:fillRef>
+          <a:effectRef idx="0">
+            <a:scrgbClr r="0" g="0" b="0"/>
+          </a:effectRef>
           <a:fontRef idx="minor"/>
         </p:style>
         <p:txBody>
-          <a:bodyPr lIns="0" rIns="0" tIns="0" bIns="0" anchor="b"/>
+          <a:bodyPr lIns="0" tIns="0" rIns="0" bIns="0" anchor="b"/>
+          <a:lstStyle/>
           <a:p>
             <a:pPr>
               <a:lnSpc>
@@ -6319,13 +8258,13 @@
               </a:lnSpc>
             </a:pPr>
             <a:r>
-              <a:rPr lang="en-US" sz="1200" spc="-1" strike="noStrike">
-                <a:solidFill>
-                  <a:srgbClr val="000000"/>
-                </a:solidFill>
-                <a:uFill>
-                  <a:solidFill>
-                    <a:srgbClr val="ffffff"/>
+              <a:rPr lang="en-US" sz="1200" strike="noStrike" spc="-1">
+                <a:solidFill>
+                  <a:srgbClr val="000000"/>
+                </a:solidFill>
+                <a:uFill>
+                  <a:solidFill>
+                    <a:srgbClr val="FFFFFF"/>
                   </a:solidFill>
                 </a:uFill>
                 <a:latin typeface="Arial"/>
@@ -6353,13 +8292,20 @@
           </a:ln>
         </p:spPr>
         <p:style>
-          <a:lnRef idx="0"/>
-          <a:fillRef idx="0"/>
-          <a:effectRef idx="0"/>
+          <a:lnRef idx="0">
+            <a:scrgbClr r="0" g="0" b="0"/>
+          </a:lnRef>
+          <a:fillRef idx="0">
+            <a:scrgbClr r="0" g="0" b="0"/>
+          </a:fillRef>
+          <a:effectRef idx="0">
+            <a:scrgbClr r="0" g="0" b="0"/>
+          </a:effectRef>
           <a:fontRef idx="minor"/>
         </p:style>
         <p:txBody>
-          <a:bodyPr lIns="0" rIns="0" tIns="0" bIns="0" anchor="b"/>
+          <a:bodyPr lIns="0" tIns="0" rIns="0" bIns="0" anchor="b"/>
+          <a:lstStyle/>
           <a:p>
             <a:pPr>
               <a:lnSpc>
@@ -6367,13 +8313,13 @@
               </a:lnSpc>
             </a:pPr>
             <a:r>
-              <a:rPr lang="en-US" sz="1200" spc="-1" strike="noStrike">
-                <a:solidFill>
-                  <a:srgbClr val="000000"/>
-                </a:solidFill>
-                <a:uFill>
-                  <a:solidFill>
-                    <a:srgbClr val="ffffff"/>
+              <a:rPr lang="en-US" sz="1200" strike="noStrike" spc="-1">
+                <a:solidFill>
+                  <a:srgbClr val="000000"/>
+                </a:solidFill>
+                <a:uFill>
+                  <a:solidFill>
+                    <a:srgbClr val="FFFFFF"/>
                   </a:solidFill>
                 </a:uFill>
                 <a:latin typeface="Arial"/>
@@ -6401,9 +8347,15 @@
           </a:ln>
         </p:spPr>
         <p:style>
-          <a:lnRef idx="0"/>
-          <a:fillRef idx="0"/>
-          <a:effectRef idx="0"/>
+          <a:lnRef idx="0">
+            <a:scrgbClr r="0" g="0" b="0"/>
+          </a:lnRef>
+          <a:fillRef idx="0">
+            <a:scrgbClr r="0" g="0" b="0"/>
+          </a:fillRef>
+          <a:effectRef idx="0">
+            <a:scrgbClr r="0" g="0" b="0"/>
+          </a:effectRef>
           <a:fontRef idx="minor"/>
         </p:style>
       </p:sp>
@@ -6424,13 +8376,20 @@
           </a:ln>
         </p:spPr>
         <p:style>
-          <a:lnRef idx="0"/>
-          <a:fillRef idx="0"/>
-          <a:effectRef idx="0"/>
+          <a:lnRef idx="0">
+            <a:scrgbClr r="0" g="0" b="0"/>
+          </a:lnRef>
+          <a:fillRef idx="0">
+            <a:scrgbClr r="0" g="0" b="0"/>
+          </a:fillRef>
+          <a:effectRef idx="0">
+            <a:scrgbClr r="0" g="0" b="0"/>
+          </a:effectRef>
           <a:fontRef idx="minor"/>
         </p:style>
         <p:txBody>
-          <a:bodyPr lIns="0" rIns="0" tIns="0" bIns="0"/>
+          <a:bodyPr lIns="0" tIns="0" rIns="0" bIns="0"/>
+          <a:lstStyle/>
           <a:p>
             <a:pPr>
               <a:lnSpc>
@@ -6438,13 +8397,13 @@
               </a:lnSpc>
             </a:pPr>
             <a:r>
-              <a:rPr b="1" lang="en-US" sz="2000" spc="-1" strike="noStrike">
-                <a:solidFill>
-                  <a:srgbClr val="000000"/>
-                </a:solidFill>
-                <a:uFill>
-                  <a:solidFill>
-                    <a:srgbClr val="ffffff"/>
+              <a:rPr lang="en-US" sz="2000" b="1" strike="noStrike" spc="-1">
+                <a:solidFill>
+                  <a:srgbClr val="000000"/>
+                </a:solidFill>
+                <a:uFill>
+                  <a:solidFill>
+                    <a:srgbClr val="FFFFFF"/>
                   </a:solidFill>
                 </a:uFill>
                 <a:latin typeface="Arial"/>
@@ -6472,13 +8431,20 @@
           </a:ln>
         </p:spPr>
         <p:style>
-          <a:lnRef idx="0"/>
-          <a:fillRef idx="0"/>
-          <a:effectRef idx="0"/>
+          <a:lnRef idx="0">
+            <a:scrgbClr r="0" g="0" b="0"/>
+          </a:lnRef>
+          <a:fillRef idx="0">
+            <a:scrgbClr r="0" g="0" b="0"/>
+          </a:fillRef>
+          <a:effectRef idx="0">
+            <a:scrgbClr r="0" g="0" b="0"/>
+          </a:effectRef>
           <a:fontRef idx="minor"/>
         </p:style>
         <p:txBody>
-          <a:bodyPr lIns="0" rIns="0" tIns="0" bIns="0"/>
+          <a:bodyPr lIns="0" tIns="0" rIns="0" bIns="0"/>
+          <a:lstStyle/>
           <a:p>
             <a:pPr marL="343080" indent="-342360">
               <a:lnSpc>
@@ -6488,20 +8454,34 @@
               <a:buChar char="•"/>
             </a:pPr>
             <a:r>
-              <a:rPr lang="en-US" sz="2000" spc="-1" strike="noStrike">
-                <a:solidFill>
-                  <a:srgbClr val="000000"/>
-                </a:solidFill>
-                <a:uFill>
-                  <a:solidFill>
-                    <a:srgbClr val="ffffff"/>
-                  </a:solidFill>
-                </a:uFill>
-                <a:latin typeface="Arial"/>
-              </a:rPr>
-              <a:t>Stäuble TX60L</a:t>
-            </a:r>
-            <a:endParaRPr/>
+              <a:rPr lang="en-US" sz="2800" strike="noStrike" spc="-1" dirty="0" err="1">
+                <a:solidFill>
+                  <a:srgbClr val="000000"/>
+                </a:solidFill>
+                <a:uFill>
+                  <a:solidFill>
+                    <a:srgbClr val="FFFFFF"/>
+                  </a:solidFill>
+                </a:uFill>
+                <a:latin typeface="Arial"/>
+              </a:rPr>
+              <a:t>Stäuble</a:t>
+            </a:r>
+            <a:r>
+              <a:rPr lang="en-US" sz="2800" strike="noStrike" spc="-1" dirty="0">
+                <a:solidFill>
+                  <a:srgbClr val="000000"/>
+                </a:solidFill>
+                <a:uFill>
+                  <a:solidFill>
+                    <a:srgbClr val="FFFFFF"/>
+                  </a:solidFill>
+                </a:uFill>
+                <a:latin typeface="Arial"/>
+              </a:rPr>
+              <a:t> TX60L</a:t>
+            </a:r>
+            <a:endParaRPr sz="2800" dirty="0"/>
           </a:p>
           <a:p>
             <a:pPr marL="343080" indent="-342360">
@@ -6512,20 +8492,76 @@
               <a:buChar char="•"/>
             </a:pPr>
             <a:r>
-              <a:rPr lang="en-US" sz="2000" spc="-1" strike="noStrike">
-                <a:solidFill>
-                  <a:srgbClr val="000000"/>
-                </a:solidFill>
-                <a:uFill>
-                  <a:solidFill>
-                    <a:srgbClr val="ffffff"/>
-                  </a:solidFill>
-                </a:uFill>
-                <a:latin typeface="Arial"/>
-              </a:rPr>
-              <a:t>Online verfügbar als CAD</a:t>
-            </a:r>
-            <a:endParaRPr/>
+              <a:rPr lang="en-US" sz="2800" strike="noStrike" spc="-1" dirty="0">
+                <a:solidFill>
+                  <a:srgbClr val="000000"/>
+                </a:solidFill>
+                <a:uFill>
+                  <a:solidFill>
+                    <a:srgbClr val="FFFFFF"/>
+                  </a:solidFill>
+                </a:uFill>
+                <a:latin typeface="Arial"/>
+              </a:rPr>
+              <a:t>Online </a:t>
+            </a:r>
+            <a:r>
+              <a:rPr lang="en-US" sz="2800" strike="noStrike" spc="-1" dirty="0" err="1">
+                <a:solidFill>
+                  <a:srgbClr val="000000"/>
+                </a:solidFill>
+                <a:uFill>
+                  <a:solidFill>
+                    <a:srgbClr val="FFFFFF"/>
+                  </a:solidFill>
+                </a:uFill>
+                <a:latin typeface="Arial"/>
+              </a:rPr>
+              <a:t>verfügbar</a:t>
+            </a:r>
+            <a:r>
+              <a:rPr lang="en-US" sz="2800" strike="noStrike" spc="-1" dirty="0">
+                <a:solidFill>
+                  <a:srgbClr val="000000"/>
+                </a:solidFill>
+                <a:uFill>
+                  <a:solidFill>
+                    <a:srgbClr val="FFFFFF"/>
+                  </a:solidFill>
+                </a:uFill>
+                <a:latin typeface="Arial"/>
+              </a:rPr>
+              <a:t> </a:t>
+            </a:r>
+            <a:r>
+              <a:rPr lang="en-US" sz="2800" strike="noStrike" spc="-1" dirty="0" err="1">
+                <a:solidFill>
+                  <a:srgbClr val="000000"/>
+                </a:solidFill>
+                <a:uFill>
+                  <a:solidFill>
+                    <a:srgbClr val="FFFFFF"/>
+                  </a:solidFill>
+                </a:uFill>
+                <a:latin typeface="Arial"/>
+              </a:rPr>
+              <a:t>als</a:t>
+            </a:r>
+            <a:r>
+              <a:rPr lang="en-US" sz="2800" strike="noStrike" spc="-1" dirty="0">
+                <a:solidFill>
+                  <a:srgbClr val="000000"/>
+                </a:solidFill>
+                <a:uFill>
+                  <a:solidFill>
+                    <a:srgbClr val="FFFFFF"/>
+                  </a:solidFill>
+                </a:uFill>
+                <a:latin typeface="Arial"/>
+              </a:rPr>
+              <a:t> CAD</a:t>
+            </a:r>
+            <a:endParaRPr sz="2800" dirty="0"/>
           </a:p>
           <a:p>
             <a:pPr marL="343080" indent="-342360">
@@ -6536,31 +8572,73 @@
               <a:buChar char="•"/>
             </a:pPr>
             <a:r>
-              <a:rPr lang="en-US" sz="2000" spc="-1" strike="noStrike">
-                <a:solidFill>
-                  <a:srgbClr val="000000"/>
-                </a:solidFill>
-                <a:uFill>
-                  <a:solidFill>
-                    <a:srgbClr val="ffffff"/>
-                  </a:solidFill>
-                </a:uFill>
-                <a:latin typeface="Arial"/>
-              </a:rPr>
-              <a:t>6 bewegliche Achsen</a:t>
-            </a:r>
-            <a:endParaRPr/>
+              <a:rPr lang="en-US" sz="2800" strike="noStrike" spc="-1" dirty="0">
+                <a:solidFill>
+                  <a:srgbClr val="000000"/>
+                </a:solidFill>
+                <a:uFill>
+                  <a:solidFill>
+                    <a:srgbClr val="FFFFFF"/>
+                  </a:solidFill>
+                </a:uFill>
+                <a:latin typeface="Arial"/>
+              </a:rPr>
+              <a:t>6 </a:t>
+            </a:r>
+            <a:r>
+              <a:rPr lang="en-US" sz="2800" strike="noStrike" spc="-1" dirty="0" err="1">
+                <a:solidFill>
+                  <a:srgbClr val="000000"/>
+                </a:solidFill>
+                <a:uFill>
+                  <a:solidFill>
+                    <a:srgbClr val="FFFFFF"/>
+                  </a:solidFill>
+                </a:uFill>
+                <a:latin typeface="Arial"/>
+              </a:rPr>
+              <a:t>bewegliche</a:t>
+            </a:r>
+            <a:r>
+              <a:rPr lang="en-US" sz="2800" strike="noStrike" spc="-1" dirty="0">
+                <a:solidFill>
+                  <a:srgbClr val="000000"/>
+                </a:solidFill>
+                <a:uFill>
+                  <a:solidFill>
+                    <a:srgbClr val="FFFFFF"/>
+                  </a:solidFill>
+                </a:uFill>
+                <a:latin typeface="Arial"/>
+              </a:rPr>
+              <a:t> </a:t>
+            </a:r>
+            <a:r>
+              <a:rPr lang="en-US" sz="2800" strike="noStrike" spc="-1" dirty="0" err="1">
+                <a:solidFill>
+                  <a:srgbClr val="000000"/>
+                </a:solidFill>
+                <a:uFill>
+                  <a:solidFill>
+                    <a:srgbClr val="FFFFFF"/>
+                  </a:solidFill>
+                </a:uFill>
+                <a:latin typeface="Arial"/>
+              </a:rPr>
+              <a:t>Achsen</a:t>
+            </a:r>
+            <a:endParaRPr sz="2800" dirty="0"/>
           </a:p>
         </p:txBody>
       </p:sp>
       <p:pic>
         <p:nvPicPr>
-          <p:cNvPr id="112" name="Picture 2" descr=""/>
+          <p:cNvPr id="112" name="Picture 2"/>
           <p:cNvPicPr/>
           <p:nvPr/>
         </p:nvPicPr>
         <p:blipFill>
-          <a:blip r:embed="rId1"/>
+          <a:blip r:embed="rId2"/>
           <a:stretch/>
         </p:blipFill>
         <p:spPr>
@@ -6578,22 +8656,25 @@
       </p:pic>
     </p:spTree>
   </p:cSld>
+  <p:clrMapOvr>
+    <a:masterClrMapping/>
+  </p:clrMapOvr>
   <p:timing>
     <p:tnLst>
       <p:par>
-        <p:cTn id="11" dur="indefinite" restart="never" nodeType="tmRoot">
+        <p:cTn id="1" dur="indefinite" restart="never" nodeType="tmRoot">
           <p:childTnLst>
             <p:seq>
-              <p:cTn id="12" nodeType="mainSeq"/>
+              <p:cTn id="2" nodeType="mainSeq"/>
               <p:prevCondLst>
-                <p:cond delay="0" evt="onPrev">
+                <p:cond evt="onPrev" delay="0">
                   <p:tgtEl>
                     <p:sldTgt/>
                   </p:tgtEl>
                 </p:cond>
               </p:prevCondLst>
               <p:nextCondLst>
-                <p:cond delay="0" evt="onNext">
+                <p:cond evt="onNext" delay="0">
                   <p:tgtEl>
                     <p:sldTgt/>
                   </p:tgtEl>
@@ -6609,7 +8690,7 @@
 </file>
 
 <file path=ppt/slides/slide7.xml><?xml version="1.0" encoding="utf-8"?>
-<p:sld xmlns:a="http://schemas.openxmlformats.org/drawingml/2006/main" xmlns:p="http://schemas.openxmlformats.org/presentationml/2006/main" xmlns:r="http://schemas.openxmlformats.org/officeDocument/2006/relationships">
+<p:sld xmlns:a="http://schemas.openxmlformats.org/drawingml/2006/main" xmlns:r="http://schemas.openxmlformats.org/officeDocument/2006/relationships" xmlns:p="http://schemas.openxmlformats.org/presentationml/2006/main">
   <p:cSld>
     <p:spTree>
       <p:nvGrpSpPr>
@@ -6642,13 +8723,20 @@
           </a:ln>
         </p:spPr>
         <p:style>
-          <a:lnRef idx="0"/>
-          <a:fillRef idx="0"/>
-          <a:effectRef idx="0"/>
+          <a:lnRef idx="0">
+            <a:scrgbClr r="0" g="0" b="0"/>
+          </a:lnRef>
+          <a:fillRef idx="0">
+            <a:scrgbClr r="0" g="0" b="0"/>
+          </a:fillRef>
+          <a:effectRef idx="0">
+            <a:scrgbClr r="0" g="0" b="0"/>
+          </a:effectRef>
           <a:fontRef idx="minor"/>
         </p:style>
         <p:txBody>
-          <a:bodyPr lIns="0" rIns="0" tIns="0" bIns="0" anchor="b"/>
+          <a:bodyPr lIns="0" tIns="0" rIns="0" bIns="0" anchor="b"/>
+          <a:lstStyle/>
           <a:p>
             <a:pPr>
               <a:lnSpc>
@@ -6656,13 +8744,13 @@
               </a:lnSpc>
             </a:pPr>
             <a:r>
-              <a:rPr lang="en-US" sz="1200" spc="-1" strike="noStrike">
-                <a:solidFill>
-                  <a:srgbClr val="000000"/>
-                </a:solidFill>
-                <a:uFill>
-                  <a:solidFill>
-                    <a:srgbClr val="ffffff"/>
+              <a:rPr lang="en-US" sz="1200" strike="noStrike" spc="-1">
+                <a:solidFill>
+                  <a:srgbClr val="000000"/>
+                </a:solidFill>
+                <a:uFill>
+                  <a:solidFill>
+                    <a:srgbClr val="FFFFFF"/>
                   </a:solidFill>
                 </a:uFill>
                 <a:latin typeface="Arial"/>
@@ -6690,13 +8778,20 @@
           </a:ln>
         </p:spPr>
         <p:style>
-          <a:lnRef idx="0"/>
-          <a:fillRef idx="0"/>
-          <a:effectRef idx="0"/>
+          <a:lnRef idx="0">
+            <a:scrgbClr r="0" g="0" b="0"/>
+          </a:lnRef>
+          <a:fillRef idx="0">
+            <a:scrgbClr r="0" g="0" b="0"/>
+          </a:fillRef>
+          <a:effectRef idx="0">
+            <a:scrgbClr r="0" g="0" b="0"/>
+          </a:effectRef>
           <a:fontRef idx="minor"/>
         </p:style>
         <p:txBody>
-          <a:bodyPr lIns="0" rIns="0" tIns="0" bIns="0" anchor="b"/>
+          <a:bodyPr lIns="0" tIns="0" rIns="0" bIns="0" anchor="b"/>
+          <a:lstStyle/>
           <a:p>
             <a:pPr>
               <a:lnSpc>
@@ -6704,13 +8799,13 @@
               </a:lnSpc>
             </a:pPr>
             <a:r>
-              <a:rPr lang="en-US" sz="1200" spc="-1" strike="noStrike">
-                <a:solidFill>
-                  <a:srgbClr val="000000"/>
-                </a:solidFill>
-                <a:uFill>
-                  <a:solidFill>
-                    <a:srgbClr val="ffffff"/>
+              <a:rPr lang="en-US" sz="1200" strike="noStrike" spc="-1">
+                <a:solidFill>
+                  <a:srgbClr val="000000"/>
+                </a:solidFill>
+                <a:uFill>
+                  <a:solidFill>
+                    <a:srgbClr val="FFFFFF"/>
                   </a:solidFill>
                 </a:uFill>
                 <a:latin typeface="Arial"/>
@@ -6738,9 +8833,15 @@
           </a:ln>
         </p:spPr>
         <p:style>
-          <a:lnRef idx="0"/>
-          <a:fillRef idx="0"/>
-          <a:effectRef idx="0"/>
+          <a:lnRef idx="0">
+            <a:scrgbClr r="0" g="0" b="0"/>
+          </a:lnRef>
+          <a:fillRef idx="0">
+            <a:scrgbClr r="0" g="0" b="0"/>
+          </a:fillRef>
+          <a:effectRef idx="0">
+            <a:scrgbClr r="0" g="0" b="0"/>
+          </a:effectRef>
           <a:fontRef idx="minor"/>
         </p:style>
       </p:sp>
@@ -6761,13 +8862,20 @@
           </a:ln>
         </p:spPr>
         <p:style>
-          <a:lnRef idx="0"/>
-          <a:fillRef idx="0"/>
-          <a:effectRef idx="0"/>
+          <a:lnRef idx="0">
+            <a:scrgbClr r="0" g="0" b="0"/>
+          </a:lnRef>
+          <a:fillRef idx="0">
+            <a:scrgbClr r="0" g="0" b="0"/>
+          </a:fillRef>
+          <a:effectRef idx="0">
+            <a:scrgbClr r="0" g="0" b="0"/>
+          </a:effectRef>
           <a:fontRef idx="minor"/>
         </p:style>
         <p:txBody>
-          <a:bodyPr lIns="0" rIns="0" tIns="0" bIns="0"/>
+          <a:bodyPr lIns="0" tIns="0" rIns="0" bIns="0"/>
+          <a:lstStyle/>
           <a:p>
             <a:pPr>
               <a:lnSpc>
@@ -6775,13 +8883,13 @@
               </a:lnSpc>
             </a:pPr>
             <a:r>
-              <a:rPr b="1" lang="en-US" sz="2000" spc="-1" strike="noStrike">
-                <a:solidFill>
-                  <a:srgbClr val="000000"/>
-                </a:solidFill>
-                <a:uFill>
-                  <a:solidFill>
-                    <a:srgbClr val="ffffff"/>
+              <a:rPr lang="en-US" sz="2000" b="1" strike="noStrike" spc="-1">
+                <a:solidFill>
+                  <a:srgbClr val="000000"/>
+                </a:solidFill>
+                <a:uFill>
+                  <a:solidFill>
+                    <a:srgbClr val="FFFFFF"/>
                   </a:solidFill>
                 </a:uFill>
                 <a:latin typeface="Arial"/>
@@ -6809,13 +8917,20 @@
           </a:ln>
         </p:spPr>
         <p:style>
-          <a:lnRef idx="0"/>
-          <a:fillRef idx="0"/>
-          <a:effectRef idx="0"/>
+          <a:lnRef idx="0">
+            <a:scrgbClr r="0" g="0" b="0"/>
+          </a:lnRef>
+          <a:fillRef idx="0">
+            <a:scrgbClr r="0" g="0" b="0"/>
+          </a:fillRef>
+          <a:effectRef idx="0">
+            <a:scrgbClr r="0" g="0" b="0"/>
+          </a:effectRef>
           <a:fontRef idx="minor"/>
         </p:style>
         <p:txBody>
-          <a:bodyPr lIns="0" rIns="0" tIns="0" bIns="0"/>
+          <a:bodyPr lIns="0" tIns="0" rIns="0" bIns="0"/>
+          <a:lstStyle/>
           <a:p>
             <a:pPr>
               <a:lnSpc>
@@ -6823,13 +8938,13 @@
               </a:lnSpc>
             </a:pPr>
             <a:r>
-              <a:rPr lang="en-US" sz="2800" spc="-1" strike="noStrike">
-                <a:solidFill>
-                  <a:srgbClr val="000000"/>
-                </a:solidFill>
-                <a:uFill>
-                  <a:solidFill>
-                    <a:srgbClr val="ffffff"/>
+              <a:rPr lang="en-US" sz="2800" strike="noStrike" spc="-1">
+                <a:solidFill>
+                  <a:srgbClr val="000000"/>
+                </a:solidFill>
+                <a:uFill>
+                  <a:solidFill>
+                    <a:srgbClr val="FFFFFF"/>
                   </a:solidFill>
                 </a:uFill>
                 <a:latin typeface="Arial"/>
@@ -6837,13 +8952,13 @@
               <a:t>R</a:t>
             </a:r>
             <a:r>
-              <a:rPr lang="en-US" sz="2800" spc="-1" strike="noStrike" baseline="-25000">
-                <a:solidFill>
-                  <a:srgbClr val="000000"/>
-                </a:solidFill>
-                <a:uFill>
-                  <a:solidFill>
-                    <a:srgbClr val="ffffff"/>
+              <a:rPr lang="en-US" sz="2800" strike="noStrike" spc="-1" baseline="-25000">
+                <a:solidFill>
+                  <a:srgbClr val="000000"/>
+                </a:solidFill>
+                <a:uFill>
+                  <a:solidFill>
+                    <a:srgbClr val="FFFFFF"/>
                   </a:solidFill>
                 </a:uFill>
                 <a:latin typeface="Arial"/>
@@ -6851,13 +8966,13 @@
               <a:t>0</a:t>
             </a:r>
             <a:r>
-              <a:rPr lang="en-US" sz="2800" spc="-1" strike="noStrike">
-                <a:solidFill>
-                  <a:srgbClr val="000000"/>
-                </a:solidFill>
-                <a:uFill>
-                  <a:solidFill>
-                    <a:srgbClr val="ffffff"/>
+              <a:rPr lang="en-US" sz="2800" strike="noStrike" spc="-1">
+                <a:solidFill>
+                  <a:srgbClr val="000000"/>
+                </a:solidFill>
+                <a:uFill>
+                  <a:solidFill>
+                    <a:srgbClr val="FFFFFF"/>
                   </a:solidFill>
                 </a:uFill>
                 <a:latin typeface="Arial"/>
@@ -6865,13 +8980,13 @@
               <a:t> = I x T</a:t>
             </a:r>
             <a:r>
-              <a:rPr lang="en-US" sz="2800" spc="-1" strike="noStrike" baseline="-25000">
-                <a:solidFill>
-                  <a:srgbClr val="000000"/>
-                </a:solidFill>
-                <a:uFill>
-                  <a:solidFill>
-                    <a:srgbClr val="ffffff"/>
+              <a:rPr lang="en-US" sz="2800" strike="noStrike" spc="-1" baseline="-25000">
+                <a:solidFill>
+                  <a:srgbClr val="000000"/>
+                </a:solidFill>
+                <a:uFill>
+                  <a:solidFill>
+                    <a:srgbClr val="FFFFFF"/>
                   </a:solidFill>
                 </a:uFill>
                 <a:latin typeface="Arial"/>
@@ -6879,13 +8994,13 @@
               <a:t>Axis0 </a:t>
             </a:r>
             <a:r>
-              <a:rPr lang="en-US" sz="2800" spc="-1" strike="noStrike">
-                <a:solidFill>
-                  <a:srgbClr val="000000"/>
-                </a:solidFill>
-                <a:uFill>
-                  <a:solidFill>
-                    <a:srgbClr val="ffffff"/>
+              <a:rPr lang="en-US" sz="2800" strike="noStrike" spc="-1">
+                <a:solidFill>
+                  <a:srgbClr val="000000"/>
+                </a:solidFill>
+                <a:uFill>
+                  <a:solidFill>
+                    <a:srgbClr val="FFFFFF"/>
                   </a:solidFill>
                 </a:uFill>
                 <a:latin typeface="Arial"/>
@@ -6893,13 +9008,13 @@
               <a:t>x Rot</a:t>
             </a:r>
             <a:r>
-              <a:rPr lang="en-US" sz="2800" spc="-1" strike="noStrike" baseline="-25000">
-                <a:solidFill>
-                  <a:srgbClr val="000000"/>
-                </a:solidFill>
-                <a:uFill>
-                  <a:solidFill>
-                    <a:srgbClr val="ffffff"/>
+              <a:rPr lang="en-US" sz="2800" strike="noStrike" spc="-1" baseline="-25000">
+                <a:solidFill>
+                  <a:srgbClr val="000000"/>
+                </a:solidFill>
+                <a:uFill>
+                  <a:solidFill>
+                    <a:srgbClr val="FFFFFF"/>
                   </a:solidFill>
                 </a:uFill>
                 <a:latin typeface="Arial"/>
@@ -6907,13 +9022,13 @@
               <a:t>Z</a:t>
             </a:r>
             <a:r>
-              <a:rPr lang="en-US" sz="2800" spc="-1" strike="noStrike">
-                <a:solidFill>
-                  <a:srgbClr val="000000"/>
-                </a:solidFill>
-                <a:uFill>
-                  <a:solidFill>
-                    <a:srgbClr val="ffffff"/>
+              <a:rPr lang="en-US" sz="2800" strike="noStrike" spc="-1">
+                <a:solidFill>
+                  <a:srgbClr val="000000"/>
+                </a:solidFill>
+                <a:uFill>
+                  <a:solidFill>
+                    <a:srgbClr val="FFFFFF"/>
                   </a:solidFill>
                 </a:uFill>
                 <a:latin typeface="Arial"/>
@@ -6921,13 +9036,13 @@
               <a:t>(A</a:t>
             </a:r>
             <a:r>
-              <a:rPr lang="en-US" sz="2800" spc="-1" strike="noStrike" baseline="-25000">
-                <a:solidFill>
-                  <a:srgbClr val="000000"/>
-                </a:solidFill>
-                <a:uFill>
-                  <a:solidFill>
-                    <a:srgbClr val="ffffff"/>
+              <a:rPr lang="en-US" sz="2800" strike="noStrike" spc="-1" baseline="-25000">
+                <a:solidFill>
+                  <a:srgbClr val="000000"/>
+                </a:solidFill>
+                <a:uFill>
+                  <a:solidFill>
+                    <a:srgbClr val="FFFFFF"/>
                   </a:solidFill>
                 </a:uFill>
                 <a:latin typeface="Arial"/>
@@ -6935,13 +9050,13 @@
               <a:t>0</a:t>
             </a:r>
             <a:r>
-              <a:rPr lang="en-US" sz="2800" spc="-1" strike="noStrike">
-                <a:solidFill>
-                  <a:srgbClr val="000000"/>
-                </a:solidFill>
-                <a:uFill>
-                  <a:solidFill>
-                    <a:srgbClr val="ffffff"/>
+              <a:rPr lang="en-US" sz="2800" strike="noStrike" spc="-1">
+                <a:solidFill>
+                  <a:srgbClr val="000000"/>
+                </a:solidFill>
+                <a:uFill>
+                  <a:solidFill>
+                    <a:srgbClr val="FFFFFF"/>
                   </a:solidFill>
                 </a:uFill>
                 <a:latin typeface="Arial"/>
@@ -6949,13 +9064,13 @@
               <a:t>) x (-T</a:t>
             </a:r>
             <a:r>
-              <a:rPr lang="en-US" sz="2800" spc="-1" strike="noStrike" baseline="-25000">
-                <a:solidFill>
-                  <a:srgbClr val="000000"/>
-                </a:solidFill>
-                <a:uFill>
-                  <a:solidFill>
-                    <a:srgbClr val="ffffff"/>
+              <a:rPr lang="en-US" sz="2800" strike="noStrike" spc="-1" baseline="-25000">
+                <a:solidFill>
+                  <a:srgbClr val="000000"/>
+                </a:solidFill>
+                <a:uFill>
+                  <a:solidFill>
+                    <a:srgbClr val="FFFFFF"/>
                   </a:solidFill>
                 </a:uFill>
                 <a:latin typeface="Arial"/>
@@ -6963,13 +9078,13 @@
               <a:t>Axis0</a:t>
             </a:r>
             <a:r>
-              <a:rPr lang="en-US" sz="2800" spc="-1" strike="noStrike">
-                <a:solidFill>
-                  <a:srgbClr val="000000"/>
-                </a:solidFill>
-                <a:uFill>
-                  <a:solidFill>
-                    <a:srgbClr val="ffffff"/>
+              <a:rPr lang="en-US" sz="2800" strike="noStrike" spc="-1">
+                <a:solidFill>
+                  <a:srgbClr val="000000"/>
+                </a:solidFill>
+                <a:uFill>
+                  <a:solidFill>
+                    <a:srgbClr val="FFFFFF"/>
                   </a:solidFill>
                 </a:uFill>
                 <a:latin typeface="Arial"/>
@@ -6993,13 +9108,13 @@
               </a:lnSpc>
             </a:pPr>
             <a:r>
-              <a:rPr lang="en-US" sz="2800" spc="-1" strike="noStrike">
-                <a:solidFill>
-                  <a:srgbClr val="000000"/>
-                </a:solidFill>
-                <a:uFill>
-                  <a:solidFill>
-                    <a:srgbClr val="ffffff"/>
+              <a:rPr lang="en-US" sz="2800" strike="noStrike" spc="-1">
+                <a:solidFill>
+                  <a:srgbClr val="000000"/>
+                </a:solidFill>
+                <a:uFill>
+                  <a:solidFill>
+                    <a:srgbClr val="FFFFFF"/>
                   </a:solidFill>
                 </a:uFill>
                 <a:latin typeface="Arial"/>
@@ -7007,13 +9122,13 @@
               <a:t>T</a:t>
             </a:r>
             <a:r>
-              <a:rPr lang="en-US" sz="2800" spc="-1" strike="noStrike" baseline="-25000">
-                <a:solidFill>
-                  <a:srgbClr val="000000"/>
-                </a:solidFill>
-                <a:uFill>
-                  <a:solidFill>
-                    <a:srgbClr val="ffffff"/>
+              <a:rPr lang="en-US" sz="2800" strike="noStrike" spc="-1" baseline="-25000">
+                <a:solidFill>
+                  <a:srgbClr val="000000"/>
+                </a:solidFill>
+                <a:uFill>
+                  <a:solidFill>
+                    <a:srgbClr val="FFFFFF"/>
                   </a:solidFill>
                 </a:uFill>
                 <a:latin typeface="Arial"/>
@@ -7021,13 +9136,13 @@
               <a:t>0</a:t>
             </a:r>
             <a:r>
-              <a:rPr lang="en-US" sz="2800" spc="-1" strike="noStrike">
-                <a:solidFill>
-                  <a:srgbClr val="000000"/>
-                </a:solidFill>
-                <a:uFill>
-                  <a:solidFill>
-                    <a:srgbClr val="ffffff"/>
+              <a:rPr lang="en-US" sz="2800" strike="noStrike" spc="-1">
+                <a:solidFill>
+                  <a:srgbClr val="000000"/>
+                </a:solidFill>
+                <a:uFill>
+                  <a:solidFill>
+                    <a:srgbClr val="FFFFFF"/>
                   </a:solidFill>
                 </a:uFill>
                 <a:latin typeface="Arial"/>
@@ -7035,13 +9150,13 @@
               <a:t> = I x R</a:t>
             </a:r>
             <a:r>
-              <a:rPr lang="en-US" sz="2800" spc="-1" strike="noStrike" baseline="-25000">
-                <a:solidFill>
-                  <a:srgbClr val="000000"/>
-                </a:solidFill>
-                <a:uFill>
-                  <a:solidFill>
-                    <a:srgbClr val="ffffff"/>
+              <a:rPr lang="en-US" sz="2800" strike="noStrike" spc="-1" baseline="-25000">
+                <a:solidFill>
+                  <a:srgbClr val="000000"/>
+                </a:solidFill>
+                <a:uFill>
+                  <a:solidFill>
+                    <a:srgbClr val="FFFFFF"/>
                   </a:solidFill>
                 </a:uFill>
                 <a:latin typeface="Arial"/>
@@ -7057,13 +9172,13 @@
               </a:lnSpc>
             </a:pPr>
             <a:r>
-              <a:rPr lang="en-US" sz="2800" spc="-1" strike="noStrike">
-                <a:solidFill>
-                  <a:srgbClr val="000000"/>
-                </a:solidFill>
-                <a:uFill>
-                  <a:solidFill>
-                    <a:srgbClr val="ffffff"/>
+              <a:rPr lang="en-US" sz="2800" strike="noStrike" spc="-1">
+                <a:solidFill>
+                  <a:srgbClr val="000000"/>
+                </a:solidFill>
+                <a:uFill>
+                  <a:solidFill>
+                    <a:srgbClr val="FFFFFF"/>
                   </a:solidFill>
                 </a:uFill>
                 <a:latin typeface="Arial"/>
@@ -7071,13 +9186,13 @@
               <a:t>T</a:t>
             </a:r>
             <a:r>
-              <a:rPr lang="en-US" sz="2800" spc="-1" strike="noStrike" baseline="-25000">
-                <a:solidFill>
-                  <a:srgbClr val="000000"/>
-                </a:solidFill>
-                <a:uFill>
-                  <a:solidFill>
-                    <a:srgbClr val="ffffff"/>
+              <a:rPr lang="en-US" sz="2800" strike="noStrike" spc="-1" baseline="-25000">
+                <a:solidFill>
+                  <a:srgbClr val="000000"/>
+                </a:solidFill>
+                <a:uFill>
+                  <a:solidFill>
+                    <a:srgbClr val="FFFFFF"/>
                   </a:solidFill>
                 </a:uFill>
                 <a:latin typeface="Arial"/>
@@ -7085,13 +9200,13 @@
               <a:t>1</a:t>
             </a:r>
             <a:r>
-              <a:rPr lang="en-US" sz="2800" spc="-1" strike="noStrike">
-                <a:solidFill>
-                  <a:srgbClr val="000000"/>
-                </a:solidFill>
-                <a:uFill>
-                  <a:solidFill>
-                    <a:srgbClr val="ffffff"/>
+              <a:rPr lang="en-US" sz="2800" strike="noStrike" spc="-1">
+                <a:solidFill>
+                  <a:srgbClr val="000000"/>
+                </a:solidFill>
+                <a:uFill>
+                  <a:solidFill>
+                    <a:srgbClr val="FFFFFF"/>
                   </a:solidFill>
                 </a:uFill>
                 <a:latin typeface="Arial"/>
@@ -7099,13 +9214,13 @@
               <a:t> = T</a:t>
             </a:r>
             <a:r>
-              <a:rPr lang="en-US" sz="2800" spc="-1" strike="noStrike" baseline="-25000">
-                <a:solidFill>
-                  <a:srgbClr val="000000"/>
-                </a:solidFill>
-                <a:uFill>
-                  <a:solidFill>
-                    <a:srgbClr val="ffffff"/>
+              <a:rPr lang="en-US" sz="2800" strike="noStrike" spc="-1" baseline="-25000">
+                <a:solidFill>
+                  <a:srgbClr val="000000"/>
+                </a:solidFill>
+                <a:uFill>
+                  <a:solidFill>
+                    <a:srgbClr val="FFFFFF"/>
                   </a:solidFill>
                 </a:uFill>
                 <a:latin typeface="Arial"/>
@@ -7113,13 +9228,13 @@
               <a:t>0</a:t>
             </a:r>
             <a:r>
-              <a:rPr lang="en-US" sz="2800" spc="-1" strike="noStrike">
-                <a:solidFill>
-                  <a:srgbClr val="000000"/>
-                </a:solidFill>
-                <a:uFill>
-                  <a:solidFill>
-                    <a:srgbClr val="ffffff"/>
+              <a:rPr lang="en-US" sz="2800" strike="noStrike" spc="-1">
+                <a:solidFill>
+                  <a:srgbClr val="000000"/>
+                </a:solidFill>
+                <a:uFill>
+                  <a:solidFill>
+                    <a:srgbClr val="FFFFFF"/>
                   </a:solidFill>
                 </a:uFill>
                 <a:latin typeface="Arial"/>
@@ -7127,13 +9242,13 @@
               <a:t> x R</a:t>
             </a:r>
             <a:r>
-              <a:rPr lang="en-US" sz="2800" spc="-1" strike="noStrike" baseline="-25000">
-                <a:solidFill>
-                  <a:srgbClr val="000000"/>
-                </a:solidFill>
-                <a:uFill>
-                  <a:solidFill>
-                    <a:srgbClr val="ffffff"/>
+              <a:rPr lang="en-US" sz="2800" strike="noStrike" spc="-1" baseline="-25000">
+                <a:solidFill>
+                  <a:srgbClr val="000000"/>
+                </a:solidFill>
+                <a:uFill>
+                  <a:solidFill>
+                    <a:srgbClr val="FFFFFF"/>
                   </a:solidFill>
                 </a:uFill>
                 <a:latin typeface="Arial"/>
@@ -7149,13 +9264,13 @@
               </a:lnSpc>
             </a:pPr>
             <a:r>
-              <a:rPr lang="en-US" sz="2800" spc="-1" strike="noStrike">
-                <a:solidFill>
-                  <a:srgbClr val="000000"/>
-                </a:solidFill>
-                <a:uFill>
-                  <a:solidFill>
-                    <a:srgbClr val="ffffff"/>
+              <a:rPr lang="en-US" sz="2800" strike="noStrike" spc="-1">
+                <a:solidFill>
+                  <a:srgbClr val="000000"/>
+                </a:solidFill>
+                <a:uFill>
+                  <a:solidFill>
+                    <a:srgbClr val="FFFFFF"/>
                   </a:solidFill>
                 </a:uFill>
                 <a:latin typeface="Arial"/>
@@ -7163,13 +9278,13 @@
               <a:t>T</a:t>
             </a:r>
             <a:r>
-              <a:rPr lang="en-US" sz="2800" spc="-1" strike="noStrike" baseline="-25000">
-                <a:solidFill>
-                  <a:srgbClr val="000000"/>
-                </a:solidFill>
-                <a:uFill>
-                  <a:solidFill>
-                    <a:srgbClr val="ffffff"/>
+              <a:rPr lang="en-US" sz="2800" strike="noStrike" spc="-1" baseline="-25000">
+                <a:solidFill>
+                  <a:srgbClr val="000000"/>
+                </a:solidFill>
+                <a:uFill>
+                  <a:solidFill>
+                    <a:srgbClr val="FFFFFF"/>
                   </a:solidFill>
                 </a:uFill>
                 <a:latin typeface="Arial"/>
@@ -7177,13 +9292,13 @@
               <a:t>2</a:t>
             </a:r>
             <a:r>
-              <a:rPr lang="en-US" sz="2800" spc="-1" strike="noStrike">
-                <a:solidFill>
-                  <a:srgbClr val="000000"/>
-                </a:solidFill>
-                <a:uFill>
-                  <a:solidFill>
-                    <a:srgbClr val="ffffff"/>
+              <a:rPr lang="en-US" sz="2800" strike="noStrike" spc="-1">
+                <a:solidFill>
+                  <a:srgbClr val="000000"/>
+                </a:solidFill>
+                <a:uFill>
+                  <a:solidFill>
+                    <a:srgbClr val="FFFFFF"/>
                   </a:solidFill>
                 </a:uFill>
                 <a:latin typeface="Arial"/>
@@ -7191,13 +9306,13 @@
               <a:t> = T</a:t>
             </a:r>
             <a:r>
-              <a:rPr lang="en-US" sz="2800" spc="-1" strike="noStrike" baseline="-25000">
-                <a:solidFill>
-                  <a:srgbClr val="000000"/>
-                </a:solidFill>
-                <a:uFill>
-                  <a:solidFill>
-                    <a:srgbClr val="ffffff"/>
+              <a:rPr lang="en-US" sz="2800" strike="noStrike" spc="-1" baseline="-25000">
+                <a:solidFill>
+                  <a:srgbClr val="000000"/>
+                </a:solidFill>
+                <a:uFill>
+                  <a:solidFill>
+                    <a:srgbClr val="FFFFFF"/>
                   </a:solidFill>
                 </a:uFill>
                 <a:latin typeface="Arial"/>
@@ -7205,13 +9320,13 @@
               <a:t>1</a:t>
             </a:r>
             <a:r>
-              <a:rPr lang="en-US" sz="2800" spc="-1" strike="noStrike">
-                <a:solidFill>
-                  <a:srgbClr val="000000"/>
-                </a:solidFill>
-                <a:uFill>
-                  <a:solidFill>
-                    <a:srgbClr val="ffffff"/>
+              <a:rPr lang="en-US" sz="2800" strike="noStrike" spc="-1">
+                <a:solidFill>
+                  <a:srgbClr val="000000"/>
+                </a:solidFill>
+                <a:uFill>
+                  <a:solidFill>
+                    <a:srgbClr val="FFFFFF"/>
                   </a:solidFill>
                 </a:uFill>
                 <a:latin typeface="Arial"/>
@@ -7219,13 +9334,13 @@
               <a:t> x R</a:t>
             </a:r>
             <a:r>
-              <a:rPr lang="en-US" sz="2800" spc="-1" strike="noStrike" baseline="-25000">
-                <a:solidFill>
-                  <a:srgbClr val="000000"/>
-                </a:solidFill>
-                <a:uFill>
-                  <a:solidFill>
-                    <a:srgbClr val="ffffff"/>
+              <a:rPr lang="en-US" sz="2800" strike="noStrike" spc="-1" baseline="-25000">
+                <a:solidFill>
+                  <a:srgbClr val="000000"/>
+                </a:solidFill>
+                <a:uFill>
+                  <a:solidFill>
+                    <a:srgbClr val="FFFFFF"/>
                   </a:solidFill>
                 </a:uFill>
                 <a:latin typeface="Arial"/>
@@ -7241,13 +9356,13 @@
               </a:lnSpc>
             </a:pPr>
             <a:r>
-              <a:rPr lang="en-US" sz="2800" spc="-1" strike="noStrike" baseline="-25000">
-                <a:solidFill>
-                  <a:srgbClr val="000000"/>
-                </a:solidFill>
-                <a:uFill>
-                  <a:solidFill>
-                    <a:srgbClr val="ffffff"/>
+              <a:rPr lang="en-US" sz="2800" strike="noStrike" spc="-1" baseline="-25000">
+                <a:solidFill>
+                  <a:srgbClr val="000000"/>
+                </a:solidFill>
+                <a:uFill>
+                  <a:solidFill>
+                    <a:srgbClr val="FFFFFF"/>
                   </a:solidFill>
                 </a:uFill>
                 <a:latin typeface="Arial"/>
@@ -7268,22 +9383,25 @@
       </p:sp>
     </p:spTree>
   </p:cSld>
+  <p:clrMapOvr>
+    <a:masterClrMapping/>
+  </p:clrMapOvr>
   <p:timing>
     <p:tnLst>
       <p:par>
-        <p:cTn id="13" dur="indefinite" restart="never" nodeType="tmRoot">
+        <p:cTn id="1" dur="indefinite" restart="never" nodeType="tmRoot">
           <p:childTnLst>
             <p:seq>
-              <p:cTn id="14" nodeType="mainSeq"/>
+              <p:cTn id="2" nodeType="mainSeq"/>
               <p:prevCondLst>
-                <p:cond delay="0" evt="onPrev">
+                <p:cond evt="onPrev" delay="0">
                   <p:tgtEl>
                     <p:sldTgt/>
                   </p:tgtEl>
                 </p:cond>
               </p:prevCondLst>
               <p:nextCondLst>
-                <p:cond delay="0" evt="onNext">
+                <p:cond evt="onNext" delay="0">
                   <p:tgtEl>
                     <p:sldTgt/>
                   </p:tgtEl>
@@ -7299,7 +9417,7 @@
 </file>
 
 <file path=ppt/slides/slide8.xml><?xml version="1.0" encoding="utf-8"?>
-<p:sld xmlns:a="http://schemas.openxmlformats.org/drawingml/2006/main" xmlns:p="http://schemas.openxmlformats.org/presentationml/2006/main" xmlns:r="http://schemas.openxmlformats.org/officeDocument/2006/relationships">
+<p:sld xmlns:a="http://schemas.openxmlformats.org/drawingml/2006/main" xmlns:r="http://schemas.openxmlformats.org/officeDocument/2006/relationships" xmlns:p="http://schemas.openxmlformats.org/presentationml/2006/main">
   <p:cSld>
     <p:spTree>
       <p:nvGrpSpPr>
@@ -7317,7 +9435,7 @@
       </p:grpSpPr>
       <p:sp>
         <p:nvSpPr>
-          <p:cNvPr id="118" name="CustomShape 1"/>
+          <p:cNvPr id="123" name="CustomShape 1"/>
           <p:cNvSpPr/>
           <p:nvPr/>
         </p:nvSpPr>
@@ -7332,13 +9450,20 @@
           </a:ln>
         </p:spPr>
         <p:style>
-          <a:lnRef idx="0"/>
-          <a:fillRef idx="0"/>
-          <a:effectRef idx="0"/>
+          <a:lnRef idx="0">
+            <a:scrgbClr r="0" g="0" b="0"/>
+          </a:lnRef>
+          <a:fillRef idx="0">
+            <a:scrgbClr r="0" g="0" b="0"/>
+          </a:fillRef>
+          <a:effectRef idx="0">
+            <a:scrgbClr r="0" g="0" b="0"/>
+          </a:effectRef>
           <a:fontRef idx="minor"/>
         </p:style>
         <p:txBody>
-          <a:bodyPr lIns="0" rIns="0" tIns="0" bIns="0" anchor="b"/>
+          <a:bodyPr lIns="0" tIns="0" rIns="0" bIns="0" anchor="b"/>
+          <a:lstStyle/>
           <a:p>
             <a:pPr>
               <a:lnSpc>
@@ -7346,13 +9471,13 @@
               </a:lnSpc>
             </a:pPr>
             <a:r>
-              <a:rPr lang="en-US" sz="1200" spc="-1" strike="noStrike">
-                <a:solidFill>
-                  <a:srgbClr val="000000"/>
-                </a:solidFill>
-                <a:uFill>
-                  <a:solidFill>
-                    <a:srgbClr val="ffffff"/>
+              <a:rPr lang="en-US" sz="1200" strike="noStrike" spc="-1">
+                <a:solidFill>
+                  <a:srgbClr val="000000"/>
+                </a:solidFill>
+                <a:uFill>
+                  <a:solidFill>
+                    <a:srgbClr val="FFFFFF"/>
                   </a:solidFill>
                 </a:uFill>
                 <a:latin typeface="Arial"/>
@@ -7365,7 +9490,7 @@
       </p:sp>
       <p:sp>
         <p:nvSpPr>
-          <p:cNvPr id="119" name="CustomShape 2"/>
+          <p:cNvPr id="124" name="CustomShape 2"/>
           <p:cNvSpPr/>
           <p:nvPr/>
         </p:nvSpPr>
@@ -7380,13 +9505,20 @@
           </a:ln>
         </p:spPr>
         <p:style>
-          <a:lnRef idx="0"/>
-          <a:fillRef idx="0"/>
-          <a:effectRef idx="0"/>
+          <a:lnRef idx="0">
+            <a:scrgbClr r="0" g="0" b="0"/>
+          </a:lnRef>
+          <a:fillRef idx="0">
+            <a:scrgbClr r="0" g="0" b="0"/>
+          </a:fillRef>
+          <a:effectRef idx="0">
+            <a:scrgbClr r="0" g="0" b="0"/>
+          </a:effectRef>
           <a:fontRef idx="minor"/>
         </p:style>
         <p:txBody>
-          <a:bodyPr lIns="0" rIns="0" tIns="0" bIns="0" anchor="b"/>
+          <a:bodyPr lIns="0" tIns="0" rIns="0" bIns="0" anchor="b"/>
+          <a:lstStyle/>
           <a:p>
             <a:pPr>
               <a:lnSpc>
@@ -7394,13 +9526,13 @@
               </a:lnSpc>
             </a:pPr>
             <a:r>
-              <a:rPr lang="en-US" sz="1200" spc="-1" strike="noStrike">
-                <a:solidFill>
-                  <a:srgbClr val="000000"/>
-                </a:solidFill>
-                <a:uFill>
-                  <a:solidFill>
-                    <a:srgbClr val="ffffff"/>
+              <a:rPr lang="en-US" sz="1200" strike="noStrike" spc="-1">
+                <a:solidFill>
+                  <a:srgbClr val="000000"/>
+                </a:solidFill>
+                <a:uFill>
+                  <a:solidFill>
+                    <a:srgbClr val="FFFFFF"/>
                   </a:solidFill>
                 </a:uFill>
                 <a:latin typeface="Arial"/>
@@ -7413,7 +9545,7 @@
       </p:sp>
       <p:sp>
         <p:nvSpPr>
-          <p:cNvPr id="120" name="CustomShape 3"/>
+          <p:cNvPr id="125" name="CustomShape 3"/>
           <p:cNvSpPr/>
           <p:nvPr/>
         </p:nvSpPr>
@@ -7428,15 +9560,21 @@
           </a:ln>
         </p:spPr>
         <p:style>
-          <a:lnRef idx="0"/>
-          <a:fillRef idx="0"/>
-          <a:effectRef idx="0"/>
+          <a:lnRef idx="0">
+            <a:scrgbClr r="0" g="0" b="0"/>
+          </a:lnRef>
+          <a:fillRef idx="0">
+            <a:scrgbClr r="0" g="0" b="0"/>
+          </a:fillRef>
+          <a:effectRef idx="0">
+            <a:scrgbClr r="0" g="0" b="0"/>
+          </a:effectRef>
           <a:fontRef idx="minor"/>
         </p:style>
       </p:sp>
       <p:sp>
         <p:nvSpPr>
-          <p:cNvPr id="121" name="CustomShape 4"/>
+          <p:cNvPr id="126" name="CustomShape 4"/>
           <p:cNvSpPr/>
           <p:nvPr/>
         </p:nvSpPr>
@@ -7451,13 +9589,20 @@
           </a:ln>
         </p:spPr>
         <p:style>
-          <a:lnRef idx="0"/>
-          <a:fillRef idx="0"/>
-          <a:effectRef idx="0"/>
+          <a:lnRef idx="0">
+            <a:scrgbClr r="0" g="0" b="0"/>
+          </a:lnRef>
+          <a:fillRef idx="0">
+            <a:scrgbClr r="0" g="0" b="0"/>
+          </a:fillRef>
+          <a:effectRef idx="0">
+            <a:scrgbClr r="0" g="0" b="0"/>
+          </a:effectRef>
           <a:fontRef idx="minor"/>
         </p:style>
         <p:txBody>
-          <a:bodyPr lIns="0" rIns="0" tIns="0" bIns="0"/>
+          <a:bodyPr lIns="0" tIns="0" rIns="0" bIns="0"/>
+          <a:lstStyle/>
           <a:p>
             <a:pPr>
               <a:lnSpc>
@@ -7465,13 +9610,13 @@
               </a:lnSpc>
             </a:pPr>
             <a:r>
-              <a:rPr b="1" lang="en-US" sz="2000" spc="-1" strike="noStrike">
-                <a:solidFill>
-                  <a:srgbClr val="000000"/>
-                </a:solidFill>
-                <a:uFill>
-                  <a:solidFill>
-                    <a:srgbClr val="ffffff"/>
+              <a:rPr lang="en-US" sz="2000" b="1" strike="noStrike" spc="-1">
+                <a:solidFill>
+                  <a:srgbClr val="000000"/>
+                </a:solidFill>
+                <a:uFill>
+                  <a:solidFill>
+                    <a:srgbClr val="FFFFFF"/>
                   </a:solidFill>
                 </a:uFill>
                 <a:latin typeface="Arial"/>
@@ -7484,7 +9629,7 @@
       </p:sp>
       <p:sp>
         <p:nvSpPr>
-          <p:cNvPr id="122" name="CustomShape 5"/>
+          <p:cNvPr id="127" name="CustomShape 5"/>
           <p:cNvSpPr/>
           <p:nvPr/>
         </p:nvSpPr>
@@ -7499,183 +9644,314 @@
           </a:ln>
         </p:spPr>
         <p:style>
-          <a:lnRef idx="0"/>
-          <a:fillRef idx="0"/>
-          <a:effectRef idx="0"/>
+          <a:lnRef idx="0">
+            <a:scrgbClr r="0" g="0" b="0"/>
+          </a:lnRef>
+          <a:fillRef idx="0">
+            <a:scrgbClr r="0" g="0" b="0"/>
+          </a:fillRef>
+          <a:effectRef idx="0">
+            <a:scrgbClr r="0" g="0" b="0"/>
+          </a:effectRef>
           <a:fontRef idx="minor"/>
         </p:style>
         <p:txBody>
-          <a:bodyPr lIns="0" rIns="0" tIns="0" bIns="0"/>
+          <a:bodyPr lIns="0" tIns="0" rIns="0" bIns="0"/>
+          <a:lstStyle/>
+          <a:p>
+            <a:pPr marL="565560" indent="-457200">
+              <a:lnSpc>
+                <a:spcPct val="100000"/>
+              </a:lnSpc>
+              <a:buClr>
+                <a:srgbClr val="FFFFFF"/>
+              </a:buClr>
+              <a:buSzPct val="45000"/>
+              <a:buFont typeface="Arial" charset="0"/>
+              <a:buChar char="•"/>
+            </a:pPr>
+            <a:r>
+              <a:rPr lang="en-US" sz="2800" strike="noStrike" spc="-1" dirty="0" err="1">
+                <a:uFill>
+                  <a:solidFill>
+                    <a:srgbClr val="FFFFFF"/>
+                  </a:solidFill>
+                </a:uFill>
+                <a:latin typeface="Arial"/>
+              </a:rPr>
+              <a:t>Gegeben</a:t>
+            </a:r>
+            <a:r>
+              <a:rPr lang="en-US" sz="2800" strike="noStrike" spc="-1" dirty="0">
+                <a:uFill>
+                  <a:solidFill>
+                    <a:srgbClr val="FFFFFF"/>
+                  </a:solidFill>
+                </a:uFill>
+                <a:latin typeface="Arial"/>
+              </a:rPr>
+              <a:t>: TCP → (X,Y,Z) und </a:t>
+            </a:r>
+            <a:r>
+              <a:rPr lang="en-US" sz="2800" strike="noStrike" spc="-1" dirty="0" err="1">
+                <a:uFill>
+                  <a:solidFill>
+                    <a:srgbClr val="FFFFFF"/>
+                  </a:solidFill>
+                </a:uFill>
+                <a:latin typeface="Arial"/>
+              </a:rPr>
+              <a:t>Orientierung</a:t>
+            </a:r>
+            <a:endParaRPr dirty="0"/>
+          </a:p>
+          <a:p>
+            <a:pPr marL="565560" indent="-457200">
+              <a:lnSpc>
+                <a:spcPct val="100000"/>
+              </a:lnSpc>
+              <a:buClr>
+                <a:srgbClr val="FFFFFF"/>
+              </a:buClr>
+              <a:buSzPct val="45000"/>
+              <a:buFont typeface="Arial" charset="0"/>
+              <a:buChar char="•"/>
+            </a:pPr>
+            <a:r>
+              <a:rPr lang="en-US" sz="2800" strike="noStrike" spc="-1" dirty="0">
+                <a:uFill>
+                  <a:solidFill>
+                    <a:srgbClr val="FFFFFF"/>
+                  </a:solidFill>
+                </a:uFill>
+                <a:latin typeface="Arial"/>
+              </a:rPr>
+              <a:t> </a:t>
+            </a:r>
+            <a:endParaRPr dirty="0"/>
+          </a:p>
+          <a:p>
+            <a:pPr marL="565560" indent="-457200">
+              <a:lnSpc>
+                <a:spcPct val="100000"/>
+              </a:lnSpc>
+              <a:buClr>
+                <a:srgbClr val="FFFFFF"/>
+              </a:buClr>
+              <a:buSzPct val="45000"/>
+              <a:buFont typeface="Arial" charset="0"/>
+              <a:buChar char="•"/>
+            </a:pPr>
+            <a:r>
+              <a:rPr lang="en-US" sz="2800" strike="noStrike" spc="-1" dirty="0" err="1">
+                <a:uFill>
+                  <a:solidFill>
+                    <a:srgbClr val="FFFFFF"/>
+                  </a:solidFill>
+                </a:uFill>
+                <a:latin typeface="Arial"/>
+              </a:rPr>
+              <a:t>Gesucht</a:t>
+            </a:r>
+            <a:r>
+              <a:rPr lang="en-US" sz="2800" strike="noStrike" spc="-1" dirty="0">
+                <a:uFill>
+                  <a:solidFill>
+                    <a:srgbClr val="FFFFFF"/>
+                  </a:solidFill>
+                </a:uFill>
+                <a:latin typeface="Arial"/>
+              </a:rPr>
+              <a:t>: </a:t>
+            </a:r>
+            <a:r>
+              <a:rPr lang="en-US" sz="2800" strike="noStrike" spc="-1" dirty="0" err="1">
+                <a:uFill>
+                  <a:solidFill>
+                    <a:srgbClr val="FFFFFF"/>
+                  </a:solidFill>
+                </a:uFill>
+                <a:latin typeface="Arial"/>
+              </a:rPr>
+              <a:t>Gelenkwinkel</a:t>
+            </a:r>
+            <a:r>
+              <a:rPr lang="en-US" sz="2800" strike="noStrike" spc="-1" dirty="0">
+                <a:uFill>
+                  <a:solidFill>
+                    <a:srgbClr val="FFFFFF"/>
+                  </a:solidFill>
+                </a:uFill>
+                <a:latin typeface="Arial"/>
+              </a:rPr>
+              <a:t> Theta</a:t>
+            </a:r>
+            <a:endParaRPr dirty="0"/>
+          </a:p>
+          <a:p>
+            <a:pPr marL="565560" indent="-457200">
+              <a:lnSpc>
+                <a:spcPct val="100000"/>
+              </a:lnSpc>
+              <a:buClr>
+                <a:srgbClr val="FFFFFF"/>
+              </a:buClr>
+              <a:buSzPct val="45000"/>
+              <a:buFont typeface="Arial" charset="0"/>
+              <a:buChar char="•"/>
+            </a:pPr>
+            <a:r>
+              <a:rPr lang="en-US" sz="2800" strike="noStrike" spc="-1" dirty="0">
+                <a:uFill>
+                  <a:solidFill>
+                    <a:srgbClr val="FFFFFF"/>
+                  </a:solidFill>
+                </a:uFill>
+                <a:latin typeface="Arial"/>
+              </a:rPr>
+              <a:t> </a:t>
+            </a:r>
+            <a:endParaRPr dirty="0"/>
+          </a:p>
+          <a:p>
+            <a:pPr marL="565560" indent="-457200">
+              <a:lnSpc>
+                <a:spcPct val="100000"/>
+              </a:lnSpc>
+              <a:buClr>
+                <a:srgbClr val="FFFFFF"/>
+              </a:buClr>
+              <a:buSzPct val="45000"/>
+              <a:buFont typeface="Arial" charset="0"/>
+              <a:buChar char="•"/>
+            </a:pPr>
+            <a:r>
+              <a:rPr lang="en-US" sz="2800" strike="noStrike" spc="-1" dirty="0" err="1">
+                <a:uFill>
+                  <a:solidFill>
+                    <a:srgbClr val="FFFFFF"/>
+                  </a:solidFill>
+                </a:uFill>
+                <a:latin typeface="Arial"/>
+              </a:rPr>
+              <a:t>Wichtig</a:t>
+            </a:r>
+            <a:r>
+              <a:rPr lang="en-US" sz="2800" strike="noStrike" spc="-1" dirty="0">
+                <a:uFill>
+                  <a:solidFill>
+                    <a:srgbClr val="FFFFFF"/>
+                  </a:solidFill>
+                </a:uFill>
+                <a:latin typeface="Arial"/>
+              </a:rPr>
+              <a:t> </a:t>
+            </a:r>
+            <a:r>
+              <a:rPr lang="en-US" sz="2800" strike="noStrike" spc="-1" dirty="0" err="1">
+                <a:uFill>
+                  <a:solidFill>
+                    <a:srgbClr val="FFFFFF"/>
+                  </a:solidFill>
+                </a:uFill>
+                <a:latin typeface="Arial"/>
+              </a:rPr>
+              <a:t>für</a:t>
+            </a:r>
+            <a:r>
+              <a:rPr lang="en-US" sz="2800" strike="noStrike" spc="-1" dirty="0">
+                <a:uFill>
+                  <a:solidFill>
+                    <a:srgbClr val="FFFFFF"/>
+                  </a:solidFill>
+                </a:uFill>
+                <a:latin typeface="Arial"/>
+              </a:rPr>
+              <a:t> </a:t>
+            </a:r>
+            <a:r>
+              <a:rPr lang="en-US" sz="2800" strike="noStrike" spc="-1" dirty="0" err="1">
+                <a:uFill>
+                  <a:solidFill>
+                    <a:srgbClr val="FFFFFF"/>
+                  </a:solidFill>
+                </a:uFill>
+                <a:latin typeface="Arial"/>
+              </a:rPr>
+              <a:t>automatisierte</a:t>
+            </a:r>
+            <a:r>
+              <a:rPr lang="en-US" sz="2800" strike="noStrike" spc="-1" dirty="0">
+                <a:uFill>
+                  <a:solidFill>
+                    <a:srgbClr val="FFFFFF"/>
+                  </a:solidFill>
+                </a:uFill>
+                <a:latin typeface="Arial"/>
+              </a:rPr>
+              <a:t> </a:t>
+            </a:r>
+            <a:r>
+              <a:rPr lang="en-US" sz="2800" strike="noStrike" spc="-1" dirty="0" err="1">
+                <a:uFill>
+                  <a:solidFill>
+                    <a:srgbClr val="FFFFFF"/>
+                  </a:solidFill>
+                </a:uFill>
+                <a:latin typeface="Arial"/>
+              </a:rPr>
+              <a:t>Bewegungen</a:t>
+            </a:r>
+            <a:endParaRPr dirty="0"/>
+          </a:p>
           <a:p>
             <a:pPr marL="432000" indent="-323640">
               <a:lnSpc>
                 <a:spcPct val="100000"/>
               </a:lnSpc>
               <a:buClr>
-                <a:srgbClr val="ffffff"/>
+                <a:srgbClr val="FFFFFF"/>
               </a:buClr>
               <a:buSzPct val="45000"/>
               <a:buFont typeface="StarSymbol"/>
               <a:buChar char="l"/>
             </a:pPr>
             <a:r>
-              <a:rPr lang="en-US" sz="2800" spc="-1" strike="noStrike">
-                <a:uFill>
-                  <a:solidFill>
-                    <a:srgbClr val="ffffff"/>
-                  </a:solidFill>
-                </a:uFill>
-                <a:latin typeface="Arial"/>
-              </a:rPr>
-              <a:t>Gegeben: TCP → (X,Y,Z) und Ausrichtung</a:t>
-            </a:r>
-            <a:endParaRPr/>
-          </a:p>
-          <a:p>
-            <a:pPr marL="432000" indent="-323640">
-              <a:lnSpc>
-                <a:spcPct val="100000"/>
-              </a:lnSpc>
-              <a:buClr>
-                <a:srgbClr val="ffffff"/>
-              </a:buClr>
-              <a:buSzPct val="45000"/>
-              <a:buFont typeface="StarSymbol"/>
-              <a:buChar char="l"/>
-            </a:pPr>
-            <a:r>
-              <a:rPr lang="en-US" sz="2800" spc="-1" strike="noStrike">
-                <a:uFill>
-                  <a:solidFill>
-                    <a:srgbClr val="ffffff"/>
+              <a:rPr lang="en-US" sz="2800" strike="noStrike" spc="-1" dirty="0">
+                <a:uFill>
+                  <a:solidFill>
+                    <a:srgbClr val="FFFFFF"/>
                   </a:solidFill>
                 </a:uFill>
                 <a:latin typeface="Arial"/>
               </a:rPr>
               <a:t> </a:t>
             </a:r>
-            <a:endParaRPr/>
-          </a:p>
-          <a:p>
-            <a:pPr marL="432000" indent="-323640">
-              <a:lnSpc>
-                <a:spcPct val="100000"/>
-              </a:lnSpc>
-              <a:buClr>
-                <a:srgbClr val="ffffff"/>
-              </a:buClr>
-              <a:buSzPct val="45000"/>
-              <a:buFont typeface="StarSymbol"/>
-              <a:buChar char="l"/>
-            </a:pPr>
-            <a:r>
-              <a:rPr lang="en-US" sz="2800" spc="-1" strike="noStrike">
-                <a:uFill>
-                  <a:solidFill>
-                    <a:srgbClr val="ffffff"/>
-                  </a:solidFill>
-                </a:uFill>
-                <a:latin typeface="Arial"/>
-              </a:rPr>
-              <a:t>Gesucht: Gelenkwinkel Theta</a:t>
-            </a:r>
-            <a:endParaRPr/>
-          </a:p>
-          <a:p>
-            <a:pPr marL="432000" indent="-323640">
-              <a:lnSpc>
-                <a:spcPct val="100000"/>
-              </a:lnSpc>
-              <a:buClr>
-                <a:srgbClr val="ffffff"/>
-              </a:buClr>
-              <a:buSzPct val="45000"/>
-              <a:buFont typeface="StarSymbol"/>
-              <a:buChar char="l"/>
-            </a:pPr>
-            <a:r>
-              <a:rPr lang="en-US" sz="2800" spc="-1" strike="noStrike">
-                <a:uFill>
-                  <a:solidFill>
-                    <a:srgbClr val="ffffff"/>
-                  </a:solidFill>
-                </a:uFill>
-                <a:latin typeface="Arial"/>
-              </a:rPr>
-              <a:t> </a:t>
-            </a:r>
-            <a:endParaRPr/>
-          </a:p>
-          <a:p>
-            <a:pPr marL="432000" indent="-323640">
-              <a:lnSpc>
-                <a:spcPct val="100000"/>
-              </a:lnSpc>
-              <a:buClr>
-                <a:srgbClr val="ffffff"/>
-              </a:buClr>
-              <a:buSzPct val="45000"/>
-              <a:buFont typeface="StarSymbol"/>
-              <a:buChar char="l"/>
-            </a:pPr>
-            <a:r>
-              <a:rPr lang="en-US" sz="2800" spc="-1" strike="noStrike">
-                <a:uFill>
-                  <a:solidFill>
-                    <a:srgbClr val="ffffff"/>
-                  </a:solidFill>
-                </a:uFill>
-                <a:latin typeface="Arial"/>
-              </a:rPr>
-              <a:t>Wichtig für automatisierte Bewegungen</a:t>
-            </a:r>
-            <a:endParaRPr/>
-          </a:p>
-          <a:p>
-            <a:pPr marL="432000" indent="-323640">
-              <a:lnSpc>
-                <a:spcPct val="100000"/>
-              </a:lnSpc>
-              <a:buClr>
-                <a:srgbClr val="ffffff"/>
-              </a:buClr>
-              <a:buSzPct val="45000"/>
-              <a:buFont typeface="StarSymbol"/>
-              <a:buChar char="l"/>
-            </a:pPr>
-            <a:r>
-              <a:rPr lang="en-US" sz="2800" spc="-1" strike="noStrike">
-                <a:uFill>
-                  <a:solidFill>
-                    <a:srgbClr val="ffffff"/>
-                  </a:solidFill>
-                </a:uFill>
-                <a:latin typeface="Arial"/>
-              </a:rPr>
-              <a:t> </a:t>
-            </a:r>
-            <a:endParaRPr/>
+            <a:endParaRPr dirty="0"/>
           </a:p>
         </p:txBody>
       </p:sp>
     </p:spTree>
   </p:cSld>
+  <p:clrMapOvr>
+    <a:masterClrMapping/>
+  </p:clrMapOvr>
   <p:timing>
     <p:tnLst>
       <p:par>
-        <p:cTn id="15" dur="indefinite" restart="never" nodeType="tmRoot">
+        <p:cTn id="1" dur="indefinite" restart="never" nodeType="tmRoot">
           <p:childTnLst>
             <p:seq>
-              <p:cTn id="16" nodeType="mainSeq"/>
+              <p:cTn id="2" nodeType="mainSeq"/>
               <p:prevCondLst>
-                <p:cond delay="0" evt="onPrev">
+                <p:cond evt="onPrev" delay="0">
                   <p:tgtEl>
                     <p:sldTgt/>
                   </p:tgtEl>
                 </p:cond>
               </p:prevCondLst>
               <p:nextCondLst>
-                <p:cond delay="0" evt="onNext">
+                <p:cond evt="onNext" delay="0">
                   <p:tgtEl>
                     <p:sldTgt/>
                   </p:tgtEl>
@@ -7691,7 +9967,7 @@
 </file>
 
 <file path=ppt/slides/slide9.xml><?xml version="1.0" encoding="utf-8"?>
-<p:sld xmlns:a="http://schemas.openxmlformats.org/drawingml/2006/main" xmlns:p="http://schemas.openxmlformats.org/presentationml/2006/main" xmlns:r="http://schemas.openxmlformats.org/officeDocument/2006/relationships">
+<p:sld xmlns:a="http://schemas.openxmlformats.org/drawingml/2006/main" xmlns:r="http://schemas.openxmlformats.org/officeDocument/2006/relationships" xmlns:p="http://schemas.openxmlformats.org/presentationml/2006/main">
   <p:cSld>
     <p:spTree>
       <p:nvGrpSpPr>
@@ -7709,7 +9985,7 @@
       </p:grpSpPr>
       <p:sp>
         <p:nvSpPr>
-          <p:cNvPr id="123" name="CustomShape 1"/>
+          <p:cNvPr id="128" name="CustomShape 1"/>
           <p:cNvSpPr/>
           <p:nvPr/>
         </p:nvSpPr>
@@ -7724,13 +10000,20 @@
           </a:ln>
         </p:spPr>
         <p:style>
-          <a:lnRef idx="0"/>
-          <a:fillRef idx="0"/>
-          <a:effectRef idx="0"/>
+          <a:lnRef idx="0">
+            <a:scrgbClr r="0" g="0" b="0"/>
+          </a:lnRef>
+          <a:fillRef idx="0">
+            <a:scrgbClr r="0" g="0" b="0"/>
+          </a:fillRef>
+          <a:effectRef idx="0">
+            <a:scrgbClr r="0" g="0" b="0"/>
+          </a:effectRef>
           <a:fontRef idx="minor"/>
         </p:style>
         <p:txBody>
-          <a:bodyPr lIns="0" rIns="0" tIns="0" bIns="0" anchor="b"/>
+          <a:bodyPr lIns="0" tIns="0" rIns="0" bIns="0" anchor="b"/>
+          <a:lstStyle/>
           <a:p>
             <a:pPr>
               <a:lnSpc>
@@ -7738,13 +10021,13 @@
               </a:lnSpc>
             </a:pPr>
             <a:r>
-              <a:rPr lang="en-US" sz="1200" spc="-1" strike="noStrike">
-                <a:solidFill>
-                  <a:srgbClr val="000000"/>
-                </a:solidFill>
-                <a:uFill>
-                  <a:solidFill>
-                    <a:srgbClr val="ffffff"/>
+              <a:rPr lang="en-US" sz="1200" strike="noStrike" spc="-1">
+                <a:solidFill>
+                  <a:srgbClr val="000000"/>
+                </a:solidFill>
+                <a:uFill>
+                  <a:solidFill>
+                    <a:srgbClr val="FFFFFF"/>
                   </a:solidFill>
                 </a:uFill>
                 <a:latin typeface="Arial"/>
@@ -7757,7 +10040,7 @@
       </p:sp>
       <p:sp>
         <p:nvSpPr>
-          <p:cNvPr id="124" name="CustomShape 2"/>
+          <p:cNvPr id="129" name="CustomShape 2"/>
           <p:cNvSpPr/>
           <p:nvPr/>
         </p:nvSpPr>
@@ -7772,13 +10055,20 @@
           </a:ln>
         </p:spPr>
         <p:style>
-          <a:lnRef idx="0"/>
-          <a:fillRef idx="0"/>
-          <a:effectRef idx="0"/>
+          <a:lnRef idx="0">
+            <a:scrgbClr r="0" g="0" b="0"/>
+          </a:lnRef>
+          <a:fillRef idx="0">
+            <a:scrgbClr r="0" g="0" b="0"/>
+          </a:fillRef>
+          <a:effectRef idx="0">
+            <a:scrgbClr r="0" g="0" b="0"/>
+          </a:effectRef>
           <a:fontRef idx="minor"/>
         </p:style>
         <p:txBody>
-          <a:bodyPr lIns="0" rIns="0" tIns="0" bIns="0" anchor="b"/>
+          <a:bodyPr lIns="0" tIns="0" rIns="0" bIns="0" anchor="b"/>
+          <a:lstStyle/>
           <a:p>
             <a:pPr>
               <a:lnSpc>
@@ -7786,13 +10076,13 @@
               </a:lnSpc>
             </a:pPr>
             <a:r>
-              <a:rPr lang="en-US" sz="1200" spc="-1" strike="noStrike">
-                <a:solidFill>
-                  <a:srgbClr val="000000"/>
-                </a:solidFill>
-                <a:uFill>
-                  <a:solidFill>
-                    <a:srgbClr val="ffffff"/>
+              <a:rPr lang="en-US" sz="1200" strike="noStrike" spc="-1">
+                <a:solidFill>
+                  <a:srgbClr val="000000"/>
+                </a:solidFill>
+                <a:uFill>
+                  <a:solidFill>
+                    <a:srgbClr val="FFFFFF"/>
                   </a:solidFill>
                 </a:uFill>
                 <a:latin typeface="Arial"/>
@@ -7805,7 +10095,7 @@
       </p:sp>
       <p:sp>
         <p:nvSpPr>
-          <p:cNvPr id="125" name="CustomShape 3"/>
+          <p:cNvPr id="130" name="CustomShape 3"/>
           <p:cNvSpPr/>
           <p:nvPr/>
         </p:nvSpPr>
@@ -7820,15 +10110,21 @@
           </a:ln>
         </p:spPr>
         <p:style>
-          <a:lnRef idx="0"/>
-          <a:fillRef idx="0"/>
-          <a:effectRef idx="0"/>
+          <a:lnRef idx="0">
+            <a:scrgbClr r="0" g="0" b="0"/>
+          </a:lnRef>
+          <a:fillRef idx="0">
+            <a:scrgbClr r="0" g="0" b="0"/>
+          </a:fillRef>
+          <a:effectRef idx="0">
+            <a:scrgbClr r="0" g="0" b="0"/>
+          </a:effectRef>
           <a:fontRef idx="minor"/>
         </p:style>
       </p:sp>
       <p:sp>
         <p:nvSpPr>
-          <p:cNvPr id="126" name="CustomShape 4"/>
+          <p:cNvPr id="131" name="CustomShape 4"/>
           <p:cNvSpPr/>
           <p:nvPr/>
         </p:nvSpPr>
@@ -7843,231 +10139,62 @@
           </a:ln>
         </p:spPr>
         <p:style>
-          <a:lnRef idx="0"/>
-          <a:fillRef idx="0"/>
-          <a:effectRef idx="0"/>
+          <a:lnRef idx="0">
+            <a:scrgbClr r="0" g="0" b="0"/>
+          </a:lnRef>
+          <a:fillRef idx="0">
+            <a:scrgbClr r="0" g="0" b="0"/>
+          </a:fillRef>
+          <a:effectRef idx="0">
+            <a:scrgbClr r="0" g="0" b="0"/>
+          </a:effectRef>
           <a:fontRef idx="minor"/>
         </p:style>
-        <p:txBody>
-          <a:bodyPr lIns="0" rIns="0" tIns="0" bIns="0"/>
-          <a:p>
-            <a:pPr>
-              <a:lnSpc>
-                <a:spcPct val="100000"/>
-              </a:lnSpc>
-            </a:pPr>
-            <a:r>
-              <a:rPr b="1" lang="en-US" sz="2000" spc="-1" strike="noStrike">
-                <a:solidFill>
-                  <a:srgbClr val="000000"/>
-                </a:solidFill>
-                <a:uFill>
-                  <a:solidFill>
-                    <a:srgbClr val="ffffff"/>
-                  </a:solidFill>
-                </a:uFill>
-                <a:latin typeface="Arial"/>
-              </a:rPr>
-              <a:t>Inverse Kinematik</a:t>
-            </a:r>
-            <a:endParaRPr/>
-          </a:p>
-        </p:txBody>
-      </p:sp>
-      <p:sp>
-        <p:nvSpPr>
-          <p:cNvPr id="127" name="CustomShape 5"/>
-          <p:cNvSpPr/>
+      </p:sp>
+      <p:pic>
+        <p:nvPicPr>
+          <p:cNvPr id="132" name="Picture 131"/>
+          <p:cNvPicPr/>
           <p:nvPr/>
-        </p:nvSpPr>
-        <p:spPr>
-          <a:xfrm>
-            <a:off x="738360" y="2197080"/>
-            <a:ext cx="9213120" cy="4463280"/>
-          </a:xfrm>
-          <a:noFill/>
+        </p:nvPicPr>
+        <p:blipFill>
+          <a:blip r:embed="rId2"/>
+          <a:stretch/>
+        </p:blipFill>
+        <p:spPr>
+          <a:xfrm rot="21592800">
+            <a:off x="646200" y="718200"/>
+            <a:ext cx="8958240" cy="6385320"/>
+          </a:xfrm>
+          <a:prstGeom prst="rect">
+            <a:avLst/>
+          </a:prstGeom>
           <a:ln>
             <a:noFill/>
           </a:ln>
         </p:spPr>
-        <p:style>
-          <a:lnRef idx="0"/>
-          <a:fillRef idx="0"/>
-          <a:effectRef idx="0"/>
-          <a:fontRef idx="minor"/>
-        </p:style>
-        <p:txBody>
-          <a:bodyPr lIns="0" rIns="0" tIns="0" bIns="0"/>
-          <a:p>
-            <a:pPr marL="432000" indent="-323640">
-              <a:lnSpc>
-                <a:spcPct val="100000"/>
-              </a:lnSpc>
-              <a:buClr>
-                <a:srgbClr val="ffffff"/>
-              </a:buClr>
-              <a:buSzPct val="45000"/>
-              <a:buFont typeface="StarSymbol"/>
-              <a:buChar char="l"/>
-            </a:pPr>
-            <a:r>
-              <a:rPr lang="en-US" sz="2800" spc="-1" strike="noStrike">
-                <a:uFill>
-                  <a:solidFill>
-                    <a:srgbClr val="ffffff"/>
-                  </a:solidFill>
-                </a:uFill>
-                <a:latin typeface="Arial"/>
-              </a:rPr>
-              <a:t>Gegeben: TCP → (X,Y,Z) und Orientierung</a:t>
-            </a:r>
-            <a:endParaRPr/>
-          </a:p>
-          <a:p>
-            <a:pPr marL="432000" indent="-323640">
-              <a:lnSpc>
-                <a:spcPct val="100000"/>
-              </a:lnSpc>
-              <a:buClr>
-                <a:srgbClr val="ffffff"/>
-              </a:buClr>
-              <a:buSzPct val="45000"/>
-              <a:buFont typeface="StarSymbol"/>
-              <a:buChar char="l"/>
-            </a:pPr>
-            <a:r>
-              <a:rPr lang="en-US" sz="2800" spc="-1" strike="noStrike">
-                <a:uFill>
-                  <a:solidFill>
-                    <a:srgbClr val="ffffff"/>
-                  </a:solidFill>
-                </a:uFill>
-                <a:latin typeface="Arial"/>
-              </a:rPr>
-              <a:t> </a:t>
-            </a:r>
-            <a:endParaRPr/>
-          </a:p>
-          <a:p>
-            <a:pPr marL="432000" indent="-323640">
-              <a:lnSpc>
-                <a:spcPct val="100000"/>
-              </a:lnSpc>
-              <a:buClr>
-                <a:srgbClr val="ffffff"/>
-              </a:buClr>
-              <a:buSzPct val="45000"/>
-              <a:buFont typeface="StarSymbol"/>
-              <a:buChar char="l"/>
-            </a:pPr>
-            <a:r>
-              <a:rPr lang="en-US" sz="2800" spc="-1" strike="noStrike">
-                <a:uFill>
-                  <a:solidFill>
-                    <a:srgbClr val="ffffff"/>
-                  </a:solidFill>
-                </a:uFill>
-                <a:latin typeface="Arial"/>
-              </a:rPr>
-              <a:t>Gesucht: Gelenkwinkel Theta</a:t>
-            </a:r>
-            <a:endParaRPr/>
-          </a:p>
-          <a:p>
-            <a:pPr marL="432000" indent="-323640">
-              <a:lnSpc>
-                <a:spcPct val="100000"/>
-              </a:lnSpc>
-              <a:buClr>
-                <a:srgbClr val="ffffff"/>
-              </a:buClr>
-              <a:buSzPct val="45000"/>
-              <a:buFont typeface="StarSymbol"/>
-              <a:buChar char="l"/>
-            </a:pPr>
-            <a:r>
-              <a:rPr lang="en-US" sz="2800" spc="-1" strike="noStrike">
-                <a:uFill>
-                  <a:solidFill>
-                    <a:srgbClr val="ffffff"/>
-                  </a:solidFill>
-                </a:uFill>
-                <a:latin typeface="Arial"/>
-              </a:rPr>
-              <a:t> </a:t>
-            </a:r>
-            <a:endParaRPr/>
-          </a:p>
-          <a:p>
-            <a:pPr marL="432000" indent="-323640">
-              <a:lnSpc>
-                <a:spcPct val="100000"/>
-              </a:lnSpc>
-              <a:buClr>
-                <a:srgbClr val="ffffff"/>
-              </a:buClr>
-              <a:buSzPct val="45000"/>
-              <a:buFont typeface="StarSymbol"/>
-              <a:buChar char="l"/>
-            </a:pPr>
-            <a:r>
-              <a:rPr lang="en-US" sz="2800" spc="-1" strike="noStrike">
-                <a:uFill>
-                  <a:solidFill>
-                    <a:srgbClr val="ffffff"/>
-                  </a:solidFill>
-                </a:uFill>
-                <a:latin typeface="Arial"/>
-              </a:rPr>
-              <a:t>Wichtig für automatisierte Bewegungen</a:t>
-            </a:r>
-            <a:endParaRPr/>
-          </a:p>
-          <a:p>
-            <a:pPr marL="432000" indent="-323640">
-              <a:lnSpc>
-                <a:spcPct val="100000"/>
-              </a:lnSpc>
-              <a:buClr>
-                <a:srgbClr val="ffffff"/>
-              </a:buClr>
-              <a:buSzPct val="45000"/>
-              <a:buFont typeface="StarSymbol"/>
-              <a:buChar char="l"/>
-            </a:pPr>
-            <a:r>
-              <a:rPr lang="en-US" sz="2800" spc="-1" strike="noStrike">
-                <a:uFill>
-                  <a:solidFill>
-                    <a:srgbClr val="ffffff"/>
-                  </a:solidFill>
-                </a:uFill>
-                <a:latin typeface="Arial"/>
-              </a:rPr>
-              <a:t> </a:t>
-            </a:r>
-            <a:endParaRPr/>
-          </a:p>
-        </p:txBody>
-      </p:sp>
+      </p:pic>
     </p:spTree>
   </p:cSld>
+  <p:clrMapOvr>
+    <a:masterClrMapping/>
+  </p:clrMapOvr>
   <p:timing>
     <p:tnLst>
       <p:par>
-        <p:cTn id="17" dur="indefinite" restart="never" nodeType="tmRoot">
+        <p:cTn id="1" dur="indefinite" restart="never" nodeType="tmRoot">
           <p:childTnLst>
             <p:seq>
-              <p:cTn id="18" nodeType="mainSeq"/>
+              <p:cTn id="2" nodeType="mainSeq"/>
               <p:prevCondLst>
-                <p:cond delay="0" evt="onPrev">
+                <p:cond evt="onPrev" delay="0">
                   <p:tgtEl>
                     <p:sldTgt/>
                   </p:tgtEl>
                 </p:cond>
               </p:prevCondLst>
               <p:nextCondLst>
-                <p:cond delay="0" evt="onNext">
+                <p:cond evt="onNext" delay="0">
                   <p:tgtEl>
                     <p:sldTgt/>
                   </p:tgtEl>
@@ -8302,6 +10429,8 @@
       </a:bgFillStyleLst>
     </a:fmtScheme>
   </a:themeElements>
+  <a:objectDefaults/>
+  <a:extraClrSchemeLst/>
 </a:theme>
 </file>
 
@@ -8525,6 +10654,8 @@
       </a:bgFillStyleLst>
     </a:fmtScheme>
   </a:themeElements>
+  <a:objectDefaults/>
+  <a:extraClrSchemeLst/>
 </a:theme>
 </file>
 
@@ -8748,5 +10879,7 @@
       </a:bgFillStyleLst>
     </a:fmtScheme>
   </a:themeElements>
+  <a:objectDefaults/>
+  <a:extraClrSchemeLst/>
 </a:theme>
 </file>